--- a/smallAnimation.pptx
+++ b/smallAnimation.pptx
@@ -6,17 +6,18 @@
   </p:sldMasterIdLst>
   <p:sldIdLst>
     <p:sldId id="256" r:id="rId2"/>
-    <p:sldId id="257" r:id="rId3"/>
-    <p:sldId id="263" r:id="rId4"/>
-    <p:sldId id="258" r:id="rId5"/>
-    <p:sldId id="264" r:id="rId6"/>
-    <p:sldId id="259" r:id="rId7"/>
-    <p:sldId id="265" r:id="rId8"/>
-    <p:sldId id="260" r:id="rId9"/>
-    <p:sldId id="266" r:id="rId10"/>
-    <p:sldId id="261" r:id="rId11"/>
-    <p:sldId id="267" r:id="rId12"/>
-    <p:sldId id="262" r:id="rId13"/>
+    <p:sldId id="268" r:id="rId3"/>
+    <p:sldId id="257" r:id="rId4"/>
+    <p:sldId id="263" r:id="rId5"/>
+    <p:sldId id="258" r:id="rId6"/>
+    <p:sldId id="264" r:id="rId7"/>
+    <p:sldId id="259" r:id="rId8"/>
+    <p:sldId id="265" r:id="rId9"/>
+    <p:sldId id="260" r:id="rId10"/>
+    <p:sldId id="266" r:id="rId11"/>
+    <p:sldId id="261" r:id="rId12"/>
+    <p:sldId id="267" r:id="rId13"/>
+    <p:sldId id="262" r:id="rId14"/>
   </p:sldIdLst>
   <p:sldSz cx="12192000" cy="6858000"/>
   <p:notesSz cx="6858000" cy="9144000"/>
@@ -115,6 +116,11 @@
       </a:defRPr>
     </a:lvl9pPr>
   </p:defaultTextStyle>
+  <p:extLst>
+    <p:ext uri="{EFAFB233-063F-42B5-8137-9DF3F51BA10A}">
+      <p15:sldGuideLst xmlns:p15="http://schemas.microsoft.com/office/powerpoint/2012/main"/>
+    </p:ext>
+  </p:extLst>
 </p:presentation>
 </file>
 
@@ -249,7 +255,7 @@
           <a:p>
             <a:fld id="{898FE0C3-8F77-45B6-B8B8-3CA0B302C619}" type="datetimeFigureOut">
               <a:rPr lang="en-US" smtClean="0"/>
-              <a:t>12/7/2014</a:t>
+              <a:t>12/10/2014</a:t>
             </a:fld>
             <a:endParaRPr lang="en-US"/>
           </a:p>
@@ -419,7 +425,7 @@
           <a:p>
             <a:fld id="{898FE0C3-8F77-45B6-B8B8-3CA0B302C619}" type="datetimeFigureOut">
               <a:rPr lang="en-US" smtClean="0"/>
-              <a:t>12/7/2014</a:t>
+              <a:t>12/10/2014</a:t>
             </a:fld>
             <a:endParaRPr lang="en-US"/>
           </a:p>
@@ -599,7 +605,7 @@
           <a:p>
             <a:fld id="{898FE0C3-8F77-45B6-B8B8-3CA0B302C619}" type="datetimeFigureOut">
               <a:rPr lang="en-US" smtClean="0"/>
-              <a:t>12/7/2014</a:t>
+              <a:t>12/10/2014</a:t>
             </a:fld>
             <a:endParaRPr lang="en-US"/>
           </a:p>
@@ -769,7 +775,7 @@
           <a:p>
             <a:fld id="{898FE0C3-8F77-45B6-B8B8-3CA0B302C619}" type="datetimeFigureOut">
               <a:rPr lang="en-US" smtClean="0"/>
-              <a:t>12/7/2014</a:t>
+              <a:t>12/10/2014</a:t>
             </a:fld>
             <a:endParaRPr lang="en-US"/>
           </a:p>
@@ -1015,7 +1021,7 @@
           <a:p>
             <a:fld id="{898FE0C3-8F77-45B6-B8B8-3CA0B302C619}" type="datetimeFigureOut">
               <a:rPr lang="en-US" smtClean="0"/>
-              <a:t>12/7/2014</a:t>
+              <a:t>12/10/2014</a:t>
             </a:fld>
             <a:endParaRPr lang="en-US"/>
           </a:p>
@@ -1247,7 +1253,7 @@
           <a:p>
             <a:fld id="{898FE0C3-8F77-45B6-B8B8-3CA0B302C619}" type="datetimeFigureOut">
               <a:rPr lang="en-US" smtClean="0"/>
-              <a:t>12/7/2014</a:t>
+              <a:t>12/10/2014</a:t>
             </a:fld>
             <a:endParaRPr lang="en-US"/>
           </a:p>
@@ -1614,7 +1620,7 @@
           <a:p>
             <a:fld id="{898FE0C3-8F77-45B6-B8B8-3CA0B302C619}" type="datetimeFigureOut">
               <a:rPr lang="en-US" smtClean="0"/>
-              <a:t>12/7/2014</a:t>
+              <a:t>12/10/2014</a:t>
             </a:fld>
             <a:endParaRPr lang="en-US"/>
           </a:p>
@@ -1732,7 +1738,7 @@
           <a:p>
             <a:fld id="{898FE0C3-8F77-45B6-B8B8-3CA0B302C619}" type="datetimeFigureOut">
               <a:rPr lang="en-US" smtClean="0"/>
-              <a:t>12/7/2014</a:t>
+              <a:t>12/10/2014</a:t>
             </a:fld>
             <a:endParaRPr lang="en-US"/>
           </a:p>
@@ -1827,7 +1833,7 @@
           <a:p>
             <a:fld id="{898FE0C3-8F77-45B6-B8B8-3CA0B302C619}" type="datetimeFigureOut">
               <a:rPr lang="en-US" smtClean="0"/>
-              <a:t>12/7/2014</a:t>
+              <a:t>12/10/2014</a:t>
             </a:fld>
             <a:endParaRPr lang="en-US"/>
           </a:p>
@@ -2104,7 +2110,7 @@
           <a:p>
             <a:fld id="{898FE0C3-8F77-45B6-B8B8-3CA0B302C619}" type="datetimeFigureOut">
               <a:rPr lang="en-US" smtClean="0"/>
-              <a:t>12/7/2014</a:t>
+              <a:t>12/10/2014</a:t>
             </a:fld>
             <a:endParaRPr lang="en-US"/>
           </a:p>
@@ -2357,7 +2363,7 @@
           <a:p>
             <a:fld id="{898FE0C3-8F77-45B6-B8B8-3CA0B302C619}" type="datetimeFigureOut">
               <a:rPr lang="en-US" smtClean="0"/>
-              <a:t>12/7/2014</a:t>
+              <a:t>12/10/2014</a:t>
             </a:fld>
             <a:endParaRPr lang="en-US"/>
           </a:p>
@@ -2570,7 +2576,7 @@
           <a:p>
             <a:fld id="{898FE0C3-8F77-45B6-B8B8-3CA0B302C619}" type="datetimeFigureOut">
               <a:rPr lang="en-US" smtClean="0"/>
-              <a:t>12/7/2014</a:t>
+              <a:t>12/10/2014</a:t>
             </a:fld>
             <a:endParaRPr lang="en-US"/>
           </a:p>
@@ -2990,7 +2996,11 @@
           <a:bodyPr/>
           <a:lstStyle/>
           <a:p>
-            <a:endParaRPr lang="en-US"/>
+            <a:r>
+              <a:rPr lang="en-US" dirty="0" smtClean="0"/>
+              <a:t>MCP+2-opt</a:t>
+            </a:r>
+            <a:endParaRPr lang="en-US" dirty="0"/>
           </a:p>
         </p:txBody>
       </p:sp>
@@ -3009,7 +3019,11 @@
           <a:bodyPr/>
           <a:lstStyle/>
           <a:p>
-            <a:endParaRPr lang="en-US"/>
+            <a:r>
+              <a:rPr lang="en-US" dirty="0" smtClean="0"/>
+              <a:t>Monte-Carlo “Popularity” with 2-opt</a:t>
+            </a:r>
+            <a:endParaRPr lang="en-US" dirty="0"/>
           </a:p>
         </p:txBody>
       </p:sp>
@@ -3027,6 +3041,230 @@
 </file>
 
 <file path=ppt/slides/slide10.xml><?xml version="1.0" encoding="utf-8"?>
+<p:sld xmlns:a="http://schemas.openxmlformats.org/drawingml/2006/main" xmlns:r="http://schemas.openxmlformats.org/officeDocument/2006/relationships" xmlns:p="http://schemas.openxmlformats.org/presentationml/2006/main">
+  <p:cSld>
+    <p:spTree>
+      <p:nvGrpSpPr>
+        <p:cNvPr id="1" name=""/>
+        <p:cNvGrpSpPr/>
+        <p:nvPr/>
+      </p:nvGrpSpPr>
+      <p:grpSpPr>
+        <a:xfrm>
+          <a:off x="0" y="0"/>
+          <a:ext cx="0" cy="0"/>
+          <a:chOff x="0" y="0"/>
+          <a:chExt cx="0" cy="0"/>
+        </a:xfrm>
+      </p:grpSpPr>
+      <p:pic>
+        <p:nvPicPr>
+          <p:cNvPr id="4" name="Picture 3"/>
+          <p:cNvPicPr>
+            <a:picLocks noChangeAspect="1"/>
+          </p:cNvPicPr>
+          <p:nvPr/>
+        </p:nvPicPr>
+        <p:blipFill>
+          <a:blip r:embed="rId2">
+            <a:extLst>
+              <a:ext uri="{28A0092B-C50C-407E-A947-70E740481C1C}">
+                <a14:useLocalDpi xmlns:a14="http://schemas.microsoft.com/office/drawing/2010/main" val="0"/>
+              </a:ext>
+            </a:extLst>
+          </a:blip>
+          <a:stretch>
+            <a:fillRect/>
+          </a:stretch>
+        </p:blipFill>
+        <p:spPr>
+          <a:xfrm>
+            <a:off x="0" y="0"/>
+            <a:ext cx="4572001" cy="6858000"/>
+          </a:xfrm>
+          <a:prstGeom prst="rect">
+            <a:avLst/>
+          </a:prstGeom>
+        </p:spPr>
+      </p:pic>
+      <p:sp>
+        <p:nvSpPr>
+          <p:cNvPr id="5" name="TextBox 4"/>
+          <p:cNvSpPr txBox="1"/>
+          <p:nvPr/>
+        </p:nvSpPr>
+        <p:spPr>
+          <a:xfrm>
+            <a:off x="4572001" y="991674"/>
+            <a:ext cx="5009882" cy="923330"/>
+          </a:xfrm>
+          <a:prstGeom prst="rect">
+            <a:avLst/>
+          </a:prstGeom>
+          <a:noFill/>
+        </p:spPr>
+        <p:txBody>
+          <a:bodyPr wrap="square" rtlCol="0">
+            <a:spAutoFit/>
+          </a:bodyPr>
+          <a:lstStyle/>
+          <a:p>
+            <a:r>
+              <a:rPr lang="en-US" sz="5400" b="1" dirty="0" smtClean="0">
+                <a:latin typeface="Courier New" panose="02070309020205020404" pitchFamily="49" charset="0"/>
+                <a:cs typeface="Courier New" panose="02070309020205020404" pitchFamily="49" charset="0"/>
+              </a:rPr>
+              <a:t>A C D E F B</a:t>
+            </a:r>
+            <a:endParaRPr lang="en-US" sz="5400" b="1" dirty="0">
+              <a:latin typeface="Courier New" panose="02070309020205020404" pitchFamily="49" charset="0"/>
+              <a:cs typeface="Courier New" panose="02070309020205020404" pitchFamily="49" charset="0"/>
+            </a:endParaRPr>
+          </a:p>
+        </p:txBody>
+      </p:sp>
+      <p:sp>
+        <p:nvSpPr>
+          <p:cNvPr id="7" name="TextBox 6"/>
+          <p:cNvSpPr txBox="1"/>
+          <p:nvPr/>
+        </p:nvSpPr>
+        <p:spPr>
+          <a:xfrm>
+            <a:off x="10906261" y="991674"/>
+            <a:ext cx="1071092" cy="923330"/>
+          </a:xfrm>
+          <a:prstGeom prst="rect">
+            <a:avLst/>
+          </a:prstGeom>
+          <a:noFill/>
+        </p:spPr>
+        <p:txBody>
+          <a:bodyPr wrap="square" rtlCol="0">
+            <a:spAutoFit/>
+          </a:bodyPr>
+          <a:lstStyle/>
+          <a:p>
+            <a:r>
+              <a:rPr lang="en-US" sz="5400" b="1" dirty="0" smtClean="0">
+                <a:latin typeface="Courier New" panose="02070309020205020404" pitchFamily="49" charset="0"/>
+                <a:cs typeface="Courier New" panose="02070309020205020404" pitchFamily="49" charset="0"/>
+              </a:rPr>
+              <a:t>12</a:t>
+            </a:r>
+            <a:endParaRPr lang="en-US" sz="5400" b="1" dirty="0">
+              <a:latin typeface="Courier New" panose="02070309020205020404" pitchFamily="49" charset="0"/>
+              <a:cs typeface="Courier New" panose="02070309020205020404" pitchFamily="49" charset="0"/>
+            </a:endParaRPr>
+          </a:p>
+        </p:txBody>
+      </p:sp>
+      <p:sp>
+        <p:nvSpPr>
+          <p:cNvPr id="6" name="Rounded Rectangle 5"/>
+          <p:cNvSpPr/>
+          <p:nvPr/>
+        </p:nvSpPr>
+        <p:spPr>
+          <a:xfrm>
+            <a:off x="5228823" y="991674"/>
+            <a:ext cx="927279" cy="923330"/>
+          </a:xfrm>
+          <a:prstGeom prst="roundRect">
+            <a:avLst/>
+          </a:prstGeom>
+          <a:noFill/>
+          <a:ln>
+            <a:solidFill>
+              <a:srgbClr val="FF0000"/>
+            </a:solidFill>
+          </a:ln>
+        </p:spPr>
+        <p:style>
+          <a:lnRef idx="2">
+            <a:schemeClr val="accent6"/>
+          </a:lnRef>
+          <a:fillRef idx="1">
+            <a:schemeClr val="lt1"/>
+          </a:fillRef>
+          <a:effectRef idx="0">
+            <a:schemeClr val="accent6"/>
+          </a:effectRef>
+          <a:fontRef idx="minor">
+            <a:schemeClr val="dk1"/>
+          </a:fontRef>
+        </p:style>
+        <p:txBody>
+          <a:bodyPr rtlCol="0" anchor="ctr"/>
+          <a:lstStyle/>
+          <a:p>
+            <a:pPr algn="ctr"/>
+            <a:endParaRPr lang="en-US"/>
+          </a:p>
+        </p:txBody>
+      </p:sp>
+      <p:sp>
+        <p:nvSpPr>
+          <p:cNvPr id="8" name="Rounded Rectangle 7"/>
+          <p:cNvSpPr/>
+          <p:nvPr/>
+        </p:nvSpPr>
+        <p:spPr>
+          <a:xfrm>
+            <a:off x="7688688" y="991674"/>
+            <a:ext cx="927279" cy="923330"/>
+          </a:xfrm>
+          <a:prstGeom prst="roundRect">
+            <a:avLst/>
+          </a:prstGeom>
+          <a:noFill/>
+          <a:ln>
+            <a:solidFill>
+              <a:schemeClr val="accent1"/>
+            </a:solidFill>
+          </a:ln>
+        </p:spPr>
+        <p:style>
+          <a:lnRef idx="2">
+            <a:schemeClr val="accent6"/>
+          </a:lnRef>
+          <a:fillRef idx="1">
+            <a:schemeClr val="lt1"/>
+          </a:fillRef>
+          <a:effectRef idx="0">
+            <a:schemeClr val="accent6"/>
+          </a:effectRef>
+          <a:fontRef idx="minor">
+            <a:schemeClr val="dk1"/>
+          </a:fontRef>
+        </p:style>
+        <p:txBody>
+          <a:bodyPr rtlCol="0" anchor="ctr"/>
+          <a:lstStyle/>
+          <a:p>
+            <a:pPr algn="ctr"/>
+            <a:endParaRPr lang="en-US">
+              <a:solidFill>
+                <a:srgbClr val="0070C0"/>
+              </a:solidFill>
+            </a:endParaRPr>
+          </a:p>
+        </p:txBody>
+      </p:sp>
+    </p:spTree>
+    <p:extLst>
+      <p:ext uri="{BB962C8B-B14F-4D97-AF65-F5344CB8AC3E}">
+        <p14:creationId xmlns:p14="http://schemas.microsoft.com/office/powerpoint/2010/main" val="1490565954"/>
+      </p:ext>
+    </p:extLst>
+  </p:cSld>
+  <p:clrMapOvr>
+    <a:masterClrMapping/>
+  </p:clrMapOvr>
+</p:sld>
+</file>
+
+<file path=ppt/slides/slide11.xml><?xml version="1.0" encoding="utf-8"?>
 <p:sld xmlns:a="http://schemas.openxmlformats.org/drawingml/2006/main" xmlns:r="http://schemas.openxmlformats.org/officeDocument/2006/relationships" xmlns:p="http://schemas.openxmlformats.org/presentationml/2006/main">
   <p:cSld>
     <p:spTree>
@@ -3250,7 +3488,7 @@
 </p:sld>
 </file>
 
-<file path=ppt/slides/slide11.xml><?xml version="1.0" encoding="utf-8"?>
+<file path=ppt/slides/slide12.xml><?xml version="1.0" encoding="utf-8"?>
 <p:sld xmlns:a="http://schemas.openxmlformats.org/drawingml/2006/main" xmlns:r="http://schemas.openxmlformats.org/officeDocument/2006/relationships" xmlns:p="http://schemas.openxmlformats.org/presentationml/2006/main">
   <p:cSld>
     <p:spTree>
@@ -3474,7 +3712,7 @@
 </p:sld>
 </file>
 
-<file path=ppt/slides/slide12.xml><?xml version="1.0" encoding="utf-8"?>
+<file path=ppt/slides/slide13.xml><?xml version="1.0" encoding="utf-8"?>
 <p:sld xmlns:a="http://schemas.openxmlformats.org/drawingml/2006/main" xmlns:r="http://schemas.openxmlformats.org/officeDocument/2006/relationships" xmlns:p="http://schemas.openxmlformats.org/presentationml/2006/main">
   <p:cSld>
     <p:spTree>
@@ -3715,112 +3953,48 @@
           <a:chExt cx="0" cy="0"/>
         </a:xfrm>
       </p:grpSpPr>
-      <p:pic>
-        <p:nvPicPr>
-          <p:cNvPr id="4" name="Picture 3"/>
-          <p:cNvPicPr>
-            <a:picLocks noChangeAspect="1"/>
-          </p:cNvPicPr>
-          <p:nvPr/>
-        </p:nvPicPr>
-        <p:blipFill>
-          <a:blip r:embed="rId2">
-            <a:extLst>
-              <a:ext uri="{28A0092B-C50C-407E-A947-70E740481C1C}">
-                <a14:useLocalDpi xmlns:a14="http://schemas.microsoft.com/office/drawing/2010/main" val="0"/>
-              </a:ext>
-            </a:extLst>
-          </a:blip>
-          <a:stretch>
-            <a:fillRect/>
-          </a:stretch>
-        </p:blipFill>
-        <p:spPr>
-          <a:xfrm>
-            <a:off x="0" y="0"/>
-            <a:ext cx="4572001" cy="6858000"/>
-          </a:xfrm>
-          <a:prstGeom prst="rect">
-            <a:avLst/>
-          </a:prstGeom>
-        </p:spPr>
-      </p:pic>
-      <p:sp>
-        <p:nvSpPr>
-          <p:cNvPr id="5" name="TextBox 4"/>
-          <p:cNvSpPr txBox="1"/>
-          <p:nvPr/>
-        </p:nvSpPr>
-        <p:spPr>
-          <a:xfrm>
-            <a:off x="4572001" y="991674"/>
-            <a:ext cx="5009882" cy="923330"/>
-          </a:xfrm>
-          <a:prstGeom prst="rect">
-            <a:avLst/>
-          </a:prstGeom>
-          <a:noFill/>
-        </p:spPr>
-        <p:txBody>
-          <a:bodyPr wrap="square" rtlCol="0">
-            <a:spAutoFit/>
-          </a:bodyPr>
-          <a:lstStyle/>
-          <a:p>
-            <a:r>
-              <a:rPr lang="en-US" sz="5400" b="1" dirty="0" smtClean="0">
-                <a:latin typeface="Courier New" panose="02070309020205020404" pitchFamily="49" charset="0"/>
-                <a:cs typeface="Courier New" panose="02070309020205020404" pitchFamily="49" charset="0"/>
-              </a:rPr>
-              <a:t>A C D E F B</a:t>
-            </a:r>
-            <a:endParaRPr lang="en-US" sz="5400" b="1" dirty="0">
-              <a:latin typeface="Courier New" panose="02070309020205020404" pitchFamily="49" charset="0"/>
-              <a:cs typeface="Courier New" panose="02070309020205020404" pitchFamily="49" charset="0"/>
-            </a:endParaRPr>
-          </a:p>
-        </p:txBody>
-      </p:sp>
-      <p:sp>
-        <p:nvSpPr>
-          <p:cNvPr id="7" name="TextBox 6"/>
-          <p:cNvSpPr txBox="1"/>
-          <p:nvPr/>
-        </p:nvSpPr>
-        <p:spPr>
-          <a:xfrm>
-            <a:off x="10906261" y="991674"/>
-            <a:ext cx="1071092" cy="923330"/>
-          </a:xfrm>
-          <a:prstGeom prst="rect">
-            <a:avLst/>
-          </a:prstGeom>
-          <a:noFill/>
-        </p:spPr>
-        <p:txBody>
-          <a:bodyPr wrap="square" rtlCol="0">
-            <a:spAutoFit/>
-          </a:bodyPr>
-          <a:lstStyle/>
-          <a:p>
-            <a:r>
-              <a:rPr lang="en-US" sz="5400" b="1" dirty="0" smtClean="0">
-                <a:latin typeface="Courier New" panose="02070309020205020404" pitchFamily="49" charset="0"/>
-                <a:cs typeface="Courier New" panose="02070309020205020404" pitchFamily="49" charset="0"/>
-              </a:rPr>
-              <a:t>12</a:t>
-            </a:r>
-            <a:endParaRPr lang="en-US" sz="5400" b="1" dirty="0">
-              <a:latin typeface="Courier New" panose="02070309020205020404" pitchFamily="49" charset="0"/>
-              <a:cs typeface="Courier New" panose="02070309020205020404" pitchFamily="49" charset="0"/>
-            </a:endParaRPr>
+      <p:sp>
+        <p:nvSpPr>
+          <p:cNvPr id="2" name="Title 1"/>
+          <p:cNvSpPr>
+            <a:spLocks noGrp="1"/>
+          </p:cNvSpPr>
+          <p:nvPr>
+            <p:ph type="title"/>
+          </p:nvPr>
+        </p:nvSpPr>
+        <p:spPr/>
+        <p:txBody>
+          <a:bodyPr/>
+          <a:lstStyle/>
+          <a:p>
+            <a:endParaRPr lang="en-US"/>
+          </a:p>
+        </p:txBody>
+      </p:sp>
+      <p:sp>
+        <p:nvSpPr>
+          <p:cNvPr id="3" name="Content Placeholder 2"/>
+          <p:cNvSpPr>
+            <a:spLocks noGrp="1"/>
+          </p:cNvSpPr>
+          <p:nvPr>
+            <p:ph idx="1"/>
+          </p:nvPr>
+        </p:nvSpPr>
+        <p:spPr/>
+        <p:txBody>
+          <a:bodyPr/>
+          <a:lstStyle/>
+          <a:p>
+            <a:endParaRPr lang="en-US"/>
           </a:p>
         </p:txBody>
       </p:sp>
     </p:spTree>
     <p:extLst>
       <p:ext uri="{BB962C8B-B14F-4D97-AF65-F5344CB8AC3E}">
-        <p14:creationId xmlns:p14="http://schemas.microsoft.com/office/powerpoint/2010/main" val="3800994665"/>
+        <p14:creationId xmlns:p14="http://schemas.microsoft.com/office/powerpoint/2010/main" val="3759121014"/>
       </p:ext>
     </p:extLst>
   </p:cSld>
@@ -3949,6 +4123,138 @@
           </a:p>
         </p:txBody>
       </p:sp>
+    </p:spTree>
+    <p:extLst>
+      <p:ext uri="{BB962C8B-B14F-4D97-AF65-F5344CB8AC3E}">
+        <p14:creationId xmlns:p14="http://schemas.microsoft.com/office/powerpoint/2010/main" val="3800994665"/>
+      </p:ext>
+    </p:extLst>
+  </p:cSld>
+  <p:clrMapOvr>
+    <a:masterClrMapping/>
+  </p:clrMapOvr>
+</p:sld>
+</file>
+
+<file path=ppt/slides/slide4.xml><?xml version="1.0" encoding="utf-8"?>
+<p:sld xmlns:a="http://schemas.openxmlformats.org/drawingml/2006/main" xmlns:r="http://schemas.openxmlformats.org/officeDocument/2006/relationships" xmlns:p="http://schemas.openxmlformats.org/presentationml/2006/main">
+  <p:cSld>
+    <p:spTree>
+      <p:nvGrpSpPr>
+        <p:cNvPr id="1" name=""/>
+        <p:cNvGrpSpPr/>
+        <p:nvPr/>
+      </p:nvGrpSpPr>
+      <p:grpSpPr>
+        <a:xfrm>
+          <a:off x="0" y="0"/>
+          <a:ext cx="0" cy="0"/>
+          <a:chOff x="0" y="0"/>
+          <a:chExt cx="0" cy="0"/>
+        </a:xfrm>
+      </p:grpSpPr>
+      <p:pic>
+        <p:nvPicPr>
+          <p:cNvPr id="4" name="Picture 3"/>
+          <p:cNvPicPr>
+            <a:picLocks noChangeAspect="1"/>
+          </p:cNvPicPr>
+          <p:nvPr/>
+        </p:nvPicPr>
+        <p:blipFill>
+          <a:blip r:embed="rId2">
+            <a:extLst>
+              <a:ext uri="{28A0092B-C50C-407E-A947-70E740481C1C}">
+                <a14:useLocalDpi xmlns:a14="http://schemas.microsoft.com/office/drawing/2010/main" val="0"/>
+              </a:ext>
+            </a:extLst>
+          </a:blip>
+          <a:stretch>
+            <a:fillRect/>
+          </a:stretch>
+        </p:blipFill>
+        <p:spPr>
+          <a:xfrm>
+            <a:off x="0" y="0"/>
+            <a:ext cx="4572001" cy="6858000"/>
+          </a:xfrm>
+          <a:prstGeom prst="rect">
+            <a:avLst/>
+          </a:prstGeom>
+        </p:spPr>
+      </p:pic>
+      <p:sp>
+        <p:nvSpPr>
+          <p:cNvPr id="5" name="TextBox 4"/>
+          <p:cNvSpPr txBox="1"/>
+          <p:nvPr/>
+        </p:nvSpPr>
+        <p:spPr>
+          <a:xfrm>
+            <a:off x="4572001" y="991674"/>
+            <a:ext cx="5009882" cy="923330"/>
+          </a:xfrm>
+          <a:prstGeom prst="rect">
+            <a:avLst/>
+          </a:prstGeom>
+          <a:noFill/>
+        </p:spPr>
+        <p:txBody>
+          <a:bodyPr wrap="square" rtlCol="0">
+            <a:spAutoFit/>
+          </a:bodyPr>
+          <a:lstStyle/>
+          <a:p>
+            <a:r>
+              <a:rPr lang="en-US" sz="5400" b="1" dirty="0" smtClean="0">
+                <a:latin typeface="Courier New" panose="02070309020205020404" pitchFamily="49" charset="0"/>
+                <a:cs typeface="Courier New" panose="02070309020205020404" pitchFamily="49" charset="0"/>
+              </a:rPr>
+              <a:t>A C D E F B</a:t>
+            </a:r>
+            <a:endParaRPr lang="en-US" sz="5400" b="1" dirty="0">
+              <a:latin typeface="Courier New" panose="02070309020205020404" pitchFamily="49" charset="0"/>
+              <a:cs typeface="Courier New" panose="02070309020205020404" pitchFamily="49" charset="0"/>
+            </a:endParaRPr>
+          </a:p>
+        </p:txBody>
+      </p:sp>
+      <p:sp>
+        <p:nvSpPr>
+          <p:cNvPr id="7" name="TextBox 6"/>
+          <p:cNvSpPr txBox="1"/>
+          <p:nvPr/>
+        </p:nvSpPr>
+        <p:spPr>
+          <a:xfrm>
+            <a:off x="10906261" y="991674"/>
+            <a:ext cx="1071092" cy="923330"/>
+          </a:xfrm>
+          <a:prstGeom prst="rect">
+            <a:avLst/>
+          </a:prstGeom>
+          <a:noFill/>
+        </p:spPr>
+        <p:txBody>
+          <a:bodyPr wrap="square" rtlCol="0">
+            <a:spAutoFit/>
+          </a:bodyPr>
+          <a:lstStyle/>
+          <a:p>
+            <a:r>
+              <a:rPr lang="en-US" sz="5400" b="1" dirty="0" smtClean="0">
+                <a:latin typeface="Courier New" panose="02070309020205020404" pitchFamily="49" charset="0"/>
+                <a:cs typeface="Courier New" panose="02070309020205020404" pitchFamily="49" charset="0"/>
+              </a:rPr>
+              <a:t>12</a:t>
+            </a:r>
+            <a:endParaRPr lang="en-US" sz="5400" b="1" dirty="0">
+              <a:latin typeface="Courier New" panose="02070309020205020404" pitchFamily="49" charset="0"/>
+              <a:cs typeface="Courier New" panose="02070309020205020404" pitchFamily="49" charset="0"/>
+            </a:endParaRPr>
+          </a:p>
+        </p:txBody>
+      </p:sp>
       <p:sp>
         <p:nvSpPr>
           <p:cNvPr id="6" name="Rounded Rectangle 5"/>
@@ -4054,7 +4360,7 @@
 </p:sld>
 </file>
 
-<file path=ppt/slides/slide4.xml><?xml version="1.0" encoding="utf-8"?>
+<file path=ppt/slides/slide5.xml><?xml version="1.0" encoding="utf-8"?>
 <p:sld xmlns:a="http://schemas.openxmlformats.org/drawingml/2006/main" xmlns:r="http://schemas.openxmlformats.org/officeDocument/2006/relationships" xmlns:p="http://schemas.openxmlformats.org/presentationml/2006/main">
   <p:cSld>
     <p:spTree>
@@ -4278,7 +4584,7 @@
 </p:sld>
 </file>
 
-<file path=ppt/slides/slide5.xml><?xml version="1.0" encoding="utf-8"?>
+<file path=ppt/slides/slide6.xml><?xml version="1.0" encoding="utf-8"?>
 <p:sld xmlns:a="http://schemas.openxmlformats.org/drawingml/2006/main" xmlns:r="http://schemas.openxmlformats.org/officeDocument/2006/relationships" xmlns:p="http://schemas.openxmlformats.org/presentationml/2006/main">
   <p:cSld>
     <p:spTree>
@@ -4502,7 +4808,7 @@
 </p:sld>
 </file>
 
-<file path=ppt/slides/slide6.xml><?xml version="1.0" encoding="utf-8"?>
+<file path=ppt/slides/slide7.xml><?xml version="1.0" encoding="utf-8"?>
 <p:sld xmlns:a="http://schemas.openxmlformats.org/drawingml/2006/main" xmlns:r="http://schemas.openxmlformats.org/officeDocument/2006/relationships" xmlns:p="http://schemas.openxmlformats.org/presentationml/2006/main">
   <p:cSld>
     <p:spTree>
@@ -4726,7 +5032,7 @@
 </p:sld>
 </file>
 
-<file path=ppt/slides/slide7.xml><?xml version="1.0" encoding="utf-8"?>
+<file path=ppt/slides/slide8.xml><?xml version="1.0" encoding="utf-8"?>
 <p:sld xmlns:a="http://schemas.openxmlformats.org/drawingml/2006/main" xmlns:r="http://schemas.openxmlformats.org/officeDocument/2006/relationships" xmlns:p="http://schemas.openxmlformats.org/presentationml/2006/main">
   <p:cSld>
     <p:spTree>
@@ -4950,7 +5256,7 @@
 </p:sld>
 </file>
 
-<file path=ppt/slides/slide8.xml><?xml version="1.0" encoding="utf-8"?>
+<file path=ppt/slides/slide9.xml><?xml version="1.0" encoding="utf-8"?>
 <p:sld xmlns:a="http://schemas.openxmlformats.org/drawingml/2006/main" xmlns:r="http://schemas.openxmlformats.org/officeDocument/2006/relationships" xmlns:p="http://schemas.openxmlformats.org/presentationml/2006/main">
   <p:cSld>
     <p:spTree>
@@ -5165,230 +5471,6 @@
     <p:extLst>
       <p:ext uri="{BB962C8B-B14F-4D97-AF65-F5344CB8AC3E}">
         <p14:creationId xmlns:p14="http://schemas.microsoft.com/office/powerpoint/2010/main" val="3783106851"/>
-      </p:ext>
-    </p:extLst>
-  </p:cSld>
-  <p:clrMapOvr>
-    <a:masterClrMapping/>
-  </p:clrMapOvr>
-</p:sld>
-</file>
-
-<file path=ppt/slides/slide9.xml><?xml version="1.0" encoding="utf-8"?>
-<p:sld xmlns:a="http://schemas.openxmlformats.org/drawingml/2006/main" xmlns:r="http://schemas.openxmlformats.org/officeDocument/2006/relationships" xmlns:p="http://schemas.openxmlformats.org/presentationml/2006/main">
-  <p:cSld>
-    <p:spTree>
-      <p:nvGrpSpPr>
-        <p:cNvPr id="1" name=""/>
-        <p:cNvGrpSpPr/>
-        <p:nvPr/>
-      </p:nvGrpSpPr>
-      <p:grpSpPr>
-        <a:xfrm>
-          <a:off x="0" y="0"/>
-          <a:ext cx="0" cy="0"/>
-          <a:chOff x="0" y="0"/>
-          <a:chExt cx="0" cy="0"/>
-        </a:xfrm>
-      </p:grpSpPr>
-      <p:pic>
-        <p:nvPicPr>
-          <p:cNvPr id="4" name="Picture 3"/>
-          <p:cNvPicPr>
-            <a:picLocks noChangeAspect="1"/>
-          </p:cNvPicPr>
-          <p:nvPr/>
-        </p:nvPicPr>
-        <p:blipFill>
-          <a:blip r:embed="rId2">
-            <a:extLst>
-              <a:ext uri="{28A0092B-C50C-407E-A947-70E740481C1C}">
-                <a14:useLocalDpi xmlns:a14="http://schemas.microsoft.com/office/drawing/2010/main" val="0"/>
-              </a:ext>
-            </a:extLst>
-          </a:blip>
-          <a:stretch>
-            <a:fillRect/>
-          </a:stretch>
-        </p:blipFill>
-        <p:spPr>
-          <a:xfrm>
-            <a:off x="0" y="0"/>
-            <a:ext cx="4572001" cy="6858000"/>
-          </a:xfrm>
-          <a:prstGeom prst="rect">
-            <a:avLst/>
-          </a:prstGeom>
-        </p:spPr>
-      </p:pic>
-      <p:sp>
-        <p:nvSpPr>
-          <p:cNvPr id="5" name="TextBox 4"/>
-          <p:cNvSpPr txBox="1"/>
-          <p:nvPr/>
-        </p:nvSpPr>
-        <p:spPr>
-          <a:xfrm>
-            <a:off x="4572001" y="991674"/>
-            <a:ext cx="5009882" cy="923330"/>
-          </a:xfrm>
-          <a:prstGeom prst="rect">
-            <a:avLst/>
-          </a:prstGeom>
-          <a:noFill/>
-        </p:spPr>
-        <p:txBody>
-          <a:bodyPr wrap="square" rtlCol="0">
-            <a:spAutoFit/>
-          </a:bodyPr>
-          <a:lstStyle/>
-          <a:p>
-            <a:r>
-              <a:rPr lang="en-US" sz="5400" b="1" dirty="0" smtClean="0">
-                <a:latin typeface="Courier New" panose="02070309020205020404" pitchFamily="49" charset="0"/>
-                <a:cs typeface="Courier New" panose="02070309020205020404" pitchFamily="49" charset="0"/>
-              </a:rPr>
-              <a:t>A C D E F B</a:t>
-            </a:r>
-            <a:endParaRPr lang="en-US" sz="5400" b="1" dirty="0">
-              <a:latin typeface="Courier New" panose="02070309020205020404" pitchFamily="49" charset="0"/>
-              <a:cs typeface="Courier New" panose="02070309020205020404" pitchFamily="49" charset="0"/>
-            </a:endParaRPr>
-          </a:p>
-        </p:txBody>
-      </p:sp>
-      <p:sp>
-        <p:nvSpPr>
-          <p:cNvPr id="7" name="TextBox 6"/>
-          <p:cNvSpPr txBox="1"/>
-          <p:nvPr/>
-        </p:nvSpPr>
-        <p:spPr>
-          <a:xfrm>
-            <a:off x="10906261" y="991674"/>
-            <a:ext cx="1071092" cy="923330"/>
-          </a:xfrm>
-          <a:prstGeom prst="rect">
-            <a:avLst/>
-          </a:prstGeom>
-          <a:noFill/>
-        </p:spPr>
-        <p:txBody>
-          <a:bodyPr wrap="square" rtlCol="0">
-            <a:spAutoFit/>
-          </a:bodyPr>
-          <a:lstStyle/>
-          <a:p>
-            <a:r>
-              <a:rPr lang="en-US" sz="5400" b="1" dirty="0" smtClean="0">
-                <a:latin typeface="Courier New" panose="02070309020205020404" pitchFamily="49" charset="0"/>
-                <a:cs typeface="Courier New" panose="02070309020205020404" pitchFamily="49" charset="0"/>
-              </a:rPr>
-              <a:t>12</a:t>
-            </a:r>
-            <a:endParaRPr lang="en-US" sz="5400" b="1" dirty="0">
-              <a:latin typeface="Courier New" panose="02070309020205020404" pitchFamily="49" charset="0"/>
-              <a:cs typeface="Courier New" panose="02070309020205020404" pitchFamily="49" charset="0"/>
-            </a:endParaRPr>
-          </a:p>
-        </p:txBody>
-      </p:sp>
-      <p:sp>
-        <p:nvSpPr>
-          <p:cNvPr id="6" name="Rounded Rectangle 5"/>
-          <p:cNvSpPr/>
-          <p:nvPr/>
-        </p:nvSpPr>
-        <p:spPr>
-          <a:xfrm>
-            <a:off x="5228823" y="991674"/>
-            <a:ext cx="927279" cy="923330"/>
-          </a:xfrm>
-          <a:prstGeom prst="roundRect">
-            <a:avLst/>
-          </a:prstGeom>
-          <a:noFill/>
-          <a:ln>
-            <a:solidFill>
-              <a:srgbClr val="FF0000"/>
-            </a:solidFill>
-          </a:ln>
-        </p:spPr>
-        <p:style>
-          <a:lnRef idx="2">
-            <a:schemeClr val="accent6"/>
-          </a:lnRef>
-          <a:fillRef idx="1">
-            <a:schemeClr val="lt1"/>
-          </a:fillRef>
-          <a:effectRef idx="0">
-            <a:schemeClr val="accent6"/>
-          </a:effectRef>
-          <a:fontRef idx="minor">
-            <a:schemeClr val="dk1"/>
-          </a:fontRef>
-        </p:style>
-        <p:txBody>
-          <a:bodyPr rtlCol="0" anchor="ctr"/>
-          <a:lstStyle/>
-          <a:p>
-            <a:pPr algn="ctr"/>
-            <a:endParaRPr lang="en-US"/>
-          </a:p>
-        </p:txBody>
-      </p:sp>
-      <p:sp>
-        <p:nvSpPr>
-          <p:cNvPr id="8" name="Rounded Rectangle 7"/>
-          <p:cNvSpPr/>
-          <p:nvPr/>
-        </p:nvSpPr>
-        <p:spPr>
-          <a:xfrm>
-            <a:off x="7688688" y="991674"/>
-            <a:ext cx="927279" cy="923330"/>
-          </a:xfrm>
-          <a:prstGeom prst="roundRect">
-            <a:avLst/>
-          </a:prstGeom>
-          <a:noFill/>
-          <a:ln>
-            <a:solidFill>
-              <a:schemeClr val="accent1"/>
-            </a:solidFill>
-          </a:ln>
-        </p:spPr>
-        <p:style>
-          <a:lnRef idx="2">
-            <a:schemeClr val="accent6"/>
-          </a:lnRef>
-          <a:fillRef idx="1">
-            <a:schemeClr val="lt1"/>
-          </a:fillRef>
-          <a:effectRef idx="0">
-            <a:schemeClr val="accent6"/>
-          </a:effectRef>
-          <a:fontRef idx="minor">
-            <a:schemeClr val="dk1"/>
-          </a:fontRef>
-        </p:style>
-        <p:txBody>
-          <a:bodyPr rtlCol="0" anchor="ctr"/>
-          <a:lstStyle/>
-          <a:p>
-            <a:pPr algn="ctr"/>
-            <a:endParaRPr lang="en-US">
-              <a:solidFill>
-                <a:srgbClr val="0070C0"/>
-              </a:solidFill>
-            </a:endParaRPr>
-          </a:p>
-        </p:txBody>
-      </p:sp>
-    </p:spTree>
-    <p:extLst>
-      <p:ext uri="{BB962C8B-B14F-4D97-AF65-F5344CB8AC3E}">
-        <p14:creationId xmlns:p14="http://schemas.microsoft.com/office/powerpoint/2010/main" val="1490565954"/>
       </p:ext>
     </p:extLst>
   </p:cSld>

--- a/smallAnimation.pptx
+++ b/smallAnimation.pptx
@@ -7,17 +7,27 @@
   <p:sldIdLst>
     <p:sldId id="256" r:id="rId2"/>
     <p:sldId id="268" r:id="rId3"/>
-    <p:sldId id="257" r:id="rId4"/>
-    <p:sldId id="263" r:id="rId5"/>
-    <p:sldId id="258" r:id="rId6"/>
-    <p:sldId id="264" r:id="rId7"/>
-    <p:sldId id="259" r:id="rId8"/>
-    <p:sldId id="265" r:id="rId9"/>
-    <p:sldId id="260" r:id="rId10"/>
-    <p:sldId id="266" r:id="rId11"/>
-    <p:sldId id="261" r:id="rId12"/>
-    <p:sldId id="267" r:id="rId13"/>
-    <p:sldId id="262" r:id="rId14"/>
+    <p:sldId id="269" r:id="rId4"/>
+    <p:sldId id="271" r:id="rId5"/>
+    <p:sldId id="272" r:id="rId6"/>
+    <p:sldId id="273" r:id="rId7"/>
+    <p:sldId id="274" r:id="rId8"/>
+    <p:sldId id="275" r:id="rId9"/>
+    <p:sldId id="276" r:id="rId10"/>
+    <p:sldId id="277" r:id="rId11"/>
+    <p:sldId id="257" r:id="rId12"/>
+    <p:sldId id="263" r:id="rId13"/>
+    <p:sldId id="258" r:id="rId14"/>
+    <p:sldId id="264" r:id="rId15"/>
+    <p:sldId id="259" r:id="rId16"/>
+    <p:sldId id="265" r:id="rId17"/>
+    <p:sldId id="260" r:id="rId18"/>
+    <p:sldId id="266" r:id="rId19"/>
+    <p:sldId id="261" r:id="rId20"/>
+    <p:sldId id="267" r:id="rId21"/>
+    <p:sldId id="262" r:id="rId22"/>
+    <p:sldId id="278" r:id="rId23"/>
+    <p:sldId id="279" r:id="rId24"/>
   </p:sldIdLst>
   <p:sldSz cx="12192000" cy="6858000"/>
   <p:notesSz cx="6858000" cy="9144000"/>
@@ -3057,6 +3067,110 @@
           <a:chExt cx="0" cy="0"/>
         </a:xfrm>
       </p:grpSpPr>
+      <p:sp>
+        <p:nvSpPr>
+          <p:cNvPr id="2" name="Title 1"/>
+          <p:cNvSpPr>
+            <a:spLocks noGrp="1"/>
+          </p:cNvSpPr>
+          <p:nvPr>
+            <p:ph type="title"/>
+          </p:nvPr>
+        </p:nvSpPr>
+        <p:spPr/>
+        <p:txBody>
+          <a:bodyPr/>
+          <a:lstStyle/>
+          <a:p>
+            <a:r>
+              <a:rPr lang="en-US" dirty="0" smtClean="0"/>
+              <a:t>2-Opt</a:t>
+            </a:r>
+            <a:endParaRPr lang="en-US" dirty="0"/>
+          </a:p>
+        </p:txBody>
+      </p:sp>
+      <p:sp>
+        <p:nvSpPr>
+          <p:cNvPr id="3" name="Content Placeholder 2"/>
+          <p:cNvSpPr>
+            <a:spLocks noGrp="1"/>
+          </p:cNvSpPr>
+          <p:nvPr>
+            <p:ph idx="1"/>
+          </p:nvPr>
+        </p:nvSpPr>
+        <p:spPr/>
+        <p:txBody>
+          <a:bodyPr/>
+          <a:lstStyle/>
+          <a:p>
+            <a:r>
+              <a:rPr lang="en-US" dirty="0" smtClean="0"/>
+              <a:t>Local search </a:t>
+            </a:r>
+            <a:r>
+              <a:rPr lang="en-US" dirty="0" err="1" smtClean="0"/>
+              <a:t>algo</a:t>
+            </a:r>
+            <a:r>
+              <a:rPr lang="en-US" dirty="0" smtClean="0"/>
+              <a:t> by G.A. </a:t>
+            </a:r>
+            <a:r>
+              <a:rPr lang="en-US" dirty="0" err="1" smtClean="0"/>
+              <a:t>Croes</a:t>
+            </a:r>
+            <a:r>
+              <a:rPr lang="en-US" dirty="0" smtClean="0"/>
+              <a:t> in 1958</a:t>
+            </a:r>
+          </a:p>
+          <a:p>
+            <a:r>
+              <a:rPr lang="en-US" dirty="0" smtClean="0"/>
+              <a:t>“Can it be shorter by reversing subsequences of path?”</a:t>
+            </a:r>
+          </a:p>
+          <a:p>
+            <a:r>
+              <a:rPr lang="en-US" dirty="0" smtClean="0"/>
+              <a:t>In symmetrical graphs, this will shorten any path that crosses over itself by “undoing” the cross</a:t>
+            </a:r>
+            <a:endParaRPr lang="en-US" dirty="0"/>
+          </a:p>
+        </p:txBody>
+      </p:sp>
+    </p:spTree>
+    <p:extLst>
+      <p:ext uri="{BB962C8B-B14F-4D97-AF65-F5344CB8AC3E}">
+        <p14:creationId xmlns:p14="http://schemas.microsoft.com/office/powerpoint/2010/main" val="1131478477"/>
+      </p:ext>
+    </p:extLst>
+  </p:cSld>
+  <p:clrMapOvr>
+    <a:masterClrMapping/>
+  </p:clrMapOvr>
+</p:sld>
+</file>
+
+<file path=ppt/slides/slide11.xml><?xml version="1.0" encoding="utf-8"?>
+<p:sld xmlns:a="http://schemas.openxmlformats.org/drawingml/2006/main" xmlns:r="http://schemas.openxmlformats.org/officeDocument/2006/relationships" xmlns:p="http://schemas.openxmlformats.org/presentationml/2006/main">
+  <p:cSld>
+    <p:spTree>
+      <p:nvGrpSpPr>
+        <p:cNvPr id="1" name=""/>
+        <p:cNvGrpSpPr/>
+        <p:nvPr/>
+      </p:nvGrpSpPr>
+      <p:grpSpPr>
+        <a:xfrm>
+          <a:off x="0" y="0"/>
+          <a:ext cx="0" cy="0"/>
+          <a:chOff x="0" y="0"/>
+          <a:chExt cx="0" cy="0"/>
+        </a:xfrm>
+      </p:grpSpPr>
       <p:pic>
         <p:nvPicPr>
           <p:cNvPr id="4" name="Picture 3"/>
@@ -3159,326 +3273,10 @@
           </a:p>
         </p:txBody>
       </p:sp>
-      <p:sp>
-        <p:nvSpPr>
-          <p:cNvPr id="6" name="Rounded Rectangle 5"/>
-          <p:cNvSpPr/>
-          <p:nvPr/>
-        </p:nvSpPr>
-        <p:spPr>
-          <a:xfrm>
-            <a:off x="5228823" y="991674"/>
-            <a:ext cx="927279" cy="923330"/>
-          </a:xfrm>
-          <a:prstGeom prst="roundRect">
-            <a:avLst/>
-          </a:prstGeom>
-          <a:noFill/>
-          <a:ln>
-            <a:solidFill>
-              <a:srgbClr val="FF0000"/>
-            </a:solidFill>
-          </a:ln>
-        </p:spPr>
-        <p:style>
-          <a:lnRef idx="2">
-            <a:schemeClr val="accent6"/>
-          </a:lnRef>
-          <a:fillRef idx="1">
-            <a:schemeClr val="lt1"/>
-          </a:fillRef>
-          <a:effectRef idx="0">
-            <a:schemeClr val="accent6"/>
-          </a:effectRef>
-          <a:fontRef idx="minor">
-            <a:schemeClr val="dk1"/>
-          </a:fontRef>
-        </p:style>
-        <p:txBody>
-          <a:bodyPr rtlCol="0" anchor="ctr"/>
-          <a:lstStyle/>
-          <a:p>
-            <a:pPr algn="ctr"/>
-            <a:endParaRPr lang="en-US"/>
-          </a:p>
-        </p:txBody>
-      </p:sp>
-      <p:sp>
-        <p:nvSpPr>
-          <p:cNvPr id="8" name="Rounded Rectangle 7"/>
-          <p:cNvSpPr/>
-          <p:nvPr/>
-        </p:nvSpPr>
-        <p:spPr>
-          <a:xfrm>
-            <a:off x="7688688" y="991674"/>
-            <a:ext cx="927279" cy="923330"/>
-          </a:xfrm>
-          <a:prstGeom prst="roundRect">
-            <a:avLst/>
-          </a:prstGeom>
-          <a:noFill/>
-          <a:ln>
-            <a:solidFill>
-              <a:schemeClr val="accent1"/>
-            </a:solidFill>
-          </a:ln>
-        </p:spPr>
-        <p:style>
-          <a:lnRef idx="2">
-            <a:schemeClr val="accent6"/>
-          </a:lnRef>
-          <a:fillRef idx="1">
-            <a:schemeClr val="lt1"/>
-          </a:fillRef>
-          <a:effectRef idx="0">
-            <a:schemeClr val="accent6"/>
-          </a:effectRef>
-          <a:fontRef idx="minor">
-            <a:schemeClr val="dk1"/>
-          </a:fontRef>
-        </p:style>
-        <p:txBody>
-          <a:bodyPr rtlCol="0" anchor="ctr"/>
-          <a:lstStyle/>
-          <a:p>
-            <a:pPr algn="ctr"/>
-            <a:endParaRPr lang="en-US">
-              <a:solidFill>
-                <a:srgbClr val="0070C0"/>
-              </a:solidFill>
-            </a:endParaRPr>
-          </a:p>
-        </p:txBody>
-      </p:sp>
     </p:spTree>
     <p:extLst>
       <p:ext uri="{BB962C8B-B14F-4D97-AF65-F5344CB8AC3E}">
-        <p14:creationId xmlns:p14="http://schemas.microsoft.com/office/powerpoint/2010/main" val="1490565954"/>
-      </p:ext>
-    </p:extLst>
-  </p:cSld>
-  <p:clrMapOvr>
-    <a:masterClrMapping/>
-  </p:clrMapOvr>
-</p:sld>
-</file>
-
-<file path=ppt/slides/slide11.xml><?xml version="1.0" encoding="utf-8"?>
-<p:sld xmlns:a="http://schemas.openxmlformats.org/drawingml/2006/main" xmlns:r="http://schemas.openxmlformats.org/officeDocument/2006/relationships" xmlns:p="http://schemas.openxmlformats.org/presentationml/2006/main">
-  <p:cSld>
-    <p:spTree>
-      <p:nvGrpSpPr>
-        <p:cNvPr id="1" name=""/>
-        <p:cNvGrpSpPr/>
-        <p:nvPr/>
-      </p:nvGrpSpPr>
-      <p:grpSpPr>
-        <a:xfrm>
-          <a:off x="0" y="0"/>
-          <a:ext cx="0" cy="0"/>
-          <a:chOff x="0" y="0"/>
-          <a:chExt cx="0" cy="0"/>
-        </a:xfrm>
-      </p:grpSpPr>
-      <p:pic>
-        <p:nvPicPr>
-          <p:cNvPr id="2" name="Picture 1"/>
-          <p:cNvPicPr>
-            <a:picLocks noChangeAspect="1"/>
-          </p:cNvPicPr>
-          <p:nvPr/>
-        </p:nvPicPr>
-        <p:blipFill>
-          <a:blip r:embed="rId2">
-            <a:extLst>
-              <a:ext uri="{28A0092B-C50C-407E-A947-70E740481C1C}">
-                <a14:useLocalDpi xmlns:a14="http://schemas.microsoft.com/office/drawing/2010/main" val="0"/>
-              </a:ext>
-            </a:extLst>
-          </a:blip>
-          <a:stretch>
-            <a:fillRect/>
-          </a:stretch>
-        </p:blipFill>
-        <p:spPr>
-          <a:xfrm>
-            <a:off x="0" y="0"/>
-            <a:ext cx="4572000" cy="6858000"/>
-          </a:xfrm>
-          <a:prstGeom prst="rect">
-            <a:avLst/>
-          </a:prstGeom>
-        </p:spPr>
-      </p:pic>
-      <p:sp>
-        <p:nvSpPr>
-          <p:cNvPr id="3" name="TextBox 2"/>
-          <p:cNvSpPr txBox="1"/>
-          <p:nvPr/>
-        </p:nvSpPr>
-        <p:spPr>
-          <a:xfrm>
-            <a:off x="4572001" y="991674"/>
-            <a:ext cx="5009882" cy="923330"/>
-          </a:xfrm>
-          <a:prstGeom prst="rect">
-            <a:avLst/>
-          </a:prstGeom>
-          <a:noFill/>
-        </p:spPr>
-        <p:txBody>
-          <a:bodyPr wrap="square" rtlCol="0">
-            <a:spAutoFit/>
-          </a:bodyPr>
-          <a:lstStyle/>
-          <a:p>
-            <a:r>
-              <a:rPr lang="en-US" sz="5400" b="1" dirty="0" smtClean="0">
-                <a:latin typeface="Courier New" panose="02070309020205020404" pitchFamily="49" charset="0"/>
-                <a:cs typeface="Courier New" panose="02070309020205020404" pitchFamily="49" charset="0"/>
-              </a:rPr>
-              <a:t>A C E D F B</a:t>
-            </a:r>
-            <a:endParaRPr lang="en-US" sz="5400" b="1" dirty="0">
-              <a:latin typeface="Courier New" panose="02070309020205020404" pitchFamily="49" charset="0"/>
-              <a:cs typeface="Courier New" panose="02070309020205020404" pitchFamily="49" charset="0"/>
-            </a:endParaRPr>
-          </a:p>
-        </p:txBody>
-      </p:sp>
-      <p:sp>
-        <p:nvSpPr>
-          <p:cNvPr id="4" name="TextBox 3"/>
-          <p:cNvSpPr txBox="1"/>
-          <p:nvPr/>
-        </p:nvSpPr>
-        <p:spPr>
-          <a:xfrm>
-            <a:off x="10906261" y="991674"/>
-            <a:ext cx="1071092" cy="923330"/>
-          </a:xfrm>
-          <a:prstGeom prst="rect">
-            <a:avLst/>
-          </a:prstGeom>
-          <a:noFill/>
-        </p:spPr>
-        <p:txBody>
-          <a:bodyPr wrap="square" rtlCol="0">
-            <a:spAutoFit/>
-          </a:bodyPr>
-          <a:lstStyle/>
-          <a:p>
-            <a:r>
-              <a:rPr lang="en-US" sz="5400" b="1" dirty="0" smtClean="0">
-                <a:latin typeface="Courier New" panose="02070309020205020404" pitchFamily="49" charset="0"/>
-                <a:cs typeface="Courier New" panose="02070309020205020404" pitchFamily="49" charset="0"/>
-              </a:rPr>
-              <a:t>16</a:t>
-            </a:r>
-            <a:endParaRPr lang="en-US" sz="5400" b="1" dirty="0">
-              <a:latin typeface="Courier New" panose="02070309020205020404" pitchFamily="49" charset="0"/>
-              <a:cs typeface="Courier New" panose="02070309020205020404" pitchFamily="49" charset="0"/>
-            </a:endParaRPr>
-          </a:p>
-        </p:txBody>
-      </p:sp>
-      <p:sp>
-        <p:nvSpPr>
-          <p:cNvPr id="5" name="Rounded Rectangle 4"/>
-          <p:cNvSpPr/>
-          <p:nvPr/>
-        </p:nvSpPr>
-        <p:spPr>
-          <a:xfrm>
-            <a:off x="5228823" y="991674"/>
-            <a:ext cx="927279" cy="923330"/>
-          </a:xfrm>
-          <a:prstGeom prst="roundRect">
-            <a:avLst/>
-          </a:prstGeom>
-          <a:noFill/>
-          <a:ln>
-            <a:solidFill>
-              <a:srgbClr val="FF0000"/>
-            </a:solidFill>
-          </a:ln>
-        </p:spPr>
-        <p:style>
-          <a:lnRef idx="2">
-            <a:schemeClr val="accent6"/>
-          </a:lnRef>
-          <a:fillRef idx="1">
-            <a:schemeClr val="lt1"/>
-          </a:fillRef>
-          <a:effectRef idx="0">
-            <a:schemeClr val="accent6"/>
-          </a:effectRef>
-          <a:fontRef idx="minor">
-            <a:schemeClr val="dk1"/>
-          </a:fontRef>
-        </p:style>
-        <p:txBody>
-          <a:bodyPr rtlCol="0" anchor="ctr"/>
-          <a:lstStyle/>
-          <a:p>
-            <a:pPr algn="ctr"/>
-            <a:endParaRPr lang="en-US"/>
-          </a:p>
-        </p:txBody>
-      </p:sp>
-      <p:sp>
-        <p:nvSpPr>
-          <p:cNvPr id="6" name="Rounded Rectangle 5"/>
-          <p:cNvSpPr/>
-          <p:nvPr/>
-        </p:nvSpPr>
-        <p:spPr>
-          <a:xfrm>
-            <a:off x="7688688" y="991674"/>
-            <a:ext cx="927279" cy="923330"/>
-          </a:xfrm>
-          <a:prstGeom prst="roundRect">
-            <a:avLst/>
-          </a:prstGeom>
-          <a:noFill/>
-          <a:ln>
-            <a:solidFill>
-              <a:schemeClr val="accent1"/>
-            </a:solidFill>
-          </a:ln>
-        </p:spPr>
-        <p:style>
-          <a:lnRef idx="2">
-            <a:schemeClr val="accent6"/>
-          </a:lnRef>
-          <a:fillRef idx="1">
-            <a:schemeClr val="lt1"/>
-          </a:fillRef>
-          <a:effectRef idx="0">
-            <a:schemeClr val="accent6"/>
-          </a:effectRef>
-          <a:fontRef idx="minor">
-            <a:schemeClr val="dk1"/>
-          </a:fontRef>
-        </p:style>
-        <p:txBody>
-          <a:bodyPr rtlCol="0" anchor="ctr"/>
-          <a:lstStyle/>
-          <a:p>
-            <a:pPr algn="ctr"/>
-            <a:endParaRPr lang="en-US">
-              <a:solidFill>
-                <a:srgbClr val="0070C0"/>
-              </a:solidFill>
-            </a:endParaRPr>
-          </a:p>
-        </p:txBody>
-      </p:sp>
-    </p:spTree>
-    <p:extLst>
-      <p:ext uri="{BB962C8B-B14F-4D97-AF65-F5344CB8AC3E}">
-        <p14:creationId xmlns:p14="http://schemas.microsoft.com/office/powerpoint/2010/main" val="2996625811"/>
+        <p14:creationId xmlns:p14="http://schemas.microsoft.com/office/powerpoint/2010/main" val="3800994665"/>
       </p:ext>
     </p:extLst>
   </p:cSld>
@@ -3615,7 +3413,7 @@
         </p:nvSpPr>
         <p:spPr>
           <a:xfrm>
-            <a:off x="5228823" y="991674"/>
+            <a:off x="4391696" y="991674"/>
             <a:ext cx="927279" cy="923330"/>
           </a:xfrm>
           <a:prstGeom prst="roundRect">
@@ -3659,7 +3457,7 @@
         </p:nvSpPr>
         <p:spPr>
           <a:xfrm>
-            <a:off x="8474300" y="991674"/>
+            <a:off x="6811851" y="991674"/>
             <a:ext cx="927279" cy="923330"/>
           </a:xfrm>
           <a:prstGeom prst="roundRect">
@@ -3702,7 +3500,7 @@
     </p:spTree>
     <p:extLst>
       <p:ext uri="{BB962C8B-B14F-4D97-AF65-F5344CB8AC3E}">
-        <p14:creationId xmlns:p14="http://schemas.microsoft.com/office/powerpoint/2010/main" val="4089889449"/>
+        <p14:creationId xmlns:p14="http://schemas.microsoft.com/office/powerpoint/2010/main" val="3792588980"/>
       </p:ext>
     </p:extLst>
   </p:cSld>
@@ -3713,6 +3511,454 @@
 </file>
 
 <file path=ppt/slides/slide13.xml><?xml version="1.0" encoding="utf-8"?>
+<p:sld xmlns:a="http://schemas.openxmlformats.org/drawingml/2006/main" xmlns:r="http://schemas.openxmlformats.org/officeDocument/2006/relationships" xmlns:p="http://schemas.openxmlformats.org/presentationml/2006/main">
+  <p:cSld>
+    <p:spTree>
+      <p:nvGrpSpPr>
+        <p:cNvPr id="1" name=""/>
+        <p:cNvGrpSpPr/>
+        <p:nvPr/>
+      </p:nvGrpSpPr>
+      <p:grpSpPr>
+        <a:xfrm>
+          <a:off x="0" y="0"/>
+          <a:ext cx="0" cy="0"/>
+          <a:chOff x="0" y="0"/>
+          <a:chExt cx="0" cy="0"/>
+        </a:xfrm>
+      </p:grpSpPr>
+      <p:pic>
+        <p:nvPicPr>
+          <p:cNvPr id="10" name="Picture 9"/>
+          <p:cNvPicPr>
+            <a:picLocks noChangeAspect="1"/>
+          </p:cNvPicPr>
+          <p:nvPr/>
+        </p:nvPicPr>
+        <p:blipFill>
+          <a:blip r:embed="rId2">
+            <a:extLst>
+              <a:ext uri="{28A0092B-C50C-407E-A947-70E740481C1C}">
+                <a14:useLocalDpi xmlns:a14="http://schemas.microsoft.com/office/drawing/2010/main" val="0"/>
+              </a:ext>
+            </a:extLst>
+          </a:blip>
+          <a:stretch>
+            <a:fillRect/>
+          </a:stretch>
+        </p:blipFill>
+        <p:spPr>
+          <a:xfrm>
+            <a:off x="-4291" y="0"/>
+            <a:ext cx="4576292" cy="6864438"/>
+          </a:xfrm>
+          <a:prstGeom prst="rect">
+            <a:avLst/>
+          </a:prstGeom>
+        </p:spPr>
+      </p:pic>
+      <p:sp>
+        <p:nvSpPr>
+          <p:cNvPr id="11" name="TextBox 10"/>
+          <p:cNvSpPr txBox="1"/>
+          <p:nvPr/>
+        </p:nvSpPr>
+        <p:spPr>
+          <a:xfrm>
+            <a:off x="4572001" y="991674"/>
+            <a:ext cx="5009882" cy="923330"/>
+          </a:xfrm>
+          <a:prstGeom prst="rect">
+            <a:avLst/>
+          </a:prstGeom>
+          <a:noFill/>
+        </p:spPr>
+        <p:txBody>
+          <a:bodyPr wrap="square" rtlCol="0">
+            <a:spAutoFit/>
+          </a:bodyPr>
+          <a:lstStyle/>
+          <a:p>
+            <a:r>
+              <a:rPr lang="en-US" sz="5400" b="1" dirty="0" smtClean="0">
+                <a:latin typeface="Courier New" panose="02070309020205020404" pitchFamily="49" charset="0"/>
+                <a:cs typeface="Courier New" panose="02070309020205020404" pitchFamily="49" charset="0"/>
+              </a:rPr>
+              <a:t>A D C E F B</a:t>
+            </a:r>
+            <a:endParaRPr lang="en-US" sz="5400" b="1" dirty="0">
+              <a:latin typeface="Courier New" panose="02070309020205020404" pitchFamily="49" charset="0"/>
+              <a:cs typeface="Courier New" panose="02070309020205020404" pitchFamily="49" charset="0"/>
+            </a:endParaRPr>
+          </a:p>
+        </p:txBody>
+      </p:sp>
+      <p:sp>
+        <p:nvSpPr>
+          <p:cNvPr id="12" name="TextBox 11"/>
+          <p:cNvSpPr txBox="1"/>
+          <p:nvPr/>
+        </p:nvSpPr>
+        <p:spPr>
+          <a:xfrm>
+            <a:off x="10906261" y="991674"/>
+            <a:ext cx="1071092" cy="923330"/>
+          </a:xfrm>
+          <a:prstGeom prst="rect">
+            <a:avLst/>
+          </a:prstGeom>
+          <a:noFill/>
+        </p:spPr>
+        <p:txBody>
+          <a:bodyPr wrap="square" rtlCol="0">
+            <a:spAutoFit/>
+          </a:bodyPr>
+          <a:lstStyle/>
+          <a:p>
+            <a:r>
+              <a:rPr lang="en-US" sz="5400" b="1" dirty="0" smtClean="0">
+                <a:latin typeface="Courier New" panose="02070309020205020404" pitchFamily="49" charset="0"/>
+                <a:cs typeface="Courier New" panose="02070309020205020404" pitchFamily="49" charset="0"/>
+              </a:rPr>
+              <a:t>19</a:t>
+            </a:r>
+            <a:endParaRPr lang="en-US" sz="5400" b="1" dirty="0">
+              <a:latin typeface="Courier New" panose="02070309020205020404" pitchFamily="49" charset="0"/>
+              <a:cs typeface="Courier New" panose="02070309020205020404" pitchFamily="49" charset="0"/>
+            </a:endParaRPr>
+          </a:p>
+        </p:txBody>
+      </p:sp>
+      <p:sp>
+        <p:nvSpPr>
+          <p:cNvPr id="13" name="Rounded Rectangle 12"/>
+          <p:cNvSpPr/>
+          <p:nvPr/>
+        </p:nvSpPr>
+        <p:spPr>
+          <a:xfrm>
+            <a:off x="4391696" y="991674"/>
+            <a:ext cx="927279" cy="923330"/>
+          </a:xfrm>
+          <a:prstGeom prst="roundRect">
+            <a:avLst/>
+          </a:prstGeom>
+          <a:noFill/>
+          <a:ln>
+            <a:solidFill>
+              <a:srgbClr val="FF0000"/>
+            </a:solidFill>
+          </a:ln>
+        </p:spPr>
+        <p:style>
+          <a:lnRef idx="2">
+            <a:schemeClr val="accent6"/>
+          </a:lnRef>
+          <a:fillRef idx="1">
+            <a:schemeClr val="lt1"/>
+          </a:fillRef>
+          <a:effectRef idx="0">
+            <a:schemeClr val="accent6"/>
+          </a:effectRef>
+          <a:fontRef idx="minor">
+            <a:schemeClr val="dk1"/>
+          </a:fontRef>
+        </p:style>
+        <p:txBody>
+          <a:bodyPr rtlCol="0" anchor="ctr"/>
+          <a:lstStyle/>
+          <a:p>
+            <a:pPr algn="ctr"/>
+            <a:endParaRPr lang="en-US"/>
+          </a:p>
+        </p:txBody>
+      </p:sp>
+      <p:sp>
+        <p:nvSpPr>
+          <p:cNvPr id="14" name="Rounded Rectangle 13"/>
+          <p:cNvSpPr/>
+          <p:nvPr/>
+        </p:nvSpPr>
+        <p:spPr>
+          <a:xfrm>
+            <a:off x="6811851" y="991674"/>
+            <a:ext cx="927279" cy="923330"/>
+          </a:xfrm>
+          <a:prstGeom prst="roundRect">
+            <a:avLst/>
+          </a:prstGeom>
+          <a:noFill/>
+          <a:ln>
+            <a:solidFill>
+              <a:schemeClr val="accent1"/>
+            </a:solidFill>
+          </a:ln>
+        </p:spPr>
+        <p:style>
+          <a:lnRef idx="2">
+            <a:schemeClr val="accent6"/>
+          </a:lnRef>
+          <a:fillRef idx="1">
+            <a:schemeClr val="lt1"/>
+          </a:fillRef>
+          <a:effectRef idx="0">
+            <a:schemeClr val="accent6"/>
+          </a:effectRef>
+          <a:fontRef idx="minor">
+            <a:schemeClr val="dk1"/>
+          </a:fontRef>
+        </p:style>
+        <p:txBody>
+          <a:bodyPr rtlCol="0" anchor="ctr"/>
+          <a:lstStyle/>
+          <a:p>
+            <a:pPr algn="ctr"/>
+            <a:endParaRPr lang="en-US">
+              <a:solidFill>
+                <a:srgbClr val="0070C0"/>
+              </a:solidFill>
+            </a:endParaRPr>
+          </a:p>
+        </p:txBody>
+      </p:sp>
+    </p:spTree>
+    <p:extLst>
+      <p:ext uri="{BB962C8B-B14F-4D97-AF65-F5344CB8AC3E}">
+        <p14:creationId xmlns:p14="http://schemas.microsoft.com/office/powerpoint/2010/main" val="1371260739"/>
+      </p:ext>
+    </p:extLst>
+  </p:cSld>
+  <p:clrMapOvr>
+    <a:masterClrMapping/>
+  </p:clrMapOvr>
+</p:sld>
+</file>
+
+<file path=ppt/slides/slide14.xml><?xml version="1.0" encoding="utf-8"?>
+<p:sld xmlns:a="http://schemas.openxmlformats.org/drawingml/2006/main" xmlns:r="http://schemas.openxmlformats.org/officeDocument/2006/relationships" xmlns:p="http://schemas.openxmlformats.org/presentationml/2006/main">
+  <p:cSld>
+    <p:spTree>
+      <p:nvGrpSpPr>
+        <p:cNvPr id="1" name=""/>
+        <p:cNvGrpSpPr/>
+        <p:nvPr/>
+      </p:nvGrpSpPr>
+      <p:grpSpPr>
+        <a:xfrm>
+          <a:off x="0" y="0"/>
+          <a:ext cx="0" cy="0"/>
+          <a:chOff x="0" y="0"/>
+          <a:chExt cx="0" cy="0"/>
+        </a:xfrm>
+      </p:grpSpPr>
+      <p:pic>
+        <p:nvPicPr>
+          <p:cNvPr id="4" name="Picture 3"/>
+          <p:cNvPicPr>
+            <a:picLocks noChangeAspect="1"/>
+          </p:cNvPicPr>
+          <p:nvPr/>
+        </p:nvPicPr>
+        <p:blipFill>
+          <a:blip r:embed="rId2">
+            <a:extLst>
+              <a:ext uri="{28A0092B-C50C-407E-A947-70E740481C1C}">
+                <a14:useLocalDpi xmlns:a14="http://schemas.microsoft.com/office/drawing/2010/main" val="0"/>
+              </a:ext>
+            </a:extLst>
+          </a:blip>
+          <a:stretch>
+            <a:fillRect/>
+          </a:stretch>
+        </p:blipFill>
+        <p:spPr>
+          <a:xfrm>
+            <a:off x="0" y="0"/>
+            <a:ext cx="4572001" cy="6858000"/>
+          </a:xfrm>
+          <a:prstGeom prst="rect">
+            <a:avLst/>
+          </a:prstGeom>
+        </p:spPr>
+      </p:pic>
+      <p:sp>
+        <p:nvSpPr>
+          <p:cNvPr id="5" name="TextBox 4"/>
+          <p:cNvSpPr txBox="1"/>
+          <p:nvPr/>
+        </p:nvSpPr>
+        <p:spPr>
+          <a:xfrm>
+            <a:off x="4572001" y="991674"/>
+            <a:ext cx="5009882" cy="923330"/>
+          </a:xfrm>
+          <a:prstGeom prst="rect">
+            <a:avLst/>
+          </a:prstGeom>
+          <a:noFill/>
+        </p:spPr>
+        <p:txBody>
+          <a:bodyPr wrap="square" rtlCol="0">
+            <a:spAutoFit/>
+          </a:bodyPr>
+          <a:lstStyle/>
+          <a:p>
+            <a:r>
+              <a:rPr lang="en-US" sz="5400" b="1" dirty="0" smtClean="0">
+                <a:latin typeface="Courier New" panose="02070309020205020404" pitchFamily="49" charset="0"/>
+                <a:cs typeface="Courier New" panose="02070309020205020404" pitchFamily="49" charset="0"/>
+              </a:rPr>
+              <a:t>A C D E F B</a:t>
+            </a:r>
+            <a:endParaRPr lang="en-US" sz="5400" b="1" dirty="0">
+              <a:latin typeface="Courier New" panose="02070309020205020404" pitchFamily="49" charset="0"/>
+              <a:cs typeface="Courier New" panose="02070309020205020404" pitchFamily="49" charset="0"/>
+            </a:endParaRPr>
+          </a:p>
+        </p:txBody>
+      </p:sp>
+      <p:sp>
+        <p:nvSpPr>
+          <p:cNvPr id="7" name="TextBox 6"/>
+          <p:cNvSpPr txBox="1"/>
+          <p:nvPr/>
+        </p:nvSpPr>
+        <p:spPr>
+          <a:xfrm>
+            <a:off x="10906261" y="991674"/>
+            <a:ext cx="1071092" cy="923330"/>
+          </a:xfrm>
+          <a:prstGeom prst="rect">
+            <a:avLst/>
+          </a:prstGeom>
+          <a:noFill/>
+        </p:spPr>
+        <p:txBody>
+          <a:bodyPr wrap="square" rtlCol="0">
+            <a:spAutoFit/>
+          </a:bodyPr>
+          <a:lstStyle/>
+          <a:p>
+            <a:r>
+              <a:rPr lang="en-US" sz="5400" b="1" dirty="0" smtClean="0">
+                <a:latin typeface="Courier New" panose="02070309020205020404" pitchFamily="49" charset="0"/>
+                <a:cs typeface="Courier New" panose="02070309020205020404" pitchFamily="49" charset="0"/>
+              </a:rPr>
+              <a:t>12</a:t>
+            </a:r>
+            <a:endParaRPr lang="en-US" sz="5400" b="1" dirty="0">
+              <a:latin typeface="Courier New" panose="02070309020205020404" pitchFamily="49" charset="0"/>
+              <a:cs typeface="Courier New" panose="02070309020205020404" pitchFamily="49" charset="0"/>
+            </a:endParaRPr>
+          </a:p>
+        </p:txBody>
+      </p:sp>
+      <p:sp>
+        <p:nvSpPr>
+          <p:cNvPr id="6" name="Rounded Rectangle 5"/>
+          <p:cNvSpPr/>
+          <p:nvPr/>
+        </p:nvSpPr>
+        <p:spPr>
+          <a:xfrm>
+            <a:off x="4391696" y="991674"/>
+            <a:ext cx="927279" cy="923330"/>
+          </a:xfrm>
+          <a:prstGeom prst="roundRect">
+            <a:avLst/>
+          </a:prstGeom>
+          <a:noFill/>
+          <a:ln>
+            <a:solidFill>
+              <a:srgbClr val="FF0000"/>
+            </a:solidFill>
+          </a:ln>
+        </p:spPr>
+        <p:style>
+          <a:lnRef idx="2">
+            <a:schemeClr val="accent6"/>
+          </a:lnRef>
+          <a:fillRef idx="1">
+            <a:schemeClr val="lt1"/>
+          </a:fillRef>
+          <a:effectRef idx="0">
+            <a:schemeClr val="accent6"/>
+          </a:effectRef>
+          <a:fontRef idx="minor">
+            <a:schemeClr val="dk1"/>
+          </a:fontRef>
+        </p:style>
+        <p:txBody>
+          <a:bodyPr rtlCol="0" anchor="ctr"/>
+          <a:lstStyle/>
+          <a:p>
+            <a:pPr algn="ctr"/>
+            <a:endParaRPr lang="en-US"/>
+          </a:p>
+        </p:txBody>
+      </p:sp>
+      <p:sp>
+        <p:nvSpPr>
+          <p:cNvPr id="8" name="Rounded Rectangle 7"/>
+          <p:cNvSpPr/>
+          <p:nvPr/>
+        </p:nvSpPr>
+        <p:spPr>
+          <a:xfrm>
+            <a:off x="7687614" y="974847"/>
+            <a:ext cx="927279" cy="923330"/>
+          </a:xfrm>
+          <a:prstGeom prst="roundRect">
+            <a:avLst/>
+          </a:prstGeom>
+          <a:noFill/>
+          <a:ln>
+            <a:solidFill>
+              <a:schemeClr val="accent1"/>
+            </a:solidFill>
+          </a:ln>
+        </p:spPr>
+        <p:style>
+          <a:lnRef idx="2">
+            <a:schemeClr val="accent6"/>
+          </a:lnRef>
+          <a:fillRef idx="1">
+            <a:schemeClr val="lt1"/>
+          </a:fillRef>
+          <a:effectRef idx="0">
+            <a:schemeClr val="accent6"/>
+          </a:effectRef>
+          <a:fontRef idx="minor">
+            <a:schemeClr val="dk1"/>
+          </a:fontRef>
+        </p:style>
+        <p:txBody>
+          <a:bodyPr rtlCol="0" anchor="ctr"/>
+          <a:lstStyle/>
+          <a:p>
+            <a:pPr algn="ctr"/>
+            <a:endParaRPr lang="en-US">
+              <a:solidFill>
+                <a:srgbClr val="0070C0"/>
+              </a:solidFill>
+            </a:endParaRPr>
+          </a:p>
+        </p:txBody>
+      </p:sp>
+    </p:spTree>
+    <p:extLst>
+      <p:ext uri="{BB962C8B-B14F-4D97-AF65-F5344CB8AC3E}">
+        <p14:creationId xmlns:p14="http://schemas.microsoft.com/office/powerpoint/2010/main" val="3886465398"/>
+      </p:ext>
+    </p:extLst>
+  </p:cSld>
+  <p:clrMapOvr>
+    <a:masterClrMapping/>
+  </p:clrMapOvr>
+</p:sld>
+</file>
+
+<file path=ppt/slides/slide15.xml><?xml version="1.0" encoding="utf-8"?>
 <p:sld xmlns:a="http://schemas.openxmlformats.org/drawingml/2006/main" xmlns:r="http://schemas.openxmlformats.org/officeDocument/2006/relationships" xmlns:p="http://schemas.openxmlformats.org/presentationml/2006/main">
   <p:cSld>
     <p:spTree>
@@ -3786,7 +4032,7 @@
                 <a:latin typeface="Courier New" panose="02070309020205020404" pitchFamily="49" charset="0"/>
                 <a:cs typeface="Courier New" panose="02070309020205020404" pitchFamily="49" charset="0"/>
               </a:rPr>
-              <a:t>A C F E D B</a:t>
+              <a:t>A E D C F B</a:t>
             </a:r>
             <a:endParaRPr lang="en-US" sz="5400" b="1" dirty="0">
               <a:latin typeface="Courier New" panose="02070309020205020404" pitchFamily="49" charset="0"/>
@@ -3818,11 +4064,11 @@
           <a:lstStyle/>
           <a:p>
             <a:r>
-              <a:rPr lang="en-US" sz="5400" b="1" smtClean="0">
+              <a:rPr lang="en-US" sz="5400" b="1" dirty="0" smtClean="0">
                 <a:latin typeface="Courier New" panose="02070309020205020404" pitchFamily="49" charset="0"/>
                 <a:cs typeface="Courier New" panose="02070309020205020404" pitchFamily="49" charset="0"/>
               </a:rPr>
-              <a:t>10</a:t>
+              <a:t>18</a:t>
             </a:r>
             <a:endParaRPr lang="en-US" sz="5400" b="1" dirty="0">
               <a:latin typeface="Courier New" panose="02070309020205020404" pitchFamily="49" charset="0"/>
@@ -3839,7 +4085,7 @@
         </p:nvSpPr>
         <p:spPr>
           <a:xfrm>
-            <a:off x="5228823" y="991674"/>
+            <a:off x="4391696" y="991674"/>
             <a:ext cx="927279" cy="923330"/>
           </a:xfrm>
           <a:prstGeom prst="roundRect">
@@ -3883,7 +4129,7 @@
         </p:nvSpPr>
         <p:spPr>
           <a:xfrm>
-            <a:off x="8474300" y="991674"/>
+            <a:off x="7687614" y="974847"/>
             <a:ext cx="927279" cy="923330"/>
           </a:xfrm>
           <a:prstGeom prst="roundRect">
@@ -3926,7 +4172,7 @@
     </p:spTree>
     <p:extLst>
       <p:ext uri="{BB962C8B-B14F-4D97-AF65-F5344CB8AC3E}">
-        <p14:creationId xmlns:p14="http://schemas.microsoft.com/office/powerpoint/2010/main" val="2524108782"/>
+        <p14:creationId xmlns:p14="http://schemas.microsoft.com/office/powerpoint/2010/main" val="1111390767"/>
       </p:ext>
     </p:extLst>
   </p:cSld>
@@ -3936,75 +4182,7 @@
 </p:sld>
 </file>
 
-<file path=ppt/slides/slide2.xml><?xml version="1.0" encoding="utf-8"?>
-<p:sld xmlns:a="http://schemas.openxmlformats.org/drawingml/2006/main" xmlns:r="http://schemas.openxmlformats.org/officeDocument/2006/relationships" xmlns:p="http://schemas.openxmlformats.org/presentationml/2006/main">
-  <p:cSld>
-    <p:spTree>
-      <p:nvGrpSpPr>
-        <p:cNvPr id="1" name=""/>
-        <p:cNvGrpSpPr/>
-        <p:nvPr/>
-      </p:nvGrpSpPr>
-      <p:grpSpPr>
-        <a:xfrm>
-          <a:off x="0" y="0"/>
-          <a:ext cx="0" cy="0"/>
-          <a:chOff x="0" y="0"/>
-          <a:chExt cx="0" cy="0"/>
-        </a:xfrm>
-      </p:grpSpPr>
-      <p:sp>
-        <p:nvSpPr>
-          <p:cNvPr id="2" name="Title 1"/>
-          <p:cNvSpPr>
-            <a:spLocks noGrp="1"/>
-          </p:cNvSpPr>
-          <p:nvPr>
-            <p:ph type="title"/>
-          </p:nvPr>
-        </p:nvSpPr>
-        <p:spPr/>
-        <p:txBody>
-          <a:bodyPr/>
-          <a:lstStyle/>
-          <a:p>
-            <a:endParaRPr lang="en-US"/>
-          </a:p>
-        </p:txBody>
-      </p:sp>
-      <p:sp>
-        <p:nvSpPr>
-          <p:cNvPr id="3" name="Content Placeholder 2"/>
-          <p:cNvSpPr>
-            <a:spLocks noGrp="1"/>
-          </p:cNvSpPr>
-          <p:nvPr>
-            <p:ph idx="1"/>
-          </p:nvPr>
-        </p:nvSpPr>
-        <p:spPr/>
-        <p:txBody>
-          <a:bodyPr/>
-          <a:lstStyle/>
-          <a:p>
-            <a:endParaRPr lang="en-US"/>
-          </a:p>
-        </p:txBody>
-      </p:sp>
-    </p:spTree>
-    <p:extLst>
-      <p:ext uri="{BB962C8B-B14F-4D97-AF65-F5344CB8AC3E}">
-        <p14:creationId xmlns:p14="http://schemas.microsoft.com/office/powerpoint/2010/main" val="3759121014"/>
-      </p:ext>
-    </p:extLst>
-  </p:cSld>
-  <p:clrMapOvr>
-    <a:masterClrMapping/>
-  </p:clrMapOvr>
-</p:sld>
-</file>
-
-<file path=ppt/slides/slide3.xml><?xml version="1.0" encoding="utf-8"?>
+<file path=ppt/slides/slide16.xml><?xml version="1.0" encoding="utf-8"?>
 <p:sld xmlns:a="http://schemas.openxmlformats.org/drawingml/2006/main" xmlns:r="http://schemas.openxmlformats.org/officeDocument/2006/relationships" xmlns:p="http://schemas.openxmlformats.org/presentationml/2006/main">
   <p:cSld>
     <p:spTree>
@@ -4123,10 +4301,102 @@
           </a:p>
         </p:txBody>
       </p:sp>
+      <p:sp>
+        <p:nvSpPr>
+          <p:cNvPr id="6" name="Rounded Rectangle 5"/>
+          <p:cNvSpPr/>
+          <p:nvPr/>
+        </p:nvSpPr>
+        <p:spPr>
+          <a:xfrm>
+            <a:off x="4391696" y="991674"/>
+            <a:ext cx="927279" cy="923330"/>
+          </a:xfrm>
+          <a:prstGeom prst="roundRect">
+            <a:avLst/>
+          </a:prstGeom>
+          <a:noFill/>
+          <a:ln>
+            <a:solidFill>
+              <a:srgbClr val="FF0000"/>
+            </a:solidFill>
+          </a:ln>
+        </p:spPr>
+        <p:style>
+          <a:lnRef idx="2">
+            <a:schemeClr val="accent6"/>
+          </a:lnRef>
+          <a:fillRef idx="1">
+            <a:schemeClr val="lt1"/>
+          </a:fillRef>
+          <a:effectRef idx="0">
+            <a:schemeClr val="accent6"/>
+          </a:effectRef>
+          <a:fontRef idx="minor">
+            <a:schemeClr val="dk1"/>
+          </a:fontRef>
+        </p:style>
+        <p:txBody>
+          <a:bodyPr rtlCol="0" anchor="ctr"/>
+          <a:lstStyle/>
+          <a:p>
+            <a:pPr algn="ctr"/>
+            <a:endParaRPr lang="en-US"/>
+          </a:p>
+        </p:txBody>
+      </p:sp>
+      <p:sp>
+        <p:nvSpPr>
+          <p:cNvPr id="8" name="Rounded Rectangle 7"/>
+          <p:cNvSpPr/>
+          <p:nvPr/>
+        </p:nvSpPr>
+        <p:spPr>
+          <a:xfrm>
+            <a:off x="8500057" y="991674"/>
+            <a:ext cx="927279" cy="923330"/>
+          </a:xfrm>
+          <a:prstGeom prst="roundRect">
+            <a:avLst/>
+          </a:prstGeom>
+          <a:noFill/>
+          <a:ln>
+            <a:solidFill>
+              <a:schemeClr val="accent1"/>
+            </a:solidFill>
+          </a:ln>
+        </p:spPr>
+        <p:style>
+          <a:lnRef idx="2">
+            <a:schemeClr val="accent6"/>
+          </a:lnRef>
+          <a:fillRef idx="1">
+            <a:schemeClr val="lt1"/>
+          </a:fillRef>
+          <a:effectRef idx="0">
+            <a:schemeClr val="accent6"/>
+          </a:effectRef>
+          <a:fontRef idx="minor">
+            <a:schemeClr val="dk1"/>
+          </a:fontRef>
+        </p:style>
+        <p:txBody>
+          <a:bodyPr rtlCol="0" anchor="ctr"/>
+          <a:lstStyle/>
+          <a:p>
+            <a:pPr algn="ctr"/>
+            <a:endParaRPr lang="en-US">
+              <a:solidFill>
+                <a:srgbClr val="0070C0"/>
+              </a:solidFill>
+            </a:endParaRPr>
+          </a:p>
+        </p:txBody>
+      </p:sp>
     </p:spTree>
     <p:extLst>
       <p:ext uri="{BB962C8B-B14F-4D97-AF65-F5344CB8AC3E}">
-        <p14:creationId xmlns:p14="http://schemas.microsoft.com/office/powerpoint/2010/main" val="3800994665"/>
+        <p14:creationId xmlns:p14="http://schemas.microsoft.com/office/powerpoint/2010/main" val="3913097420"/>
       </p:ext>
     </p:extLst>
   </p:cSld>
@@ -4136,7 +4406,231 @@
 </p:sld>
 </file>
 
-<file path=ppt/slides/slide4.xml><?xml version="1.0" encoding="utf-8"?>
+<file path=ppt/slides/slide17.xml><?xml version="1.0" encoding="utf-8"?>
+<p:sld xmlns:a="http://schemas.openxmlformats.org/drawingml/2006/main" xmlns:r="http://schemas.openxmlformats.org/officeDocument/2006/relationships" xmlns:p="http://schemas.openxmlformats.org/presentationml/2006/main">
+  <p:cSld>
+    <p:spTree>
+      <p:nvGrpSpPr>
+        <p:cNvPr id="1" name=""/>
+        <p:cNvGrpSpPr/>
+        <p:nvPr/>
+      </p:nvGrpSpPr>
+      <p:grpSpPr>
+        <a:xfrm>
+          <a:off x="0" y="0"/>
+          <a:ext cx="0" cy="0"/>
+          <a:chOff x="0" y="0"/>
+          <a:chExt cx="0" cy="0"/>
+        </a:xfrm>
+      </p:grpSpPr>
+      <p:pic>
+        <p:nvPicPr>
+          <p:cNvPr id="2" name="Picture 1"/>
+          <p:cNvPicPr>
+            <a:picLocks noChangeAspect="1"/>
+          </p:cNvPicPr>
+          <p:nvPr/>
+        </p:nvPicPr>
+        <p:blipFill>
+          <a:blip r:embed="rId2">
+            <a:extLst>
+              <a:ext uri="{28A0092B-C50C-407E-A947-70E740481C1C}">
+                <a14:useLocalDpi xmlns:a14="http://schemas.microsoft.com/office/drawing/2010/main" val="0"/>
+              </a:ext>
+            </a:extLst>
+          </a:blip>
+          <a:stretch>
+            <a:fillRect/>
+          </a:stretch>
+        </p:blipFill>
+        <p:spPr>
+          <a:xfrm>
+            <a:off x="0" y="0"/>
+            <a:ext cx="4572000" cy="6858000"/>
+          </a:xfrm>
+          <a:prstGeom prst="rect">
+            <a:avLst/>
+          </a:prstGeom>
+        </p:spPr>
+      </p:pic>
+      <p:sp>
+        <p:nvSpPr>
+          <p:cNvPr id="3" name="TextBox 2"/>
+          <p:cNvSpPr txBox="1"/>
+          <p:nvPr/>
+        </p:nvSpPr>
+        <p:spPr>
+          <a:xfrm>
+            <a:off x="4572001" y="991674"/>
+            <a:ext cx="5009882" cy="923330"/>
+          </a:xfrm>
+          <a:prstGeom prst="rect">
+            <a:avLst/>
+          </a:prstGeom>
+          <a:noFill/>
+        </p:spPr>
+        <p:txBody>
+          <a:bodyPr wrap="square" rtlCol="0">
+            <a:spAutoFit/>
+          </a:bodyPr>
+          <a:lstStyle/>
+          <a:p>
+            <a:r>
+              <a:rPr lang="en-US" sz="5400" b="1" dirty="0" smtClean="0">
+                <a:latin typeface="Courier New" panose="02070309020205020404" pitchFamily="49" charset="0"/>
+                <a:cs typeface="Courier New" panose="02070309020205020404" pitchFamily="49" charset="0"/>
+              </a:rPr>
+              <a:t>A F E D C B</a:t>
+            </a:r>
+            <a:endParaRPr lang="en-US" sz="5400" b="1" dirty="0">
+              <a:latin typeface="Courier New" panose="02070309020205020404" pitchFamily="49" charset="0"/>
+              <a:cs typeface="Courier New" panose="02070309020205020404" pitchFamily="49" charset="0"/>
+            </a:endParaRPr>
+          </a:p>
+        </p:txBody>
+      </p:sp>
+      <p:sp>
+        <p:nvSpPr>
+          <p:cNvPr id="4" name="TextBox 3"/>
+          <p:cNvSpPr txBox="1"/>
+          <p:nvPr/>
+        </p:nvSpPr>
+        <p:spPr>
+          <a:xfrm>
+            <a:off x="10906261" y="991674"/>
+            <a:ext cx="1071092" cy="923330"/>
+          </a:xfrm>
+          <a:prstGeom prst="rect">
+            <a:avLst/>
+          </a:prstGeom>
+          <a:noFill/>
+        </p:spPr>
+        <p:txBody>
+          <a:bodyPr wrap="square" rtlCol="0">
+            <a:spAutoFit/>
+          </a:bodyPr>
+          <a:lstStyle/>
+          <a:p>
+            <a:r>
+              <a:rPr lang="en-US" sz="5400" b="1" dirty="0" smtClean="0">
+                <a:latin typeface="Courier New" panose="02070309020205020404" pitchFamily="49" charset="0"/>
+                <a:cs typeface="Courier New" panose="02070309020205020404" pitchFamily="49" charset="0"/>
+              </a:rPr>
+              <a:t>15</a:t>
+            </a:r>
+            <a:endParaRPr lang="en-US" sz="5400" b="1" dirty="0">
+              <a:latin typeface="Courier New" panose="02070309020205020404" pitchFamily="49" charset="0"/>
+              <a:cs typeface="Courier New" panose="02070309020205020404" pitchFamily="49" charset="0"/>
+            </a:endParaRPr>
+          </a:p>
+        </p:txBody>
+      </p:sp>
+      <p:sp>
+        <p:nvSpPr>
+          <p:cNvPr id="5" name="Rounded Rectangle 4"/>
+          <p:cNvSpPr/>
+          <p:nvPr/>
+        </p:nvSpPr>
+        <p:spPr>
+          <a:xfrm>
+            <a:off x="4391696" y="991674"/>
+            <a:ext cx="927279" cy="923330"/>
+          </a:xfrm>
+          <a:prstGeom prst="roundRect">
+            <a:avLst/>
+          </a:prstGeom>
+          <a:noFill/>
+          <a:ln>
+            <a:solidFill>
+              <a:srgbClr val="FF0000"/>
+            </a:solidFill>
+          </a:ln>
+        </p:spPr>
+        <p:style>
+          <a:lnRef idx="2">
+            <a:schemeClr val="accent6"/>
+          </a:lnRef>
+          <a:fillRef idx="1">
+            <a:schemeClr val="lt1"/>
+          </a:fillRef>
+          <a:effectRef idx="0">
+            <a:schemeClr val="accent6"/>
+          </a:effectRef>
+          <a:fontRef idx="minor">
+            <a:schemeClr val="dk1"/>
+          </a:fontRef>
+        </p:style>
+        <p:txBody>
+          <a:bodyPr rtlCol="0" anchor="ctr"/>
+          <a:lstStyle/>
+          <a:p>
+            <a:pPr algn="ctr"/>
+            <a:endParaRPr lang="en-US"/>
+          </a:p>
+        </p:txBody>
+      </p:sp>
+      <p:sp>
+        <p:nvSpPr>
+          <p:cNvPr id="6" name="Rounded Rectangle 5"/>
+          <p:cNvSpPr/>
+          <p:nvPr/>
+        </p:nvSpPr>
+        <p:spPr>
+          <a:xfrm>
+            <a:off x="8500057" y="991674"/>
+            <a:ext cx="927279" cy="923330"/>
+          </a:xfrm>
+          <a:prstGeom prst="roundRect">
+            <a:avLst/>
+          </a:prstGeom>
+          <a:noFill/>
+          <a:ln>
+            <a:solidFill>
+              <a:schemeClr val="accent1"/>
+            </a:solidFill>
+          </a:ln>
+        </p:spPr>
+        <p:style>
+          <a:lnRef idx="2">
+            <a:schemeClr val="accent6"/>
+          </a:lnRef>
+          <a:fillRef idx="1">
+            <a:schemeClr val="lt1"/>
+          </a:fillRef>
+          <a:effectRef idx="0">
+            <a:schemeClr val="accent6"/>
+          </a:effectRef>
+          <a:fontRef idx="minor">
+            <a:schemeClr val="dk1"/>
+          </a:fontRef>
+        </p:style>
+        <p:txBody>
+          <a:bodyPr rtlCol="0" anchor="ctr"/>
+          <a:lstStyle/>
+          <a:p>
+            <a:pPr algn="ctr"/>
+            <a:endParaRPr lang="en-US">
+              <a:solidFill>
+                <a:srgbClr val="0070C0"/>
+              </a:solidFill>
+            </a:endParaRPr>
+          </a:p>
+        </p:txBody>
+      </p:sp>
+    </p:spTree>
+    <p:extLst>
+      <p:ext uri="{BB962C8B-B14F-4D97-AF65-F5344CB8AC3E}">
+        <p14:creationId xmlns:p14="http://schemas.microsoft.com/office/powerpoint/2010/main" val="3783106851"/>
+      </p:ext>
+    </p:extLst>
+  </p:cSld>
+  <p:clrMapOvr>
+    <a:masterClrMapping/>
+  </p:clrMapOvr>
+</p:sld>
+</file>
+
+<file path=ppt/slides/slide18.xml><?xml version="1.0" encoding="utf-8"?>
 <p:sld xmlns:a="http://schemas.openxmlformats.org/drawingml/2006/main" xmlns:r="http://schemas.openxmlformats.org/officeDocument/2006/relationships" xmlns:p="http://schemas.openxmlformats.org/presentationml/2006/main">
   <p:cSld>
     <p:spTree>
@@ -4263,7 +4757,7 @@
         </p:nvSpPr>
         <p:spPr>
           <a:xfrm>
-            <a:off x="4391696" y="991674"/>
+            <a:off x="5228823" y="991674"/>
             <a:ext cx="927279" cy="923330"/>
           </a:xfrm>
           <a:prstGeom prst="roundRect">
@@ -4307,7 +4801,7 @@
         </p:nvSpPr>
         <p:spPr>
           <a:xfrm>
-            <a:off x="6811851" y="991674"/>
+            <a:off x="7688688" y="991674"/>
             <a:ext cx="927279" cy="923330"/>
           </a:xfrm>
           <a:prstGeom prst="roundRect">
@@ -4350,7 +4844,7 @@
     </p:spTree>
     <p:extLst>
       <p:ext uri="{BB962C8B-B14F-4D97-AF65-F5344CB8AC3E}">
-        <p14:creationId xmlns:p14="http://schemas.microsoft.com/office/powerpoint/2010/main" val="3792588980"/>
+        <p14:creationId xmlns:p14="http://schemas.microsoft.com/office/powerpoint/2010/main" val="1490565954"/>
       </p:ext>
     </p:extLst>
   </p:cSld>
@@ -4360,7 +4854,7 @@
 </p:sld>
 </file>
 
-<file path=ppt/slides/slide5.xml><?xml version="1.0" encoding="utf-8"?>
+<file path=ppt/slides/slide19.xml><?xml version="1.0" encoding="utf-8"?>
 <p:sld xmlns:a="http://schemas.openxmlformats.org/drawingml/2006/main" xmlns:r="http://schemas.openxmlformats.org/officeDocument/2006/relationships" xmlns:p="http://schemas.openxmlformats.org/presentationml/2006/main">
   <p:cSld>
     <p:spTree>
@@ -4379,7 +4873,7 @@
       </p:grpSpPr>
       <p:pic>
         <p:nvPicPr>
-          <p:cNvPr id="10" name="Picture 9"/>
+          <p:cNvPr id="2" name="Picture 1"/>
           <p:cNvPicPr>
             <a:picLocks noChangeAspect="1"/>
           </p:cNvPicPr>
@@ -4399,8 +4893,8 @@
         </p:blipFill>
         <p:spPr>
           <a:xfrm>
-            <a:off x="-4291" y="0"/>
-            <a:ext cx="4576292" cy="6864438"/>
+            <a:off x="0" y="0"/>
+            <a:ext cx="4572000" cy="6858000"/>
           </a:xfrm>
           <a:prstGeom prst="rect">
             <a:avLst/>
@@ -4409,7 +4903,7 @@
       </p:pic>
       <p:sp>
         <p:nvSpPr>
-          <p:cNvPr id="11" name="TextBox 10"/>
+          <p:cNvPr id="3" name="TextBox 2"/>
           <p:cNvSpPr txBox="1"/>
           <p:nvPr/>
         </p:nvSpPr>
@@ -4434,7 +4928,7 @@
                 <a:latin typeface="Courier New" panose="02070309020205020404" pitchFamily="49" charset="0"/>
                 <a:cs typeface="Courier New" panose="02070309020205020404" pitchFamily="49" charset="0"/>
               </a:rPr>
-              <a:t>A D C E F B</a:t>
+              <a:t>A C E D F B</a:t>
             </a:r>
             <a:endParaRPr lang="en-US" sz="5400" b="1" dirty="0">
               <a:latin typeface="Courier New" panose="02070309020205020404" pitchFamily="49" charset="0"/>
@@ -4445,7 +4939,7 @@
       </p:sp>
       <p:sp>
         <p:nvSpPr>
-          <p:cNvPr id="12" name="TextBox 11"/>
+          <p:cNvPr id="4" name="TextBox 3"/>
           <p:cNvSpPr txBox="1"/>
           <p:nvPr/>
         </p:nvSpPr>
@@ -4470,7 +4964,7 @@
                 <a:latin typeface="Courier New" panose="02070309020205020404" pitchFamily="49" charset="0"/>
                 <a:cs typeface="Courier New" panose="02070309020205020404" pitchFamily="49" charset="0"/>
               </a:rPr>
-              <a:t>19</a:t>
+              <a:t>16</a:t>
             </a:r>
             <a:endParaRPr lang="en-US" sz="5400" b="1" dirty="0">
               <a:latin typeface="Courier New" panose="02070309020205020404" pitchFamily="49" charset="0"/>
@@ -4481,13 +4975,13 @@
       </p:sp>
       <p:sp>
         <p:nvSpPr>
-          <p:cNvPr id="13" name="Rounded Rectangle 12"/>
+          <p:cNvPr id="5" name="Rounded Rectangle 4"/>
           <p:cNvSpPr/>
           <p:nvPr/>
         </p:nvSpPr>
         <p:spPr>
           <a:xfrm>
-            <a:off x="4391696" y="991674"/>
+            <a:off x="5228823" y="991674"/>
             <a:ext cx="927279" cy="923330"/>
           </a:xfrm>
           <a:prstGeom prst="roundRect">
@@ -4525,13 +5019,13 @@
       </p:sp>
       <p:sp>
         <p:nvSpPr>
-          <p:cNvPr id="14" name="Rounded Rectangle 13"/>
+          <p:cNvPr id="6" name="Rounded Rectangle 5"/>
           <p:cNvSpPr/>
           <p:nvPr/>
         </p:nvSpPr>
         <p:spPr>
           <a:xfrm>
-            <a:off x="6811851" y="991674"/>
+            <a:off x="7688688" y="991674"/>
             <a:ext cx="927279" cy="923330"/>
           </a:xfrm>
           <a:prstGeom prst="roundRect">
@@ -4574,7 +5068,7 @@
     </p:spTree>
     <p:extLst>
       <p:ext uri="{BB962C8B-B14F-4D97-AF65-F5344CB8AC3E}">
-        <p14:creationId xmlns:p14="http://schemas.microsoft.com/office/powerpoint/2010/main" val="1371260739"/>
+        <p14:creationId xmlns:p14="http://schemas.microsoft.com/office/powerpoint/2010/main" val="2996625811"/>
       </p:ext>
     </p:extLst>
   </p:cSld>
@@ -4584,7 +5078,107 @@
 </p:sld>
 </file>
 
-<file path=ppt/slides/slide6.xml><?xml version="1.0" encoding="utf-8"?>
+<file path=ppt/slides/slide2.xml><?xml version="1.0" encoding="utf-8"?>
+<p:sld xmlns:a="http://schemas.openxmlformats.org/drawingml/2006/main" xmlns:r="http://schemas.openxmlformats.org/officeDocument/2006/relationships" xmlns:p="http://schemas.openxmlformats.org/presentationml/2006/main">
+  <p:cSld>
+    <p:spTree>
+      <p:nvGrpSpPr>
+        <p:cNvPr id="1" name=""/>
+        <p:cNvGrpSpPr/>
+        <p:nvPr/>
+      </p:nvGrpSpPr>
+      <p:grpSpPr>
+        <a:xfrm>
+          <a:off x="0" y="0"/>
+          <a:ext cx="0" cy="0"/>
+          <a:chOff x="0" y="0"/>
+          <a:chExt cx="0" cy="0"/>
+        </a:xfrm>
+      </p:grpSpPr>
+      <p:sp>
+        <p:nvSpPr>
+          <p:cNvPr id="2" name="Title 1"/>
+          <p:cNvSpPr>
+            <a:spLocks noGrp="1"/>
+          </p:cNvSpPr>
+          <p:nvPr>
+            <p:ph type="title"/>
+          </p:nvPr>
+        </p:nvSpPr>
+        <p:spPr/>
+        <p:txBody>
+          <a:bodyPr/>
+          <a:lstStyle/>
+          <a:p>
+            <a:r>
+              <a:rPr lang="en-US" dirty="0" smtClean="0"/>
+              <a:t>Overview</a:t>
+            </a:r>
+            <a:endParaRPr lang="en-US" dirty="0"/>
+          </a:p>
+        </p:txBody>
+      </p:sp>
+      <p:sp>
+        <p:nvSpPr>
+          <p:cNvPr id="3" name="Content Placeholder 2"/>
+          <p:cNvSpPr>
+            <a:spLocks noGrp="1"/>
+          </p:cNvSpPr>
+          <p:nvPr>
+            <p:ph idx="1"/>
+          </p:nvPr>
+        </p:nvSpPr>
+        <p:spPr/>
+        <p:txBody>
+          <a:bodyPr/>
+          <a:lstStyle/>
+          <a:p>
+            <a:r>
+              <a:rPr lang="en-US" dirty="0" smtClean="0"/>
+              <a:t>Popularity Algorithm</a:t>
+            </a:r>
+          </a:p>
+          <a:p>
+            <a:r>
+              <a:rPr lang="en-US" dirty="0" smtClean="0"/>
+              <a:t>Monte Carlo Popularity mod</a:t>
+            </a:r>
+          </a:p>
+          <a:p>
+            <a:r>
+              <a:rPr lang="en-US" dirty="0" smtClean="0"/>
+              <a:t>2-opt </a:t>
+            </a:r>
+          </a:p>
+          <a:p>
+            <a:r>
+              <a:rPr lang="en-US" dirty="0" smtClean="0"/>
+              <a:t>Results</a:t>
+            </a:r>
+          </a:p>
+          <a:p>
+            <a:r>
+              <a:rPr lang="en-US" dirty="0" smtClean="0"/>
+              <a:t>Summary</a:t>
+            </a:r>
+            <a:endParaRPr lang="en-US" dirty="0"/>
+          </a:p>
+        </p:txBody>
+      </p:sp>
+    </p:spTree>
+    <p:extLst>
+      <p:ext uri="{BB962C8B-B14F-4D97-AF65-F5344CB8AC3E}">
+        <p14:creationId xmlns:p14="http://schemas.microsoft.com/office/powerpoint/2010/main" val="3759121014"/>
+      </p:ext>
+    </p:extLst>
+  </p:cSld>
+  <p:clrMapOvr>
+    <a:masterClrMapping/>
+  </p:clrMapOvr>
+</p:sld>
+</file>
+
+<file path=ppt/slides/slide20.xml><?xml version="1.0" encoding="utf-8"?>
 <p:sld xmlns:a="http://schemas.openxmlformats.org/drawingml/2006/main" xmlns:r="http://schemas.openxmlformats.org/officeDocument/2006/relationships" xmlns:p="http://schemas.openxmlformats.org/presentationml/2006/main">
   <p:cSld>
     <p:spTree>
@@ -4711,7 +5305,7 @@
         </p:nvSpPr>
         <p:spPr>
           <a:xfrm>
-            <a:off x="4391696" y="991674"/>
+            <a:off x="5228823" y="991674"/>
             <a:ext cx="927279" cy="923330"/>
           </a:xfrm>
           <a:prstGeom prst="roundRect">
@@ -4755,7 +5349,7 @@
         </p:nvSpPr>
         <p:spPr>
           <a:xfrm>
-            <a:off x="7687614" y="974847"/>
+            <a:off x="8474300" y="991674"/>
             <a:ext cx="927279" cy="923330"/>
           </a:xfrm>
           <a:prstGeom prst="roundRect">
@@ -4798,7 +5392,7 @@
     </p:spTree>
     <p:extLst>
       <p:ext uri="{BB962C8B-B14F-4D97-AF65-F5344CB8AC3E}">
-        <p14:creationId xmlns:p14="http://schemas.microsoft.com/office/powerpoint/2010/main" val="3886465398"/>
+        <p14:creationId xmlns:p14="http://schemas.microsoft.com/office/powerpoint/2010/main" val="4089889449"/>
       </p:ext>
     </p:extLst>
   </p:cSld>
@@ -4808,7 +5402,7 @@
 </p:sld>
 </file>
 
-<file path=ppt/slides/slide7.xml><?xml version="1.0" encoding="utf-8"?>
+<file path=ppt/slides/slide21.xml><?xml version="1.0" encoding="utf-8"?>
 <p:sld xmlns:a="http://schemas.openxmlformats.org/drawingml/2006/main" xmlns:r="http://schemas.openxmlformats.org/officeDocument/2006/relationships" xmlns:p="http://schemas.openxmlformats.org/presentationml/2006/main">
   <p:cSld>
     <p:spTree>
@@ -4882,7 +5476,7 @@
                 <a:latin typeface="Courier New" panose="02070309020205020404" pitchFamily="49" charset="0"/>
                 <a:cs typeface="Courier New" panose="02070309020205020404" pitchFamily="49" charset="0"/>
               </a:rPr>
-              <a:t>A E D C F B</a:t>
+              <a:t>A C F E D B</a:t>
             </a:r>
             <a:endParaRPr lang="en-US" sz="5400" b="1" dirty="0">
               <a:latin typeface="Courier New" panose="02070309020205020404" pitchFamily="49" charset="0"/>
@@ -4914,11 +5508,11 @@
           <a:lstStyle/>
           <a:p>
             <a:r>
-              <a:rPr lang="en-US" sz="5400" b="1" dirty="0" smtClean="0">
+              <a:rPr lang="en-US" sz="5400" b="1" smtClean="0">
                 <a:latin typeface="Courier New" panose="02070309020205020404" pitchFamily="49" charset="0"/>
                 <a:cs typeface="Courier New" panose="02070309020205020404" pitchFamily="49" charset="0"/>
               </a:rPr>
-              <a:t>18</a:t>
+              <a:t>10</a:t>
             </a:r>
             <a:endParaRPr lang="en-US" sz="5400" b="1" dirty="0">
               <a:latin typeface="Courier New" panose="02070309020205020404" pitchFamily="49" charset="0"/>
@@ -4935,7 +5529,7 @@
         </p:nvSpPr>
         <p:spPr>
           <a:xfrm>
-            <a:off x="4391696" y="991674"/>
+            <a:off x="5228823" y="991674"/>
             <a:ext cx="927279" cy="923330"/>
           </a:xfrm>
           <a:prstGeom prst="roundRect">
@@ -4979,7 +5573,7 @@
         </p:nvSpPr>
         <p:spPr>
           <a:xfrm>
-            <a:off x="7687614" y="974847"/>
+            <a:off x="8474300" y="991674"/>
             <a:ext cx="927279" cy="923330"/>
           </a:xfrm>
           <a:prstGeom prst="roundRect">
@@ -5022,7 +5616,3749 @@
     </p:spTree>
     <p:extLst>
       <p:ext uri="{BB962C8B-B14F-4D97-AF65-F5344CB8AC3E}">
-        <p14:creationId xmlns:p14="http://schemas.microsoft.com/office/powerpoint/2010/main" val="1111390767"/>
+        <p14:creationId xmlns:p14="http://schemas.microsoft.com/office/powerpoint/2010/main" val="2524108782"/>
+      </p:ext>
+    </p:extLst>
+  </p:cSld>
+  <p:clrMapOvr>
+    <a:masterClrMapping/>
+  </p:clrMapOvr>
+</p:sld>
+</file>
+
+<file path=ppt/slides/slide22.xml><?xml version="1.0" encoding="utf-8"?>
+<p:sld xmlns:a="http://schemas.openxmlformats.org/drawingml/2006/main" xmlns:r="http://schemas.openxmlformats.org/officeDocument/2006/relationships" xmlns:p="http://schemas.openxmlformats.org/presentationml/2006/main">
+  <p:cSld>
+    <p:spTree>
+      <p:nvGrpSpPr>
+        <p:cNvPr id="1" name=""/>
+        <p:cNvGrpSpPr/>
+        <p:nvPr/>
+      </p:nvGrpSpPr>
+      <p:grpSpPr>
+        <a:xfrm>
+          <a:off x="0" y="0"/>
+          <a:ext cx="0" cy="0"/>
+          <a:chOff x="0" y="0"/>
+          <a:chExt cx="0" cy="0"/>
+        </a:xfrm>
+      </p:grpSpPr>
+      <p:sp>
+        <p:nvSpPr>
+          <p:cNvPr id="2" name="Title 1"/>
+          <p:cNvSpPr>
+            <a:spLocks noGrp="1"/>
+          </p:cNvSpPr>
+          <p:nvPr>
+            <p:ph type="title"/>
+          </p:nvPr>
+        </p:nvSpPr>
+        <p:spPr/>
+        <p:txBody>
+          <a:bodyPr/>
+          <a:lstStyle/>
+          <a:p>
+            <a:r>
+              <a:rPr lang="en-US" dirty="0" smtClean="0"/>
+              <a:t>2-Opt</a:t>
+            </a:r>
+            <a:endParaRPr lang="en-US" dirty="0"/>
+          </a:p>
+        </p:txBody>
+      </p:sp>
+      <p:sp>
+        <p:nvSpPr>
+          <p:cNvPr id="3" name="Content Placeholder 2"/>
+          <p:cNvSpPr>
+            <a:spLocks noGrp="1"/>
+          </p:cNvSpPr>
+          <p:nvPr>
+            <p:ph idx="1"/>
+          </p:nvPr>
+        </p:nvSpPr>
+        <p:spPr/>
+        <p:txBody>
+          <a:bodyPr/>
+          <a:lstStyle/>
+          <a:p>
+            <a:r>
+              <a:rPr lang="en-US" dirty="0" smtClean="0"/>
+              <a:t>We optimized by caching edge sums for subsequences to be reversed</a:t>
+            </a:r>
+          </a:p>
+          <a:p>
+            <a:r>
+              <a:rPr lang="en-US" dirty="0" smtClean="0"/>
+              <a:t>2-opt’s worst case: final iteration finding no improvements, does O(n^3) additions</a:t>
+            </a:r>
+          </a:p>
+          <a:p>
+            <a:r>
+              <a:rPr lang="en-US" dirty="0" smtClean="0"/>
+              <a:t>Caching requires only O(n^2) additions</a:t>
+            </a:r>
+            <a:endParaRPr lang="en-US" dirty="0"/>
+          </a:p>
+        </p:txBody>
+      </p:sp>
+    </p:spTree>
+    <p:extLst>
+      <p:ext uri="{BB962C8B-B14F-4D97-AF65-F5344CB8AC3E}">
+        <p14:creationId xmlns:p14="http://schemas.microsoft.com/office/powerpoint/2010/main" val="3324233459"/>
+      </p:ext>
+    </p:extLst>
+  </p:cSld>
+  <p:clrMapOvr>
+    <a:masterClrMapping/>
+  </p:clrMapOvr>
+</p:sld>
+</file>
+
+<file path=ppt/slides/slide23.xml><?xml version="1.0" encoding="utf-8"?>
+<p:sld xmlns:a="http://schemas.openxmlformats.org/drawingml/2006/main" xmlns:r="http://schemas.openxmlformats.org/officeDocument/2006/relationships" xmlns:p="http://schemas.openxmlformats.org/presentationml/2006/main">
+  <p:cSld>
+    <p:spTree>
+      <p:nvGrpSpPr>
+        <p:cNvPr id="1" name=""/>
+        <p:cNvGrpSpPr/>
+        <p:nvPr/>
+      </p:nvGrpSpPr>
+      <p:grpSpPr>
+        <a:xfrm>
+          <a:off x="0" y="0"/>
+          <a:ext cx="0" cy="0"/>
+          <a:chOff x="0" y="0"/>
+          <a:chExt cx="0" cy="0"/>
+        </a:xfrm>
+      </p:grpSpPr>
+      <p:sp>
+        <p:nvSpPr>
+          <p:cNvPr id="2" name="Title 1"/>
+          <p:cNvSpPr>
+            <a:spLocks noGrp="1"/>
+          </p:cNvSpPr>
+          <p:nvPr>
+            <p:ph type="title"/>
+          </p:nvPr>
+        </p:nvSpPr>
+        <p:spPr/>
+        <p:txBody>
+          <a:bodyPr/>
+          <a:lstStyle/>
+          <a:p>
+            <a:r>
+              <a:rPr lang="en-US" dirty="0" smtClean="0"/>
+              <a:t>Results</a:t>
+            </a:r>
+            <a:endParaRPr lang="en-US" dirty="0"/>
+          </a:p>
+        </p:txBody>
+      </p:sp>
+      <p:graphicFrame>
+        <p:nvGraphicFramePr>
+          <p:cNvPr id="5" name="Content Placeholder 4"/>
+          <p:cNvGraphicFramePr>
+            <a:graphicFrameLocks noGrp="1"/>
+          </p:cNvGraphicFramePr>
+          <p:nvPr>
+            <p:ph idx="1"/>
+            <p:extLst>
+              <p:ext uri="{D42A27DB-BD31-4B8C-83A1-F6EECF244321}">
+                <p14:modId xmlns:p14="http://schemas.microsoft.com/office/powerpoint/2010/main" val="1506231167"/>
+              </p:ext>
+            </p:extLst>
+          </p:nvPr>
+        </p:nvGraphicFramePr>
+        <p:xfrm>
+          <a:off x="838200" y="1825625"/>
+          <a:ext cx="10515600" cy="4450080"/>
+        </p:xfrm>
+        <a:graphic>
+          <a:graphicData uri="http://schemas.openxmlformats.org/drawingml/2006/table">
+            <a:tbl>
+              <a:tblPr firstRow="1" bandRow="1">
+                <a:tableStyleId>{5C22544A-7EE6-4342-B048-85BDC9FD1C3A}</a:tableStyleId>
+              </a:tblPr>
+              <a:tblGrid>
+                <a:gridCol w="876300"/>
+                <a:gridCol w="876300"/>
+                <a:gridCol w="876300"/>
+                <a:gridCol w="876300"/>
+                <a:gridCol w="876300"/>
+                <a:gridCol w="876300"/>
+                <a:gridCol w="876300"/>
+                <a:gridCol w="876300"/>
+                <a:gridCol w="876300"/>
+                <a:gridCol w="876300"/>
+                <a:gridCol w="876300"/>
+                <a:gridCol w="876300"/>
+              </a:tblGrid>
+              <a:tr h="370840">
+                <a:tc>
+                  <a:txBody>
+                    <a:bodyPr/>
+                    <a:lstStyle/>
+                    <a:p>
+                      <a:r>
+                        <a:rPr lang="en-US" dirty="0" smtClean="0"/>
+                        <a:t># Cities</a:t>
+                      </a:r>
+                      <a:endParaRPr lang="en-US" dirty="0"/>
+                    </a:p>
+                  </a:txBody>
+                  <a:tcPr/>
+                </a:tc>
+                <a:tc>
+                  <a:txBody>
+                    <a:bodyPr/>
+                    <a:lstStyle/>
+                    <a:p>
+                      <a:r>
+                        <a:rPr lang="en-US" dirty="0" smtClean="0"/>
+                        <a:t>Time</a:t>
+                      </a:r>
+                      <a:endParaRPr lang="en-US" dirty="0"/>
+                    </a:p>
+                  </a:txBody>
+                  <a:tcPr/>
+                </a:tc>
+                <a:tc>
+                  <a:txBody>
+                    <a:bodyPr/>
+                    <a:lstStyle/>
+                    <a:p>
+                      <a:r>
+                        <a:rPr lang="en-US" dirty="0" smtClean="0"/>
+                        <a:t>Length</a:t>
+                      </a:r>
+                      <a:endParaRPr lang="en-US" dirty="0"/>
+                    </a:p>
+                  </a:txBody>
+                  <a:tcPr/>
+                </a:tc>
+                <a:tc>
+                  <a:txBody>
+                    <a:bodyPr/>
+                    <a:lstStyle/>
+                    <a:p>
+                      <a:r>
+                        <a:rPr lang="en-US" dirty="0" smtClean="0"/>
+                        <a:t>Time</a:t>
+                      </a:r>
+                      <a:endParaRPr lang="en-US" dirty="0"/>
+                    </a:p>
+                  </a:txBody>
+                  <a:tcPr/>
+                </a:tc>
+                <a:tc>
+                  <a:txBody>
+                    <a:bodyPr/>
+                    <a:lstStyle/>
+                    <a:p>
+                      <a:r>
+                        <a:rPr lang="en-US" dirty="0" smtClean="0"/>
+                        <a:t>Length</a:t>
+                      </a:r>
+                      <a:endParaRPr lang="en-US" dirty="0"/>
+                    </a:p>
+                  </a:txBody>
+                  <a:tcPr/>
+                </a:tc>
+                <a:tc>
+                  <a:txBody>
+                    <a:bodyPr/>
+                    <a:lstStyle/>
+                    <a:p>
+                      <a:r>
+                        <a:rPr lang="en-US" dirty="0" err="1" smtClean="0"/>
+                        <a:t>Improv</a:t>
+                      </a:r>
+                      <a:endParaRPr lang="en-US" dirty="0"/>
+                    </a:p>
+                  </a:txBody>
+                  <a:tcPr/>
+                </a:tc>
+                <a:tc>
+                  <a:txBody>
+                    <a:bodyPr/>
+                    <a:lstStyle/>
+                    <a:p>
+                      <a:r>
+                        <a:rPr lang="en-US" dirty="0" smtClean="0"/>
+                        <a:t>Time</a:t>
+                      </a:r>
+                      <a:endParaRPr lang="en-US" dirty="0"/>
+                    </a:p>
+                  </a:txBody>
+                  <a:tcPr/>
+                </a:tc>
+                <a:tc>
+                  <a:txBody>
+                    <a:bodyPr/>
+                    <a:lstStyle/>
+                    <a:p>
+                      <a:r>
+                        <a:rPr lang="en-US" dirty="0" smtClean="0"/>
+                        <a:t>Length</a:t>
+                      </a:r>
+                      <a:endParaRPr lang="en-US" dirty="0"/>
+                    </a:p>
+                  </a:txBody>
+                  <a:tcPr/>
+                </a:tc>
+                <a:tc>
+                  <a:txBody>
+                    <a:bodyPr/>
+                    <a:lstStyle/>
+                    <a:p>
+                      <a:r>
+                        <a:rPr lang="en-US" dirty="0" err="1" smtClean="0"/>
+                        <a:t>Improv</a:t>
+                      </a:r>
+                      <a:endParaRPr lang="en-US" dirty="0"/>
+                    </a:p>
+                  </a:txBody>
+                  <a:tcPr/>
+                </a:tc>
+                <a:tc>
+                  <a:txBody>
+                    <a:bodyPr/>
+                    <a:lstStyle/>
+                    <a:p>
+                      <a:r>
+                        <a:rPr lang="en-US" dirty="0" smtClean="0"/>
+                        <a:t>Time</a:t>
+                      </a:r>
+                      <a:endParaRPr lang="en-US" dirty="0"/>
+                    </a:p>
+                  </a:txBody>
+                  <a:tcPr/>
+                </a:tc>
+                <a:tc>
+                  <a:txBody>
+                    <a:bodyPr/>
+                    <a:lstStyle/>
+                    <a:p>
+                      <a:r>
+                        <a:rPr lang="en-US" dirty="0" smtClean="0"/>
+                        <a:t>Length</a:t>
+                      </a:r>
+                      <a:endParaRPr lang="en-US" dirty="0"/>
+                    </a:p>
+                  </a:txBody>
+                  <a:tcPr/>
+                </a:tc>
+                <a:tc>
+                  <a:txBody>
+                    <a:bodyPr/>
+                    <a:lstStyle/>
+                    <a:p>
+                      <a:r>
+                        <a:rPr lang="en-US" dirty="0" err="1" smtClean="0"/>
+                        <a:t>Improv</a:t>
+                      </a:r>
+                      <a:endParaRPr lang="en-US" dirty="0"/>
+                    </a:p>
+                  </a:txBody>
+                  <a:tcPr/>
+                </a:tc>
+              </a:tr>
+              <a:tr h="370840">
+                <a:tc>
+                  <a:txBody>
+                    <a:bodyPr/>
+                    <a:lstStyle/>
+                    <a:p>
+                      <a:pPr algn="r" fontAlgn="b"/>
+                      <a:r>
+                        <a:rPr lang="en-US" sz="1100" b="0" i="0" u="none" strike="noStrike" dirty="0">
+                          <a:solidFill>
+                            <a:srgbClr val="000000"/>
+                          </a:solidFill>
+                          <a:effectLst/>
+                          <a:latin typeface="Batang" panose="02030600000101010101" pitchFamily="18" charset="-127"/>
+                          <a:ea typeface="Batang" panose="02030600000101010101" pitchFamily="18" charset="-127"/>
+                        </a:rPr>
+                        <a:t>15</a:t>
+                      </a:r>
+                    </a:p>
+                  </a:txBody>
+                  <a:tcPr marL="9525" marR="9525" marT="9525" marB="0" anchor="b"/>
+                </a:tc>
+                <a:tc>
+                  <a:txBody>
+                    <a:bodyPr/>
+                    <a:lstStyle/>
+                    <a:p>
+                      <a:pPr algn="r" fontAlgn="b"/>
+                      <a:r>
+                        <a:rPr lang="en-US" sz="1100" b="0" i="0" u="none" strike="noStrike" dirty="0" smtClean="0">
+                          <a:solidFill>
+                            <a:srgbClr val="000000"/>
+                          </a:solidFill>
+                          <a:effectLst/>
+                          <a:latin typeface="Batang" panose="02030600000101010101" pitchFamily="18" charset="-127"/>
+                          <a:ea typeface="Batang" panose="02030600000101010101" pitchFamily="18" charset="-127"/>
+                        </a:rPr>
+                        <a:t>0.00</a:t>
+                      </a:r>
+                      <a:endParaRPr lang="en-US" sz="1100" b="0" i="0" u="none" strike="noStrike" dirty="0">
+                        <a:solidFill>
+                          <a:srgbClr val="000000"/>
+                        </a:solidFill>
+                        <a:effectLst/>
+                        <a:latin typeface="Batang" panose="02030600000101010101" pitchFamily="18" charset="-127"/>
+                        <a:ea typeface="Batang" panose="02030600000101010101" pitchFamily="18" charset="-127"/>
+                      </a:endParaRPr>
+                    </a:p>
+                  </a:txBody>
+                  <a:tcPr marL="9525" marR="9525" marT="9525" marB="0" anchor="b"/>
+                </a:tc>
+                <a:tc>
+                  <a:txBody>
+                    <a:bodyPr/>
+                    <a:lstStyle/>
+                    <a:p>
+                      <a:pPr algn="r" fontAlgn="b"/>
+                      <a:r>
+                        <a:rPr lang="en-US" sz="1100" b="0" i="0" u="none" strike="noStrike">
+                          <a:solidFill>
+                            <a:srgbClr val="000000"/>
+                          </a:solidFill>
+                          <a:effectLst/>
+                          <a:latin typeface="Batang" panose="02030600000101010101" pitchFamily="18" charset="-127"/>
+                          <a:ea typeface="Batang" panose="02030600000101010101" pitchFamily="18" charset="-127"/>
+                        </a:rPr>
+                        <a:t>7843</a:t>
+                      </a:r>
+                    </a:p>
+                  </a:txBody>
+                  <a:tcPr marL="9525" marR="9525" marT="9525" marB="0" anchor="b"/>
+                </a:tc>
+                <a:tc>
+                  <a:txBody>
+                    <a:bodyPr/>
+                    <a:lstStyle/>
+                    <a:p>
+                      <a:pPr algn="r" fontAlgn="b"/>
+                      <a:r>
+                        <a:rPr lang="en-US" sz="1100" b="0" i="0" u="none" strike="noStrike">
+                          <a:solidFill>
+                            <a:srgbClr val="000000"/>
+                          </a:solidFill>
+                          <a:effectLst/>
+                          <a:latin typeface="Batang" panose="02030600000101010101" pitchFamily="18" charset="-127"/>
+                          <a:ea typeface="Batang" panose="02030600000101010101" pitchFamily="18" charset="-127"/>
+                        </a:rPr>
+                        <a:t>0.00015</a:t>
+                      </a:r>
+                    </a:p>
+                  </a:txBody>
+                  <a:tcPr marL="9525" marR="9525" marT="9525" marB="0" anchor="b"/>
+                </a:tc>
+                <a:tc>
+                  <a:txBody>
+                    <a:bodyPr/>
+                    <a:lstStyle/>
+                    <a:p>
+                      <a:pPr algn="r" fontAlgn="b"/>
+                      <a:r>
+                        <a:rPr lang="en-US" sz="1100" b="0" i="0" u="none" strike="noStrike">
+                          <a:solidFill>
+                            <a:srgbClr val="000000"/>
+                          </a:solidFill>
+                          <a:effectLst/>
+                          <a:latin typeface="Batang" panose="02030600000101010101" pitchFamily="18" charset="-127"/>
+                          <a:ea typeface="Batang" panose="02030600000101010101" pitchFamily="18" charset="-127"/>
+                        </a:rPr>
+                        <a:t>3404</a:t>
+                      </a:r>
+                    </a:p>
+                  </a:txBody>
+                  <a:tcPr marL="9525" marR="9525" marT="9525" marB="0" anchor="b"/>
+                </a:tc>
+                <a:tc>
+                  <a:txBody>
+                    <a:bodyPr/>
+                    <a:lstStyle/>
+                    <a:p>
+                      <a:pPr algn="r" fontAlgn="b"/>
+                      <a:r>
+                        <a:rPr lang="en-US" sz="1100" b="0" i="0" u="none" strike="noStrike">
+                          <a:solidFill>
+                            <a:srgbClr val="000000"/>
+                          </a:solidFill>
+                          <a:effectLst/>
+                          <a:latin typeface="Batang" panose="02030600000101010101" pitchFamily="18" charset="-127"/>
+                          <a:ea typeface="Batang" panose="02030600000101010101" pitchFamily="18" charset="-127"/>
+                        </a:rPr>
+                        <a:t>56.60%</a:t>
+                      </a:r>
+                    </a:p>
+                  </a:txBody>
+                  <a:tcPr marL="9525" marR="9525" marT="9525" marB="0" anchor="b"/>
+                </a:tc>
+                <a:tc>
+                  <a:txBody>
+                    <a:bodyPr/>
+                    <a:lstStyle/>
+                    <a:p>
+                      <a:pPr algn="r" fontAlgn="b"/>
+                      <a:r>
+                        <a:rPr lang="en-US" sz="1100" b="0" i="0" u="none" strike="noStrike">
+                          <a:solidFill>
+                            <a:srgbClr val="000000"/>
+                          </a:solidFill>
+                          <a:effectLst/>
+                          <a:latin typeface="Batang" panose="02030600000101010101" pitchFamily="18" charset="-127"/>
+                          <a:ea typeface="Batang" panose="02030600000101010101" pitchFamily="18" charset="-127"/>
+                        </a:rPr>
+                        <a:t>0.27</a:t>
+                      </a:r>
+                    </a:p>
+                  </a:txBody>
+                  <a:tcPr marL="9525" marR="9525" marT="9525" marB="0" anchor="b"/>
+                </a:tc>
+                <a:tc>
+                  <a:txBody>
+                    <a:bodyPr/>
+                    <a:lstStyle/>
+                    <a:p>
+                      <a:pPr algn="r" fontAlgn="b"/>
+                      <a:r>
+                        <a:rPr lang="en-US" sz="1100" b="0" i="0" u="none" strike="noStrike">
+                          <a:solidFill>
+                            <a:srgbClr val="000000"/>
+                          </a:solidFill>
+                          <a:effectLst/>
+                          <a:latin typeface="Batang" panose="02030600000101010101" pitchFamily="18" charset="-127"/>
+                          <a:ea typeface="Batang" panose="02030600000101010101" pitchFamily="18" charset="-127"/>
+                        </a:rPr>
+                        <a:t>3288</a:t>
+                      </a:r>
+                    </a:p>
+                  </a:txBody>
+                  <a:tcPr marL="9525" marR="9525" marT="9525" marB="0" anchor="b"/>
+                </a:tc>
+                <a:tc>
+                  <a:txBody>
+                    <a:bodyPr/>
+                    <a:lstStyle/>
+                    <a:p>
+                      <a:pPr algn="r" fontAlgn="b"/>
+                      <a:r>
+                        <a:rPr lang="en-US" sz="1100" b="0" i="0" u="none" strike="noStrike">
+                          <a:solidFill>
+                            <a:srgbClr val="000000"/>
+                          </a:solidFill>
+                          <a:effectLst/>
+                          <a:latin typeface="Batang" panose="02030600000101010101" pitchFamily="18" charset="-127"/>
+                          <a:ea typeface="Batang" panose="02030600000101010101" pitchFamily="18" charset="-127"/>
+                        </a:rPr>
+                        <a:t>3.41%</a:t>
+                      </a:r>
+                    </a:p>
+                  </a:txBody>
+                  <a:tcPr marL="9525" marR="9525" marT="9525" marB="0" anchor="b"/>
+                </a:tc>
+                <a:tc>
+                  <a:txBody>
+                    <a:bodyPr/>
+                    <a:lstStyle/>
+                    <a:p>
+                      <a:pPr algn="r" fontAlgn="b"/>
+                      <a:r>
+                        <a:rPr lang="en-US" sz="1100" b="0" i="0" u="none" strike="noStrike">
+                          <a:solidFill>
+                            <a:srgbClr val="000000"/>
+                          </a:solidFill>
+                          <a:effectLst/>
+                          <a:latin typeface="Batang" panose="02030600000101010101" pitchFamily="18" charset="-127"/>
+                          <a:ea typeface="Batang" panose="02030600000101010101" pitchFamily="18" charset="-127"/>
+                        </a:rPr>
+                        <a:t>0.04</a:t>
+                      </a:r>
+                    </a:p>
+                  </a:txBody>
+                  <a:tcPr marL="9525" marR="9525" marT="9525" marB="0" anchor="b"/>
+                </a:tc>
+                <a:tc>
+                  <a:txBody>
+                    <a:bodyPr/>
+                    <a:lstStyle/>
+                    <a:p>
+                      <a:pPr algn="r" fontAlgn="b"/>
+                      <a:r>
+                        <a:rPr lang="en-US" sz="1100" b="0" i="0" u="none" strike="noStrike">
+                          <a:solidFill>
+                            <a:srgbClr val="000000"/>
+                          </a:solidFill>
+                          <a:effectLst/>
+                          <a:latin typeface="Batang" panose="02030600000101010101" pitchFamily="18" charset="-127"/>
+                          <a:ea typeface="Batang" panose="02030600000101010101" pitchFamily="18" charset="-127"/>
+                        </a:rPr>
+                        <a:t>3375</a:t>
+                      </a:r>
+                    </a:p>
+                  </a:txBody>
+                  <a:tcPr marL="9525" marR="9525" marT="9525" marB="0" anchor="b"/>
+                </a:tc>
+                <a:tc>
+                  <a:txBody>
+                    <a:bodyPr/>
+                    <a:lstStyle/>
+                    <a:p>
+                      <a:pPr algn="r" fontAlgn="b"/>
+                      <a:r>
+                        <a:rPr lang="en-US" sz="1100" b="0" i="0" u="none" strike="noStrike" dirty="0">
+                          <a:solidFill>
+                            <a:srgbClr val="000000"/>
+                          </a:solidFill>
+                          <a:effectLst/>
+                          <a:latin typeface="Batang" panose="02030600000101010101" pitchFamily="18" charset="-127"/>
+                          <a:ea typeface="Batang" panose="02030600000101010101" pitchFamily="18" charset="-127"/>
+                        </a:rPr>
+                        <a:t>0.85%</a:t>
+                      </a:r>
+                    </a:p>
+                  </a:txBody>
+                  <a:tcPr marL="9525" marR="9525" marT="9525" marB="0" anchor="b"/>
+                </a:tc>
+              </a:tr>
+              <a:tr h="370840">
+                <a:tc>
+                  <a:txBody>
+                    <a:bodyPr/>
+                    <a:lstStyle/>
+                    <a:p>
+                      <a:pPr algn="r" fontAlgn="b"/>
+                      <a:r>
+                        <a:rPr lang="en-US" sz="1100" b="0" i="0" u="none" strike="noStrike" dirty="0">
+                          <a:solidFill>
+                            <a:srgbClr val="000000"/>
+                          </a:solidFill>
+                          <a:effectLst/>
+                          <a:latin typeface="Batang" panose="02030600000101010101" pitchFamily="18" charset="-127"/>
+                          <a:ea typeface="Batang" panose="02030600000101010101" pitchFamily="18" charset="-127"/>
+                        </a:rPr>
+                        <a:t>20</a:t>
+                      </a:r>
+                    </a:p>
+                  </a:txBody>
+                  <a:tcPr marL="9525" marR="9525" marT="9525" marB="0" anchor="b"/>
+                </a:tc>
+                <a:tc>
+                  <a:txBody>
+                    <a:bodyPr/>
+                    <a:lstStyle/>
+                    <a:p>
+                      <a:pPr algn="r" fontAlgn="b"/>
+                      <a:r>
+                        <a:rPr lang="en-US" sz="1100" b="0" i="0" u="none" strike="noStrike" dirty="0" smtClean="0">
+                          <a:solidFill>
+                            <a:srgbClr val="000000"/>
+                          </a:solidFill>
+                          <a:effectLst/>
+                          <a:latin typeface="Batang" panose="02030600000101010101" pitchFamily="18" charset="-127"/>
+                          <a:ea typeface="Batang" panose="02030600000101010101" pitchFamily="18" charset="-127"/>
+                        </a:rPr>
+                        <a:t>0.00</a:t>
+                      </a:r>
+                      <a:endParaRPr lang="en-US" sz="1100" b="0" i="0" u="none" strike="noStrike" dirty="0">
+                        <a:solidFill>
+                          <a:srgbClr val="000000"/>
+                        </a:solidFill>
+                        <a:effectLst/>
+                        <a:latin typeface="Batang" panose="02030600000101010101" pitchFamily="18" charset="-127"/>
+                        <a:ea typeface="Batang" panose="02030600000101010101" pitchFamily="18" charset="-127"/>
+                      </a:endParaRPr>
+                    </a:p>
+                  </a:txBody>
+                  <a:tcPr marL="9525" marR="9525" marT="9525" marB="0" anchor="b"/>
+                </a:tc>
+                <a:tc>
+                  <a:txBody>
+                    <a:bodyPr/>
+                    <a:lstStyle/>
+                    <a:p>
+                      <a:pPr algn="r" fontAlgn="b"/>
+                      <a:r>
+                        <a:rPr lang="en-US" sz="1100" b="0" i="0" u="none" strike="noStrike" dirty="0">
+                          <a:solidFill>
+                            <a:srgbClr val="000000"/>
+                          </a:solidFill>
+                          <a:effectLst/>
+                          <a:latin typeface="Batang" panose="02030600000101010101" pitchFamily="18" charset="-127"/>
+                          <a:ea typeface="Batang" panose="02030600000101010101" pitchFamily="18" charset="-127"/>
+                        </a:rPr>
+                        <a:t>10118</a:t>
+                      </a:r>
+                    </a:p>
+                  </a:txBody>
+                  <a:tcPr marL="9525" marR="9525" marT="9525" marB="0" anchor="b"/>
+                </a:tc>
+                <a:tc>
+                  <a:txBody>
+                    <a:bodyPr/>
+                    <a:lstStyle/>
+                    <a:p>
+                      <a:pPr algn="r" fontAlgn="b"/>
+                      <a:r>
+                        <a:rPr lang="en-US" sz="1100" b="0" i="0" u="none" strike="noStrike" dirty="0">
+                          <a:solidFill>
+                            <a:srgbClr val="000000"/>
+                          </a:solidFill>
+                          <a:effectLst/>
+                          <a:latin typeface="Batang" panose="02030600000101010101" pitchFamily="18" charset="-127"/>
+                          <a:ea typeface="Batang" panose="02030600000101010101" pitchFamily="18" charset="-127"/>
+                        </a:rPr>
+                        <a:t>0.00014</a:t>
+                      </a:r>
+                    </a:p>
+                  </a:txBody>
+                  <a:tcPr marL="9525" marR="9525" marT="9525" marB="0" anchor="b"/>
+                </a:tc>
+                <a:tc>
+                  <a:txBody>
+                    <a:bodyPr/>
+                    <a:lstStyle/>
+                    <a:p>
+                      <a:pPr algn="r" fontAlgn="b"/>
+                      <a:r>
+                        <a:rPr lang="en-US" sz="1100" b="0" i="0" u="none" strike="noStrike">
+                          <a:solidFill>
+                            <a:srgbClr val="000000"/>
+                          </a:solidFill>
+                          <a:effectLst/>
+                          <a:latin typeface="Batang" panose="02030600000101010101" pitchFamily="18" charset="-127"/>
+                          <a:ea typeface="Batang" panose="02030600000101010101" pitchFamily="18" charset="-127"/>
+                        </a:rPr>
+                        <a:t>4428</a:t>
+                      </a:r>
+                    </a:p>
+                  </a:txBody>
+                  <a:tcPr marL="9525" marR="9525" marT="9525" marB="0" anchor="b"/>
+                </a:tc>
+                <a:tc>
+                  <a:txBody>
+                    <a:bodyPr/>
+                    <a:lstStyle/>
+                    <a:p>
+                      <a:pPr algn="r" fontAlgn="b"/>
+                      <a:r>
+                        <a:rPr lang="en-US" sz="1100" b="0" i="0" u="none" strike="noStrike">
+                          <a:solidFill>
+                            <a:srgbClr val="000000"/>
+                          </a:solidFill>
+                          <a:effectLst/>
+                          <a:latin typeface="Batang" panose="02030600000101010101" pitchFamily="18" charset="-127"/>
+                          <a:ea typeface="Batang" panose="02030600000101010101" pitchFamily="18" charset="-127"/>
+                        </a:rPr>
+                        <a:t>56.24%</a:t>
+                      </a:r>
+                    </a:p>
+                  </a:txBody>
+                  <a:tcPr marL="9525" marR="9525" marT="9525" marB="0" anchor="b"/>
+                </a:tc>
+                <a:tc>
+                  <a:txBody>
+                    <a:bodyPr/>
+                    <a:lstStyle/>
+                    <a:p>
+                      <a:pPr algn="r" fontAlgn="b"/>
+                      <a:r>
+                        <a:rPr lang="en-US" sz="1100" b="0" i="0" u="none" strike="noStrike" dirty="0">
+                          <a:solidFill>
+                            <a:srgbClr val="000000"/>
+                          </a:solidFill>
+                          <a:effectLst/>
+                          <a:latin typeface="Batang" panose="02030600000101010101" pitchFamily="18" charset="-127"/>
+                          <a:ea typeface="Batang" panose="02030600000101010101" pitchFamily="18" charset="-127"/>
+                        </a:rPr>
+                        <a:t>TB</a:t>
+                      </a:r>
+                    </a:p>
+                  </a:txBody>
+                  <a:tcPr marL="9525" marR="9525" marT="9525" marB="0" anchor="b"/>
+                </a:tc>
+                <a:tc>
+                  <a:txBody>
+                    <a:bodyPr/>
+                    <a:lstStyle/>
+                    <a:p>
+                      <a:pPr algn="r" fontAlgn="b"/>
+                      <a:r>
+                        <a:rPr lang="en-US" sz="1100" b="0" i="0" u="none" strike="noStrike" dirty="0">
+                          <a:solidFill>
+                            <a:srgbClr val="000000"/>
+                          </a:solidFill>
+                          <a:effectLst/>
+                          <a:latin typeface="Batang" panose="02030600000101010101" pitchFamily="18" charset="-127"/>
+                          <a:ea typeface="Batang" panose="02030600000101010101" pitchFamily="18" charset="-127"/>
+                        </a:rPr>
+                        <a:t>TB</a:t>
+                      </a:r>
+                    </a:p>
+                  </a:txBody>
+                  <a:tcPr marL="9525" marR="9525" marT="9525" marB="0" anchor="b"/>
+                </a:tc>
+                <a:tc>
+                  <a:txBody>
+                    <a:bodyPr/>
+                    <a:lstStyle/>
+                    <a:p>
+                      <a:pPr algn="r" fontAlgn="b"/>
+                      <a:r>
+                        <a:rPr lang="en-US" sz="1100" b="0" i="0" u="none" strike="noStrike">
+                          <a:solidFill>
+                            <a:srgbClr val="000000"/>
+                          </a:solidFill>
+                          <a:effectLst/>
+                          <a:latin typeface="Batang" panose="02030600000101010101" pitchFamily="18" charset="-127"/>
+                          <a:ea typeface="Batang" panose="02030600000101010101" pitchFamily="18" charset="-127"/>
+                        </a:rPr>
+                        <a:t>TB</a:t>
+                      </a:r>
+                    </a:p>
+                  </a:txBody>
+                  <a:tcPr marL="9525" marR="9525" marT="9525" marB="0" anchor="b"/>
+                </a:tc>
+                <a:tc>
+                  <a:txBody>
+                    <a:bodyPr/>
+                    <a:lstStyle/>
+                    <a:p>
+                      <a:pPr algn="r" fontAlgn="b"/>
+                      <a:r>
+                        <a:rPr lang="en-US" sz="1100" b="0" i="0" u="none" strike="noStrike">
+                          <a:solidFill>
+                            <a:srgbClr val="000000"/>
+                          </a:solidFill>
+                          <a:effectLst/>
+                          <a:latin typeface="Batang" panose="02030600000101010101" pitchFamily="18" charset="-127"/>
+                          <a:ea typeface="Batang" panose="02030600000101010101" pitchFamily="18" charset="-127"/>
+                        </a:rPr>
+                        <a:t>0.27</a:t>
+                      </a:r>
+                    </a:p>
+                  </a:txBody>
+                  <a:tcPr marL="9525" marR="9525" marT="9525" marB="0" anchor="b"/>
+                </a:tc>
+                <a:tc>
+                  <a:txBody>
+                    <a:bodyPr/>
+                    <a:lstStyle/>
+                    <a:p>
+                      <a:pPr algn="r" fontAlgn="b"/>
+                      <a:r>
+                        <a:rPr lang="en-US" sz="1100" b="0" i="0" u="none" strike="noStrike">
+                          <a:solidFill>
+                            <a:srgbClr val="000000"/>
+                          </a:solidFill>
+                          <a:effectLst/>
+                          <a:latin typeface="Batang" panose="02030600000101010101" pitchFamily="18" charset="-127"/>
+                          <a:ea typeface="Batang" panose="02030600000101010101" pitchFamily="18" charset="-127"/>
+                        </a:rPr>
+                        <a:t>4111</a:t>
+                      </a:r>
+                    </a:p>
+                  </a:txBody>
+                  <a:tcPr marL="9525" marR="9525" marT="9525" marB="0" anchor="b"/>
+                </a:tc>
+                <a:tc>
+                  <a:txBody>
+                    <a:bodyPr/>
+                    <a:lstStyle/>
+                    <a:p>
+                      <a:pPr algn="r" fontAlgn="b"/>
+                      <a:r>
+                        <a:rPr lang="en-US" sz="1100" b="0" i="0" u="none" strike="noStrike" dirty="0">
+                          <a:solidFill>
+                            <a:srgbClr val="000000"/>
+                          </a:solidFill>
+                          <a:effectLst/>
+                          <a:latin typeface="Batang" panose="02030600000101010101" pitchFamily="18" charset="-127"/>
+                          <a:ea typeface="Batang" panose="02030600000101010101" pitchFamily="18" charset="-127"/>
+                        </a:rPr>
+                        <a:t>7.15%</a:t>
+                      </a:r>
+                    </a:p>
+                  </a:txBody>
+                  <a:tcPr marL="9525" marR="9525" marT="9525" marB="0" anchor="b"/>
+                </a:tc>
+              </a:tr>
+              <a:tr h="370840">
+                <a:tc>
+                  <a:txBody>
+                    <a:bodyPr/>
+                    <a:lstStyle/>
+                    <a:p>
+                      <a:pPr algn="r" fontAlgn="b"/>
+                      <a:r>
+                        <a:rPr lang="en-US" sz="1100" b="0" i="0" u="none" strike="noStrike" dirty="0">
+                          <a:solidFill>
+                            <a:srgbClr val="000000"/>
+                          </a:solidFill>
+                          <a:effectLst/>
+                          <a:latin typeface="Batang" panose="02030600000101010101" pitchFamily="18" charset="-127"/>
+                          <a:ea typeface="Batang" panose="02030600000101010101" pitchFamily="18" charset="-127"/>
+                        </a:rPr>
+                        <a:t>25</a:t>
+                      </a:r>
+                    </a:p>
+                  </a:txBody>
+                  <a:tcPr marL="9525" marR="9525" marT="9525" marB="0" anchor="b"/>
+                </a:tc>
+                <a:tc>
+                  <a:txBody>
+                    <a:bodyPr/>
+                    <a:lstStyle/>
+                    <a:p>
+                      <a:pPr algn="r" fontAlgn="b"/>
+                      <a:r>
+                        <a:rPr lang="en-US" sz="1100" b="0" i="0" u="none" strike="noStrike" dirty="0" smtClean="0">
+                          <a:solidFill>
+                            <a:srgbClr val="000000"/>
+                          </a:solidFill>
+                          <a:effectLst/>
+                          <a:latin typeface="Batang" panose="02030600000101010101" pitchFamily="18" charset="-127"/>
+                          <a:ea typeface="Batang" panose="02030600000101010101" pitchFamily="18" charset="-127"/>
+                        </a:rPr>
+                        <a:t>0.00</a:t>
+                      </a:r>
+                      <a:endParaRPr lang="en-US" sz="1100" b="0" i="0" u="none" strike="noStrike" dirty="0">
+                        <a:solidFill>
+                          <a:srgbClr val="000000"/>
+                        </a:solidFill>
+                        <a:effectLst/>
+                        <a:latin typeface="Batang" panose="02030600000101010101" pitchFamily="18" charset="-127"/>
+                        <a:ea typeface="Batang" panose="02030600000101010101" pitchFamily="18" charset="-127"/>
+                      </a:endParaRPr>
+                    </a:p>
+                  </a:txBody>
+                  <a:tcPr marL="9525" marR="9525" marT="9525" marB="0" anchor="b"/>
+                </a:tc>
+                <a:tc>
+                  <a:txBody>
+                    <a:bodyPr/>
+                    <a:lstStyle/>
+                    <a:p>
+                      <a:pPr algn="r" fontAlgn="b"/>
+                      <a:r>
+                        <a:rPr lang="en-US" sz="1100" b="0" i="0" u="none" strike="noStrike" dirty="0">
+                          <a:solidFill>
+                            <a:srgbClr val="000000"/>
+                          </a:solidFill>
+                          <a:effectLst/>
+                          <a:latin typeface="Batang" panose="02030600000101010101" pitchFamily="18" charset="-127"/>
+                          <a:ea typeface="Batang" panose="02030600000101010101" pitchFamily="18" charset="-127"/>
+                        </a:rPr>
+                        <a:t>13062</a:t>
+                      </a:r>
+                    </a:p>
+                  </a:txBody>
+                  <a:tcPr marL="9525" marR="9525" marT="9525" marB="0" anchor="b"/>
+                </a:tc>
+                <a:tc>
+                  <a:txBody>
+                    <a:bodyPr/>
+                    <a:lstStyle/>
+                    <a:p>
+                      <a:pPr algn="r" fontAlgn="b"/>
+                      <a:r>
+                        <a:rPr lang="en-US" sz="1100" b="0" i="0" u="none" strike="noStrike" dirty="0">
+                          <a:solidFill>
+                            <a:srgbClr val="000000"/>
+                          </a:solidFill>
+                          <a:effectLst/>
+                          <a:latin typeface="Batang" panose="02030600000101010101" pitchFamily="18" charset="-127"/>
+                          <a:ea typeface="Batang" panose="02030600000101010101" pitchFamily="18" charset="-127"/>
+                        </a:rPr>
+                        <a:t>0.00021</a:t>
+                      </a:r>
+                    </a:p>
+                  </a:txBody>
+                  <a:tcPr marL="9525" marR="9525" marT="9525" marB="0" anchor="b"/>
+                </a:tc>
+                <a:tc>
+                  <a:txBody>
+                    <a:bodyPr/>
+                    <a:lstStyle/>
+                    <a:p>
+                      <a:pPr algn="r" fontAlgn="b"/>
+                      <a:r>
+                        <a:rPr lang="en-US" sz="1100" b="0" i="0" u="none" strike="noStrike" dirty="0">
+                          <a:solidFill>
+                            <a:srgbClr val="000000"/>
+                          </a:solidFill>
+                          <a:effectLst/>
+                          <a:latin typeface="Batang" panose="02030600000101010101" pitchFamily="18" charset="-127"/>
+                          <a:ea typeface="Batang" panose="02030600000101010101" pitchFamily="18" charset="-127"/>
+                        </a:rPr>
+                        <a:t>5062</a:t>
+                      </a:r>
+                    </a:p>
+                  </a:txBody>
+                  <a:tcPr marL="9525" marR="9525" marT="9525" marB="0" anchor="b"/>
+                </a:tc>
+                <a:tc>
+                  <a:txBody>
+                    <a:bodyPr/>
+                    <a:lstStyle/>
+                    <a:p>
+                      <a:pPr algn="r" fontAlgn="b"/>
+                      <a:r>
+                        <a:rPr lang="en-US" sz="1100" b="0" i="0" u="none" strike="noStrike" dirty="0">
+                          <a:solidFill>
+                            <a:srgbClr val="000000"/>
+                          </a:solidFill>
+                          <a:effectLst/>
+                          <a:latin typeface="Batang" panose="02030600000101010101" pitchFamily="18" charset="-127"/>
+                          <a:ea typeface="Batang" panose="02030600000101010101" pitchFamily="18" charset="-127"/>
+                        </a:rPr>
+                        <a:t>61.25%</a:t>
+                      </a:r>
+                    </a:p>
+                  </a:txBody>
+                  <a:tcPr marL="9525" marR="9525" marT="9525" marB="0" anchor="b"/>
+                </a:tc>
+                <a:tc>
+                  <a:txBody>
+                    <a:bodyPr/>
+                    <a:lstStyle/>
+                    <a:p>
+                      <a:pPr algn="r" fontAlgn="b"/>
+                      <a:r>
+                        <a:rPr lang="en-US" sz="1100" b="0" i="0" u="none" strike="noStrike" dirty="0">
+                          <a:solidFill>
+                            <a:srgbClr val="000000"/>
+                          </a:solidFill>
+                          <a:effectLst/>
+                          <a:latin typeface="Batang" panose="02030600000101010101" pitchFamily="18" charset="-127"/>
+                          <a:ea typeface="Batang" panose="02030600000101010101" pitchFamily="18" charset="-127"/>
+                        </a:rPr>
+                        <a:t>TB</a:t>
+                      </a:r>
+                    </a:p>
+                  </a:txBody>
+                  <a:tcPr marL="9525" marR="9525" marT="9525" marB="0" anchor="b"/>
+                </a:tc>
+                <a:tc>
+                  <a:txBody>
+                    <a:bodyPr/>
+                    <a:lstStyle/>
+                    <a:p>
+                      <a:pPr algn="r" fontAlgn="b"/>
+                      <a:r>
+                        <a:rPr lang="en-US" sz="1100" b="0" i="0" u="none" strike="noStrike" dirty="0">
+                          <a:solidFill>
+                            <a:srgbClr val="000000"/>
+                          </a:solidFill>
+                          <a:effectLst/>
+                          <a:latin typeface="Batang" panose="02030600000101010101" pitchFamily="18" charset="-127"/>
+                          <a:ea typeface="Batang" panose="02030600000101010101" pitchFamily="18" charset="-127"/>
+                        </a:rPr>
+                        <a:t>TB</a:t>
+                      </a:r>
+                    </a:p>
+                  </a:txBody>
+                  <a:tcPr marL="9525" marR="9525" marT="9525" marB="0" anchor="b"/>
+                </a:tc>
+                <a:tc>
+                  <a:txBody>
+                    <a:bodyPr/>
+                    <a:lstStyle/>
+                    <a:p>
+                      <a:pPr algn="r" fontAlgn="b"/>
+                      <a:r>
+                        <a:rPr lang="en-US" sz="1100" b="0" i="0" u="none" strike="noStrike" dirty="0">
+                          <a:solidFill>
+                            <a:srgbClr val="000000"/>
+                          </a:solidFill>
+                          <a:effectLst/>
+                          <a:latin typeface="Batang" panose="02030600000101010101" pitchFamily="18" charset="-127"/>
+                          <a:ea typeface="Batang" panose="02030600000101010101" pitchFamily="18" charset="-127"/>
+                        </a:rPr>
+                        <a:t>TB</a:t>
+                      </a:r>
+                    </a:p>
+                  </a:txBody>
+                  <a:tcPr marL="9525" marR="9525" marT="9525" marB="0" anchor="b"/>
+                </a:tc>
+                <a:tc>
+                  <a:txBody>
+                    <a:bodyPr/>
+                    <a:lstStyle/>
+                    <a:p>
+                      <a:pPr algn="r" fontAlgn="b"/>
+                      <a:r>
+                        <a:rPr lang="en-US" sz="1100" b="0" i="0" u="none" strike="noStrike" dirty="0">
+                          <a:solidFill>
+                            <a:srgbClr val="000000"/>
+                          </a:solidFill>
+                          <a:effectLst/>
+                          <a:latin typeface="Batang" panose="02030600000101010101" pitchFamily="18" charset="-127"/>
+                          <a:ea typeface="Batang" panose="02030600000101010101" pitchFamily="18" charset="-127"/>
+                        </a:rPr>
+                        <a:t>0.1</a:t>
+                      </a:r>
+                    </a:p>
+                  </a:txBody>
+                  <a:tcPr marL="9525" marR="9525" marT="9525" marB="0" anchor="b"/>
+                </a:tc>
+                <a:tc>
+                  <a:txBody>
+                    <a:bodyPr/>
+                    <a:lstStyle/>
+                    <a:p>
+                      <a:pPr algn="r" fontAlgn="b"/>
+                      <a:r>
+                        <a:rPr lang="en-US" sz="1100" b="0" i="0" u="none" strike="noStrike" dirty="0">
+                          <a:solidFill>
+                            <a:srgbClr val="000000"/>
+                          </a:solidFill>
+                          <a:effectLst/>
+                          <a:latin typeface="Batang" panose="02030600000101010101" pitchFamily="18" charset="-127"/>
+                          <a:ea typeface="Batang" panose="02030600000101010101" pitchFamily="18" charset="-127"/>
+                        </a:rPr>
+                        <a:t>4440</a:t>
+                      </a:r>
+                    </a:p>
+                  </a:txBody>
+                  <a:tcPr marL="9525" marR="9525" marT="9525" marB="0" anchor="b"/>
+                </a:tc>
+                <a:tc>
+                  <a:txBody>
+                    <a:bodyPr/>
+                    <a:lstStyle/>
+                    <a:p>
+                      <a:pPr algn="r" fontAlgn="b"/>
+                      <a:r>
+                        <a:rPr lang="en-US" sz="1100" b="0" i="0" u="none" strike="noStrike" dirty="0">
+                          <a:solidFill>
+                            <a:srgbClr val="000000"/>
+                          </a:solidFill>
+                          <a:effectLst/>
+                          <a:latin typeface="Batang" panose="02030600000101010101" pitchFamily="18" charset="-127"/>
+                          <a:ea typeface="Batang" panose="02030600000101010101" pitchFamily="18" charset="-127"/>
+                        </a:rPr>
+                        <a:t>12.29%</a:t>
+                      </a:r>
+                    </a:p>
+                  </a:txBody>
+                  <a:tcPr marL="9525" marR="9525" marT="9525" marB="0" anchor="b"/>
+                </a:tc>
+              </a:tr>
+              <a:tr h="370840">
+                <a:tc>
+                  <a:txBody>
+                    <a:bodyPr/>
+                    <a:lstStyle/>
+                    <a:p>
+                      <a:endParaRPr lang="en-US"/>
+                    </a:p>
+                  </a:txBody>
+                  <a:tcPr/>
+                </a:tc>
+                <a:tc>
+                  <a:txBody>
+                    <a:bodyPr/>
+                    <a:lstStyle/>
+                    <a:p>
+                      <a:endParaRPr lang="en-US" dirty="0"/>
+                    </a:p>
+                  </a:txBody>
+                  <a:tcPr/>
+                </a:tc>
+                <a:tc>
+                  <a:txBody>
+                    <a:bodyPr/>
+                    <a:lstStyle/>
+                    <a:p>
+                      <a:endParaRPr lang="en-US" dirty="0"/>
+                    </a:p>
+                  </a:txBody>
+                  <a:tcPr/>
+                </a:tc>
+                <a:tc>
+                  <a:txBody>
+                    <a:bodyPr/>
+                    <a:lstStyle/>
+                    <a:p>
+                      <a:endParaRPr lang="en-US" dirty="0"/>
+                    </a:p>
+                  </a:txBody>
+                  <a:tcPr/>
+                </a:tc>
+                <a:tc>
+                  <a:txBody>
+                    <a:bodyPr/>
+                    <a:lstStyle/>
+                    <a:p>
+                      <a:endParaRPr lang="en-US" dirty="0"/>
+                    </a:p>
+                  </a:txBody>
+                  <a:tcPr/>
+                </a:tc>
+                <a:tc>
+                  <a:txBody>
+                    <a:bodyPr/>
+                    <a:lstStyle/>
+                    <a:p>
+                      <a:endParaRPr lang="en-US" dirty="0"/>
+                    </a:p>
+                  </a:txBody>
+                  <a:tcPr/>
+                </a:tc>
+                <a:tc>
+                  <a:txBody>
+                    <a:bodyPr/>
+                    <a:lstStyle/>
+                    <a:p>
+                      <a:endParaRPr lang="en-US" dirty="0"/>
+                    </a:p>
+                  </a:txBody>
+                  <a:tcPr/>
+                </a:tc>
+                <a:tc>
+                  <a:txBody>
+                    <a:bodyPr/>
+                    <a:lstStyle/>
+                    <a:p>
+                      <a:endParaRPr lang="en-US" dirty="0"/>
+                    </a:p>
+                  </a:txBody>
+                  <a:tcPr/>
+                </a:tc>
+                <a:tc>
+                  <a:txBody>
+                    <a:bodyPr/>
+                    <a:lstStyle/>
+                    <a:p>
+                      <a:endParaRPr lang="en-US"/>
+                    </a:p>
+                  </a:txBody>
+                  <a:tcPr/>
+                </a:tc>
+                <a:tc>
+                  <a:txBody>
+                    <a:bodyPr/>
+                    <a:lstStyle/>
+                    <a:p>
+                      <a:endParaRPr lang="en-US"/>
+                    </a:p>
+                  </a:txBody>
+                  <a:tcPr/>
+                </a:tc>
+                <a:tc>
+                  <a:txBody>
+                    <a:bodyPr/>
+                    <a:lstStyle/>
+                    <a:p>
+                      <a:endParaRPr lang="en-US"/>
+                    </a:p>
+                  </a:txBody>
+                  <a:tcPr/>
+                </a:tc>
+                <a:tc>
+                  <a:txBody>
+                    <a:bodyPr/>
+                    <a:lstStyle/>
+                    <a:p>
+                      <a:endParaRPr lang="en-US"/>
+                    </a:p>
+                  </a:txBody>
+                  <a:tcPr/>
+                </a:tc>
+              </a:tr>
+              <a:tr h="370840">
+                <a:tc>
+                  <a:txBody>
+                    <a:bodyPr/>
+                    <a:lstStyle/>
+                    <a:p>
+                      <a:endParaRPr lang="en-US"/>
+                    </a:p>
+                  </a:txBody>
+                  <a:tcPr/>
+                </a:tc>
+                <a:tc>
+                  <a:txBody>
+                    <a:bodyPr/>
+                    <a:lstStyle/>
+                    <a:p>
+                      <a:endParaRPr lang="en-US"/>
+                    </a:p>
+                  </a:txBody>
+                  <a:tcPr/>
+                </a:tc>
+                <a:tc>
+                  <a:txBody>
+                    <a:bodyPr/>
+                    <a:lstStyle/>
+                    <a:p>
+                      <a:endParaRPr lang="en-US"/>
+                    </a:p>
+                  </a:txBody>
+                  <a:tcPr/>
+                </a:tc>
+                <a:tc>
+                  <a:txBody>
+                    <a:bodyPr/>
+                    <a:lstStyle/>
+                    <a:p>
+                      <a:endParaRPr lang="en-US"/>
+                    </a:p>
+                  </a:txBody>
+                  <a:tcPr/>
+                </a:tc>
+                <a:tc>
+                  <a:txBody>
+                    <a:bodyPr/>
+                    <a:lstStyle/>
+                    <a:p>
+                      <a:endParaRPr lang="en-US"/>
+                    </a:p>
+                  </a:txBody>
+                  <a:tcPr/>
+                </a:tc>
+                <a:tc>
+                  <a:txBody>
+                    <a:bodyPr/>
+                    <a:lstStyle/>
+                    <a:p>
+                      <a:endParaRPr lang="en-US"/>
+                    </a:p>
+                  </a:txBody>
+                  <a:tcPr/>
+                </a:tc>
+                <a:tc>
+                  <a:txBody>
+                    <a:bodyPr/>
+                    <a:lstStyle/>
+                    <a:p>
+                      <a:endParaRPr lang="en-US"/>
+                    </a:p>
+                  </a:txBody>
+                  <a:tcPr/>
+                </a:tc>
+                <a:tc>
+                  <a:txBody>
+                    <a:bodyPr/>
+                    <a:lstStyle/>
+                    <a:p>
+                      <a:endParaRPr lang="en-US"/>
+                    </a:p>
+                  </a:txBody>
+                  <a:tcPr/>
+                </a:tc>
+                <a:tc>
+                  <a:txBody>
+                    <a:bodyPr/>
+                    <a:lstStyle/>
+                    <a:p>
+                      <a:endParaRPr lang="en-US"/>
+                    </a:p>
+                  </a:txBody>
+                  <a:tcPr/>
+                </a:tc>
+                <a:tc>
+                  <a:txBody>
+                    <a:bodyPr/>
+                    <a:lstStyle/>
+                    <a:p>
+                      <a:endParaRPr lang="en-US"/>
+                    </a:p>
+                  </a:txBody>
+                  <a:tcPr/>
+                </a:tc>
+                <a:tc>
+                  <a:txBody>
+                    <a:bodyPr/>
+                    <a:lstStyle/>
+                    <a:p>
+                      <a:endParaRPr lang="en-US"/>
+                    </a:p>
+                  </a:txBody>
+                  <a:tcPr/>
+                </a:tc>
+                <a:tc>
+                  <a:txBody>
+                    <a:bodyPr/>
+                    <a:lstStyle/>
+                    <a:p>
+                      <a:endParaRPr lang="en-US"/>
+                    </a:p>
+                  </a:txBody>
+                  <a:tcPr/>
+                </a:tc>
+              </a:tr>
+              <a:tr h="370840">
+                <a:tc>
+                  <a:txBody>
+                    <a:bodyPr/>
+                    <a:lstStyle/>
+                    <a:p>
+                      <a:endParaRPr lang="en-US"/>
+                    </a:p>
+                  </a:txBody>
+                  <a:tcPr/>
+                </a:tc>
+                <a:tc>
+                  <a:txBody>
+                    <a:bodyPr/>
+                    <a:lstStyle/>
+                    <a:p>
+                      <a:endParaRPr lang="en-US"/>
+                    </a:p>
+                  </a:txBody>
+                  <a:tcPr/>
+                </a:tc>
+                <a:tc>
+                  <a:txBody>
+                    <a:bodyPr/>
+                    <a:lstStyle/>
+                    <a:p>
+                      <a:endParaRPr lang="en-US"/>
+                    </a:p>
+                  </a:txBody>
+                  <a:tcPr/>
+                </a:tc>
+                <a:tc>
+                  <a:txBody>
+                    <a:bodyPr/>
+                    <a:lstStyle/>
+                    <a:p>
+                      <a:endParaRPr lang="en-US"/>
+                    </a:p>
+                  </a:txBody>
+                  <a:tcPr/>
+                </a:tc>
+                <a:tc>
+                  <a:txBody>
+                    <a:bodyPr/>
+                    <a:lstStyle/>
+                    <a:p>
+                      <a:endParaRPr lang="en-US"/>
+                    </a:p>
+                  </a:txBody>
+                  <a:tcPr/>
+                </a:tc>
+                <a:tc>
+                  <a:txBody>
+                    <a:bodyPr/>
+                    <a:lstStyle/>
+                    <a:p>
+                      <a:endParaRPr lang="en-US"/>
+                    </a:p>
+                  </a:txBody>
+                  <a:tcPr/>
+                </a:tc>
+                <a:tc>
+                  <a:txBody>
+                    <a:bodyPr/>
+                    <a:lstStyle/>
+                    <a:p>
+                      <a:endParaRPr lang="en-US"/>
+                    </a:p>
+                  </a:txBody>
+                  <a:tcPr/>
+                </a:tc>
+                <a:tc>
+                  <a:txBody>
+                    <a:bodyPr/>
+                    <a:lstStyle/>
+                    <a:p>
+                      <a:endParaRPr lang="en-US"/>
+                    </a:p>
+                  </a:txBody>
+                  <a:tcPr/>
+                </a:tc>
+                <a:tc>
+                  <a:txBody>
+                    <a:bodyPr/>
+                    <a:lstStyle/>
+                    <a:p>
+                      <a:endParaRPr lang="en-US"/>
+                    </a:p>
+                  </a:txBody>
+                  <a:tcPr/>
+                </a:tc>
+                <a:tc>
+                  <a:txBody>
+                    <a:bodyPr/>
+                    <a:lstStyle/>
+                    <a:p>
+                      <a:endParaRPr lang="en-US"/>
+                    </a:p>
+                  </a:txBody>
+                  <a:tcPr/>
+                </a:tc>
+                <a:tc>
+                  <a:txBody>
+                    <a:bodyPr/>
+                    <a:lstStyle/>
+                    <a:p>
+                      <a:endParaRPr lang="en-US"/>
+                    </a:p>
+                  </a:txBody>
+                  <a:tcPr/>
+                </a:tc>
+                <a:tc>
+                  <a:txBody>
+                    <a:bodyPr/>
+                    <a:lstStyle/>
+                    <a:p>
+                      <a:endParaRPr lang="en-US"/>
+                    </a:p>
+                  </a:txBody>
+                  <a:tcPr/>
+                </a:tc>
+              </a:tr>
+              <a:tr h="370840">
+                <a:tc>
+                  <a:txBody>
+                    <a:bodyPr/>
+                    <a:lstStyle/>
+                    <a:p>
+                      <a:endParaRPr lang="en-US"/>
+                    </a:p>
+                  </a:txBody>
+                  <a:tcPr/>
+                </a:tc>
+                <a:tc>
+                  <a:txBody>
+                    <a:bodyPr/>
+                    <a:lstStyle/>
+                    <a:p>
+                      <a:endParaRPr lang="en-US"/>
+                    </a:p>
+                  </a:txBody>
+                  <a:tcPr/>
+                </a:tc>
+                <a:tc>
+                  <a:txBody>
+                    <a:bodyPr/>
+                    <a:lstStyle/>
+                    <a:p>
+                      <a:endParaRPr lang="en-US"/>
+                    </a:p>
+                  </a:txBody>
+                  <a:tcPr/>
+                </a:tc>
+                <a:tc>
+                  <a:txBody>
+                    <a:bodyPr/>
+                    <a:lstStyle/>
+                    <a:p>
+                      <a:endParaRPr lang="en-US"/>
+                    </a:p>
+                  </a:txBody>
+                  <a:tcPr/>
+                </a:tc>
+                <a:tc>
+                  <a:txBody>
+                    <a:bodyPr/>
+                    <a:lstStyle/>
+                    <a:p>
+                      <a:endParaRPr lang="en-US"/>
+                    </a:p>
+                  </a:txBody>
+                  <a:tcPr/>
+                </a:tc>
+                <a:tc>
+                  <a:txBody>
+                    <a:bodyPr/>
+                    <a:lstStyle/>
+                    <a:p>
+                      <a:endParaRPr lang="en-US"/>
+                    </a:p>
+                  </a:txBody>
+                  <a:tcPr/>
+                </a:tc>
+                <a:tc>
+                  <a:txBody>
+                    <a:bodyPr/>
+                    <a:lstStyle/>
+                    <a:p>
+                      <a:endParaRPr lang="en-US"/>
+                    </a:p>
+                  </a:txBody>
+                  <a:tcPr/>
+                </a:tc>
+                <a:tc>
+                  <a:txBody>
+                    <a:bodyPr/>
+                    <a:lstStyle/>
+                    <a:p>
+                      <a:endParaRPr lang="en-US"/>
+                    </a:p>
+                  </a:txBody>
+                  <a:tcPr/>
+                </a:tc>
+                <a:tc>
+                  <a:txBody>
+                    <a:bodyPr/>
+                    <a:lstStyle/>
+                    <a:p>
+                      <a:endParaRPr lang="en-US"/>
+                    </a:p>
+                  </a:txBody>
+                  <a:tcPr/>
+                </a:tc>
+                <a:tc>
+                  <a:txBody>
+                    <a:bodyPr/>
+                    <a:lstStyle/>
+                    <a:p>
+                      <a:endParaRPr lang="en-US"/>
+                    </a:p>
+                  </a:txBody>
+                  <a:tcPr/>
+                </a:tc>
+                <a:tc>
+                  <a:txBody>
+                    <a:bodyPr/>
+                    <a:lstStyle/>
+                    <a:p>
+                      <a:endParaRPr lang="en-US"/>
+                    </a:p>
+                  </a:txBody>
+                  <a:tcPr/>
+                </a:tc>
+                <a:tc>
+                  <a:txBody>
+                    <a:bodyPr/>
+                    <a:lstStyle/>
+                    <a:p>
+                      <a:endParaRPr lang="en-US"/>
+                    </a:p>
+                  </a:txBody>
+                  <a:tcPr/>
+                </a:tc>
+              </a:tr>
+              <a:tr h="370840">
+                <a:tc>
+                  <a:txBody>
+                    <a:bodyPr/>
+                    <a:lstStyle/>
+                    <a:p>
+                      <a:endParaRPr lang="en-US"/>
+                    </a:p>
+                  </a:txBody>
+                  <a:tcPr/>
+                </a:tc>
+                <a:tc>
+                  <a:txBody>
+                    <a:bodyPr/>
+                    <a:lstStyle/>
+                    <a:p>
+                      <a:endParaRPr lang="en-US"/>
+                    </a:p>
+                  </a:txBody>
+                  <a:tcPr/>
+                </a:tc>
+                <a:tc>
+                  <a:txBody>
+                    <a:bodyPr/>
+                    <a:lstStyle/>
+                    <a:p>
+                      <a:endParaRPr lang="en-US"/>
+                    </a:p>
+                  </a:txBody>
+                  <a:tcPr/>
+                </a:tc>
+                <a:tc>
+                  <a:txBody>
+                    <a:bodyPr/>
+                    <a:lstStyle/>
+                    <a:p>
+                      <a:endParaRPr lang="en-US"/>
+                    </a:p>
+                  </a:txBody>
+                  <a:tcPr/>
+                </a:tc>
+                <a:tc>
+                  <a:txBody>
+                    <a:bodyPr/>
+                    <a:lstStyle/>
+                    <a:p>
+                      <a:endParaRPr lang="en-US"/>
+                    </a:p>
+                  </a:txBody>
+                  <a:tcPr/>
+                </a:tc>
+                <a:tc>
+                  <a:txBody>
+                    <a:bodyPr/>
+                    <a:lstStyle/>
+                    <a:p>
+                      <a:endParaRPr lang="en-US"/>
+                    </a:p>
+                  </a:txBody>
+                  <a:tcPr/>
+                </a:tc>
+                <a:tc>
+                  <a:txBody>
+                    <a:bodyPr/>
+                    <a:lstStyle/>
+                    <a:p>
+                      <a:endParaRPr lang="en-US"/>
+                    </a:p>
+                  </a:txBody>
+                  <a:tcPr/>
+                </a:tc>
+                <a:tc>
+                  <a:txBody>
+                    <a:bodyPr/>
+                    <a:lstStyle/>
+                    <a:p>
+                      <a:endParaRPr lang="en-US"/>
+                    </a:p>
+                  </a:txBody>
+                  <a:tcPr/>
+                </a:tc>
+                <a:tc>
+                  <a:txBody>
+                    <a:bodyPr/>
+                    <a:lstStyle/>
+                    <a:p>
+                      <a:endParaRPr lang="en-US"/>
+                    </a:p>
+                  </a:txBody>
+                  <a:tcPr/>
+                </a:tc>
+                <a:tc>
+                  <a:txBody>
+                    <a:bodyPr/>
+                    <a:lstStyle/>
+                    <a:p>
+                      <a:endParaRPr lang="en-US"/>
+                    </a:p>
+                  </a:txBody>
+                  <a:tcPr/>
+                </a:tc>
+                <a:tc>
+                  <a:txBody>
+                    <a:bodyPr/>
+                    <a:lstStyle/>
+                    <a:p>
+                      <a:endParaRPr lang="en-US"/>
+                    </a:p>
+                  </a:txBody>
+                  <a:tcPr/>
+                </a:tc>
+                <a:tc>
+                  <a:txBody>
+                    <a:bodyPr/>
+                    <a:lstStyle/>
+                    <a:p>
+                      <a:endParaRPr lang="en-US"/>
+                    </a:p>
+                  </a:txBody>
+                  <a:tcPr/>
+                </a:tc>
+              </a:tr>
+              <a:tr h="370840">
+                <a:tc>
+                  <a:txBody>
+                    <a:bodyPr/>
+                    <a:lstStyle/>
+                    <a:p>
+                      <a:endParaRPr lang="en-US"/>
+                    </a:p>
+                  </a:txBody>
+                  <a:tcPr/>
+                </a:tc>
+                <a:tc>
+                  <a:txBody>
+                    <a:bodyPr/>
+                    <a:lstStyle/>
+                    <a:p>
+                      <a:endParaRPr lang="en-US"/>
+                    </a:p>
+                  </a:txBody>
+                  <a:tcPr/>
+                </a:tc>
+                <a:tc>
+                  <a:txBody>
+                    <a:bodyPr/>
+                    <a:lstStyle/>
+                    <a:p>
+                      <a:endParaRPr lang="en-US"/>
+                    </a:p>
+                  </a:txBody>
+                  <a:tcPr/>
+                </a:tc>
+                <a:tc>
+                  <a:txBody>
+                    <a:bodyPr/>
+                    <a:lstStyle/>
+                    <a:p>
+                      <a:endParaRPr lang="en-US"/>
+                    </a:p>
+                  </a:txBody>
+                  <a:tcPr/>
+                </a:tc>
+                <a:tc>
+                  <a:txBody>
+                    <a:bodyPr/>
+                    <a:lstStyle/>
+                    <a:p>
+                      <a:endParaRPr lang="en-US"/>
+                    </a:p>
+                  </a:txBody>
+                  <a:tcPr/>
+                </a:tc>
+                <a:tc>
+                  <a:txBody>
+                    <a:bodyPr/>
+                    <a:lstStyle/>
+                    <a:p>
+                      <a:endParaRPr lang="en-US"/>
+                    </a:p>
+                  </a:txBody>
+                  <a:tcPr/>
+                </a:tc>
+                <a:tc>
+                  <a:txBody>
+                    <a:bodyPr/>
+                    <a:lstStyle/>
+                    <a:p>
+                      <a:endParaRPr lang="en-US"/>
+                    </a:p>
+                  </a:txBody>
+                  <a:tcPr/>
+                </a:tc>
+                <a:tc>
+                  <a:txBody>
+                    <a:bodyPr/>
+                    <a:lstStyle/>
+                    <a:p>
+                      <a:endParaRPr lang="en-US"/>
+                    </a:p>
+                  </a:txBody>
+                  <a:tcPr/>
+                </a:tc>
+                <a:tc>
+                  <a:txBody>
+                    <a:bodyPr/>
+                    <a:lstStyle/>
+                    <a:p>
+                      <a:endParaRPr lang="en-US"/>
+                    </a:p>
+                  </a:txBody>
+                  <a:tcPr/>
+                </a:tc>
+                <a:tc>
+                  <a:txBody>
+                    <a:bodyPr/>
+                    <a:lstStyle/>
+                    <a:p>
+                      <a:endParaRPr lang="en-US"/>
+                    </a:p>
+                  </a:txBody>
+                  <a:tcPr/>
+                </a:tc>
+                <a:tc>
+                  <a:txBody>
+                    <a:bodyPr/>
+                    <a:lstStyle/>
+                    <a:p>
+                      <a:endParaRPr lang="en-US"/>
+                    </a:p>
+                  </a:txBody>
+                  <a:tcPr/>
+                </a:tc>
+                <a:tc>
+                  <a:txBody>
+                    <a:bodyPr/>
+                    <a:lstStyle/>
+                    <a:p>
+                      <a:endParaRPr lang="en-US"/>
+                    </a:p>
+                  </a:txBody>
+                  <a:tcPr/>
+                </a:tc>
+              </a:tr>
+              <a:tr h="370840">
+                <a:tc>
+                  <a:txBody>
+                    <a:bodyPr/>
+                    <a:lstStyle/>
+                    <a:p>
+                      <a:endParaRPr lang="en-US"/>
+                    </a:p>
+                  </a:txBody>
+                  <a:tcPr/>
+                </a:tc>
+                <a:tc>
+                  <a:txBody>
+                    <a:bodyPr/>
+                    <a:lstStyle/>
+                    <a:p>
+                      <a:endParaRPr lang="en-US"/>
+                    </a:p>
+                  </a:txBody>
+                  <a:tcPr/>
+                </a:tc>
+                <a:tc>
+                  <a:txBody>
+                    <a:bodyPr/>
+                    <a:lstStyle/>
+                    <a:p>
+                      <a:endParaRPr lang="en-US"/>
+                    </a:p>
+                  </a:txBody>
+                  <a:tcPr/>
+                </a:tc>
+                <a:tc>
+                  <a:txBody>
+                    <a:bodyPr/>
+                    <a:lstStyle/>
+                    <a:p>
+                      <a:endParaRPr lang="en-US"/>
+                    </a:p>
+                  </a:txBody>
+                  <a:tcPr/>
+                </a:tc>
+                <a:tc>
+                  <a:txBody>
+                    <a:bodyPr/>
+                    <a:lstStyle/>
+                    <a:p>
+                      <a:endParaRPr lang="en-US"/>
+                    </a:p>
+                  </a:txBody>
+                  <a:tcPr/>
+                </a:tc>
+                <a:tc>
+                  <a:txBody>
+                    <a:bodyPr/>
+                    <a:lstStyle/>
+                    <a:p>
+                      <a:endParaRPr lang="en-US"/>
+                    </a:p>
+                  </a:txBody>
+                  <a:tcPr/>
+                </a:tc>
+                <a:tc>
+                  <a:txBody>
+                    <a:bodyPr/>
+                    <a:lstStyle/>
+                    <a:p>
+                      <a:endParaRPr lang="en-US"/>
+                    </a:p>
+                  </a:txBody>
+                  <a:tcPr/>
+                </a:tc>
+                <a:tc>
+                  <a:txBody>
+                    <a:bodyPr/>
+                    <a:lstStyle/>
+                    <a:p>
+                      <a:endParaRPr lang="en-US"/>
+                    </a:p>
+                  </a:txBody>
+                  <a:tcPr/>
+                </a:tc>
+                <a:tc>
+                  <a:txBody>
+                    <a:bodyPr/>
+                    <a:lstStyle/>
+                    <a:p>
+                      <a:endParaRPr lang="en-US"/>
+                    </a:p>
+                  </a:txBody>
+                  <a:tcPr/>
+                </a:tc>
+                <a:tc>
+                  <a:txBody>
+                    <a:bodyPr/>
+                    <a:lstStyle/>
+                    <a:p>
+                      <a:endParaRPr lang="en-US"/>
+                    </a:p>
+                  </a:txBody>
+                  <a:tcPr/>
+                </a:tc>
+                <a:tc>
+                  <a:txBody>
+                    <a:bodyPr/>
+                    <a:lstStyle/>
+                    <a:p>
+                      <a:endParaRPr lang="en-US"/>
+                    </a:p>
+                  </a:txBody>
+                  <a:tcPr/>
+                </a:tc>
+                <a:tc>
+                  <a:txBody>
+                    <a:bodyPr/>
+                    <a:lstStyle/>
+                    <a:p>
+                      <a:endParaRPr lang="en-US"/>
+                    </a:p>
+                  </a:txBody>
+                  <a:tcPr/>
+                </a:tc>
+              </a:tr>
+              <a:tr h="370840">
+                <a:tc>
+                  <a:txBody>
+                    <a:bodyPr/>
+                    <a:lstStyle/>
+                    <a:p>
+                      <a:endParaRPr lang="en-US"/>
+                    </a:p>
+                  </a:txBody>
+                  <a:tcPr/>
+                </a:tc>
+                <a:tc>
+                  <a:txBody>
+                    <a:bodyPr/>
+                    <a:lstStyle/>
+                    <a:p>
+                      <a:endParaRPr lang="en-US"/>
+                    </a:p>
+                  </a:txBody>
+                  <a:tcPr/>
+                </a:tc>
+                <a:tc>
+                  <a:txBody>
+                    <a:bodyPr/>
+                    <a:lstStyle/>
+                    <a:p>
+                      <a:endParaRPr lang="en-US"/>
+                    </a:p>
+                  </a:txBody>
+                  <a:tcPr/>
+                </a:tc>
+                <a:tc>
+                  <a:txBody>
+                    <a:bodyPr/>
+                    <a:lstStyle/>
+                    <a:p>
+                      <a:endParaRPr lang="en-US"/>
+                    </a:p>
+                  </a:txBody>
+                  <a:tcPr/>
+                </a:tc>
+                <a:tc>
+                  <a:txBody>
+                    <a:bodyPr/>
+                    <a:lstStyle/>
+                    <a:p>
+                      <a:endParaRPr lang="en-US"/>
+                    </a:p>
+                  </a:txBody>
+                  <a:tcPr/>
+                </a:tc>
+                <a:tc>
+                  <a:txBody>
+                    <a:bodyPr/>
+                    <a:lstStyle/>
+                    <a:p>
+                      <a:endParaRPr lang="en-US"/>
+                    </a:p>
+                  </a:txBody>
+                  <a:tcPr/>
+                </a:tc>
+                <a:tc>
+                  <a:txBody>
+                    <a:bodyPr/>
+                    <a:lstStyle/>
+                    <a:p>
+                      <a:endParaRPr lang="en-US"/>
+                    </a:p>
+                  </a:txBody>
+                  <a:tcPr/>
+                </a:tc>
+                <a:tc>
+                  <a:txBody>
+                    <a:bodyPr/>
+                    <a:lstStyle/>
+                    <a:p>
+                      <a:endParaRPr lang="en-US"/>
+                    </a:p>
+                  </a:txBody>
+                  <a:tcPr/>
+                </a:tc>
+                <a:tc>
+                  <a:txBody>
+                    <a:bodyPr/>
+                    <a:lstStyle/>
+                    <a:p>
+                      <a:endParaRPr lang="en-US"/>
+                    </a:p>
+                  </a:txBody>
+                  <a:tcPr/>
+                </a:tc>
+                <a:tc>
+                  <a:txBody>
+                    <a:bodyPr/>
+                    <a:lstStyle/>
+                    <a:p>
+                      <a:endParaRPr lang="en-US"/>
+                    </a:p>
+                  </a:txBody>
+                  <a:tcPr/>
+                </a:tc>
+                <a:tc>
+                  <a:txBody>
+                    <a:bodyPr/>
+                    <a:lstStyle/>
+                    <a:p>
+                      <a:endParaRPr lang="en-US"/>
+                    </a:p>
+                  </a:txBody>
+                  <a:tcPr/>
+                </a:tc>
+                <a:tc>
+                  <a:txBody>
+                    <a:bodyPr/>
+                    <a:lstStyle/>
+                    <a:p>
+                      <a:endParaRPr lang="en-US"/>
+                    </a:p>
+                  </a:txBody>
+                  <a:tcPr/>
+                </a:tc>
+              </a:tr>
+            </a:tbl>
+          </a:graphicData>
+        </a:graphic>
+      </p:graphicFrame>
+      <p:sp>
+        <p:nvSpPr>
+          <p:cNvPr id="6" name="TextBox 5"/>
+          <p:cNvSpPr txBox="1"/>
+          <p:nvPr/>
+        </p:nvSpPr>
+        <p:spPr>
+          <a:xfrm>
+            <a:off x="2088572" y="1321356"/>
+            <a:ext cx="970137" cy="369332"/>
+          </a:xfrm>
+          <a:prstGeom prst="rect">
+            <a:avLst/>
+          </a:prstGeom>
+          <a:noFill/>
+        </p:spPr>
+        <p:txBody>
+          <a:bodyPr wrap="none" rtlCol="0">
+            <a:spAutoFit/>
+          </a:bodyPr>
+          <a:lstStyle/>
+          <a:p>
+            <a:r>
+              <a:rPr lang="en-US" dirty="0" smtClean="0"/>
+              <a:t>Random</a:t>
+            </a:r>
+            <a:endParaRPr lang="en-US" dirty="0"/>
+          </a:p>
+        </p:txBody>
+      </p:sp>
+      <p:sp>
+        <p:nvSpPr>
+          <p:cNvPr id="7" name="TextBox 6"/>
+          <p:cNvSpPr txBox="1"/>
+          <p:nvPr/>
+        </p:nvSpPr>
+        <p:spPr>
+          <a:xfrm>
+            <a:off x="6625936" y="1321356"/>
+            <a:ext cx="1712392" cy="369332"/>
+          </a:xfrm>
+          <a:prstGeom prst="rect">
+            <a:avLst/>
+          </a:prstGeom>
+          <a:noFill/>
+        </p:spPr>
+        <p:txBody>
+          <a:bodyPr wrap="none" rtlCol="0">
+            <a:spAutoFit/>
+          </a:bodyPr>
+          <a:lstStyle/>
+          <a:p>
+            <a:r>
+              <a:rPr lang="en-US" dirty="0" smtClean="0"/>
+              <a:t>Branch &amp; Bound</a:t>
+            </a:r>
+            <a:endParaRPr lang="en-US" dirty="0"/>
+          </a:p>
+        </p:txBody>
+      </p:sp>
+      <p:sp>
+        <p:nvSpPr>
+          <p:cNvPr id="8" name="TextBox 7"/>
+          <p:cNvSpPr txBox="1"/>
+          <p:nvPr/>
+        </p:nvSpPr>
+        <p:spPr>
+          <a:xfrm>
+            <a:off x="3986126" y="1321356"/>
+            <a:ext cx="1356653" cy="369332"/>
+          </a:xfrm>
+          <a:prstGeom prst="rect">
+            <a:avLst/>
+          </a:prstGeom>
+          <a:noFill/>
+        </p:spPr>
+        <p:txBody>
+          <a:bodyPr wrap="none" rtlCol="0">
+            <a:spAutoFit/>
+          </a:bodyPr>
+          <a:lstStyle/>
+          <a:p>
+            <a:r>
+              <a:rPr lang="en-US" dirty="0" smtClean="0"/>
+              <a:t>Greedy (NN)</a:t>
+            </a:r>
+            <a:endParaRPr lang="en-US" dirty="0"/>
+          </a:p>
+        </p:txBody>
+      </p:sp>
+      <p:sp>
+        <p:nvSpPr>
+          <p:cNvPr id="9" name="TextBox 8"/>
+          <p:cNvSpPr txBox="1"/>
+          <p:nvPr/>
+        </p:nvSpPr>
+        <p:spPr>
+          <a:xfrm>
+            <a:off x="9405505" y="1321356"/>
+            <a:ext cx="1206356" cy="369332"/>
+          </a:xfrm>
+          <a:prstGeom prst="rect">
+            <a:avLst/>
+          </a:prstGeom>
+          <a:noFill/>
+        </p:spPr>
+        <p:txBody>
+          <a:bodyPr wrap="none" rtlCol="0">
+            <a:spAutoFit/>
+          </a:bodyPr>
+          <a:lstStyle/>
+          <a:p>
+            <a:r>
+              <a:rPr lang="en-US" dirty="0" smtClean="0"/>
+              <a:t>MCP+2Opt</a:t>
+            </a:r>
+            <a:endParaRPr lang="en-US" dirty="0"/>
+          </a:p>
+        </p:txBody>
+      </p:sp>
+    </p:spTree>
+    <p:extLst>
+      <p:ext uri="{BB962C8B-B14F-4D97-AF65-F5344CB8AC3E}">
+        <p14:creationId xmlns:p14="http://schemas.microsoft.com/office/powerpoint/2010/main" val="1969584880"/>
+      </p:ext>
+    </p:extLst>
+  </p:cSld>
+  <p:clrMapOvr>
+    <a:masterClrMapping/>
+  </p:clrMapOvr>
+</p:sld>
+</file>
+
+<file path=ppt/slides/slide3.xml><?xml version="1.0" encoding="utf-8"?>
+<p:sld xmlns:a="http://schemas.openxmlformats.org/drawingml/2006/main" xmlns:r="http://schemas.openxmlformats.org/officeDocument/2006/relationships" xmlns:p="http://schemas.openxmlformats.org/presentationml/2006/main">
+  <p:cSld>
+    <p:spTree>
+      <p:nvGrpSpPr>
+        <p:cNvPr id="1" name=""/>
+        <p:cNvGrpSpPr/>
+        <p:nvPr/>
+      </p:nvGrpSpPr>
+      <p:grpSpPr>
+        <a:xfrm>
+          <a:off x="0" y="0"/>
+          <a:ext cx="0" cy="0"/>
+          <a:chOff x="0" y="0"/>
+          <a:chExt cx="0" cy="0"/>
+        </a:xfrm>
+      </p:grpSpPr>
+      <p:sp>
+        <p:nvSpPr>
+          <p:cNvPr id="2" name="Title 1"/>
+          <p:cNvSpPr>
+            <a:spLocks noGrp="1"/>
+          </p:cNvSpPr>
+          <p:nvPr>
+            <p:ph type="title"/>
+          </p:nvPr>
+        </p:nvSpPr>
+        <p:spPr/>
+        <p:txBody>
+          <a:bodyPr/>
+          <a:lstStyle/>
+          <a:p>
+            <a:r>
+              <a:rPr lang="en-US" dirty="0" smtClean="0"/>
+              <a:t>Popularity Algorithm</a:t>
+            </a:r>
+            <a:endParaRPr lang="en-US" dirty="0"/>
+          </a:p>
+        </p:txBody>
+      </p:sp>
+      <p:sp>
+        <p:nvSpPr>
+          <p:cNvPr id="3" name="Content Placeholder 2"/>
+          <p:cNvSpPr>
+            <a:spLocks noGrp="1"/>
+          </p:cNvSpPr>
+          <p:nvPr>
+            <p:ph idx="1"/>
+          </p:nvPr>
+        </p:nvSpPr>
+        <p:spPr>
+          <a:xfrm>
+            <a:off x="838200" y="1825625"/>
+            <a:ext cx="10515600" cy="1551420"/>
+          </a:xfrm>
+        </p:spPr>
+        <p:txBody>
+          <a:bodyPr/>
+          <a:lstStyle/>
+          <a:p>
+            <a:r>
+              <a:rPr lang="en-US" dirty="0" smtClean="0"/>
+              <a:t>Inspired by Nearest Neighbor </a:t>
+            </a:r>
+          </a:p>
+          <a:p>
+            <a:r>
+              <a:rPr lang="en-US" dirty="0" smtClean="0"/>
+              <a:t>Factor edge length and average length of “short” edges outbound from the destination city into edge’s “popularity”</a:t>
+            </a:r>
+            <a:endParaRPr lang="en-US" dirty="0"/>
+          </a:p>
+        </p:txBody>
+      </p:sp>
+      <p:sp>
+        <p:nvSpPr>
+          <p:cNvPr id="4" name="Oval 3"/>
+          <p:cNvSpPr/>
+          <p:nvPr/>
+        </p:nvSpPr>
+        <p:spPr>
+          <a:xfrm>
+            <a:off x="2618509" y="4374573"/>
+            <a:ext cx="613064" cy="633845"/>
+          </a:xfrm>
+          <a:prstGeom prst="ellipse">
+            <a:avLst/>
+          </a:prstGeom>
+        </p:spPr>
+        <p:style>
+          <a:lnRef idx="2">
+            <a:schemeClr val="accent1">
+              <a:shade val="50000"/>
+            </a:schemeClr>
+          </a:lnRef>
+          <a:fillRef idx="1">
+            <a:schemeClr val="accent1"/>
+          </a:fillRef>
+          <a:effectRef idx="0">
+            <a:schemeClr val="accent1"/>
+          </a:effectRef>
+          <a:fontRef idx="minor">
+            <a:schemeClr val="lt1"/>
+          </a:fontRef>
+        </p:style>
+        <p:txBody>
+          <a:bodyPr rtlCol="0" anchor="ctr"/>
+          <a:lstStyle/>
+          <a:p>
+            <a:pPr algn="ctr"/>
+            <a:endParaRPr lang="en-US"/>
+          </a:p>
+        </p:txBody>
+      </p:sp>
+      <p:sp>
+        <p:nvSpPr>
+          <p:cNvPr id="5" name="Oval 4"/>
+          <p:cNvSpPr/>
+          <p:nvPr/>
+        </p:nvSpPr>
+        <p:spPr>
+          <a:xfrm>
+            <a:off x="5974773" y="4291445"/>
+            <a:ext cx="716972" cy="665019"/>
+          </a:xfrm>
+          <a:prstGeom prst="ellipse">
+            <a:avLst/>
+          </a:prstGeom>
+        </p:spPr>
+        <p:style>
+          <a:lnRef idx="2">
+            <a:schemeClr val="accent1">
+              <a:shade val="50000"/>
+            </a:schemeClr>
+          </a:lnRef>
+          <a:fillRef idx="1">
+            <a:schemeClr val="accent1"/>
+          </a:fillRef>
+          <a:effectRef idx="0">
+            <a:schemeClr val="accent1"/>
+          </a:effectRef>
+          <a:fontRef idx="minor">
+            <a:schemeClr val="lt1"/>
+          </a:fontRef>
+        </p:style>
+        <p:txBody>
+          <a:bodyPr rtlCol="0" anchor="ctr"/>
+          <a:lstStyle/>
+          <a:p>
+            <a:pPr algn="ctr"/>
+            <a:endParaRPr lang="en-US"/>
+          </a:p>
+        </p:txBody>
+      </p:sp>
+      <p:cxnSp>
+        <p:nvCxnSpPr>
+          <p:cNvPr id="7" name="Straight Arrow Connector 6"/>
+          <p:cNvCxnSpPr/>
+          <p:nvPr/>
+        </p:nvCxnSpPr>
+        <p:spPr>
+          <a:xfrm flipV="1">
+            <a:off x="3304309" y="4603173"/>
+            <a:ext cx="2576946" cy="93518"/>
+          </a:xfrm>
+          <a:prstGeom prst="straightConnector1">
+            <a:avLst/>
+          </a:prstGeom>
+          <a:ln>
+            <a:tailEnd type="triangle"/>
+          </a:ln>
+        </p:spPr>
+        <p:style>
+          <a:lnRef idx="1">
+            <a:schemeClr val="dk1"/>
+          </a:lnRef>
+          <a:fillRef idx="0">
+            <a:schemeClr val="dk1"/>
+          </a:fillRef>
+          <a:effectRef idx="0">
+            <a:schemeClr val="dk1"/>
+          </a:effectRef>
+          <a:fontRef idx="minor">
+            <a:schemeClr val="tx1"/>
+          </a:fontRef>
+        </p:style>
+      </p:cxnSp>
+      <p:cxnSp>
+        <p:nvCxnSpPr>
+          <p:cNvPr id="9" name="Straight Arrow Connector 8"/>
+          <p:cNvCxnSpPr/>
+          <p:nvPr/>
+        </p:nvCxnSpPr>
+        <p:spPr>
+          <a:xfrm flipV="1">
+            <a:off x="6535882" y="3709555"/>
+            <a:ext cx="467591" cy="581890"/>
+          </a:xfrm>
+          <a:prstGeom prst="straightConnector1">
+            <a:avLst/>
+          </a:prstGeom>
+          <a:ln>
+            <a:tailEnd type="triangle"/>
+          </a:ln>
+        </p:spPr>
+        <p:style>
+          <a:lnRef idx="1">
+            <a:schemeClr val="dk1"/>
+          </a:lnRef>
+          <a:fillRef idx="0">
+            <a:schemeClr val="dk1"/>
+          </a:fillRef>
+          <a:effectRef idx="0">
+            <a:schemeClr val="dk1"/>
+          </a:effectRef>
+          <a:fontRef idx="minor">
+            <a:schemeClr val="tx1"/>
+          </a:fontRef>
+        </p:style>
+      </p:cxnSp>
+      <p:cxnSp>
+        <p:nvCxnSpPr>
+          <p:cNvPr id="11" name="Straight Arrow Connector 10"/>
+          <p:cNvCxnSpPr/>
+          <p:nvPr/>
+        </p:nvCxnSpPr>
+        <p:spPr>
+          <a:xfrm flipH="1" flipV="1">
+            <a:off x="5787736" y="3699164"/>
+            <a:ext cx="363682" cy="592281"/>
+          </a:xfrm>
+          <a:prstGeom prst="straightConnector1">
+            <a:avLst/>
+          </a:prstGeom>
+          <a:ln>
+            <a:tailEnd type="triangle"/>
+          </a:ln>
+        </p:spPr>
+        <p:style>
+          <a:lnRef idx="1">
+            <a:schemeClr val="dk1"/>
+          </a:lnRef>
+          <a:fillRef idx="0">
+            <a:schemeClr val="dk1"/>
+          </a:fillRef>
+          <a:effectRef idx="0">
+            <a:schemeClr val="dk1"/>
+          </a:effectRef>
+          <a:fontRef idx="minor">
+            <a:schemeClr val="tx1"/>
+          </a:fontRef>
+        </p:style>
+      </p:cxnSp>
+      <p:cxnSp>
+        <p:nvCxnSpPr>
+          <p:cNvPr id="13" name="Straight Arrow Connector 12"/>
+          <p:cNvCxnSpPr/>
+          <p:nvPr/>
+        </p:nvCxnSpPr>
+        <p:spPr>
+          <a:xfrm flipH="1">
+            <a:off x="5278582" y="5008418"/>
+            <a:ext cx="696191" cy="644237"/>
+          </a:xfrm>
+          <a:prstGeom prst="straightConnector1">
+            <a:avLst/>
+          </a:prstGeom>
+          <a:ln>
+            <a:tailEnd type="triangle"/>
+          </a:ln>
+        </p:spPr>
+        <p:style>
+          <a:lnRef idx="1">
+            <a:schemeClr val="dk1"/>
+          </a:lnRef>
+          <a:fillRef idx="0">
+            <a:schemeClr val="dk1"/>
+          </a:fillRef>
+          <a:effectRef idx="0">
+            <a:schemeClr val="dk1"/>
+          </a:effectRef>
+          <a:fontRef idx="minor">
+            <a:schemeClr val="tx1"/>
+          </a:fontRef>
+        </p:style>
+      </p:cxnSp>
+      <p:cxnSp>
+        <p:nvCxnSpPr>
+          <p:cNvPr id="15" name="Straight Arrow Connector 14"/>
+          <p:cNvCxnSpPr/>
+          <p:nvPr/>
+        </p:nvCxnSpPr>
+        <p:spPr>
+          <a:xfrm>
+            <a:off x="6795655" y="4831773"/>
+            <a:ext cx="789709" cy="322118"/>
+          </a:xfrm>
+          <a:prstGeom prst="straightConnector1">
+            <a:avLst/>
+          </a:prstGeom>
+          <a:ln>
+            <a:tailEnd type="triangle"/>
+          </a:ln>
+        </p:spPr>
+        <p:style>
+          <a:lnRef idx="1">
+            <a:schemeClr val="dk1"/>
+          </a:lnRef>
+          <a:fillRef idx="0">
+            <a:schemeClr val="dk1"/>
+          </a:fillRef>
+          <a:effectRef idx="0">
+            <a:schemeClr val="dk1"/>
+          </a:effectRef>
+          <a:fontRef idx="minor">
+            <a:schemeClr val="tx1"/>
+          </a:fontRef>
+        </p:style>
+      </p:cxnSp>
+      <p:cxnSp>
+        <p:nvCxnSpPr>
+          <p:cNvPr id="17" name="Straight Arrow Connector 16"/>
+          <p:cNvCxnSpPr/>
+          <p:nvPr/>
+        </p:nvCxnSpPr>
+        <p:spPr>
+          <a:xfrm>
+            <a:off x="6442364" y="5101936"/>
+            <a:ext cx="93518" cy="800100"/>
+          </a:xfrm>
+          <a:prstGeom prst="straightConnector1">
+            <a:avLst/>
+          </a:prstGeom>
+          <a:ln>
+            <a:tailEnd type="triangle"/>
+          </a:ln>
+        </p:spPr>
+        <p:style>
+          <a:lnRef idx="1">
+            <a:schemeClr val="dk1"/>
+          </a:lnRef>
+          <a:fillRef idx="0">
+            <a:schemeClr val="dk1"/>
+          </a:fillRef>
+          <a:effectRef idx="0">
+            <a:schemeClr val="dk1"/>
+          </a:effectRef>
+          <a:fontRef idx="minor">
+            <a:schemeClr val="tx1"/>
+          </a:fontRef>
+        </p:style>
+      </p:cxnSp>
+      <p:sp>
+        <p:nvSpPr>
+          <p:cNvPr id="18" name="TextBox 17"/>
+          <p:cNvSpPr txBox="1"/>
+          <p:nvPr/>
+        </p:nvSpPr>
+        <p:spPr>
+          <a:xfrm>
+            <a:off x="5728274" y="3870159"/>
+            <a:ext cx="346944" cy="369332"/>
+          </a:xfrm>
+          <a:prstGeom prst="rect">
+            <a:avLst/>
+          </a:prstGeom>
+          <a:noFill/>
+        </p:spPr>
+        <p:txBody>
+          <a:bodyPr wrap="square" rtlCol="0">
+            <a:spAutoFit/>
+          </a:bodyPr>
+          <a:lstStyle/>
+          <a:p>
+            <a:r>
+              <a:rPr lang="en-US" dirty="0" smtClean="0"/>
+              <a:t>7</a:t>
+            </a:r>
+            <a:endParaRPr lang="en-US" dirty="0"/>
+          </a:p>
+        </p:txBody>
+      </p:sp>
+      <p:sp>
+        <p:nvSpPr>
+          <p:cNvPr id="19" name="TextBox 18"/>
+          <p:cNvSpPr txBox="1"/>
+          <p:nvPr/>
+        </p:nvSpPr>
+        <p:spPr>
+          <a:xfrm>
+            <a:off x="6691745" y="3995304"/>
+            <a:ext cx="301686" cy="369332"/>
+          </a:xfrm>
+          <a:prstGeom prst="rect">
+            <a:avLst/>
+          </a:prstGeom>
+          <a:noFill/>
+        </p:spPr>
+        <p:txBody>
+          <a:bodyPr wrap="none" rtlCol="0">
+            <a:spAutoFit/>
+          </a:bodyPr>
+          <a:lstStyle/>
+          <a:p>
+            <a:r>
+              <a:rPr lang="en-US" dirty="0" smtClean="0"/>
+              <a:t>8</a:t>
+            </a:r>
+            <a:endParaRPr lang="en-US" dirty="0"/>
+          </a:p>
+        </p:txBody>
+      </p:sp>
+      <p:sp>
+        <p:nvSpPr>
+          <p:cNvPr id="20" name="TextBox 19"/>
+          <p:cNvSpPr txBox="1"/>
+          <p:nvPr/>
+        </p:nvSpPr>
+        <p:spPr>
+          <a:xfrm>
+            <a:off x="6981157" y="5008418"/>
+            <a:ext cx="418704" cy="369332"/>
+          </a:xfrm>
+          <a:prstGeom prst="rect">
+            <a:avLst/>
+          </a:prstGeom>
+          <a:noFill/>
+        </p:spPr>
+        <p:txBody>
+          <a:bodyPr wrap="none" rtlCol="0">
+            <a:spAutoFit/>
+          </a:bodyPr>
+          <a:lstStyle/>
+          <a:p>
+            <a:r>
+              <a:rPr lang="en-US" dirty="0" smtClean="0"/>
+              <a:t>12</a:t>
+            </a:r>
+            <a:endParaRPr lang="en-US" dirty="0"/>
+          </a:p>
+        </p:txBody>
+      </p:sp>
+      <p:sp>
+        <p:nvSpPr>
+          <p:cNvPr id="21" name="TextBox 20"/>
+          <p:cNvSpPr txBox="1"/>
+          <p:nvPr/>
+        </p:nvSpPr>
+        <p:spPr>
+          <a:xfrm>
+            <a:off x="6151418" y="5317320"/>
+            <a:ext cx="460664" cy="369332"/>
+          </a:xfrm>
+          <a:prstGeom prst="rect">
+            <a:avLst/>
+          </a:prstGeom>
+          <a:noFill/>
+        </p:spPr>
+        <p:txBody>
+          <a:bodyPr wrap="square" rtlCol="0">
+            <a:spAutoFit/>
+          </a:bodyPr>
+          <a:lstStyle/>
+          <a:p>
+            <a:r>
+              <a:rPr lang="en-US" dirty="0" smtClean="0"/>
+              <a:t>14</a:t>
+            </a:r>
+            <a:endParaRPr lang="en-US" dirty="0"/>
+          </a:p>
+        </p:txBody>
+      </p:sp>
+      <p:sp>
+        <p:nvSpPr>
+          <p:cNvPr id="22" name="TextBox 21"/>
+          <p:cNvSpPr txBox="1"/>
+          <p:nvPr/>
+        </p:nvSpPr>
+        <p:spPr>
+          <a:xfrm>
+            <a:off x="5207973" y="5109502"/>
+            <a:ext cx="418704" cy="369332"/>
+          </a:xfrm>
+          <a:prstGeom prst="rect">
+            <a:avLst/>
+          </a:prstGeom>
+          <a:noFill/>
+        </p:spPr>
+        <p:txBody>
+          <a:bodyPr wrap="none" rtlCol="0">
+            <a:spAutoFit/>
+          </a:bodyPr>
+          <a:lstStyle/>
+          <a:p>
+            <a:r>
+              <a:rPr lang="en-US" dirty="0" smtClean="0"/>
+              <a:t>15</a:t>
+            </a:r>
+            <a:endParaRPr lang="en-US" dirty="0"/>
+          </a:p>
+        </p:txBody>
+      </p:sp>
+      <p:sp>
+        <p:nvSpPr>
+          <p:cNvPr id="23" name="TextBox 22"/>
+          <p:cNvSpPr txBox="1"/>
+          <p:nvPr/>
+        </p:nvSpPr>
+        <p:spPr>
+          <a:xfrm>
+            <a:off x="8246570" y="3377045"/>
+            <a:ext cx="2421432" cy="2862322"/>
+          </a:xfrm>
+          <a:prstGeom prst="rect">
+            <a:avLst/>
+          </a:prstGeom>
+          <a:noFill/>
+        </p:spPr>
+        <p:txBody>
+          <a:bodyPr wrap="square" rtlCol="0">
+            <a:spAutoFit/>
+          </a:bodyPr>
+          <a:lstStyle/>
+          <a:p>
+            <a:r>
+              <a:rPr lang="en-US" dirty="0" smtClean="0"/>
+              <a:t>Average outbound edge length = 11.2</a:t>
+            </a:r>
+          </a:p>
+          <a:p>
+            <a:endParaRPr lang="en-US" dirty="0"/>
+          </a:p>
+          <a:p>
+            <a:r>
+              <a:rPr lang="en-US" dirty="0" smtClean="0"/>
+              <a:t>Take average of edges shorter than the average: </a:t>
+            </a:r>
+          </a:p>
+          <a:p>
+            <a:r>
+              <a:rPr lang="en-US" dirty="0" smtClean="0"/>
+              <a:t>(7+8) / 2 = 7.5</a:t>
+            </a:r>
+            <a:endParaRPr lang="en-US" dirty="0"/>
+          </a:p>
+          <a:p>
+            <a:endParaRPr lang="en-US" dirty="0" smtClean="0"/>
+          </a:p>
+          <a:p>
+            <a:r>
+              <a:rPr lang="en-US" dirty="0" smtClean="0"/>
+              <a:t>Edge Popularity Score = 9 + (7.5 / factor)</a:t>
+            </a:r>
+            <a:endParaRPr lang="en-US" dirty="0"/>
+          </a:p>
+        </p:txBody>
+      </p:sp>
+      <p:sp>
+        <p:nvSpPr>
+          <p:cNvPr id="24" name="TextBox 23"/>
+          <p:cNvSpPr txBox="1"/>
+          <p:nvPr/>
+        </p:nvSpPr>
+        <p:spPr>
+          <a:xfrm>
+            <a:off x="4322618" y="4603173"/>
+            <a:ext cx="301686" cy="369332"/>
+          </a:xfrm>
+          <a:prstGeom prst="rect">
+            <a:avLst/>
+          </a:prstGeom>
+          <a:noFill/>
+        </p:spPr>
+        <p:txBody>
+          <a:bodyPr wrap="none" rtlCol="0">
+            <a:spAutoFit/>
+          </a:bodyPr>
+          <a:lstStyle/>
+          <a:p>
+            <a:r>
+              <a:rPr lang="en-US" dirty="0" smtClean="0"/>
+              <a:t>9</a:t>
+            </a:r>
+            <a:endParaRPr lang="en-US" dirty="0"/>
+          </a:p>
+        </p:txBody>
+      </p:sp>
+    </p:spTree>
+    <p:extLst>
+      <p:ext uri="{BB962C8B-B14F-4D97-AF65-F5344CB8AC3E}">
+        <p14:creationId xmlns:p14="http://schemas.microsoft.com/office/powerpoint/2010/main" val="554490661"/>
+      </p:ext>
+    </p:extLst>
+  </p:cSld>
+  <p:clrMapOvr>
+    <a:masterClrMapping/>
+  </p:clrMapOvr>
+</p:sld>
+</file>
+
+<file path=ppt/slides/slide4.xml><?xml version="1.0" encoding="utf-8"?>
+<p:sld xmlns:a="http://schemas.openxmlformats.org/drawingml/2006/main" xmlns:r="http://schemas.openxmlformats.org/officeDocument/2006/relationships" xmlns:p="http://schemas.openxmlformats.org/presentationml/2006/main">
+  <p:cSld>
+    <p:spTree>
+      <p:nvGrpSpPr>
+        <p:cNvPr id="1" name=""/>
+        <p:cNvGrpSpPr/>
+        <p:nvPr/>
+      </p:nvGrpSpPr>
+      <p:grpSpPr>
+        <a:xfrm>
+          <a:off x="0" y="0"/>
+          <a:ext cx="0" cy="0"/>
+          <a:chOff x="0" y="0"/>
+          <a:chExt cx="0" cy="0"/>
+        </a:xfrm>
+      </p:grpSpPr>
+      <p:sp>
+        <p:nvSpPr>
+          <p:cNvPr id="2" name="Title 1"/>
+          <p:cNvSpPr>
+            <a:spLocks noGrp="1"/>
+          </p:cNvSpPr>
+          <p:nvPr>
+            <p:ph type="title"/>
+          </p:nvPr>
+        </p:nvSpPr>
+        <p:spPr/>
+        <p:txBody>
+          <a:bodyPr/>
+          <a:lstStyle/>
+          <a:p>
+            <a:r>
+              <a:rPr lang="en-US" dirty="0" smtClean="0"/>
+              <a:t>Popularity Algorithm</a:t>
+            </a:r>
+            <a:endParaRPr lang="en-US" dirty="0"/>
+          </a:p>
+        </p:txBody>
+      </p:sp>
+      <mc:AlternateContent xmlns:mc="http://schemas.openxmlformats.org/markup-compatibility/2006">
+        <mc:Choice xmlns:a14="http://schemas.microsoft.com/office/drawing/2010/main" Requires="a14">
+          <p:sp>
+            <p:nvSpPr>
+              <p:cNvPr id="3" name="Content Placeholder 2"/>
+              <p:cNvSpPr>
+                <a:spLocks noGrp="1"/>
+              </p:cNvSpPr>
+              <p:nvPr>
+                <p:ph idx="1"/>
+              </p:nvPr>
+            </p:nvSpPr>
+            <p:spPr>
+              <a:xfrm>
+                <a:off x="838200" y="1825624"/>
+                <a:ext cx="10515600" cy="4211493"/>
+              </a:xfrm>
+            </p:spPr>
+            <p:txBody>
+              <a:bodyPr>
+                <a:normAutofit/>
+              </a:bodyPr>
+              <a:lstStyle/>
+              <a:p>
+                <a:r>
+                  <a:rPr lang="en-US" dirty="0" smtClean="0"/>
+                  <a:t>1) Find length of NN solution</a:t>
+                </a:r>
+              </a:p>
+              <a:p>
+                <a:r>
+                  <a:rPr lang="en-US" dirty="0" smtClean="0"/>
+                  <a:t>2) Use this length to determine weight ratio between edge’s length and average length of short edges leaving the destination city</a:t>
+                </a:r>
+              </a:p>
+              <a:p>
+                <a:pPr lvl="1"/>
+                <a:r>
+                  <a:rPr lang="en-US" dirty="0" smtClean="0"/>
+                  <a:t>Local minima tend to occur at </a:t>
+                </a:r>
+                <a14:m>
+                  <m:oMath xmlns:m="http://schemas.openxmlformats.org/officeDocument/2006/math">
+                    <m:r>
+                      <a:rPr lang="en-US" b="0" i="1" smtClean="0">
+                        <a:latin typeface="Cambria Math" panose="02040503050406030204" pitchFamily="18" charset="0"/>
+                      </a:rPr>
+                      <m:t>1 : </m:t>
+                    </m:r>
+                    <m:box>
+                      <m:boxPr>
+                        <m:ctrlPr>
+                          <a:rPr lang="en-US" b="0" i="1" smtClean="0">
+                            <a:latin typeface="Cambria Math" panose="02040503050406030204" pitchFamily="18" charset="0"/>
+                          </a:rPr>
+                        </m:ctrlPr>
+                      </m:boxPr>
+                      <m:e>
+                        <m:argPr>
+                          <m:argSz m:val="-1"/>
+                        </m:argPr>
+                        <m:f>
+                          <m:fPr>
+                            <m:ctrlPr>
+                              <a:rPr lang="en-US" b="0" i="1" smtClean="0">
+                                <a:latin typeface="Cambria Math" panose="02040503050406030204" pitchFamily="18" charset="0"/>
+                              </a:rPr>
+                            </m:ctrlPr>
+                          </m:fPr>
+                          <m:num>
+                            <m:r>
+                              <a:rPr lang="en-US" b="0" i="1" smtClean="0">
+                                <a:latin typeface="Cambria Math" panose="02040503050406030204" pitchFamily="18" charset="0"/>
+                              </a:rPr>
+                              <m:t>1</m:t>
+                            </m:r>
+                          </m:num>
+                          <m:den>
+                            <m:r>
+                              <a:rPr lang="en-US" b="0" i="1" smtClean="0">
+                                <a:latin typeface="Cambria Math" panose="02040503050406030204" pitchFamily="18" charset="0"/>
+                              </a:rPr>
+                              <m:t>3+</m:t>
+                            </m:r>
+                            <m:rad>
+                              <m:radPr>
+                                <m:degHide m:val="on"/>
+                                <m:ctrlPr>
+                                  <a:rPr lang="en-US" b="0" i="1" smtClean="0">
+                                    <a:latin typeface="Cambria Math" panose="02040503050406030204" pitchFamily="18" charset="0"/>
+                                  </a:rPr>
+                                </m:ctrlPr>
+                              </m:radPr>
+                              <m:deg/>
+                              <m:e>
+                                <m:r>
+                                  <a:rPr lang="en-US" b="0" i="1" smtClean="0">
+                                    <a:latin typeface="Cambria Math" panose="02040503050406030204" pitchFamily="18" charset="0"/>
+                                  </a:rPr>
+                                  <m:t>0.001</m:t>
+                                </m:r>
+                                <m:r>
+                                  <a:rPr lang="en-US" b="0" i="1" smtClean="0">
+                                    <a:latin typeface="Cambria Math" panose="02040503050406030204" pitchFamily="18" charset="0"/>
+                                  </a:rPr>
+                                  <m:t>𝑔</m:t>
+                                </m:r>
+                              </m:e>
+                            </m:rad>
+                            <m:r>
+                              <a:rPr lang="en-US" b="0" i="1" smtClean="0">
+                                <a:latin typeface="Cambria Math" panose="02040503050406030204" pitchFamily="18" charset="0"/>
+                              </a:rPr>
+                              <m:t> </m:t>
+                            </m:r>
+                          </m:den>
+                        </m:f>
+                      </m:e>
+                    </m:box>
+                  </m:oMath>
+                </a14:m>
+                <a:r>
+                  <a:rPr lang="en-US" dirty="0" smtClean="0"/>
+                  <a:t> where g = length of greedy</a:t>
+                </a:r>
+              </a:p>
+              <a:p>
+                <a:r>
+                  <a:rPr lang="en-US" dirty="0" smtClean="0"/>
+                  <a:t>3) Sort edges by source node, then by increasing popularity</a:t>
+                </a:r>
+              </a:p>
+              <a:p>
+                <a:r>
+                  <a:rPr lang="en-US" dirty="0" smtClean="0"/>
+                  <a:t>4) Pick a start city, then iterating through outbound edges with increasing scores, pick the first to lead to unexplored city</a:t>
+                </a:r>
+              </a:p>
+              <a:p>
+                <a:r>
+                  <a:rPr lang="en-US" dirty="0" smtClean="0"/>
+                  <a:t>5) Repeat until path complete (if dead-end, repeat at 4)</a:t>
+                </a:r>
+              </a:p>
+            </p:txBody>
+          </p:sp>
+        </mc:Choice>
+        <mc:Fallback>
+          <p:sp>
+            <p:nvSpPr>
+              <p:cNvPr id="3" name="Content Placeholder 2"/>
+              <p:cNvSpPr>
+                <a:spLocks noGrp="1" noRot="1" noChangeAspect="1" noMove="1" noResize="1" noEditPoints="1" noAdjustHandles="1" noChangeArrowheads="1" noChangeShapeType="1" noTextEdit="1"/>
+              </p:cNvSpPr>
+              <p:nvPr>
+                <p:ph idx="1"/>
+              </p:nvPr>
+            </p:nvSpPr>
+            <p:spPr>
+              <a:xfrm>
+                <a:off x="838200" y="1825624"/>
+                <a:ext cx="10515600" cy="4211493"/>
+              </a:xfrm>
+              <a:blipFill rotWithShape="0">
+                <a:blip r:embed="rId2"/>
+                <a:stretch>
+                  <a:fillRect l="-1043" t="-2315"/>
+                </a:stretch>
+              </a:blipFill>
+            </p:spPr>
+            <p:txBody>
+              <a:bodyPr/>
+              <a:lstStyle/>
+              <a:p>
+                <a:r>
+                  <a:rPr lang="en-US">
+                    <a:noFill/>
+                  </a:rPr>
+                  <a:t> </a:t>
+                </a:r>
+              </a:p>
+            </p:txBody>
+          </p:sp>
+        </mc:Fallback>
+      </mc:AlternateContent>
+    </p:spTree>
+    <p:extLst>
+      <p:ext uri="{BB962C8B-B14F-4D97-AF65-F5344CB8AC3E}">
+        <p14:creationId xmlns:p14="http://schemas.microsoft.com/office/powerpoint/2010/main" val="2948436207"/>
+      </p:ext>
+    </p:extLst>
+  </p:cSld>
+  <p:clrMapOvr>
+    <a:masterClrMapping/>
+  </p:clrMapOvr>
+</p:sld>
+</file>
+
+<file path=ppt/slides/slide5.xml><?xml version="1.0" encoding="utf-8"?>
+<p:sld xmlns:a="http://schemas.openxmlformats.org/drawingml/2006/main" xmlns:r="http://schemas.openxmlformats.org/officeDocument/2006/relationships" xmlns:p="http://schemas.openxmlformats.org/presentationml/2006/main">
+  <p:cSld>
+    <p:spTree>
+      <p:nvGrpSpPr>
+        <p:cNvPr id="1" name=""/>
+        <p:cNvGrpSpPr/>
+        <p:nvPr/>
+      </p:nvGrpSpPr>
+      <p:grpSpPr>
+        <a:xfrm>
+          <a:off x="0" y="0"/>
+          <a:ext cx="0" cy="0"/>
+          <a:chOff x="0" y="0"/>
+          <a:chExt cx="0" cy="0"/>
+        </a:xfrm>
+      </p:grpSpPr>
+      <p:sp>
+        <p:nvSpPr>
+          <p:cNvPr id="2" name="Title 1"/>
+          <p:cNvSpPr>
+            <a:spLocks noGrp="1"/>
+          </p:cNvSpPr>
+          <p:nvPr>
+            <p:ph type="title"/>
+          </p:nvPr>
+        </p:nvSpPr>
+        <p:spPr/>
+        <p:txBody>
+          <a:bodyPr/>
+          <a:lstStyle/>
+          <a:p>
+            <a:r>
+              <a:rPr lang="en-US" dirty="0" smtClean="0"/>
+              <a:t>Monte Carlo Popularity mod</a:t>
+            </a:r>
+            <a:endParaRPr lang="en-US" dirty="0"/>
+          </a:p>
+        </p:txBody>
+      </p:sp>
+      <p:sp>
+        <p:nvSpPr>
+          <p:cNvPr id="3" name="Content Placeholder 2"/>
+          <p:cNvSpPr>
+            <a:spLocks noGrp="1"/>
+          </p:cNvSpPr>
+          <p:nvPr>
+            <p:ph idx="1"/>
+          </p:nvPr>
+        </p:nvSpPr>
+        <p:spPr>
+          <a:xfrm>
+            <a:off x="838200" y="1825625"/>
+            <a:ext cx="10515600" cy="1572202"/>
+          </a:xfrm>
+        </p:spPr>
+        <p:txBody>
+          <a:bodyPr/>
+          <a:lstStyle/>
+          <a:p>
+            <a:r>
+              <a:rPr lang="en-US" dirty="0" smtClean="0"/>
+              <a:t>On scale of the ratios between two factors of Popularity, local </a:t>
+            </a:r>
+            <a:r>
+              <a:rPr lang="en-US" dirty="0" err="1" smtClean="0"/>
+              <a:t>minimas</a:t>
+            </a:r>
+            <a:r>
+              <a:rPr lang="en-US" dirty="0" smtClean="0"/>
+              <a:t> exist at (mostly) unpredictable locations</a:t>
+            </a:r>
+          </a:p>
+          <a:p>
+            <a:r>
+              <a:rPr lang="en-US" dirty="0" smtClean="0"/>
+              <a:t>Adjust ratio based on last Popularity result to find other </a:t>
+            </a:r>
+            <a:r>
+              <a:rPr lang="en-US" dirty="0" err="1" smtClean="0"/>
+              <a:t>minimas</a:t>
+            </a:r>
+            <a:endParaRPr lang="en-US" dirty="0"/>
+          </a:p>
+        </p:txBody>
+      </p:sp>
+    </p:spTree>
+    <p:extLst>
+      <p:ext uri="{BB962C8B-B14F-4D97-AF65-F5344CB8AC3E}">
+        <p14:creationId xmlns:p14="http://schemas.microsoft.com/office/powerpoint/2010/main" val="3267512410"/>
+      </p:ext>
+    </p:extLst>
+  </p:cSld>
+  <p:clrMapOvr>
+    <a:masterClrMapping/>
+  </p:clrMapOvr>
+</p:sld>
+</file>
+
+<file path=ppt/slides/slide6.xml><?xml version="1.0" encoding="utf-8"?>
+<p:sld xmlns:a="http://schemas.openxmlformats.org/drawingml/2006/main" xmlns:r="http://schemas.openxmlformats.org/officeDocument/2006/relationships" xmlns:p="http://schemas.openxmlformats.org/presentationml/2006/main">
+  <p:cSld>
+    <p:spTree>
+      <p:nvGrpSpPr>
+        <p:cNvPr id="1" name=""/>
+        <p:cNvGrpSpPr/>
+        <p:nvPr/>
+      </p:nvGrpSpPr>
+      <p:grpSpPr>
+        <a:xfrm>
+          <a:off x="0" y="0"/>
+          <a:ext cx="0" cy="0"/>
+          <a:chOff x="0" y="0"/>
+          <a:chExt cx="0" cy="0"/>
+        </a:xfrm>
+      </p:grpSpPr>
+      <p:sp>
+        <p:nvSpPr>
+          <p:cNvPr id="2" name="Title 1"/>
+          <p:cNvSpPr>
+            <a:spLocks noGrp="1"/>
+          </p:cNvSpPr>
+          <p:nvPr>
+            <p:ph type="title"/>
+          </p:nvPr>
+        </p:nvSpPr>
+        <p:spPr/>
+        <p:txBody>
+          <a:bodyPr/>
+          <a:lstStyle/>
+          <a:p>
+            <a:r>
+              <a:rPr lang="en-US" dirty="0" smtClean="0"/>
+              <a:t>Monte Carlo Popularity mod</a:t>
+            </a:r>
+            <a:endParaRPr lang="en-US" dirty="0"/>
+          </a:p>
+        </p:txBody>
+      </p:sp>
+      <mc:AlternateContent xmlns:mc="http://schemas.openxmlformats.org/markup-compatibility/2006">
+        <mc:Choice xmlns:a14="http://schemas.microsoft.com/office/drawing/2010/main" Requires="a14">
+          <p:sp>
+            <p:nvSpPr>
+              <p:cNvPr id="3" name="Content Placeholder 2"/>
+              <p:cNvSpPr>
+                <a:spLocks noGrp="1"/>
+              </p:cNvSpPr>
+              <p:nvPr>
+                <p:ph idx="1"/>
+              </p:nvPr>
+            </p:nvSpPr>
+            <p:spPr>
+              <a:xfrm>
+                <a:off x="838200" y="1825624"/>
+                <a:ext cx="10515600" cy="4097193"/>
+              </a:xfrm>
+            </p:spPr>
+            <p:txBody>
+              <a:bodyPr/>
+              <a:lstStyle/>
+              <a:p>
+                <a:r>
+                  <a:rPr lang="en-US" dirty="0" smtClean="0"/>
+                  <a:t>Use m as multiplicative factor, d as directional factor, and g as length of greedy:</a:t>
+                </a:r>
+              </a:p>
+              <a:p>
+                <a:pPr marL="0" indent="0">
+                  <a:buNone/>
+                </a:pPr>
+                <a:r>
+                  <a:rPr lang="en-US" dirty="0"/>
+                  <a:t>	</a:t>
+                </a:r>
+                <a14:m>
+                  <m:oMath xmlns:m="http://schemas.openxmlformats.org/officeDocument/2006/math">
+                    <m:r>
+                      <a:rPr lang="en-US" b="0" i="1" smtClean="0">
+                        <a:latin typeface="Cambria Math" panose="02040503050406030204" pitchFamily="18" charset="0"/>
+                      </a:rPr>
+                      <m:t>𝑓𝑎𝑐𝑡𝑜𝑟</m:t>
+                    </m:r>
+                    <m:r>
+                      <a:rPr lang="en-US" b="0" i="1" smtClean="0">
+                        <a:latin typeface="Cambria Math" panose="02040503050406030204" pitchFamily="18" charset="0"/>
+                      </a:rPr>
+                      <m:t> −=</m:t>
+                    </m:r>
+                    <m:r>
+                      <a:rPr lang="en-US" b="0" i="1" smtClean="0">
+                        <a:latin typeface="Cambria Math" panose="02040503050406030204" pitchFamily="18" charset="0"/>
+                      </a:rPr>
+                      <m:t>𝑑</m:t>
+                    </m:r>
+                    <m:r>
+                      <a:rPr lang="en-US" b="0" i="1" smtClean="0">
+                        <a:latin typeface="Cambria Math" panose="02040503050406030204" pitchFamily="18" charset="0"/>
+                      </a:rPr>
+                      <m:t> ∗</m:t>
+                    </m:r>
+                    <m:d>
+                      <m:dPr>
+                        <m:ctrlPr>
+                          <a:rPr lang="en-US" b="0" i="1" smtClean="0">
+                            <a:latin typeface="Cambria Math" panose="02040503050406030204" pitchFamily="18" charset="0"/>
+                          </a:rPr>
+                        </m:ctrlPr>
+                      </m:dPr>
+                      <m:e>
+                        <m:r>
+                          <a:rPr lang="en-US" b="0" i="1" smtClean="0">
+                            <a:latin typeface="Cambria Math" panose="02040503050406030204" pitchFamily="18" charset="0"/>
+                          </a:rPr>
+                          <m:t>𝑚</m:t>
+                        </m:r>
+                        <m:r>
+                          <a:rPr lang="en-US" b="0" i="1" smtClean="0">
+                            <a:latin typeface="Cambria Math" panose="02040503050406030204" pitchFamily="18" charset="0"/>
+                          </a:rPr>
+                          <m:t> ∗</m:t>
+                        </m:r>
+                        <m:d>
+                          <m:dPr>
+                            <m:ctrlPr>
+                              <a:rPr lang="en-US" b="0" i="1" smtClean="0">
+                                <a:latin typeface="Cambria Math" panose="02040503050406030204" pitchFamily="18" charset="0"/>
+                              </a:rPr>
+                            </m:ctrlPr>
+                          </m:dPr>
+                          <m:e>
+                            <m:f>
+                              <m:fPr>
+                                <m:ctrlPr>
+                                  <a:rPr lang="en-US" b="0" i="0" smtClean="0">
+                                    <a:latin typeface="Cambria Math" panose="02040503050406030204" pitchFamily="18" charset="0"/>
+                                  </a:rPr>
+                                </m:ctrlPr>
+                              </m:fPr>
+                              <m:num>
+                                <m:sSub>
+                                  <m:sSubPr>
+                                    <m:ctrlPr>
+                                      <a:rPr lang="en-US" b="0" i="1" smtClean="0">
+                                        <a:latin typeface="Cambria Math" panose="02040503050406030204" pitchFamily="18" charset="0"/>
+                                      </a:rPr>
+                                    </m:ctrlPr>
+                                  </m:sSubPr>
+                                  <m:e>
+                                    <m:r>
+                                      <a:rPr lang="en-US" b="0" i="1" smtClean="0">
+                                        <a:latin typeface="Cambria Math" panose="02040503050406030204" pitchFamily="18" charset="0"/>
+                                      </a:rPr>
+                                      <m:t>𝐿</m:t>
+                                    </m:r>
+                                  </m:e>
+                                  <m:sub>
+                                    <m:r>
+                                      <a:rPr lang="en-US" b="0" i="1" smtClean="0">
+                                        <a:latin typeface="Cambria Math" panose="02040503050406030204" pitchFamily="18" charset="0"/>
+                                      </a:rPr>
+                                      <m:t>𝑙𝑎𝑠𝑡𝑆𝑜𝑙𝑢𝑡𝑖𝑜𝑛</m:t>
+                                    </m:r>
+                                    <m:r>
+                                      <a:rPr lang="en-US" b="0" i="1" smtClean="0">
+                                        <a:latin typeface="Cambria Math" panose="02040503050406030204" pitchFamily="18" charset="0"/>
+                                      </a:rPr>
+                                      <m:t> </m:t>
+                                    </m:r>
+                                  </m:sub>
+                                </m:sSub>
+                              </m:num>
+                              <m:den>
+                                <m:sSub>
+                                  <m:sSubPr>
+                                    <m:ctrlPr>
+                                      <a:rPr lang="en-US" b="0" i="1" smtClean="0">
+                                        <a:latin typeface="Cambria Math" panose="02040503050406030204" pitchFamily="18" charset="0"/>
+                                      </a:rPr>
+                                    </m:ctrlPr>
+                                  </m:sSubPr>
+                                  <m:e>
+                                    <m:r>
+                                      <a:rPr lang="en-US" b="0" i="1" smtClean="0">
+                                        <a:latin typeface="Cambria Math" panose="02040503050406030204" pitchFamily="18" charset="0"/>
+                                      </a:rPr>
+                                      <m:t>𝐿</m:t>
+                                    </m:r>
+                                  </m:e>
+                                  <m:sub>
+                                    <m:r>
+                                      <a:rPr lang="en-US" b="0" i="1" smtClean="0">
+                                        <a:latin typeface="Cambria Math" panose="02040503050406030204" pitchFamily="18" charset="0"/>
+                                      </a:rPr>
+                                      <m:t>𝐺𝑟𝑒𝑒𝑑𝑦</m:t>
+                                    </m:r>
+                                  </m:sub>
+                                </m:sSub>
+                              </m:den>
+                            </m:f>
+                          </m:e>
+                        </m:d>
+                      </m:e>
+                    </m:d>
+                  </m:oMath>
+                </a14:m>
+                <a:endParaRPr lang="en-US" b="0" dirty="0" smtClean="0"/>
+              </a:p>
+              <a:p>
+                <a:pPr marL="0" indent="0">
+                  <a:buNone/>
+                </a:pPr>
+                <a:endParaRPr lang="en-US" dirty="0"/>
+              </a:p>
+              <a:p>
+                <a:pPr marL="0" indent="0">
+                  <a:buNone/>
+                </a:pPr>
+                <a:r>
+                  <a:rPr lang="en-US" dirty="0" smtClean="0"/>
+                  <a:t>This effect occurs after each run of Popularity to adjust the ratio for next run</a:t>
+                </a:r>
+              </a:p>
+              <a:p>
+                <a:pPr marL="0" indent="0">
+                  <a:buNone/>
+                </a:pPr>
+                <a:endParaRPr lang="en-US" dirty="0" smtClean="0"/>
+              </a:p>
+            </p:txBody>
+          </p:sp>
+        </mc:Choice>
+        <mc:Fallback>
+          <p:sp>
+            <p:nvSpPr>
+              <p:cNvPr id="3" name="Content Placeholder 2"/>
+              <p:cNvSpPr>
+                <a:spLocks noGrp="1" noRot="1" noChangeAspect="1" noMove="1" noResize="1" noEditPoints="1" noAdjustHandles="1" noChangeArrowheads="1" noChangeShapeType="1" noTextEdit="1"/>
+              </p:cNvSpPr>
+              <p:nvPr>
+                <p:ph idx="1"/>
+              </p:nvPr>
+            </p:nvSpPr>
+            <p:spPr>
+              <a:xfrm>
+                <a:off x="838200" y="1825624"/>
+                <a:ext cx="10515600" cy="4097193"/>
+              </a:xfrm>
+              <a:blipFill rotWithShape="0">
+                <a:blip r:embed="rId2"/>
+                <a:stretch>
+                  <a:fillRect l="-1217" t="-2377"/>
+                </a:stretch>
+              </a:blipFill>
+            </p:spPr>
+            <p:txBody>
+              <a:bodyPr/>
+              <a:lstStyle/>
+              <a:p>
+                <a:r>
+                  <a:rPr lang="en-US">
+                    <a:noFill/>
+                  </a:rPr>
+                  <a:t> </a:t>
+                </a:r>
+              </a:p>
+            </p:txBody>
+          </p:sp>
+        </mc:Fallback>
+      </mc:AlternateContent>
+    </p:spTree>
+    <p:extLst>
+      <p:ext uri="{BB962C8B-B14F-4D97-AF65-F5344CB8AC3E}">
+        <p14:creationId xmlns:p14="http://schemas.microsoft.com/office/powerpoint/2010/main" val="1227350310"/>
+      </p:ext>
+    </p:extLst>
+  </p:cSld>
+  <p:clrMapOvr>
+    <a:masterClrMapping/>
+  </p:clrMapOvr>
+</p:sld>
+</file>
+
+<file path=ppt/slides/slide7.xml><?xml version="1.0" encoding="utf-8"?>
+<p:sld xmlns:a="http://schemas.openxmlformats.org/drawingml/2006/main" xmlns:r="http://schemas.openxmlformats.org/officeDocument/2006/relationships" xmlns:p="http://schemas.openxmlformats.org/presentationml/2006/main">
+  <p:cSld>
+    <p:spTree>
+      <p:nvGrpSpPr>
+        <p:cNvPr id="1" name=""/>
+        <p:cNvGrpSpPr/>
+        <p:nvPr/>
+      </p:nvGrpSpPr>
+      <p:grpSpPr>
+        <a:xfrm>
+          <a:off x="0" y="0"/>
+          <a:ext cx="0" cy="0"/>
+          <a:chOff x="0" y="0"/>
+          <a:chExt cx="0" cy="0"/>
+        </a:xfrm>
+      </p:grpSpPr>
+      <p:sp>
+        <p:nvSpPr>
+          <p:cNvPr id="2" name="Title 1"/>
+          <p:cNvSpPr>
+            <a:spLocks noGrp="1"/>
+          </p:cNvSpPr>
+          <p:nvPr>
+            <p:ph type="title"/>
+          </p:nvPr>
+        </p:nvSpPr>
+        <p:spPr/>
+        <p:txBody>
+          <a:bodyPr/>
+          <a:lstStyle/>
+          <a:p>
+            <a:r>
+              <a:rPr lang="en-US" dirty="0" smtClean="0"/>
+              <a:t>Monte Carlo Popularity mod</a:t>
+            </a:r>
+            <a:endParaRPr lang="en-US" dirty="0"/>
+          </a:p>
+        </p:txBody>
+      </p:sp>
+      <mc:AlternateContent xmlns:mc="http://schemas.openxmlformats.org/markup-compatibility/2006">
+        <mc:Choice xmlns:a14="http://schemas.microsoft.com/office/drawing/2010/main" Requires="a14">
+          <p:sp>
+            <p:nvSpPr>
+              <p:cNvPr id="3" name="Content Placeholder 2"/>
+              <p:cNvSpPr>
+                <a:spLocks noGrp="1"/>
+              </p:cNvSpPr>
+              <p:nvPr>
+                <p:ph idx="1"/>
+              </p:nvPr>
+            </p:nvSpPr>
+            <p:spPr>
+              <a:xfrm>
+                <a:off x="838200" y="1825624"/>
+                <a:ext cx="10515600" cy="4097193"/>
+              </a:xfrm>
+            </p:spPr>
+            <p:txBody>
+              <a:bodyPr/>
+              <a:lstStyle/>
+              <a:p>
+                <a:pPr marL="0" indent="0">
+                  <a:buNone/>
+                </a:pPr>
+                <a:r>
+                  <a:rPr lang="en-US" dirty="0" smtClean="0"/>
+                  <a:t>	</a:t>
+                </a:r>
+                <a14:m>
+                  <m:oMath xmlns:m="http://schemas.openxmlformats.org/officeDocument/2006/math">
+                    <m:r>
+                      <a:rPr lang="en-US" b="0" i="1" smtClean="0">
+                        <a:latin typeface="Cambria Math" panose="02040503050406030204" pitchFamily="18" charset="0"/>
+                      </a:rPr>
+                      <m:t>𝑓𝑎𝑐𝑡𝑜𝑟</m:t>
+                    </m:r>
+                    <m:r>
+                      <a:rPr lang="en-US" b="0" i="1" smtClean="0">
+                        <a:latin typeface="Cambria Math" panose="02040503050406030204" pitchFamily="18" charset="0"/>
+                      </a:rPr>
+                      <m:t> −=</m:t>
+                    </m:r>
+                    <m:r>
+                      <a:rPr lang="en-US" b="0" i="1" smtClean="0">
+                        <a:latin typeface="Cambria Math" panose="02040503050406030204" pitchFamily="18" charset="0"/>
+                      </a:rPr>
+                      <m:t>𝑑</m:t>
+                    </m:r>
+                    <m:r>
+                      <a:rPr lang="en-US" b="0" i="1" smtClean="0">
+                        <a:latin typeface="Cambria Math" panose="02040503050406030204" pitchFamily="18" charset="0"/>
+                      </a:rPr>
+                      <m:t> ∗</m:t>
+                    </m:r>
+                    <m:d>
+                      <m:dPr>
+                        <m:ctrlPr>
+                          <a:rPr lang="en-US" b="0" i="1" smtClean="0">
+                            <a:latin typeface="Cambria Math" panose="02040503050406030204" pitchFamily="18" charset="0"/>
+                          </a:rPr>
+                        </m:ctrlPr>
+                      </m:dPr>
+                      <m:e>
+                        <m:r>
+                          <a:rPr lang="en-US" b="0" i="1" smtClean="0">
+                            <a:latin typeface="Cambria Math" panose="02040503050406030204" pitchFamily="18" charset="0"/>
+                          </a:rPr>
+                          <m:t>𝑚</m:t>
+                        </m:r>
+                        <m:r>
+                          <a:rPr lang="en-US" b="0" i="1" smtClean="0">
+                            <a:latin typeface="Cambria Math" panose="02040503050406030204" pitchFamily="18" charset="0"/>
+                          </a:rPr>
+                          <m:t> ∗</m:t>
+                        </m:r>
+                        <m:d>
+                          <m:dPr>
+                            <m:ctrlPr>
+                              <a:rPr lang="en-US" b="0" i="1" smtClean="0">
+                                <a:latin typeface="Cambria Math" panose="02040503050406030204" pitchFamily="18" charset="0"/>
+                              </a:rPr>
+                            </m:ctrlPr>
+                          </m:dPr>
+                          <m:e>
+                            <m:f>
+                              <m:fPr>
+                                <m:ctrlPr>
+                                  <a:rPr lang="en-US" b="0" i="0" smtClean="0">
+                                    <a:latin typeface="Cambria Math" panose="02040503050406030204" pitchFamily="18" charset="0"/>
+                                  </a:rPr>
+                                </m:ctrlPr>
+                              </m:fPr>
+                              <m:num>
+                                <m:sSub>
+                                  <m:sSubPr>
+                                    <m:ctrlPr>
+                                      <a:rPr lang="en-US" b="0" i="1" smtClean="0">
+                                        <a:latin typeface="Cambria Math" panose="02040503050406030204" pitchFamily="18" charset="0"/>
+                                      </a:rPr>
+                                    </m:ctrlPr>
+                                  </m:sSubPr>
+                                  <m:e>
+                                    <m:r>
+                                      <a:rPr lang="en-US" b="0" i="1" smtClean="0">
+                                        <a:latin typeface="Cambria Math" panose="02040503050406030204" pitchFamily="18" charset="0"/>
+                                      </a:rPr>
+                                      <m:t>𝐿</m:t>
+                                    </m:r>
+                                  </m:e>
+                                  <m:sub>
+                                    <m:r>
+                                      <a:rPr lang="en-US" b="0" i="1" smtClean="0">
+                                        <a:latin typeface="Cambria Math" panose="02040503050406030204" pitchFamily="18" charset="0"/>
+                                      </a:rPr>
+                                      <m:t>𝑙𝑎𝑠𝑡𝑆𝑜𝑙𝑢𝑡𝑖𝑜𝑛</m:t>
+                                    </m:r>
+                                    <m:r>
+                                      <a:rPr lang="en-US" b="0" i="1" smtClean="0">
+                                        <a:latin typeface="Cambria Math" panose="02040503050406030204" pitchFamily="18" charset="0"/>
+                                      </a:rPr>
+                                      <m:t> </m:t>
+                                    </m:r>
+                                  </m:sub>
+                                </m:sSub>
+                              </m:num>
+                              <m:den>
+                                <m:sSub>
+                                  <m:sSubPr>
+                                    <m:ctrlPr>
+                                      <a:rPr lang="en-US" b="0" i="1" smtClean="0">
+                                        <a:latin typeface="Cambria Math" panose="02040503050406030204" pitchFamily="18" charset="0"/>
+                                      </a:rPr>
+                                    </m:ctrlPr>
+                                  </m:sSubPr>
+                                  <m:e>
+                                    <m:r>
+                                      <a:rPr lang="en-US" b="0" i="1" smtClean="0">
+                                        <a:latin typeface="Cambria Math" panose="02040503050406030204" pitchFamily="18" charset="0"/>
+                                      </a:rPr>
+                                      <m:t>𝐿</m:t>
+                                    </m:r>
+                                  </m:e>
+                                  <m:sub>
+                                    <m:r>
+                                      <a:rPr lang="en-US" b="0" i="1" smtClean="0">
+                                        <a:latin typeface="Cambria Math" panose="02040503050406030204" pitchFamily="18" charset="0"/>
+                                      </a:rPr>
+                                      <m:t>𝐺𝑟𝑒𝑒𝑑𝑦</m:t>
+                                    </m:r>
+                                  </m:sub>
+                                </m:sSub>
+                              </m:den>
+                            </m:f>
+                          </m:e>
+                        </m:d>
+                      </m:e>
+                    </m:d>
+                  </m:oMath>
+                </a14:m>
+                <a:endParaRPr lang="en-US" b="0" dirty="0" smtClean="0"/>
+              </a:p>
+              <a:p>
+                <a:pPr marL="0" indent="0">
+                  <a:buNone/>
+                </a:pPr>
+                <a:endParaRPr lang="en-US" dirty="0"/>
+              </a:p>
+              <a:p>
+                <a:r>
+                  <a:rPr lang="en-US" dirty="0" smtClean="0"/>
+                  <a:t>Change directions always, unless ratio gets too close to 1:0</a:t>
+                </a:r>
+              </a:p>
+              <a:p>
+                <a:r>
+                  <a:rPr lang="en-US" dirty="0" smtClean="0"/>
+                  <a:t>Multiplication factor decreases around local minima, BSSFs, and increases on plateaus and bad solutions</a:t>
+                </a:r>
+              </a:p>
+              <a:p>
+                <a:r>
+                  <a:rPr lang="en-US" dirty="0" smtClean="0"/>
+                  <a:t>Fraction of solution over greedy helps initial minima focus, and move away from really bad solutions</a:t>
+                </a:r>
+              </a:p>
+              <a:p>
+                <a:pPr marL="0" indent="0">
+                  <a:buNone/>
+                </a:pPr>
+                <a:endParaRPr lang="en-US" dirty="0" smtClean="0"/>
+              </a:p>
+            </p:txBody>
+          </p:sp>
+        </mc:Choice>
+        <mc:Fallback>
+          <p:sp>
+            <p:nvSpPr>
+              <p:cNvPr id="3" name="Content Placeholder 2"/>
+              <p:cNvSpPr>
+                <a:spLocks noGrp="1" noRot="1" noChangeAspect="1" noMove="1" noResize="1" noEditPoints="1" noAdjustHandles="1" noChangeArrowheads="1" noChangeShapeType="1" noTextEdit="1"/>
+              </p:cNvSpPr>
+              <p:nvPr>
+                <p:ph idx="1"/>
+              </p:nvPr>
+            </p:nvSpPr>
+            <p:spPr>
+              <a:xfrm>
+                <a:off x="838200" y="1825624"/>
+                <a:ext cx="10515600" cy="4097193"/>
+              </a:xfrm>
+              <a:blipFill rotWithShape="0">
+                <a:blip r:embed="rId2"/>
+                <a:stretch>
+                  <a:fillRect l="-1043" r="-406"/>
+                </a:stretch>
+              </a:blipFill>
+            </p:spPr>
+            <p:txBody>
+              <a:bodyPr/>
+              <a:lstStyle/>
+              <a:p>
+                <a:r>
+                  <a:rPr lang="en-US">
+                    <a:noFill/>
+                  </a:rPr>
+                  <a:t> </a:t>
+                </a:r>
+              </a:p>
+            </p:txBody>
+          </p:sp>
+        </mc:Fallback>
+      </mc:AlternateContent>
+    </p:spTree>
+    <p:extLst>
+      <p:ext uri="{BB962C8B-B14F-4D97-AF65-F5344CB8AC3E}">
+        <p14:creationId xmlns:p14="http://schemas.microsoft.com/office/powerpoint/2010/main" val="1131802103"/>
       </p:ext>
     </p:extLst>
   </p:cSld>
@@ -5049,204 +9385,268 @@
           <a:chExt cx="0" cy="0"/>
         </a:xfrm>
       </p:grpSpPr>
-      <p:pic>
-        <p:nvPicPr>
-          <p:cNvPr id="4" name="Picture 3"/>
-          <p:cNvPicPr>
-            <a:picLocks noChangeAspect="1"/>
-          </p:cNvPicPr>
-          <p:nvPr/>
-        </p:nvPicPr>
-        <p:blipFill>
-          <a:blip r:embed="rId2">
-            <a:extLst>
-              <a:ext uri="{28A0092B-C50C-407E-A947-70E740481C1C}">
-                <a14:useLocalDpi xmlns:a14="http://schemas.microsoft.com/office/drawing/2010/main" val="0"/>
-              </a:ext>
-            </a:extLst>
-          </a:blip>
-          <a:stretch>
-            <a:fillRect/>
-          </a:stretch>
-        </p:blipFill>
-        <p:spPr>
-          <a:xfrm>
-            <a:off x="0" y="0"/>
-            <a:ext cx="4572001" cy="6858000"/>
-          </a:xfrm>
-          <a:prstGeom prst="rect">
-            <a:avLst/>
-          </a:prstGeom>
-        </p:spPr>
-      </p:pic>
-      <p:sp>
-        <p:nvSpPr>
-          <p:cNvPr id="5" name="TextBox 4"/>
-          <p:cNvSpPr txBox="1"/>
-          <p:nvPr/>
-        </p:nvSpPr>
-        <p:spPr>
-          <a:xfrm>
-            <a:off x="4572001" y="991674"/>
-            <a:ext cx="5009882" cy="923330"/>
-          </a:xfrm>
-          <a:prstGeom prst="rect">
-            <a:avLst/>
-          </a:prstGeom>
-          <a:noFill/>
-        </p:spPr>
-        <p:txBody>
-          <a:bodyPr wrap="square" rtlCol="0">
-            <a:spAutoFit/>
-          </a:bodyPr>
-          <a:lstStyle/>
-          <a:p>
-            <a:r>
-              <a:rPr lang="en-US" sz="5400" b="1" dirty="0" smtClean="0">
-                <a:latin typeface="Courier New" panose="02070309020205020404" pitchFamily="49" charset="0"/>
-                <a:cs typeface="Courier New" panose="02070309020205020404" pitchFamily="49" charset="0"/>
-              </a:rPr>
-              <a:t>A C D E F B</a:t>
-            </a:r>
-            <a:endParaRPr lang="en-US" sz="5400" b="1" dirty="0">
-              <a:latin typeface="Courier New" panose="02070309020205020404" pitchFamily="49" charset="0"/>
-              <a:cs typeface="Courier New" panose="02070309020205020404" pitchFamily="49" charset="0"/>
-            </a:endParaRPr>
-          </a:p>
-        </p:txBody>
-      </p:sp>
-      <p:sp>
-        <p:nvSpPr>
-          <p:cNvPr id="7" name="TextBox 6"/>
-          <p:cNvSpPr txBox="1"/>
-          <p:nvPr/>
-        </p:nvSpPr>
-        <p:spPr>
-          <a:xfrm>
-            <a:off x="10906261" y="991674"/>
-            <a:ext cx="1071092" cy="923330"/>
-          </a:xfrm>
-          <a:prstGeom prst="rect">
-            <a:avLst/>
-          </a:prstGeom>
-          <a:noFill/>
-        </p:spPr>
-        <p:txBody>
-          <a:bodyPr wrap="square" rtlCol="0">
-            <a:spAutoFit/>
-          </a:bodyPr>
-          <a:lstStyle/>
-          <a:p>
-            <a:r>
-              <a:rPr lang="en-US" sz="5400" b="1" dirty="0" smtClean="0">
-                <a:latin typeface="Courier New" panose="02070309020205020404" pitchFamily="49" charset="0"/>
-                <a:cs typeface="Courier New" panose="02070309020205020404" pitchFamily="49" charset="0"/>
-              </a:rPr>
-              <a:t>12</a:t>
-            </a:r>
-            <a:endParaRPr lang="en-US" sz="5400" b="1" dirty="0">
-              <a:latin typeface="Courier New" panose="02070309020205020404" pitchFamily="49" charset="0"/>
-              <a:cs typeface="Courier New" panose="02070309020205020404" pitchFamily="49" charset="0"/>
-            </a:endParaRPr>
-          </a:p>
-        </p:txBody>
-      </p:sp>
-      <p:sp>
-        <p:nvSpPr>
-          <p:cNvPr id="6" name="Rounded Rectangle 5"/>
-          <p:cNvSpPr/>
-          <p:nvPr/>
-        </p:nvSpPr>
-        <p:spPr>
-          <a:xfrm>
-            <a:off x="4391696" y="991674"/>
-            <a:ext cx="927279" cy="923330"/>
-          </a:xfrm>
-          <a:prstGeom prst="roundRect">
-            <a:avLst/>
-          </a:prstGeom>
-          <a:noFill/>
-          <a:ln>
-            <a:solidFill>
-              <a:srgbClr val="FF0000"/>
-            </a:solidFill>
-          </a:ln>
-        </p:spPr>
-        <p:style>
-          <a:lnRef idx="2">
-            <a:schemeClr val="accent6"/>
-          </a:lnRef>
-          <a:fillRef idx="1">
-            <a:schemeClr val="lt1"/>
-          </a:fillRef>
-          <a:effectRef idx="0">
-            <a:schemeClr val="accent6"/>
-          </a:effectRef>
-          <a:fontRef idx="minor">
-            <a:schemeClr val="dk1"/>
-          </a:fontRef>
-        </p:style>
-        <p:txBody>
-          <a:bodyPr rtlCol="0" anchor="ctr"/>
-          <a:lstStyle/>
-          <a:p>
-            <a:pPr algn="ctr"/>
-            <a:endParaRPr lang="en-US"/>
-          </a:p>
-        </p:txBody>
-      </p:sp>
-      <p:sp>
-        <p:nvSpPr>
-          <p:cNvPr id="8" name="Rounded Rectangle 7"/>
-          <p:cNvSpPr/>
-          <p:nvPr/>
-        </p:nvSpPr>
-        <p:spPr>
-          <a:xfrm>
-            <a:off x="8500057" y="991674"/>
-            <a:ext cx="927279" cy="923330"/>
-          </a:xfrm>
-          <a:prstGeom prst="roundRect">
-            <a:avLst/>
-          </a:prstGeom>
-          <a:noFill/>
-          <a:ln>
-            <a:solidFill>
-              <a:schemeClr val="accent1"/>
-            </a:solidFill>
-          </a:ln>
-        </p:spPr>
-        <p:style>
-          <a:lnRef idx="2">
-            <a:schemeClr val="accent6"/>
-          </a:lnRef>
-          <a:fillRef idx="1">
-            <a:schemeClr val="lt1"/>
-          </a:fillRef>
-          <a:effectRef idx="0">
-            <a:schemeClr val="accent6"/>
-          </a:effectRef>
-          <a:fontRef idx="minor">
-            <a:schemeClr val="dk1"/>
-          </a:fontRef>
-        </p:style>
-        <p:txBody>
-          <a:bodyPr rtlCol="0" anchor="ctr"/>
-          <a:lstStyle/>
-          <a:p>
-            <a:pPr algn="ctr"/>
-            <a:endParaRPr lang="en-US">
-              <a:solidFill>
-                <a:srgbClr val="0070C0"/>
-              </a:solidFill>
-            </a:endParaRPr>
-          </a:p>
-        </p:txBody>
-      </p:sp>
+      <p:sp>
+        <p:nvSpPr>
+          <p:cNvPr id="2" name="Title 1"/>
+          <p:cNvSpPr>
+            <a:spLocks noGrp="1"/>
+          </p:cNvSpPr>
+          <p:nvPr>
+            <p:ph type="title"/>
+          </p:nvPr>
+        </p:nvSpPr>
+        <p:spPr/>
+        <p:txBody>
+          <a:bodyPr/>
+          <a:lstStyle/>
+          <a:p>
+            <a:r>
+              <a:rPr lang="en-US" dirty="0" smtClean="0"/>
+              <a:t>Monte Carlo Popularity mod</a:t>
+            </a:r>
+            <a:endParaRPr lang="en-US" dirty="0"/>
+          </a:p>
+        </p:txBody>
+      </p:sp>
+      <mc:AlternateContent xmlns:mc="http://schemas.openxmlformats.org/markup-compatibility/2006">
+        <mc:Choice xmlns:a14="http://schemas.microsoft.com/office/drawing/2010/main" Requires="a14">
+          <p:sp>
+            <p:nvSpPr>
+              <p:cNvPr id="3" name="Content Placeholder 2"/>
+              <p:cNvSpPr>
+                <a:spLocks noGrp="1"/>
+              </p:cNvSpPr>
+              <p:nvPr>
+                <p:ph idx="1"/>
+              </p:nvPr>
+            </p:nvSpPr>
+            <p:spPr>
+              <a:xfrm>
+                <a:off x="838200" y="1825624"/>
+                <a:ext cx="10515600" cy="4097193"/>
+              </a:xfrm>
+            </p:spPr>
+            <p:txBody>
+              <a:bodyPr/>
+              <a:lstStyle/>
+              <a:p>
+                <a:pPr marL="0" indent="0">
+                  <a:buNone/>
+                </a:pPr>
+                <a:r>
+                  <a:rPr lang="en-US" dirty="0" smtClean="0"/>
+                  <a:t>	</a:t>
+                </a:r>
+                <a14:m>
+                  <m:oMath xmlns:m="http://schemas.openxmlformats.org/officeDocument/2006/math">
+                    <m:r>
+                      <a:rPr lang="en-US" b="0" i="1" smtClean="0">
+                        <a:latin typeface="Cambria Math" panose="02040503050406030204" pitchFamily="18" charset="0"/>
+                      </a:rPr>
+                      <m:t>𝑓𝑎𝑐𝑡𝑜𝑟</m:t>
+                    </m:r>
+                    <m:r>
+                      <a:rPr lang="en-US" b="0" i="1" smtClean="0">
+                        <a:latin typeface="Cambria Math" panose="02040503050406030204" pitchFamily="18" charset="0"/>
+                      </a:rPr>
+                      <m:t> −=</m:t>
+                    </m:r>
+                    <m:r>
+                      <a:rPr lang="en-US" b="0" i="1" smtClean="0">
+                        <a:latin typeface="Cambria Math" panose="02040503050406030204" pitchFamily="18" charset="0"/>
+                      </a:rPr>
+                      <m:t>𝑑</m:t>
+                    </m:r>
+                    <m:r>
+                      <a:rPr lang="en-US" b="0" i="1" smtClean="0">
+                        <a:latin typeface="Cambria Math" panose="02040503050406030204" pitchFamily="18" charset="0"/>
+                      </a:rPr>
+                      <m:t> ∗</m:t>
+                    </m:r>
+                    <m:d>
+                      <m:dPr>
+                        <m:ctrlPr>
+                          <a:rPr lang="en-US" b="0" i="1" smtClean="0">
+                            <a:latin typeface="Cambria Math" panose="02040503050406030204" pitchFamily="18" charset="0"/>
+                          </a:rPr>
+                        </m:ctrlPr>
+                      </m:dPr>
+                      <m:e>
+                        <m:r>
+                          <a:rPr lang="en-US" b="0" i="1" smtClean="0">
+                            <a:latin typeface="Cambria Math" panose="02040503050406030204" pitchFamily="18" charset="0"/>
+                          </a:rPr>
+                          <m:t>𝑚</m:t>
+                        </m:r>
+                        <m:r>
+                          <a:rPr lang="en-US" b="0" i="1" smtClean="0">
+                            <a:latin typeface="Cambria Math" panose="02040503050406030204" pitchFamily="18" charset="0"/>
+                          </a:rPr>
+                          <m:t> ∗</m:t>
+                        </m:r>
+                        <m:d>
+                          <m:dPr>
+                            <m:ctrlPr>
+                              <a:rPr lang="en-US" b="0" i="1" smtClean="0">
+                                <a:latin typeface="Cambria Math" panose="02040503050406030204" pitchFamily="18" charset="0"/>
+                              </a:rPr>
+                            </m:ctrlPr>
+                          </m:dPr>
+                          <m:e>
+                            <m:f>
+                              <m:fPr>
+                                <m:ctrlPr>
+                                  <a:rPr lang="en-US" b="0" i="0" smtClean="0">
+                                    <a:latin typeface="Cambria Math" panose="02040503050406030204" pitchFamily="18" charset="0"/>
+                                  </a:rPr>
+                                </m:ctrlPr>
+                              </m:fPr>
+                              <m:num>
+                                <m:sSub>
+                                  <m:sSubPr>
+                                    <m:ctrlPr>
+                                      <a:rPr lang="en-US" b="0" i="1" smtClean="0">
+                                        <a:latin typeface="Cambria Math" panose="02040503050406030204" pitchFamily="18" charset="0"/>
+                                      </a:rPr>
+                                    </m:ctrlPr>
+                                  </m:sSubPr>
+                                  <m:e>
+                                    <m:r>
+                                      <a:rPr lang="en-US" b="0" i="1" smtClean="0">
+                                        <a:latin typeface="Cambria Math" panose="02040503050406030204" pitchFamily="18" charset="0"/>
+                                      </a:rPr>
+                                      <m:t>𝐿</m:t>
+                                    </m:r>
+                                  </m:e>
+                                  <m:sub>
+                                    <m:r>
+                                      <a:rPr lang="en-US" b="0" i="1" smtClean="0">
+                                        <a:latin typeface="Cambria Math" panose="02040503050406030204" pitchFamily="18" charset="0"/>
+                                      </a:rPr>
+                                      <m:t>𝑙𝑎𝑠𝑡𝑆𝑜𝑙𝑢𝑡𝑖𝑜𝑛</m:t>
+                                    </m:r>
+                                    <m:r>
+                                      <a:rPr lang="en-US" b="0" i="1" smtClean="0">
+                                        <a:latin typeface="Cambria Math" panose="02040503050406030204" pitchFamily="18" charset="0"/>
+                                      </a:rPr>
+                                      <m:t> </m:t>
+                                    </m:r>
+                                  </m:sub>
+                                </m:sSub>
+                              </m:num>
+                              <m:den>
+                                <m:sSub>
+                                  <m:sSubPr>
+                                    <m:ctrlPr>
+                                      <a:rPr lang="en-US" b="0" i="1" smtClean="0">
+                                        <a:latin typeface="Cambria Math" panose="02040503050406030204" pitchFamily="18" charset="0"/>
+                                      </a:rPr>
+                                    </m:ctrlPr>
+                                  </m:sSubPr>
+                                  <m:e>
+                                    <m:r>
+                                      <a:rPr lang="en-US" b="0" i="1" smtClean="0">
+                                        <a:latin typeface="Cambria Math" panose="02040503050406030204" pitchFamily="18" charset="0"/>
+                                      </a:rPr>
+                                      <m:t>𝐿</m:t>
+                                    </m:r>
+                                  </m:e>
+                                  <m:sub>
+                                    <m:r>
+                                      <a:rPr lang="en-US" b="0" i="1" smtClean="0">
+                                        <a:latin typeface="Cambria Math" panose="02040503050406030204" pitchFamily="18" charset="0"/>
+                                      </a:rPr>
+                                      <m:t>𝐺𝑟𝑒𝑒𝑑𝑦</m:t>
+                                    </m:r>
+                                  </m:sub>
+                                </m:sSub>
+                              </m:den>
+                            </m:f>
+                          </m:e>
+                        </m:d>
+                      </m:e>
+                    </m:d>
+                  </m:oMath>
+                </a14:m>
+                <a:endParaRPr lang="en-US" b="0" dirty="0" smtClean="0"/>
+              </a:p>
+              <a:p>
+                <a:pPr marL="0" indent="0">
+                  <a:buNone/>
+                </a:pPr>
+                <a:endParaRPr lang="en-US" dirty="0"/>
+              </a:p>
+              <a:p>
+                <a:r>
+                  <a:rPr lang="en-US" dirty="0" smtClean="0"/>
+                  <a:t>Edge Popularity Score = </a:t>
+                </a:r>
+                <a:r>
+                  <a:rPr lang="en-US" dirty="0" err="1" smtClean="0"/>
+                  <a:t>Edge.Length</a:t>
+                </a:r>
+                <a:r>
+                  <a:rPr lang="en-US" dirty="0" smtClean="0"/>
+                  <a:t> + (average of small edges from destination city / factor)</a:t>
+                </a:r>
+              </a:p>
+              <a:p>
+                <a:r>
+                  <a:rPr lang="en-US" dirty="0" smtClean="0"/>
+                  <a:t>Possible area of improvement: explore minima found around 0, as these will be far closer together, though most currently-designed runs do find a local minima around factor = 0</a:t>
+                </a:r>
+              </a:p>
+              <a:p>
+                <a:pPr marL="0" indent="0">
+                  <a:buNone/>
+                </a:pPr>
+                <a:endParaRPr lang="en-US" dirty="0" smtClean="0"/>
+              </a:p>
+            </p:txBody>
+          </p:sp>
+        </mc:Choice>
+        <mc:Fallback>
+          <p:sp>
+            <p:nvSpPr>
+              <p:cNvPr id="3" name="Content Placeholder 2"/>
+              <p:cNvSpPr>
+                <a:spLocks noGrp="1" noRot="1" noChangeAspect="1" noMove="1" noResize="1" noEditPoints="1" noAdjustHandles="1" noChangeArrowheads="1" noChangeShapeType="1" noTextEdit="1"/>
+              </p:cNvSpPr>
+              <p:nvPr>
+                <p:ph idx="1"/>
+              </p:nvPr>
+            </p:nvSpPr>
+            <p:spPr>
+              <a:xfrm>
+                <a:off x="838200" y="1825624"/>
+                <a:ext cx="10515600" cy="4097193"/>
+              </a:xfrm>
+              <a:blipFill rotWithShape="0">
+                <a:blip r:embed="rId2"/>
+                <a:stretch>
+                  <a:fillRect l="-1043" r="-1507"/>
+                </a:stretch>
+              </a:blipFill>
+            </p:spPr>
+            <p:txBody>
+              <a:bodyPr/>
+              <a:lstStyle/>
+              <a:p>
+                <a:r>
+                  <a:rPr lang="en-US">
+                    <a:noFill/>
+                  </a:rPr>
+                  <a:t> </a:t>
+                </a:r>
+              </a:p>
+            </p:txBody>
+          </p:sp>
+        </mc:Fallback>
+      </mc:AlternateContent>
     </p:spTree>
     <p:extLst>
       <p:ext uri="{BB962C8B-B14F-4D97-AF65-F5344CB8AC3E}">
-        <p14:creationId xmlns:p14="http://schemas.microsoft.com/office/powerpoint/2010/main" val="3913097420"/>
+        <p14:creationId xmlns:p14="http://schemas.microsoft.com/office/powerpoint/2010/main" val="4059811717"/>
       </p:ext>
     </p:extLst>
   </p:cSld>
@@ -5273,204 +9673,272 @@
           <a:chExt cx="0" cy="0"/>
         </a:xfrm>
       </p:grpSpPr>
-      <p:pic>
-        <p:nvPicPr>
-          <p:cNvPr id="2" name="Picture 1"/>
-          <p:cNvPicPr>
-            <a:picLocks noChangeAspect="1"/>
-          </p:cNvPicPr>
-          <p:nvPr/>
-        </p:nvPicPr>
-        <p:blipFill>
-          <a:blip r:embed="rId2">
-            <a:extLst>
-              <a:ext uri="{28A0092B-C50C-407E-A947-70E740481C1C}">
-                <a14:useLocalDpi xmlns:a14="http://schemas.microsoft.com/office/drawing/2010/main" val="0"/>
-              </a:ext>
-            </a:extLst>
-          </a:blip>
-          <a:stretch>
-            <a:fillRect/>
-          </a:stretch>
-        </p:blipFill>
-        <p:spPr>
-          <a:xfrm>
-            <a:off x="0" y="0"/>
-            <a:ext cx="4572000" cy="6858000"/>
-          </a:xfrm>
-          <a:prstGeom prst="rect">
-            <a:avLst/>
-          </a:prstGeom>
-        </p:spPr>
-      </p:pic>
-      <p:sp>
-        <p:nvSpPr>
-          <p:cNvPr id="3" name="TextBox 2"/>
-          <p:cNvSpPr txBox="1"/>
-          <p:nvPr/>
-        </p:nvSpPr>
-        <p:spPr>
-          <a:xfrm>
-            <a:off x="4572001" y="991674"/>
-            <a:ext cx="5009882" cy="923330"/>
-          </a:xfrm>
-          <a:prstGeom prst="rect">
-            <a:avLst/>
-          </a:prstGeom>
-          <a:noFill/>
-        </p:spPr>
-        <p:txBody>
-          <a:bodyPr wrap="square" rtlCol="0">
-            <a:spAutoFit/>
-          </a:bodyPr>
-          <a:lstStyle/>
-          <a:p>
-            <a:r>
-              <a:rPr lang="en-US" sz="5400" b="1" dirty="0" smtClean="0">
-                <a:latin typeface="Courier New" panose="02070309020205020404" pitchFamily="49" charset="0"/>
-                <a:cs typeface="Courier New" panose="02070309020205020404" pitchFamily="49" charset="0"/>
-              </a:rPr>
-              <a:t>A F E D C B</a:t>
-            </a:r>
-            <a:endParaRPr lang="en-US" sz="5400" b="1" dirty="0">
-              <a:latin typeface="Courier New" panose="02070309020205020404" pitchFamily="49" charset="0"/>
-              <a:cs typeface="Courier New" panose="02070309020205020404" pitchFamily="49" charset="0"/>
-            </a:endParaRPr>
-          </a:p>
-        </p:txBody>
-      </p:sp>
-      <p:sp>
-        <p:nvSpPr>
-          <p:cNvPr id="4" name="TextBox 3"/>
-          <p:cNvSpPr txBox="1"/>
-          <p:nvPr/>
-        </p:nvSpPr>
-        <p:spPr>
-          <a:xfrm>
-            <a:off x="10906261" y="991674"/>
-            <a:ext cx="1071092" cy="923330"/>
-          </a:xfrm>
-          <a:prstGeom prst="rect">
-            <a:avLst/>
-          </a:prstGeom>
-          <a:noFill/>
-        </p:spPr>
-        <p:txBody>
-          <a:bodyPr wrap="square" rtlCol="0">
-            <a:spAutoFit/>
-          </a:bodyPr>
-          <a:lstStyle/>
-          <a:p>
-            <a:r>
-              <a:rPr lang="en-US" sz="5400" b="1" dirty="0" smtClean="0">
-                <a:latin typeface="Courier New" panose="02070309020205020404" pitchFamily="49" charset="0"/>
-                <a:cs typeface="Courier New" panose="02070309020205020404" pitchFamily="49" charset="0"/>
-              </a:rPr>
-              <a:t>15</a:t>
-            </a:r>
-            <a:endParaRPr lang="en-US" sz="5400" b="1" dirty="0">
-              <a:latin typeface="Courier New" panose="02070309020205020404" pitchFamily="49" charset="0"/>
-              <a:cs typeface="Courier New" panose="02070309020205020404" pitchFamily="49" charset="0"/>
-            </a:endParaRPr>
-          </a:p>
-        </p:txBody>
-      </p:sp>
-      <p:sp>
-        <p:nvSpPr>
-          <p:cNvPr id="5" name="Rounded Rectangle 4"/>
-          <p:cNvSpPr/>
-          <p:nvPr/>
-        </p:nvSpPr>
-        <p:spPr>
-          <a:xfrm>
-            <a:off x="4391696" y="991674"/>
-            <a:ext cx="927279" cy="923330"/>
-          </a:xfrm>
-          <a:prstGeom prst="roundRect">
-            <a:avLst/>
-          </a:prstGeom>
-          <a:noFill/>
-          <a:ln>
-            <a:solidFill>
-              <a:srgbClr val="FF0000"/>
-            </a:solidFill>
-          </a:ln>
-        </p:spPr>
-        <p:style>
-          <a:lnRef idx="2">
-            <a:schemeClr val="accent6"/>
-          </a:lnRef>
-          <a:fillRef idx="1">
-            <a:schemeClr val="lt1"/>
-          </a:fillRef>
-          <a:effectRef idx="0">
-            <a:schemeClr val="accent6"/>
-          </a:effectRef>
-          <a:fontRef idx="minor">
-            <a:schemeClr val="dk1"/>
-          </a:fontRef>
-        </p:style>
-        <p:txBody>
-          <a:bodyPr rtlCol="0" anchor="ctr"/>
-          <a:lstStyle/>
-          <a:p>
-            <a:pPr algn="ctr"/>
-            <a:endParaRPr lang="en-US"/>
-          </a:p>
-        </p:txBody>
-      </p:sp>
-      <p:sp>
-        <p:nvSpPr>
-          <p:cNvPr id="6" name="Rounded Rectangle 5"/>
-          <p:cNvSpPr/>
-          <p:nvPr/>
-        </p:nvSpPr>
-        <p:spPr>
-          <a:xfrm>
-            <a:off x="8500057" y="991674"/>
-            <a:ext cx="927279" cy="923330"/>
-          </a:xfrm>
-          <a:prstGeom prst="roundRect">
-            <a:avLst/>
-          </a:prstGeom>
-          <a:noFill/>
-          <a:ln>
-            <a:solidFill>
-              <a:schemeClr val="accent1"/>
-            </a:solidFill>
-          </a:ln>
-        </p:spPr>
-        <p:style>
-          <a:lnRef idx="2">
-            <a:schemeClr val="accent6"/>
-          </a:lnRef>
-          <a:fillRef idx="1">
-            <a:schemeClr val="lt1"/>
-          </a:fillRef>
-          <a:effectRef idx="0">
-            <a:schemeClr val="accent6"/>
-          </a:effectRef>
-          <a:fontRef idx="minor">
-            <a:schemeClr val="dk1"/>
-          </a:fontRef>
-        </p:style>
-        <p:txBody>
-          <a:bodyPr rtlCol="0" anchor="ctr"/>
-          <a:lstStyle/>
-          <a:p>
-            <a:pPr algn="ctr"/>
-            <a:endParaRPr lang="en-US">
-              <a:solidFill>
-                <a:srgbClr val="0070C0"/>
-              </a:solidFill>
-            </a:endParaRPr>
-          </a:p>
-        </p:txBody>
-      </p:sp>
+      <p:sp>
+        <p:nvSpPr>
+          <p:cNvPr id="2" name="Title 1"/>
+          <p:cNvSpPr>
+            <a:spLocks noGrp="1"/>
+          </p:cNvSpPr>
+          <p:nvPr>
+            <p:ph type="title"/>
+          </p:nvPr>
+        </p:nvSpPr>
+        <p:spPr/>
+        <p:txBody>
+          <a:bodyPr/>
+          <a:lstStyle/>
+          <a:p>
+            <a:r>
+              <a:rPr lang="en-US" dirty="0" smtClean="0"/>
+              <a:t>Monte Carlo Popularity mod</a:t>
+            </a:r>
+            <a:endParaRPr lang="en-US" dirty="0"/>
+          </a:p>
+        </p:txBody>
+      </p:sp>
+      <mc:AlternateContent xmlns:mc="http://schemas.openxmlformats.org/markup-compatibility/2006">
+        <mc:Choice xmlns:a14="http://schemas.microsoft.com/office/drawing/2010/main" Requires="a14">
+          <p:sp>
+            <p:nvSpPr>
+              <p:cNvPr id="3" name="Content Placeholder 2"/>
+              <p:cNvSpPr>
+                <a:spLocks noGrp="1"/>
+              </p:cNvSpPr>
+              <p:nvPr>
+                <p:ph idx="1"/>
+              </p:nvPr>
+            </p:nvSpPr>
+            <p:spPr>
+              <a:xfrm>
+                <a:off x="838200" y="1825624"/>
+                <a:ext cx="10515600" cy="4097193"/>
+              </a:xfrm>
+            </p:spPr>
+            <p:txBody>
+              <a:bodyPr/>
+              <a:lstStyle/>
+              <a:p>
+                <a:pPr marL="0" indent="0">
+                  <a:buNone/>
+                </a:pPr>
+                <a:r>
+                  <a:rPr lang="en-US" dirty="0" smtClean="0"/>
+                  <a:t>	</a:t>
+                </a:r>
+                <a14:m>
+                  <m:oMath xmlns:m="http://schemas.openxmlformats.org/officeDocument/2006/math">
+                    <m:r>
+                      <a:rPr lang="en-US" b="0" i="1" smtClean="0">
+                        <a:latin typeface="Cambria Math" panose="02040503050406030204" pitchFamily="18" charset="0"/>
+                      </a:rPr>
+                      <m:t>𝑓𝑎𝑐𝑡𝑜𝑟</m:t>
+                    </m:r>
+                    <m:r>
+                      <a:rPr lang="en-US" b="0" i="1" smtClean="0">
+                        <a:latin typeface="Cambria Math" panose="02040503050406030204" pitchFamily="18" charset="0"/>
+                      </a:rPr>
+                      <m:t> −=</m:t>
+                    </m:r>
+                    <m:r>
+                      <a:rPr lang="en-US" b="0" i="1" smtClean="0">
+                        <a:latin typeface="Cambria Math" panose="02040503050406030204" pitchFamily="18" charset="0"/>
+                      </a:rPr>
+                      <m:t>𝑑</m:t>
+                    </m:r>
+                    <m:r>
+                      <a:rPr lang="en-US" b="0" i="1" smtClean="0">
+                        <a:latin typeface="Cambria Math" panose="02040503050406030204" pitchFamily="18" charset="0"/>
+                      </a:rPr>
+                      <m:t> ∗</m:t>
+                    </m:r>
+                    <m:d>
+                      <m:dPr>
+                        <m:ctrlPr>
+                          <a:rPr lang="en-US" b="0" i="1" smtClean="0">
+                            <a:latin typeface="Cambria Math" panose="02040503050406030204" pitchFamily="18" charset="0"/>
+                          </a:rPr>
+                        </m:ctrlPr>
+                      </m:dPr>
+                      <m:e>
+                        <m:r>
+                          <a:rPr lang="en-US" b="0" i="1" smtClean="0">
+                            <a:latin typeface="Cambria Math" panose="02040503050406030204" pitchFamily="18" charset="0"/>
+                          </a:rPr>
+                          <m:t>𝑚</m:t>
+                        </m:r>
+                        <m:r>
+                          <a:rPr lang="en-US" b="0" i="1" smtClean="0">
+                            <a:latin typeface="Cambria Math" panose="02040503050406030204" pitchFamily="18" charset="0"/>
+                          </a:rPr>
+                          <m:t> ∗</m:t>
+                        </m:r>
+                        <m:d>
+                          <m:dPr>
+                            <m:ctrlPr>
+                              <a:rPr lang="en-US" b="0" i="1" smtClean="0">
+                                <a:latin typeface="Cambria Math" panose="02040503050406030204" pitchFamily="18" charset="0"/>
+                              </a:rPr>
+                            </m:ctrlPr>
+                          </m:dPr>
+                          <m:e>
+                            <m:f>
+                              <m:fPr>
+                                <m:ctrlPr>
+                                  <a:rPr lang="en-US" b="0" i="0" smtClean="0">
+                                    <a:latin typeface="Cambria Math" panose="02040503050406030204" pitchFamily="18" charset="0"/>
+                                  </a:rPr>
+                                </m:ctrlPr>
+                              </m:fPr>
+                              <m:num>
+                                <m:sSub>
+                                  <m:sSubPr>
+                                    <m:ctrlPr>
+                                      <a:rPr lang="en-US" b="0" i="1" smtClean="0">
+                                        <a:latin typeface="Cambria Math" panose="02040503050406030204" pitchFamily="18" charset="0"/>
+                                      </a:rPr>
+                                    </m:ctrlPr>
+                                  </m:sSubPr>
+                                  <m:e>
+                                    <m:r>
+                                      <a:rPr lang="en-US" b="0" i="1" smtClean="0">
+                                        <a:latin typeface="Cambria Math" panose="02040503050406030204" pitchFamily="18" charset="0"/>
+                                      </a:rPr>
+                                      <m:t>𝐿</m:t>
+                                    </m:r>
+                                  </m:e>
+                                  <m:sub>
+                                    <m:r>
+                                      <a:rPr lang="en-US" b="0" i="1" smtClean="0">
+                                        <a:latin typeface="Cambria Math" panose="02040503050406030204" pitchFamily="18" charset="0"/>
+                                      </a:rPr>
+                                      <m:t>𝑙𝑎𝑠𝑡𝑆𝑜𝑙𝑢𝑡𝑖𝑜𝑛</m:t>
+                                    </m:r>
+                                    <m:r>
+                                      <a:rPr lang="en-US" b="0" i="1" smtClean="0">
+                                        <a:latin typeface="Cambria Math" panose="02040503050406030204" pitchFamily="18" charset="0"/>
+                                      </a:rPr>
+                                      <m:t> </m:t>
+                                    </m:r>
+                                  </m:sub>
+                                </m:sSub>
+                              </m:num>
+                              <m:den>
+                                <m:sSub>
+                                  <m:sSubPr>
+                                    <m:ctrlPr>
+                                      <a:rPr lang="en-US" b="0" i="1" smtClean="0">
+                                        <a:latin typeface="Cambria Math" panose="02040503050406030204" pitchFamily="18" charset="0"/>
+                                      </a:rPr>
+                                    </m:ctrlPr>
+                                  </m:sSubPr>
+                                  <m:e>
+                                    <m:r>
+                                      <a:rPr lang="en-US" b="0" i="1" smtClean="0">
+                                        <a:latin typeface="Cambria Math" panose="02040503050406030204" pitchFamily="18" charset="0"/>
+                                      </a:rPr>
+                                      <m:t>𝐿</m:t>
+                                    </m:r>
+                                  </m:e>
+                                  <m:sub>
+                                    <m:r>
+                                      <a:rPr lang="en-US" b="0" i="1" smtClean="0">
+                                        <a:latin typeface="Cambria Math" panose="02040503050406030204" pitchFamily="18" charset="0"/>
+                                      </a:rPr>
+                                      <m:t>𝐺𝑟𝑒𝑒𝑑𝑦</m:t>
+                                    </m:r>
+                                  </m:sub>
+                                </m:sSub>
+                              </m:den>
+                            </m:f>
+                          </m:e>
+                        </m:d>
+                      </m:e>
+                    </m:d>
+                  </m:oMath>
+                </a14:m>
+                <a:endParaRPr lang="en-US" b="0" dirty="0" smtClean="0"/>
+              </a:p>
+              <a:p>
+                <a:pPr marL="0" indent="0">
+                  <a:buNone/>
+                </a:pPr>
+                <a:endParaRPr lang="en-US" dirty="0"/>
+              </a:p>
+              <a:p>
+                <a:r>
+                  <a:rPr lang="en-US" dirty="0" smtClean="0"/>
+                  <a:t>Forgiveness et to arbitrary value (here it is 50)</a:t>
+                </a:r>
+              </a:p>
+              <a:p>
+                <a:r>
+                  <a:rPr lang="en-US" dirty="0" smtClean="0"/>
+                  <a:t>Decrease forgiveness for not BSSFs, less for plateaus</a:t>
+                </a:r>
+              </a:p>
+              <a:p>
+                <a:r>
+                  <a:rPr lang="en-US" dirty="0" smtClean="0"/>
+                  <a:t>Reset forgiveness for BSSF</a:t>
+                </a:r>
+              </a:p>
+              <a:p>
+                <a:r>
+                  <a:rPr lang="en-US" dirty="0" smtClean="0"/>
+                  <a:t>Declare final solution when forgiveness runs out</a:t>
+                </a:r>
+              </a:p>
+              <a:p>
+                <a:pPr marL="0" indent="0">
+                  <a:buNone/>
+                </a:pPr>
+                <a:endParaRPr lang="en-US" dirty="0" smtClean="0"/>
+              </a:p>
+            </p:txBody>
+          </p:sp>
+        </mc:Choice>
+        <mc:Fallback>
+          <p:sp>
+            <p:nvSpPr>
+              <p:cNvPr id="3" name="Content Placeholder 2"/>
+              <p:cNvSpPr>
+                <a:spLocks noGrp="1" noRot="1" noChangeAspect="1" noMove="1" noResize="1" noEditPoints="1" noAdjustHandles="1" noChangeArrowheads="1" noChangeShapeType="1" noTextEdit="1"/>
+              </p:cNvSpPr>
+              <p:nvPr>
+                <p:ph idx="1"/>
+              </p:nvPr>
+            </p:nvSpPr>
+            <p:spPr>
+              <a:xfrm>
+                <a:off x="838200" y="1825624"/>
+                <a:ext cx="10515600" cy="4097193"/>
+              </a:xfrm>
+              <a:blipFill rotWithShape="0">
+                <a:blip r:embed="rId2"/>
+                <a:stretch>
+                  <a:fillRect l="-1043"/>
+                </a:stretch>
+              </a:blipFill>
+            </p:spPr>
+            <p:txBody>
+              <a:bodyPr/>
+              <a:lstStyle/>
+              <a:p>
+                <a:r>
+                  <a:rPr lang="en-US">
+                    <a:noFill/>
+                  </a:rPr>
+                  <a:t> </a:t>
+                </a:r>
+              </a:p>
+            </p:txBody>
+          </p:sp>
+        </mc:Fallback>
+      </mc:AlternateContent>
     </p:spTree>
     <p:extLst>
       <p:ext uri="{BB962C8B-B14F-4D97-AF65-F5344CB8AC3E}">
-        <p14:creationId xmlns:p14="http://schemas.microsoft.com/office/powerpoint/2010/main" val="3783106851"/>
+        <p14:creationId xmlns:p14="http://schemas.microsoft.com/office/powerpoint/2010/main" val="2250366108"/>
       </p:ext>
     </p:extLst>
   </p:cSld>

--- a/smallAnimation.pptx
+++ b/smallAnimation.pptx
@@ -13813,7 +13813,7 @@
             <p:ph idx="1"/>
             <p:extLst>
               <p:ext uri="{D42A27DB-BD31-4B8C-83A1-F6EECF244321}">
-                <p14:modId xmlns:p14="http://schemas.microsoft.com/office/powerpoint/2010/main" val="1223080126"/>
+                <p14:modId xmlns:p14="http://schemas.microsoft.com/office/powerpoint/2010/main" val="2658907685"/>
               </p:ext>
             </p:extLst>
           </p:nvPr>
@@ -14786,141 +14786,15 @@
                     <a:p>
                       <a:pPr algn="r" fontAlgn="b"/>
                       <a:r>
-                        <a:rPr lang="en-US" sz="1100" b="0" i="0" u="none" strike="noStrike" dirty="0">
-                          <a:solidFill>
-                            <a:srgbClr val="000000"/>
-                          </a:solidFill>
-                          <a:effectLst/>
-                          <a:latin typeface="Batang" panose="02030600000101010101" pitchFamily="18" charset="-127"/>
-                          <a:ea typeface="Batang" panose="02030600000101010101" pitchFamily="18" charset="-127"/>
-                        </a:rPr>
-                        <a:t>0.2</a:t>
-                      </a:r>
-                    </a:p>
-                  </a:txBody>
-                  <a:tcPr marL="9525" marR="9525" marT="9525" marB="0" anchor="b"/>
-                </a:tc>
-                <a:tc>
-                  <a:txBody>
-                    <a:bodyPr/>
-                    <a:lstStyle/>
-                    <a:p>
-                      <a:pPr algn="r" fontAlgn="b"/>
-                      <a:r>
-                        <a:rPr lang="en-US" sz="1100" b="0" i="0" u="none" strike="noStrike">
-                          <a:solidFill>
-                            <a:srgbClr val="000000"/>
-                          </a:solidFill>
-                          <a:effectLst/>
-                          <a:latin typeface="Batang" panose="02030600000101010101" pitchFamily="18" charset="-127"/>
-                          <a:ea typeface="Batang" panose="02030600000101010101" pitchFamily="18" charset="-127"/>
-                        </a:rPr>
-                        <a:t>37208</a:t>
-                      </a:r>
-                    </a:p>
-                  </a:txBody>
-                  <a:tcPr marL="9525" marR="9525" marT="9525" marB="0" anchor="b"/>
-                </a:tc>
-                <a:tc>
-                  <a:txBody>
-                    <a:bodyPr/>
-                    <a:lstStyle/>
-                    <a:p>
-                      <a:pPr algn="r" fontAlgn="b"/>
-                      <a:r>
-                        <a:rPr lang="en-US" sz="1100" b="0" i="0" u="none" strike="noStrike">
-                          <a:solidFill>
-                            <a:srgbClr val="000000"/>
-                          </a:solidFill>
-                          <a:effectLst/>
-                          <a:latin typeface="Batang" panose="02030600000101010101" pitchFamily="18" charset="-127"/>
-                          <a:ea typeface="Batang" panose="02030600000101010101" pitchFamily="18" charset="-127"/>
-                        </a:rPr>
-                        <a:t>91.54%</a:t>
-                      </a:r>
-                    </a:p>
-                  </a:txBody>
-                  <a:tcPr marL="9525" marR="9525" marT="9525" marB="0" anchor="b"/>
-                </a:tc>
-                <a:tc>
-                  <a:txBody>
-                    <a:bodyPr/>
-                    <a:lstStyle/>
-                    <a:p>
-                      <a:pPr algn="r" fontAlgn="b"/>
-                      <a:r>
-                        <a:rPr lang="en-US" sz="1100" b="0" i="0" u="none" strike="noStrike">
-                          <a:solidFill>
-                            <a:srgbClr val="000000"/>
-                          </a:solidFill>
-                          <a:effectLst/>
-                          <a:latin typeface="Batang" panose="02030600000101010101" pitchFamily="18" charset="-127"/>
-                          <a:ea typeface="Batang" panose="02030600000101010101" pitchFamily="18" charset="-127"/>
-                        </a:rPr>
-                        <a:t>TB</a:t>
-                      </a:r>
-                    </a:p>
-                  </a:txBody>
-                  <a:tcPr marL="9525" marR="9525" marT="9525" marB="0" anchor="b"/>
-                </a:tc>
-                <a:tc>
-                  <a:txBody>
-                    <a:bodyPr/>
-                    <a:lstStyle/>
-                    <a:p>
-                      <a:pPr algn="r" fontAlgn="b"/>
-                      <a:r>
-                        <a:rPr lang="en-US" sz="1100" b="0" i="0" u="none" strike="noStrike">
-                          <a:solidFill>
-                            <a:srgbClr val="000000"/>
-                          </a:solidFill>
-                          <a:effectLst/>
-                          <a:latin typeface="Batang" panose="02030600000101010101" pitchFamily="18" charset="-127"/>
-                          <a:ea typeface="Batang" panose="02030600000101010101" pitchFamily="18" charset="-127"/>
-                        </a:rPr>
-                        <a:t>TB</a:t>
-                      </a:r>
-                    </a:p>
-                  </a:txBody>
-                  <a:tcPr marL="9525" marR="9525" marT="9525" marB="0" anchor="b"/>
-                </a:tc>
-                <a:tc>
-                  <a:txBody>
-                    <a:bodyPr/>
-                    <a:lstStyle/>
-                    <a:p>
-                      <a:pPr algn="r" fontAlgn="b"/>
-                      <a:r>
-                        <a:rPr lang="en-US" sz="1100" b="0" i="0" u="none" strike="noStrike">
-                          <a:solidFill>
-                            <a:srgbClr val="000000"/>
-                          </a:solidFill>
-                          <a:effectLst/>
-                          <a:latin typeface="Batang" panose="02030600000101010101" pitchFamily="18" charset="-127"/>
-                          <a:ea typeface="Batang" panose="02030600000101010101" pitchFamily="18" charset="-127"/>
-                        </a:rPr>
-                        <a:t>TB</a:t>
-                      </a:r>
-                    </a:p>
-                  </a:txBody>
-                  <a:tcPr marL="9525" marR="9525" marT="9525" marB="0" anchor="b"/>
-                </a:tc>
-                <a:tc>
-                  <a:txBody>
-                    <a:bodyPr/>
-                    <a:lstStyle/>
-                    <a:p>
-                      <a:pPr algn="r" fontAlgn="b"/>
-                      <a:r>
-                        <a:rPr lang="en-US" sz="1100" b="0" i="0" u="none" strike="noStrike" dirty="0" smtClean="0">
-                          <a:solidFill>
-                            <a:srgbClr val="000000"/>
-                          </a:solidFill>
-                          <a:effectLst/>
-                          <a:latin typeface="Batang" panose="02030600000101010101" pitchFamily="18" charset="-127"/>
-                          <a:ea typeface="Batang" panose="02030600000101010101" pitchFamily="18" charset="-127"/>
-                        </a:rPr>
-                        <a:t>129.20</a:t>
+                        <a:rPr lang="en-US" sz="1100" b="0" i="0" u="none" strike="noStrike" smtClean="0">
+                          <a:solidFill>
+                            <a:srgbClr val="000000"/>
+                          </a:solidFill>
+                          <a:effectLst/>
+                          <a:latin typeface="Batang" panose="02030600000101010101" pitchFamily="18" charset="-127"/>
+                          <a:ea typeface="Batang" panose="02030600000101010101" pitchFamily="18" charset="-127"/>
+                        </a:rPr>
+                        <a:t>0.20</a:t>
                       </a:r>
                       <a:endParaRPr lang="en-US" sz="1100" b="0" i="0" u="none" strike="noStrike" dirty="0">
                         <a:solidFill>
@@ -14949,35 +14823,96 @@
                           <a:latin typeface="Batang" panose="02030600000101010101" pitchFamily="18" charset="-127"/>
                           <a:ea typeface="Batang" panose="02030600000101010101" pitchFamily="18" charset="-127"/>
                         </a:rPr>
-                        <a:t>30952</a:t>
-                      </a:r>
-                    </a:p>
-                  </a:txBody>
-                  <a:tcPr marL="9525" marR="9525" marT="9525" marB="0" anchor="b"/>
-                </a:tc>
-                <a:tc>
-                  <a:txBody>
-                    <a:bodyPr/>
-                    <a:lstStyle/>
-                    <a:p>
-                      <a:pPr algn="r" fontAlgn="b"/>
-                      <a:r>
-                        <a:rPr lang="en-US" sz="1100" b="0" i="0" u="none" strike="noStrike">
-                          <a:solidFill>
-                            <a:srgbClr val="000000"/>
-                          </a:solidFill>
-                          <a:effectLst/>
-                          <a:latin typeface="Batang" panose="02030600000101010101" pitchFamily="18" charset="-127"/>
-                          <a:ea typeface="Batang" panose="02030600000101010101" pitchFamily="18" charset="-127"/>
-                        </a:rPr>
-                        <a:t>16.81%</a:t>
-                      </a:r>
-                    </a:p>
-                  </a:txBody>
-                  <a:tcPr marL="9525" marR="9525" marT="9525" marB="0" anchor="b"/>
-                </a:tc>
-              </a:tr>
-              <a:tr h="370840">
+                        <a:t>37208</a:t>
+                      </a:r>
+                    </a:p>
+                  </a:txBody>
+                  <a:tcPr marL="9525" marR="9525" marT="9525" marB="0" anchor="b"/>
+                </a:tc>
+                <a:tc>
+                  <a:txBody>
+                    <a:bodyPr/>
+                    <a:lstStyle/>
+                    <a:p>
+                      <a:pPr algn="r" fontAlgn="b"/>
+                      <a:r>
+                        <a:rPr lang="en-US" sz="1100" b="0" i="0" u="none" strike="noStrike">
+                          <a:solidFill>
+                            <a:srgbClr val="000000"/>
+                          </a:solidFill>
+                          <a:effectLst/>
+                          <a:latin typeface="Batang" panose="02030600000101010101" pitchFamily="18" charset="-127"/>
+                          <a:ea typeface="Batang" panose="02030600000101010101" pitchFamily="18" charset="-127"/>
+                        </a:rPr>
+                        <a:t>91.54%</a:t>
+                      </a:r>
+                    </a:p>
+                  </a:txBody>
+                  <a:tcPr marL="9525" marR="9525" marT="9525" marB="0" anchor="b"/>
+                </a:tc>
+                <a:tc>
+                  <a:txBody>
+                    <a:bodyPr/>
+                    <a:lstStyle/>
+                    <a:p>
+                      <a:pPr algn="r" fontAlgn="b"/>
+                      <a:r>
+                        <a:rPr lang="en-US" sz="1100" b="0" i="0" u="none" strike="noStrike">
+                          <a:solidFill>
+                            <a:srgbClr val="000000"/>
+                          </a:solidFill>
+                          <a:effectLst/>
+                          <a:latin typeface="Batang" panose="02030600000101010101" pitchFamily="18" charset="-127"/>
+                          <a:ea typeface="Batang" panose="02030600000101010101" pitchFamily="18" charset="-127"/>
+                        </a:rPr>
+                        <a:t>TB</a:t>
+                      </a:r>
+                    </a:p>
+                  </a:txBody>
+                  <a:tcPr marL="9525" marR="9525" marT="9525" marB="0" anchor="b"/>
+                </a:tc>
+                <a:tc>
+                  <a:txBody>
+                    <a:bodyPr/>
+                    <a:lstStyle/>
+                    <a:p>
+                      <a:pPr algn="r" fontAlgn="b"/>
+                      <a:r>
+                        <a:rPr lang="en-US" sz="1100" b="0" i="0" u="none" strike="noStrike">
+                          <a:solidFill>
+                            <a:srgbClr val="000000"/>
+                          </a:solidFill>
+                          <a:effectLst/>
+                          <a:latin typeface="Batang" panose="02030600000101010101" pitchFamily="18" charset="-127"/>
+                          <a:ea typeface="Batang" panose="02030600000101010101" pitchFamily="18" charset="-127"/>
+                        </a:rPr>
+                        <a:t>TB</a:t>
+                      </a:r>
+                    </a:p>
+                  </a:txBody>
+                  <a:tcPr marL="9525" marR="9525" marT="9525" marB="0" anchor="b"/>
+                </a:tc>
+                <a:tc>
+                  <a:txBody>
+                    <a:bodyPr/>
+                    <a:lstStyle/>
+                    <a:p>
+                      <a:pPr algn="r" fontAlgn="b"/>
+                      <a:r>
+                        <a:rPr lang="en-US" sz="1100" b="0" i="0" u="none" strike="noStrike">
+                          <a:solidFill>
+                            <a:srgbClr val="000000"/>
+                          </a:solidFill>
+                          <a:effectLst/>
+                          <a:latin typeface="Batang" panose="02030600000101010101" pitchFamily="18" charset="-127"/>
+                          <a:ea typeface="Batang" panose="02030600000101010101" pitchFamily="18" charset="-127"/>
+                        </a:rPr>
+                        <a:t>TB</a:t>
+                      </a:r>
+                    </a:p>
+                  </a:txBody>
+                  <a:tcPr marL="9525" marR="9525" marT="9525" marB="0" anchor="b"/>
+                </a:tc>
                 <a:tc>
                   <a:txBody>
                     <a:bodyPr/>
@@ -14993,7 +14928,7 @@
                           <a:latin typeface="Batang" panose="02030600000101010101" pitchFamily="18" charset="-127"/>
                           <a:ea typeface="Batang" panose="02030600000101010101" pitchFamily="18" charset="-127"/>
                         </a:rPr>
-                        <a:t>900</a:t>
+                        <a:t>129.20</a:t>
                       </a:r>
                       <a:endParaRPr lang="en-US" sz="1100" b="0" i="0" u="none" strike="noStrike" dirty="0">
                         <a:solidFill>
@@ -15022,138 +14957,35 @@
                           <a:latin typeface="Batang" panose="02030600000101010101" pitchFamily="18" charset="-127"/>
                           <a:ea typeface="Batang" panose="02030600000101010101" pitchFamily="18" charset="-127"/>
                         </a:rPr>
-                        <a:t>468965</a:t>
-                      </a:r>
-                    </a:p>
-                  </a:txBody>
-                  <a:tcPr marL="9525" marR="9525" marT="9525" marB="0" anchor="b"/>
-                </a:tc>
-                <a:tc>
-                  <a:txBody>
-                    <a:bodyPr/>
-                    <a:lstStyle/>
-                    <a:p>
-                      <a:pPr algn="r" fontAlgn="b"/>
-                      <a:r>
-                        <a:rPr lang="en-US" sz="1100" b="0" i="0" u="none" strike="noStrike">
-                          <a:solidFill>
-                            <a:srgbClr val="000000"/>
-                          </a:solidFill>
-                          <a:effectLst/>
-                          <a:latin typeface="Batang" panose="02030600000101010101" pitchFamily="18" charset="-127"/>
-                          <a:ea typeface="Batang" panose="02030600000101010101" pitchFamily="18" charset="-127"/>
-                        </a:rPr>
-                        <a:t>0.24</a:t>
-                      </a:r>
-                    </a:p>
-                  </a:txBody>
-                  <a:tcPr marL="9525" marR="9525" marT="9525" marB="0" anchor="b"/>
-                </a:tc>
-                <a:tc>
-                  <a:txBody>
-                    <a:bodyPr/>
-                    <a:lstStyle/>
-                    <a:p>
-                      <a:pPr algn="r" fontAlgn="b"/>
-                      <a:r>
-                        <a:rPr lang="en-US" sz="1100" b="0" i="0" u="none" strike="noStrike" dirty="0">
-                          <a:solidFill>
-                            <a:srgbClr val="000000"/>
-                          </a:solidFill>
-                          <a:effectLst/>
-                          <a:latin typeface="Batang" panose="02030600000101010101" pitchFamily="18" charset="-127"/>
-                          <a:ea typeface="Batang" panose="02030600000101010101" pitchFamily="18" charset="-127"/>
-                        </a:rPr>
-                        <a:t>38559</a:t>
-                      </a:r>
-                    </a:p>
-                  </a:txBody>
-                  <a:tcPr marL="9525" marR="9525" marT="9525" marB="0" anchor="b"/>
-                </a:tc>
-                <a:tc>
-                  <a:txBody>
-                    <a:bodyPr/>
-                    <a:lstStyle/>
-                    <a:p>
-                      <a:pPr algn="r" fontAlgn="b"/>
-                      <a:r>
-                        <a:rPr lang="en-US" sz="1100" b="0" i="0" u="none" strike="noStrike">
-                          <a:solidFill>
-                            <a:srgbClr val="000000"/>
-                          </a:solidFill>
-                          <a:effectLst/>
-                          <a:latin typeface="Batang" panose="02030600000101010101" pitchFamily="18" charset="-127"/>
-                          <a:ea typeface="Batang" panose="02030600000101010101" pitchFamily="18" charset="-127"/>
-                        </a:rPr>
-                        <a:t>91.78%</a:t>
-                      </a:r>
-                    </a:p>
-                  </a:txBody>
-                  <a:tcPr marL="9525" marR="9525" marT="9525" marB="0" anchor="b"/>
-                </a:tc>
-                <a:tc>
-                  <a:txBody>
-                    <a:bodyPr/>
-                    <a:lstStyle/>
-                    <a:p>
-                      <a:pPr algn="r" fontAlgn="b"/>
-                      <a:r>
-                        <a:rPr lang="en-US" sz="1100" b="0" i="0" u="none" strike="noStrike">
-                          <a:solidFill>
-                            <a:srgbClr val="000000"/>
-                          </a:solidFill>
-                          <a:effectLst/>
-                          <a:latin typeface="Batang" panose="02030600000101010101" pitchFamily="18" charset="-127"/>
-                          <a:ea typeface="Batang" panose="02030600000101010101" pitchFamily="18" charset="-127"/>
-                        </a:rPr>
-                        <a:t>TB</a:t>
-                      </a:r>
-                    </a:p>
-                  </a:txBody>
-                  <a:tcPr marL="9525" marR="9525" marT="9525" marB="0" anchor="b"/>
-                </a:tc>
-                <a:tc>
-                  <a:txBody>
-                    <a:bodyPr/>
-                    <a:lstStyle/>
-                    <a:p>
-                      <a:pPr algn="r" fontAlgn="b"/>
-                      <a:r>
-                        <a:rPr lang="en-US" sz="1100" b="0" i="0" u="none" strike="noStrike">
-                          <a:solidFill>
-                            <a:srgbClr val="000000"/>
-                          </a:solidFill>
-                          <a:effectLst/>
-                          <a:latin typeface="Batang" panose="02030600000101010101" pitchFamily="18" charset="-127"/>
-                          <a:ea typeface="Batang" panose="02030600000101010101" pitchFamily="18" charset="-127"/>
-                        </a:rPr>
-                        <a:t>TB</a:t>
-                      </a:r>
-                    </a:p>
-                  </a:txBody>
-                  <a:tcPr marL="9525" marR="9525" marT="9525" marB="0" anchor="b"/>
-                </a:tc>
-                <a:tc>
-                  <a:txBody>
-                    <a:bodyPr/>
-                    <a:lstStyle/>
-                    <a:p>
-                      <a:pPr algn="r" fontAlgn="b"/>
-                      <a:r>
-                        <a:rPr lang="en-US" sz="1100" b="0" i="0" u="none" strike="noStrike">
-                          <a:solidFill>
-                            <a:srgbClr val="000000"/>
-                          </a:solidFill>
-                          <a:effectLst/>
-                          <a:latin typeface="Batang" panose="02030600000101010101" pitchFamily="18" charset="-127"/>
-                          <a:ea typeface="Batang" panose="02030600000101010101" pitchFamily="18" charset="-127"/>
-                        </a:rPr>
-                        <a:t>TB</a:t>
-                      </a:r>
-                    </a:p>
-                  </a:txBody>
-                  <a:tcPr marL="9525" marR="9525" marT="9525" marB="0" anchor="b"/>
-                </a:tc>
+                        <a:t>30952</a:t>
+                      </a:r>
+                    </a:p>
+                  </a:txBody>
+                  <a:tcPr marL="9525" marR="9525" marT="9525" marB="0" anchor="b"/>
+                </a:tc>
+                <a:tc>
+                  <a:txBody>
+                    <a:bodyPr/>
+                    <a:lstStyle/>
+                    <a:p>
+                      <a:pPr algn="r" fontAlgn="b"/>
+                      <a:r>
+                        <a:rPr lang="en-US" sz="1100" b="0" i="0" u="none" strike="noStrike">
+                          <a:solidFill>
+                            <a:srgbClr val="000000"/>
+                          </a:solidFill>
+                          <a:effectLst/>
+                          <a:latin typeface="Batang" panose="02030600000101010101" pitchFamily="18" charset="-127"/>
+                          <a:ea typeface="Batang" panose="02030600000101010101" pitchFamily="18" charset="-127"/>
+                        </a:rPr>
+                        <a:t>16.81%</a:t>
+                      </a:r>
+                    </a:p>
+                  </a:txBody>
+                  <a:tcPr marL="9525" marR="9525" marT="9525" marB="0" anchor="b"/>
+                </a:tc>
+              </a:tr>
+              <a:tr h="370840">
                 <a:tc>
                   <a:txBody>
                     <a:bodyPr/>
@@ -15169,7 +15001,7 @@
                           <a:latin typeface="Batang" panose="02030600000101010101" pitchFamily="18" charset="-127"/>
                           <a:ea typeface="Batang" panose="02030600000101010101" pitchFamily="18" charset="-127"/>
                         </a:rPr>
-                        <a:t>143.40</a:t>
+                        <a:t>900</a:t>
                       </a:r>
                       <a:endParaRPr lang="en-US" sz="1100" b="0" i="0" u="none" strike="noStrike" dirty="0">
                         <a:solidFill>
@@ -15198,35 +15030,138 @@
                           <a:latin typeface="Batang" panose="02030600000101010101" pitchFamily="18" charset="-127"/>
                           <a:ea typeface="Batang" panose="02030600000101010101" pitchFamily="18" charset="-127"/>
                         </a:rPr>
-                        <a:t>32014</a:t>
-                      </a:r>
-                    </a:p>
-                  </a:txBody>
-                  <a:tcPr marL="9525" marR="9525" marT="9525" marB="0" anchor="b"/>
-                </a:tc>
-                <a:tc>
-                  <a:txBody>
-                    <a:bodyPr/>
-                    <a:lstStyle/>
-                    <a:p>
-                      <a:pPr algn="r" fontAlgn="b"/>
-                      <a:r>
-                        <a:rPr lang="en-US" sz="1100" b="0" i="0" u="none" strike="noStrike">
-                          <a:solidFill>
-                            <a:srgbClr val="000000"/>
-                          </a:solidFill>
-                          <a:effectLst/>
-                          <a:latin typeface="Batang" panose="02030600000101010101" pitchFamily="18" charset="-127"/>
-                          <a:ea typeface="Batang" panose="02030600000101010101" pitchFamily="18" charset="-127"/>
-                        </a:rPr>
-                        <a:t>16.97%</a:t>
-                      </a:r>
-                    </a:p>
-                  </a:txBody>
-                  <a:tcPr marL="9525" marR="9525" marT="9525" marB="0" anchor="b"/>
-                </a:tc>
-              </a:tr>
-              <a:tr h="370840">
+                        <a:t>468965</a:t>
+                      </a:r>
+                    </a:p>
+                  </a:txBody>
+                  <a:tcPr marL="9525" marR="9525" marT="9525" marB="0" anchor="b"/>
+                </a:tc>
+                <a:tc>
+                  <a:txBody>
+                    <a:bodyPr/>
+                    <a:lstStyle/>
+                    <a:p>
+                      <a:pPr algn="r" fontAlgn="b"/>
+                      <a:r>
+                        <a:rPr lang="en-US" sz="1100" b="0" i="0" u="none" strike="noStrike">
+                          <a:solidFill>
+                            <a:srgbClr val="000000"/>
+                          </a:solidFill>
+                          <a:effectLst/>
+                          <a:latin typeface="Batang" panose="02030600000101010101" pitchFamily="18" charset="-127"/>
+                          <a:ea typeface="Batang" panose="02030600000101010101" pitchFamily="18" charset="-127"/>
+                        </a:rPr>
+                        <a:t>0.24</a:t>
+                      </a:r>
+                    </a:p>
+                  </a:txBody>
+                  <a:tcPr marL="9525" marR="9525" marT="9525" marB="0" anchor="b"/>
+                </a:tc>
+                <a:tc>
+                  <a:txBody>
+                    <a:bodyPr/>
+                    <a:lstStyle/>
+                    <a:p>
+                      <a:pPr algn="r" fontAlgn="b"/>
+                      <a:r>
+                        <a:rPr lang="en-US" sz="1100" b="0" i="0" u="none" strike="noStrike" dirty="0">
+                          <a:solidFill>
+                            <a:srgbClr val="000000"/>
+                          </a:solidFill>
+                          <a:effectLst/>
+                          <a:latin typeface="Batang" panose="02030600000101010101" pitchFamily="18" charset="-127"/>
+                          <a:ea typeface="Batang" panose="02030600000101010101" pitchFamily="18" charset="-127"/>
+                        </a:rPr>
+                        <a:t>38559</a:t>
+                      </a:r>
+                    </a:p>
+                  </a:txBody>
+                  <a:tcPr marL="9525" marR="9525" marT="9525" marB="0" anchor="b"/>
+                </a:tc>
+                <a:tc>
+                  <a:txBody>
+                    <a:bodyPr/>
+                    <a:lstStyle/>
+                    <a:p>
+                      <a:pPr algn="r" fontAlgn="b"/>
+                      <a:r>
+                        <a:rPr lang="en-US" sz="1100" b="0" i="0" u="none" strike="noStrike">
+                          <a:solidFill>
+                            <a:srgbClr val="000000"/>
+                          </a:solidFill>
+                          <a:effectLst/>
+                          <a:latin typeface="Batang" panose="02030600000101010101" pitchFamily="18" charset="-127"/>
+                          <a:ea typeface="Batang" panose="02030600000101010101" pitchFamily="18" charset="-127"/>
+                        </a:rPr>
+                        <a:t>91.78%</a:t>
+                      </a:r>
+                    </a:p>
+                  </a:txBody>
+                  <a:tcPr marL="9525" marR="9525" marT="9525" marB="0" anchor="b"/>
+                </a:tc>
+                <a:tc>
+                  <a:txBody>
+                    <a:bodyPr/>
+                    <a:lstStyle/>
+                    <a:p>
+                      <a:pPr algn="r" fontAlgn="b"/>
+                      <a:r>
+                        <a:rPr lang="en-US" sz="1100" b="0" i="0" u="none" strike="noStrike">
+                          <a:solidFill>
+                            <a:srgbClr val="000000"/>
+                          </a:solidFill>
+                          <a:effectLst/>
+                          <a:latin typeface="Batang" panose="02030600000101010101" pitchFamily="18" charset="-127"/>
+                          <a:ea typeface="Batang" panose="02030600000101010101" pitchFamily="18" charset="-127"/>
+                        </a:rPr>
+                        <a:t>TB</a:t>
+                      </a:r>
+                    </a:p>
+                  </a:txBody>
+                  <a:tcPr marL="9525" marR="9525" marT="9525" marB="0" anchor="b"/>
+                </a:tc>
+                <a:tc>
+                  <a:txBody>
+                    <a:bodyPr/>
+                    <a:lstStyle/>
+                    <a:p>
+                      <a:pPr algn="r" fontAlgn="b"/>
+                      <a:r>
+                        <a:rPr lang="en-US" sz="1100" b="0" i="0" u="none" strike="noStrike">
+                          <a:solidFill>
+                            <a:srgbClr val="000000"/>
+                          </a:solidFill>
+                          <a:effectLst/>
+                          <a:latin typeface="Batang" panose="02030600000101010101" pitchFamily="18" charset="-127"/>
+                          <a:ea typeface="Batang" panose="02030600000101010101" pitchFamily="18" charset="-127"/>
+                        </a:rPr>
+                        <a:t>TB</a:t>
+                      </a:r>
+                    </a:p>
+                  </a:txBody>
+                  <a:tcPr marL="9525" marR="9525" marT="9525" marB="0" anchor="b"/>
+                </a:tc>
+                <a:tc>
+                  <a:txBody>
+                    <a:bodyPr/>
+                    <a:lstStyle/>
+                    <a:p>
+                      <a:pPr algn="r" fontAlgn="b"/>
+                      <a:r>
+                        <a:rPr lang="en-US" sz="1100" b="0" i="0" u="none" strike="noStrike">
+                          <a:solidFill>
+                            <a:srgbClr val="000000"/>
+                          </a:solidFill>
+                          <a:effectLst/>
+                          <a:latin typeface="Batang" panose="02030600000101010101" pitchFamily="18" charset="-127"/>
+                          <a:ea typeface="Batang" panose="02030600000101010101" pitchFamily="18" charset="-127"/>
+                        </a:rPr>
+                        <a:t>TB</a:t>
+                      </a:r>
+                    </a:p>
+                  </a:txBody>
+                  <a:tcPr marL="9525" marR="9525" marT="9525" marB="0" anchor="b"/>
+                </a:tc>
                 <a:tc>
                   <a:txBody>
                     <a:bodyPr/>
@@ -15242,7 +15177,7 @@
                           <a:latin typeface="Batang" panose="02030600000101010101" pitchFamily="18" charset="-127"/>
                           <a:ea typeface="Batang" panose="02030600000101010101" pitchFamily="18" charset="-127"/>
                         </a:rPr>
-                        <a:t>950</a:t>
+                        <a:t>143.40</a:t>
                       </a:r>
                       <a:endParaRPr lang="en-US" sz="1100" b="0" i="0" u="none" strike="noStrike" dirty="0">
                         <a:solidFill>
@@ -15271,196 +15206,28 @@
                           <a:latin typeface="Batang" panose="02030600000101010101" pitchFamily="18" charset="-127"/>
                           <a:ea typeface="Batang" panose="02030600000101010101" pitchFamily="18" charset="-127"/>
                         </a:rPr>
-                        <a:t>494474</a:t>
-                      </a:r>
-                    </a:p>
-                  </a:txBody>
-                  <a:tcPr marL="9525" marR="9525" marT="9525" marB="0" anchor="b"/>
-                </a:tc>
-                <a:tc>
-                  <a:txBody>
-                    <a:bodyPr/>
-                    <a:lstStyle/>
-                    <a:p>
-                      <a:pPr algn="r" fontAlgn="b"/>
-                      <a:r>
-                        <a:rPr lang="en-US" sz="1100" b="0" i="0" u="none" strike="noStrike">
-                          <a:solidFill>
-                            <a:srgbClr val="000000"/>
-                          </a:solidFill>
-                          <a:effectLst/>
-                          <a:latin typeface="Batang" panose="02030600000101010101" pitchFamily="18" charset="-127"/>
-                          <a:ea typeface="Batang" panose="02030600000101010101" pitchFamily="18" charset="-127"/>
-                        </a:rPr>
-                        <a:t>0.26</a:t>
-                      </a:r>
-                    </a:p>
-                  </a:txBody>
-                  <a:tcPr marL="9525" marR="9525" marT="9525" marB="0" anchor="b"/>
-                </a:tc>
-                <a:tc>
-                  <a:txBody>
-                    <a:bodyPr/>
-                    <a:lstStyle/>
-                    <a:p>
-                      <a:pPr algn="r" fontAlgn="b"/>
-                      <a:r>
-                        <a:rPr lang="en-US" sz="1100" b="0" i="0" u="none" strike="noStrike">
-                          <a:solidFill>
-                            <a:srgbClr val="000000"/>
-                          </a:solidFill>
-                          <a:effectLst/>
-                          <a:latin typeface="Batang" panose="02030600000101010101" pitchFamily="18" charset="-127"/>
-                          <a:ea typeface="Batang" panose="02030600000101010101" pitchFamily="18" charset="-127"/>
-                        </a:rPr>
-                        <a:t>39713</a:t>
-                      </a:r>
-                    </a:p>
-                  </a:txBody>
-                  <a:tcPr marL="9525" marR="9525" marT="9525" marB="0" anchor="b"/>
-                </a:tc>
-                <a:tc>
-                  <a:txBody>
-                    <a:bodyPr/>
-                    <a:lstStyle/>
-                    <a:p>
-                      <a:pPr algn="r" fontAlgn="b"/>
-                      <a:r>
-                        <a:rPr lang="en-US" sz="1100" b="0" i="0" u="none" strike="noStrike" dirty="0">
-                          <a:solidFill>
-                            <a:srgbClr val="000000"/>
-                          </a:solidFill>
-                          <a:effectLst/>
-                          <a:latin typeface="Batang" panose="02030600000101010101" pitchFamily="18" charset="-127"/>
-                          <a:ea typeface="Batang" panose="02030600000101010101" pitchFamily="18" charset="-127"/>
-                        </a:rPr>
-                        <a:t>91.97%</a:t>
-                      </a:r>
-                    </a:p>
-                  </a:txBody>
-                  <a:tcPr marL="9525" marR="9525" marT="9525" marB="0" anchor="b"/>
-                </a:tc>
-                <a:tc>
-                  <a:txBody>
-                    <a:bodyPr/>
-                    <a:lstStyle/>
-                    <a:p>
-                      <a:pPr algn="r" fontAlgn="b"/>
-                      <a:r>
-                        <a:rPr lang="en-US" sz="1100" b="0" i="0" u="none" strike="noStrike" dirty="0">
-                          <a:solidFill>
-                            <a:srgbClr val="000000"/>
-                          </a:solidFill>
-                          <a:effectLst/>
-                          <a:latin typeface="Batang" panose="02030600000101010101" pitchFamily="18" charset="-127"/>
-                          <a:ea typeface="Batang" panose="02030600000101010101" pitchFamily="18" charset="-127"/>
-                        </a:rPr>
-                        <a:t>TB</a:t>
-                      </a:r>
-                    </a:p>
-                  </a:txBody>
-                  <a:tcPr marL="9525" marR="9525" marT="9525" marB="0" anchor="b"/>
-                </a:tc>
-                <a:tc>
-                  <a:txBody>
-                    <a:bodyPr/>
-                    <a:lstStyle/>
-                    <a:p>
-                      <a:pPr algn="r" fontAlgn="b"/>
-                      <a:r>
-                        <a:rPr lang="en-US" sz="1100" b="0" i="0" u="none" strike="noStrike">
-                          <a:solidFill>
-                            <a:srgbClr val="000000"/>
-                          </a:solidFill>
-                          <a:effectLst/>
-                          <a:latin typeface="Batang" panose="02030600000101010101" pitchFamily="18" charset="-127"/>
-                          <a:ea typeface="Batang" panose="02030600000101010101" pitchFamily="18" charset="-127"/>
-                        </a:rPr>
-                        <a:t>TB</a:t>
-                      </a:r>
-                    </a:p>
-                  </a:txBody>
-                  <a:tcPr marL="9525" marR="9525" marT="9525" marB="0" anchor="b"/>
-                </a:tc>
-                <a:tc>
-                  <a:txBody>
-                    <a:bodyPr/>
-                    <a:lstStyle/>
-                    <a:p>
-                      <a:pPr algn="r" fontAlgn="b"/>
-                      <a:r>
-                        <a:rPr lang="en-US" sz="1100" b="0" i="0" u="none" strike="noStrike">
-                          <a:solidFill>
-                            <a:srgbClr val="000000"/>
-                          </a:solidFill>
-                          <a:effectLst/>
-                          <a:latin typeface="Batang" panose="02030600000101010101" pitchFamily="18" charset="-127"/>
-                          <a:ea typeface="Batang" panose="02030600000101010101" pitchFamily="18" charset="-127"/>
-                        </a:rPr>
-                        <a:t>TB</a:t>
-                      </a:r>
-                    </a:p>
-                  </a:txBody>
-                  <a:tcPr marL="9525" marR="9525" marT="9525" marB="0" anchor="b"/>
-                </a:tc>
-                <a:tc>
-                  <a:txBody>
-                    <a:bodyPr/>
-                    <a:lstStyle/>
-                    <a:p>
-                      <a:pPr algn="r" fontAlgn="b"/>
-                      <a:r>
-                        <a:rPr lang="en-US" sz="1100" b="0" i="0" u="none" strike="noStrike">
-                          <a:solidFill>
-                            <a:srgbClr val="000000"/>
-                          </a:solidFill>
-                          <a:effectLst/>
-                          <a:latin typeface="Batang" panose="02030600000101010101" pitchFamily="18" charset="-127"/>
-                          <a:ea typeface="Batang" panose="02030600000101010101" pitchFamily="18" charset="-127"/>
-                        </a:rPr>
-                        <a:t>150.76</a:t>
-                      </a:r>
-                    </a:p>
-                  </a:txBody>
-                  <a:tcPr marL="9525" marR="9525" marT="9525" marB="0" anchor="b"/>
-                </a:tc>
-                <a:tc>
-                  <a:txBody>
-                    <a:bodyPr/>
-                    <a:lstStyle/>
-                    <a:p>
-                      <a:pPr algn="r" fontAlgn="b"/>
-                      <a:r>
-                        <a:rPr lang="en-US" sz="1100" b="0" i="0" u="none" strike="noStrike">
-                          <a:solidFill>
-                            <a:srgbClr val="000000"/>
-                          </a:solidFill>
-                          <a:effectLst/>
-                          <a:latin typeface="Batang" panose="02030600000101010101" pitchFamily="18" charset="-127"/>
-                          <a:ea typeface="Batang" panose="02030600000101010101" pitchFamily="18" charset="-127"/>
-                        </a:rPr>
-                        <a:t>32866</a:t>
-                      </a:r>
-                    </a:p>
-                  </a:txBody>
-                  <a:tcPr marL="9525" marR="9525" marT="9525" marB="0" anchor="b"/>
-                </a:tc>
-                <a:tc>
-                  <a:txBody>
-                    <a:bodyPr/>
-                    <a:lstStyle/>
-                    <a:p>
-                      <a:pPr algn="r" fontAlgn="b"/>
-                      <a:r>
-                        <a:rPr lang="en-US" sz="1100" b="0" i="0" u="none" strike="noStrike">
-                          <a:solidFill>
-                            <a:srgbClr val="000000"/>
-                          </a:solidFill>
-                          <a:effectLst/>
-                          <a:latin typeface="Batang" panose="02030600000101010101" pitchFamily="18" charset="-127"/>
-                          <a:ea typeface="Batang" panose="02030600000101010101" pitchFamily="18" charset="-127"/>
-                        </a:rPr>
-                        <a:t>17.24%</a:t>
+                        <a:t>32014</a:t>
+                      </a:r>
+                    </a:p>
+                  </a:txBody>
+                  <a:tcPr marL="9525" marR="9525" marT="9525" marB="0" anchor="b"/>
+                </a:tc>
+                <a:tc>
+                  <a:txBody>
+                    <a:bodyPr/>
+                    <a:lstStyle/>
+                    <a:p>
+                      <a:pPr algn="r" fontAlgn="b"/>
+                      <a:r>
+                        <a:rPr lang="en-US" sz="1100" b="0" i="0" u="none" strike="noStrike">
+                          <a:solidFill>
+                            <a:srgbClr val="000000"/>
+                          </a:solidFill>
+                          <a:effectLst/>
+                          <a:latin typeface="Batang" panose="02030600000101010101" pitchFamily="18" charset="-127"/>
+                          <a:ea typeface="Batang" panose="02030600000101010101" pitchFamily="18" charset="-127"/>
+                        </a:rPr>
+                        <a:t>16.97%</a:t>
                       </a:r>
                     </a:p>
                   </a:txBody>
@@ -15483,7 +15250,7 @@
                           <a:latin typeface="Batang" panose="02030600000101010101" pitchFamily="18" charset="-127"/>
                           <a:ea typeface="Batang" panose="02030600000101010101" pitchFamily="18" charset="-127"/>
                         </a:rPr>
-                        <a:t>1000</a:t>
+                        <a:t>950</a:t>
                       </a:r>
                       <a:endParaRPr lang="en-US" sz="1100" b="0" i="0" u="none" strike="noStrike" dirty="0">
                         <a:solidFill>
@@ -15504,6 +15271,69 @@
                     <a:p>
                       <a:pPr algn="r" fontAlgn="b"/>
                       <a:r>
+                        <a:rPr lang="en-US" sz="1100" b="0" i="0" u="none" strike="noStrike">
+                          <a:solidFill>
+                            <a:srgbClr val="000000"/>
+                          </a:solidFill>
+                          <a:effectLst/>
+                          <a:latin typeface="Batang" panose="02030600000101010101" pitchFamily="18" charset="-127"/>
+                          <a:ea typeface="Batang" panose="02030600000101010101" pitchFamily="18" charset="-127"/>
+                        </a:rPr>
+                        <a:t>494474</a:t>
+                      </a:r>
+                    </a:p>
+                  </a:txBody>
+                  <a:tcPr marL="9525" marR="9525" marT="9525" marB="0" anchor="b"/>
+                </a:tc>
+                <a:tc>
+                  <a:txBody>
+                    <a:bodyPr/>
+                    <a:lstStyle/>
+                    <a:p>
+                      <a:pPr algn="r" fontAlgn="b"/>
+                      <a:r>
+                        <a:rPr lang="en-US" sz="1100" b="0" i="0" u="none" strike="noStrike">
+                          <a:solidFill>
+                            <a:srgbClr val="000000"/>
+                          </a:solidFill>
+                          <a:effectLst/>
+                          <a:latin typeface="Batang" panose="02030600000101010101" pitchFamily="18" charset="-127"/>
+                          <a:ea typeface="Batang" panose="02030600000101010101" pitchFamily="18" charset="-127"/>
+                        </a:rPr>
+                        <a:t>0.26</a:t>
+                      </a:r>
+                    </a:p>
+                  </a:txBody>
+                  <a:tcPr marL="9525" marR="9525" marT="9525" marB="0" anchor="b"/>
+                </a:tc>
+                <a:tc>
+                  <a:txBody>
+                    <a:bodyPr/>
+                    <a:lstStyle/>
+                    <a:p>
+                      <a:pPr algn="r" fontAlgn="b"/>
+                      <a:r>
+                        <a:rPr lang="en-US" sz="1100" b="0" i="0" u="none" strike="noStrike">
+                          <a:solidFill>
+                            <a:srgbClr val="000000"/>
+                          </a:solidFill>
+                          <a:effectLst/>
+                          <a:latin typeface="Batang" panose="02030600000101010101" pitchFamily="18" charset="-127"/>
+                          <a:ea typeface="Batang" panose="02030600000101010101" pitchFamily="18" charset="-127"/>
+                        </a:rPr>
+                        <a:t>39713</a:t>
+                      </a:r>
+                    </a:p>
+                  </a:txBody>
+                  <a:tcPr marL="9525" marR="9525" marT="9525" marB="0" anchor="b"/>
+                </a:tc>
+                <a:tc>
+                  <a:txBody>
+                    <a:bodyPr/>
+                    <a:lstStyle/>
+                    <a:p>
+                      <a:pPr algn="r" fontAlgn="b"/>
+                      <a:r>
                         <a:rPr lang="en-US" sz="1100" b="0" i="0" u="none" strike="noStrike" dirty="0">
                           <a:solidFill>
                             <a:srgbClr val="000000"/>
@@ -15512,7 +15342,7 @@
                           <a:latin typeface="Batang" panose="02030600000101010101" pitchFamily="18" charset="-127"/>
                           <a:ea typeface="Batang" panose="02030600000101010101" pitchFamily="18" charset="-127"/>
                         </a:rPr>
-                        <a:t>523200</a:t>
+                        <a:t>91.97%</a:t>
                       </a:r>
                     </a:p>
                   </a:txBody>
@@ -15533,69 +15363,6 @@
                           <a:latin typeface="Batang" panose="02030600000101010101" pitchFamily="18" charset="-127"/>
                           <a:ea typeface="Batang" panose="02030600000101010101" pitchFamily="18" charset="-127"/>
                         </a:rPr>
-                        <a:t>0.28</a:t>
-                      </a:r>
-                    </a:p>
-                  </a:txBody>
-                  <a:tcPr marL="9525" marR="9525" marT="9525" marB="0" anchor="b"/>
-                </a:tc>
-                <a:tc>
-                  <a:txBody>
-                    <a:bodyPr/>
-                    <a:lstStyle/>
-                    <a:p>
-                      <a:pPr algn="r" fontAlgn="b"/>
-                      <a:r>
-                        <a:rPr lang="en-US" sz="1100" b="0" i="0" u="none" strike="noStrike">
-                          <a:solidFill>
-                            <a:srgbClr val="000000"/>
-                          </a:solidFill>
-                          <a:effectLst/>
-                          <a:latin typeface="Batang" panose="02030600000101010101" pitchFamily="18" charset="-127"/>
-                          <a:ea typeface="Batang" panose="02030600000101010101" pitchFamily="18" charset="-127"/>
-                        </a:rPr>
-                        <a:t>41493</a:t>
-                      </a:r>
-                    </a:p>
-                  </a:txBody>
-                  <a:tcPr marL="9525" marR="9525" marT="9525" marB="0" anchor="b"/>
-                </a:tc>
-                <a:tc>
-                  <a:txBody>
-                    <a:bodyPr/>
-                    <a:lstStyle/>
-                    <a:p>
-                      <a:pPr algn="r" fontAlgn="b"/>
-                      <a:r>
-                        <a:rPr lang="en-US" sz="1100" b="0" i="0" u="none" strike="noStrike">
-                          <a:solidFill>
-                            <a:srgbClr val="000000"/>
-                          </a:solidFill>
-                          <a:effectLst/>
-                          <a:latin typeface="Batang" panose="02030600000101010101" pitchFamily="18" charset="-127"/>
-                          <a:ea typeface="Batang" panose="02030600000101010101" pitchFamily="18" charset="-127"/>
-                        </a:rPr>
-                        <a:t>92.07%</a:t>
-                      </a:r>
-                    </a:p>
-                  </a:txBody>
-                  <a:tcPr marL="9525" marR="9525" marT="9525" marB="0" anchor="b"/>
-                </a:tc>
-                <a:tc>
-                  <a:txBody>
-                    <a:bodyPr/>
-                    <a:lstStyle/>
-                    <a:p>
-                      <a:pPr algn="r" fontAlgn="b"/>
-                      <a:r>
-                        <a:rPr lang="en-US" sz="1100" b="0" i="0" u="none" strike="noStrike" dirty="0">
-                          <a:solidFill>
-                            <a:srgbClr val="000000"/>
-                          </a:solidFill>
-                          <a:effectLst/>
-                          <a:latin typeface="Batang" panose="02030600000101010101" pitchFamily="18" charset="-127"/>
-                          <a:ea typeface="Batang" panose="02030600000101010101" pitchFamily="18" charset="-127"/>
-                        </a:rPr>
                         <a:t>TB</a:t>
                       </a:r>
                     </a:p>
@@ -15609,7 +15376,7 @@
                     <a:p>
                       <a:pPr algn="r" fontAlgn="b"/>
                       <a:r>
-                        <a:rPr lang="en-US" sz="1100" b="0" i="0" u="none" strike="noStrike" dirty="0">
+                        <a:rPr lang="en-US" sz="1100" b="0" i="0" u="none" strike="noStrike">
                           <a:solidFill>
                             <a:srgbClr val="000000"/>
                           </a:solidFill>
@@ -15659,49 +15426,49 @@
                           <a:latin typeface="Batang" panose="02030600000101010101" pitchFamily="18" charset="-127"/>
                           <a:ea typeface="Batang" panose="02030600000101010101" pitchFamily="18" charset="-127"/>
                         </a:rPr>
-                        <a:t>155.77</a:t>
-                      </a:r>
-                    </a:p>
-                  </a:txBody>
-                  <a:tcPr marL="9525" marR="9525" marT="9525" marB="0" anchor="b"/>
-                </a:tc>
-                <a:tc>
-                  <a:txBody>
-                    <a:bodyPr/>
-                    <a:lstStyle/>
-                    <a:p>
-                      <a:pPr algn="r" fontAlgn="b"/>
-                      <a:r>
-                        <a:rPr lang="en-US" sz="1100" b="0" i="0" u="none" strike="noStrike">
-                          <a:solidFill>
-                            <a:srgbClr val="000000"/>
-                          </a:solidFill>
-                          <a:effectLst/>
-                          <a:latin typeface="Batang" panose="02030600000101010101" pitchFamily="18" charset="-127"/>
-                          <a:ea typeface="Batang" panose="02030600000101010101" pitchFamily="18" charset="-127"/>
-                        </a:rPr>
-                        <a:t>34495</a:t>
-                      </a:r>
-                    </a:p>
-                  </a:txBody>
-                  <a:tcPr marL="9525" marR="9525" marT="9525" marB="0" anchor="b"/>
-                </a:tc>
-                <a:tc>
-                  <a:txBody>
-                    <a:bodyPr/>
-                    <a:lstStyle/>
-                    <a:p>
-                      <a:pPr algn="r" fontAlgn="b"/>
-                      <a:r>
-                        <a:rPr lang="en-US" sz="1100" b="0" i="0" u="none" strike="noStrike" dirty="0">
-                          <a:solidFill>
-                            <a:srgbClr val="000000"/>
-                          </a:solidFill>
-                          <a:effectLst/>
-                          <a:latin typeface="Batang" panose="02030600000101010101" pitchFamily="18" charset="-127"/>
-                          <a:ea typeface="Batang" panose="02030600000101010101" pitchFamily="18" charset="-127"/>
-                        </a:rPr>
-                        <a:t>16.87%</a:t>
+                        <a:t>150.76</a:t>
+                      </a:r>
+                    </a:p>
+                  </a:txBody>
+                  <a:tcPr marL="9525" marR="9525" marT="9525" marB="0" anchor="b"/>
+                </a:tc>
+                <a:tc>
+                  <a:txBody>
+                    <a:bodyPr/>
+                    <a:lstStyle/>
+                    <a:p>
+                      <a:pPr algn="r" fontAlgn="b"/>
+                      <a:r>
+                        <a:rPr lang="en-US" sz="1100" b="0" i="0" u="none" strike="noStrike">
+                          <a:solidFill>
+                            <a:srgbClr val="000000"/>
+                          </a:solidFill>
+                          <a:effectLst/>
+                          <a:latin typeface="Batang" panose="02030600000101010101" pitchFamily="18" charset="-127"/>
+                          <a:ea typeface="Batang" panose="02030600000101010101" pitchFamily="18" charset="-127"/>
+                        </a:rPr>
+                        <a:t>32866</a:t>
+                      </a:r>
+                    </a:p>
+                  </a:txBody>
+                  <a:tcPr marL="9525" marR="9525" marT="9525" marB="0" anchor="b"/>
+                </a:tc>
+                <a:tc>
+                  <a:txBody>
+                    <a:bodyPr/>
+                    <a:lstStyle/>
+                    <a:p>
+                      <a:pPr algn="r" fontAlgn="b"/>
+                      <a:r>
+                        <a:rPr lang="en-US" sz="1100" b="0" i="0" u="none" strike="noStrike">
+                          <a:solidFill>
+                            <a:srgbClr val="000000"/>
+                          </a:solidFill>
+                          <a:effectLst/>
+                          <a:latin typeface="Batang" panose="02030600000101010101" pitchFamily="18" charset="-127"/>
+                          <a:ea typeface="Batang" panose="02030600000101010101" pitchFamily="18" charset="-127"/>
+                        </a:rPr>
+                        <a:t>17.24%</a:t>
                       </a:r>
                     </a:p>
                   </a:txBody>
@@ -15724,7 +15491,7 @@
                           <a:latin typeface="Batang" panose="02030600000101010101" pitchFamily="18" charset="-127"/>
                           <a:ea typeface="Batang" panose="02030600000101010101" pitchFamily="18" charset="-127"/>
                         </a:rPr>
-                        <a:t>1200</a:t>
+                        <a:t>1000</a:t>
                       </a:r>
                       <a:endParaRPr lang="en-US" sz="1100" b="0" i="0" u="none" strike="noStrike" dirty="0">
                         <a:solidFill>
@@ -15745,27 +15512,6 @@
                     <a:p>
                       <a:pPr algn="r" fontAlgn="b"/>
                       <a:r>
-                        <a:rPr lang="en-US" sz="1100" b="0" i="0" u="none" strike="noStrike">
-                          <a:solidFill>
-                            <a:srgbClr val="000000"/>
-                          </a:solidFill>
-                          <a:effectLst/>
-                          <a:latin typeface="Batang" panose="02030600000101010101" pitchFamily="18" charset="-127"/>
-                          <a:ea typeface="Batang" panose="02030600000101010101" pitchFamily="18" charset="-127"/>
-                        </a:rPr>
-                        <a:t>631316</a:t>
-                      </a:r>
-                    </a:p>
-                  </a:txBody>
-                  <a:tcPr marL="9525" marR="9525" marT="9525" marB="0" anchor="b"/>
-                </a:tc>
-                <a:tc>
-                  <a:txBody>
-                    <a:bodyPr/>
-                    <a:lstStyle/>
-                    <a:p>
-                      <a:pPr algn="r" fontAlgn="b"/>
-                      <a:r>
                         <a:rPr lang="en-US" sz="1100" b="0" i="0" u="none" strike="noStrike" dirty="0">
                           <a:solidFill>
                             <a:srgbClr val="000000"/>
@@ -15774,7 +15520,7 @@
                           <a:latin typeface="Batang" panose="02030600000101010101" pitchFamily="18" charset="-127"/>
                           <a:ea typeface="Batang" panose="02030600000101010101" pitchFamily="18" charset="-127"/>
                         </a:rPr>
-                        <a:t>0.42</a:t>
+                        <a:t>523200</a:t>
                       </a:r>
                     </a:p>
                   </a:txBody>
@@ -15795,7 +15541,49 @@
                           <a:latin typeface="Batang" panose="02030600000101010101" pitchFamily="18" charset="-127"/>
                           <a:ea typeface="Batang" panose="02030600000101010101" pitchFamily="18" charset="-127"/>
                         </a:rPr>
-                        <a:t>45964</a:t>
+                        <a:t>0.28</a:t>
+                      </a:r>
+                    </a:p>
+                  </a:txBody>
+                  <a:tcPr marL="9525" marR="9525" marT="9525" marB="0" anchor="b"/>
+                </a:tc>
+                <a:tc>
+                  <a:txBody>
+                    <a:bodyPr/>
+                    <a:lstStyle/>
+                    <a:p>
+                      <a:pPr algn="r" fontAlgn="b"/>
+                      <a:r>
+                        <a:rPr lang="en-US" sz="1100" b="0" i="0" u="none" strike="noStrike">
+                          <a:solidFill>
+                            <a:srgbClr val="000000"/>
+                          </a:solidFill>
+                          <a:effectLst/>
+                          <a:latin typeface="Batang" panose="02030600000101010101" pitchFamily="18" charset="-127"/>
+                          <a:ea typeface="Batang" panose="02030600000101010101" pitchFamily="18" charset="-127"/>
+                        </a:rPr>
+                        <a:t>41493</a:t>
+                      </a:r>
+                    </a:p>
+                  </a:txBody>
+                  <a:tcPr marL="9525" marR="9525" marT="9525" marB="0" anchor="b"/>
+                </a:tc>
+                <a:tc>
+                  <a:txBody>
+                    <a:bodyPr/>
+                    <a:lstStyle/>
+                    <a:p>
+                      <a:pPr algn="r" fontAlgn="b"/>
+                      <a:r>
+                        <a:rPr lang="en-US" sz="1100" b="0" i="0" u="none" strike="noStrike">
+                          <a:solidFill>
+                            <a:srgbClr val="000000"/>
+                          </a:solidFill>
+                          <a:effectLst/>
+                          <a:latin typeface="Batang" panose="02030600000101010101" pitchFamily="18" charset="-127"/>
+                          <a:ea typeface="Batang" panose="02030600000101010101" pitchFamily="18" charset="-127"/>
+                        </a:rPr>
+                        <a:t>92.07%</a:t>
                       </a:r>
                     </a:p>
                   </a:txBody>
@@ -15816,7 +15604,7 @@
                           <a:latin typeface="Batang" panose="02030600000101010101" pitchFamily="18" charset="-127"/>
                           <a:ea typeface="Batang" panose="02030600000101010101" pitchFamily="18" charset="-127"/>
                         </a:rPr>
-                        <a:t>92.72%</a:t>
+                        <a:t>TB</a:t>
                       </a:r>
                     </a:p>
                   </a:txBody>
@@ -15850,6 +15638,69 @@
                     <a:p>
                       <a:pPr algn="r" fontAlgn="b"/>
                       <a:r>
+                        <a:rPr lang="en-US" sz="1100" b="0" i="0" u="none" strike="noStrike">
+                          <a:solidFill>
+                            <a:srgbClr val="000000"/>
+                          </a:solidFill>
+                          <a:effectLst/>
+                          <a:latin typeface="Batang" panose="02030600000101010101" pitchFamily="18" charset="-127"/>
+                          <a:ea typeface="Batang" panose="02030600000101010101" pitchFamily="18" charset="-127"/>
+                        </a:rPr>
+                        <a:t>TB</a:t>
+                      </a:r>
+                    </a:p>
+                  </a:txBody>
+                  <a:tcPr marL="9525" marR="9525" marT="9525" marB="0" anchor="b"/>
+                </a:tc>
+                <a:tc>
+                  <a:txBody>
+                    <a:bodyPr/>
+                    <a:lstStyle/>
+                    <a:p>
+                      <a:pPr algn="r" fontAlgn="b"/>
+                      <a:r>
+                        <a:rPr lang="en-US" sz="1100" b="0" i="0" u="none" strike="noStrike">
+                          <a:solidFill>
+                            <a:srgbClr val="000000"/>
+                          </a:solidFill>
+                          <a:effectLst/>
+                          <a:latin typeface="Batang" panose="02030600000101010101" pitchFamily="18" charset="-127"/>
+                          <a:ea typeface="Batang" panose="02030600000101010101" pitchFamily="18" charset="-127"/>
+                        </a:rPr>
+                        <a:t>155.77</a:t>
+                      </a:r>
+                    </a:p>
+                  </a:txBody>
+                  <a:tcPr marL="9525" marR="9525" marT="9525" marB="0" anchor="b"/>
+                </a:tc>
+                <a:tc>
+                  <a:txBody>
+                    <a:bodyPr/>
+                    <a:lstStyle/>
+                    <a:p>
+                      <a:pPr algn="r" fontAlgn="b"/>
+                      <a:r>
+                        <a:rPr lang="en-US" sz="1100" b="0" i="0" u="none" strike="noStrike">
+                          <a:solidFill>
+                            <a:srgbClr val="000000"/>
+                          </a:solidFill>
+                          <a:effectLst/>
+                          <a:latin typeface="Batang" panose="02030600000101010101" pitchFamily="18" charset="-127"/>
+                          <a:ea typeface="Batang" panose="02030600000101010101" pitchFamily="18" charset="-127"/>
+                        </a:rPr>
+                        <a:t>34495</a:t>
+                      </a:r>
+                    </a:p>
+                  </a:txBody>
+                  <a:tcPr marL="9525" marR="9525" marT="9525" marB="0" anchor="b"/>
+                </a:tc>
+                <a:tc>
+                  <a:txBody>
+                    <a:bodyPr/>
+                    <a:lstStyle/>
+                    <a:p>
+                      <a:pPr algn="r" fontAlgn="b"/>
+                      <a:r>
                         <a:rPr lang="en-US" sz="1100" b="0" i="0" u="none" strike="noStrike" dirty="0">
                           <a:solidFill>
                             <a:srgbClr val="000000"/>
@@ -15858,91 +15709,7 @@
                           <a:latin typeface="Batang" panose="02030600000101010101" pitchFamily="18" charset="-127"/>
                           <a:ea typeface="Batang" panose="02030600000101010101" pitchFamily="18" charset="-127"/>
                         </a:rPr>
-                        <a:t>TB</a:t>
-                      </a:r>
-                    </a:p>
-                  </a:txBody>
-                  <a:tcPr marL="9525" marR="9525" marT="9525" marB="0" anchor="b"/>
-                </a:tc>
-                <a:tc>
-                  <a:txBody>
-                    <a:bodyPr/>
-                    <a:lstStyle/>
-                    <a:p>
-                      <a:pPr algn="r" fontAlgn="b"/>
-                      <a:r>
-                        <a:rPr lang="en-US" sz="1100" b="0" i="0" u="none" strike="noStrike" dirty="0">
-                          <a:solidFill>
-                            <a:srgbClr val="000000"/>
-                          </a:solidFill>
-                          <a:effectLst/>
-                          <a:latin typeface="Batang" panose="02030600000101010101" pitchFamily="18" charset="-127"/>
-                          <a:ea typeface="Batang" panose="02030600000101010101" pitchFamily="18" charset="-127"/>
-                        </a:rPr>
-                        <a:t>TB</a:t>
-                      </a:r>
-                    </a:p>
-                  </a:txBody>
-                  <a:tcPr marL="9525" marR="9525" marT="9525" marB="0" anchor="b"/>
-                </a:tc>
-                <a:tc>
-                  <a:txBody>
-                    <a:bodyPr/>
-                    <a:lstStyle/>
-                    <a:p>
-                      <a:pPr algn="r" fontAlgn="b"/>
-                      <a:r>
-                        <a:rPr lang="en-US" sz="1100" b="0" i="0" u="none" strike="noStrike" dirty="0">
-                          <a:solidFill>
-                            <a:srgbClr val="000000"/>
-                          </a:solidFill>
-                          <a:effectLst/>
-                          <a:latin typeface="Batang" panose="02030600000101010101" pitchFamily="18" charset="-127"/>
-                          <a:ea typeface="Batang" panose="02030600000101010101" pitchFamily="18" charset="-127"/>
-                        </a:rPr>
-                        <a:t>217.05</a:t>
-                      </a:r>
-                    </a:p>
-                  </a:txBody>
-                  <a:tcPr marL="9525" marR="9525" marT="9525" marB="0" anchor="b"/>
-                </a:tc>
-                <a:tc>
-                  <a:txBody>
-                    <a:bodyPr/>
-                    <a:lstStyle/>
-                    <a:p>
-                      <a:pPr algn="r" fontAlgn="b"/>
-                      <a:r>
-                        <a:rPr lang="en-US" sz="1100" b="0" i="0" u="none" strike="noStrike" dirty="0">
-                          <a:solidFill>
-                            <a:srgbClr val="000000"/>
-                          </a:solidFill>
-                          <a:effectLst/>
-                          <a:latin typeface="Batang" panose="02030600000101010101" pitchFamily="18" charset="-127"/>
-                          <a:ea typeface="Batang" panose="02030600000101010101" pitchFamily="18" charset="-127"/>
-                        </a:rPr>
-                        <a:t>38368</a:t>
-                      </a:r>
-                    </a:p>
-                  </a:txBody>
-                  <a:tcPr marL="9525" marR="9525" marT="9525" marB="0" anchor="b"/>
-                </a:tc>
-                <a:tc>
-                  <a:txBody>
-                    <a:bodyPr/>
-                    <a:lstStyle/>
-                    <a:p>
-                      <a:pPr algn="r" fontAlgn="b"/>
-                      <a:r>
-                        <a:rPr lang="en-US" sz="1100" b="0" i="0" u="none" strike="noStrike" dirty="0">
-                          <a:solidFill>
-                            <a:srgbClr val="000000"/>
-                          </a:solidFill>
-                          <a:effectLst/>
-                          <a:latin typeface="Batang" panose="02030600000101010101" pitchFamily="18" charset="-127"/>
-                          <a:ea typeface="Batang" panose="02030600000101010101" pitchFamily="18" charset="-127"/>
-                        </a:rPr>
-                        <a:t>16.53%</a:t>
+                        <a:t>16.87%</a:t>
                       </a:r>
                     </a:p>
                   </a:txBody>
@@ -15965,7 +15732,7 @@
                           <a:latin typeface="Batang" panose="02030600000101010101" pitchFamily="18" charset="-127"/>
                           <a:ea typeface="Batang" panose="02030600000101010101" pitchFamily="18" charset="-127"/>
                         </a:rPr>
-                        <a:t>1400</a:t>
+                        <a:t>1200</a:t>
                       </a:r>
                       <a:endParaRPr lang="en-US" sz="1100" b="0" i="0" u="none" strike="noStrike" dirty="0">
                         <a:solidFill>
@@ -15985,6 +15752,247 @@
                     <a:lstStyle/>
                     <a:p>
                       <a:pPr algn="r" fontAlgn="b"/>
+                      <a:r>
+                        <a:rPr lang="en-US" sz="1100" b="0" i="0" u="none" strike="noStrike">
+                          <a:solidFill>
+                            <a:srgbClr val="000000"/>
+                          </a:solidFill>
+                          <a:effectLst/>
+                          <a:latin typeface="Batang" panose="02030600000101010101" pitchFamily="18" charset="-127"/>
+                          <a:ea typeface="Batang" panose="02030600000101010101" pitchFamily="18" charset="-127"/>
+                        </a:rPr>
+                        <a:t>631316</a:t>
+                      </a:r>
+                    </a:p>
+                  </a:txBody>
+                  <a:tcPr marL="9525" marR="9525" marT="9525" marB="0" anchor="b"/>
+                </a:tc>
+                <a:tc>
+                  <a:txBody>
+                    <a:bodyPr/>
+                    <a:lstStyle/>
+                    <a:p>
+                      <a:pPr algn="r" fontAlgn="b"/>
+                      <a:r>
+                        <a:rPr lang="en-US" sz="1100" b="0" i="0" u="none" strike="noStrike" dirty="0">
+                          <a:solidFill>
+                            <a:srgbClr val="000000"/>
+                          </a:solidFill>
+                          <a:effectLst/>
+                          <a:latin typeface="Batang" panose="02030600000101010101" pitchFamily="18" charset="-127"/>
+                          <a:ea typeface="Batang" panose="02030600000101010101" pitchFamily="18" charset="-127"/>
+                        </a:rPr>
+                        <a:t>0.42</a:t>
+                      </a:r>
+                    </a:p>
+                  </a:txBody>
+                  <a:tcPr marL="9525" marR="9525" marT="9525" marB="0" anchor="b"/>
+                </a:tc>
+                <a:tc>
+                  <a:txBody>
+                    <a:bodyPr/>
+                    <a:lstStyle/>
+                    <a:p>
+                      <a:pPr algn="r" fontAlgn="b"/>
+                      <a:r>
+                        <a:rPr lang="en-US" sz="1100" b="0" i="0" u="none" strike="noStrike" dirty="0">
+                          <a:solidFill>
+                            <a:srgbClr val="000000"/>
+                          </a:solidFill>
+                          <a:effectLst/>
+                          <a:latin typeface="Batang" panose="02030600000101010101" pitchFamily="18" charset="-127"/>
+                          <a:ea typeface="Batang" panose="02030600000101010101" pitchFamily="18" charset="-127"/>
+                        </a:rPr>
+                        <a:t>45964</a:t>
+                      </a:r>
+                    </a:p>
+                  </a:txBody>
+                  <a:tcPr marL="9525" marR="9525" marT="9525" marB="0" anchor="b"/>
+                </a:tc>
+                <a:tc>
+                  <a:txBody>
+                    <a:bodyPr/>
+                    <a:lstStyle/>
+                    <a:p>
+                      <a:pPr algn="r" fontAlgn="b"/>
+                      <a:r>
+                        <a:rPr lang="en-US" sz="1100" b="0" i="0" u="none" strike="noStrike" dirty="0">
+                          <a:solidFill>
+                            <a:srgbClr val="000000"/>
+                          </a:solidFill>
+                          <a:effectLst/>
+                          <a:latin typeface="Batang" panose="02030600000101010101" pitchFamily="18" charset="-127"/>
+                          <a:ea typeface="Batang" panose="02030600000101010101" pitchFamily="18" charset="-127"/>
+                        </a:rPr>
+                        <a:t>92.72%</a:t>
+                      </a:r>
+                    </a:p>
+                  </a:txBody>
+                  <a:tcPr marL="9525" marR="9525" marT="9525" marB="0" anchor="b"/>
+                </a:tc>
+                <a:tc>
+                  <a:txBody>
+                    <a:bodyPr/>
+                    <a:lstStyle/>
+                    <a:p>
+                      <a:pPr algn="r" fontAlgn="b"/>
+                      <a:r>
+                        <a:rPr lang="en-US" sz="1100" b="0" i="0" u="none" strike="noStrike" dirty="0">
+                          <a:solidFill>
+                            <a:srgbClr val="000000"/>
+                          </a:solidFill>
+                          <a:effectLst/>
+                          <a:latin typeface="Batang" panose="02030600000101010101" pitchFamily="18" charset="-127"/>
+                          <a:ea typeface="Batang" panose="02030600000101010101" pitchFamily="18" charset="-127"/>
+                        </a:rPr>
+                        <a:t>TB</a:t>
+                      </a:r>
+                    </a:p>
+                  </a:txBody>
+                  <a:tcPr marL="9525" marR="9525" marT="9525" marB="0" anchor="b"/>
+                </a:tc>
+                <a:tc>
+                  <a:txBody>
+                    <a:bodyPr/>
+                    <a:lstStyle/>
+                    <a:p>
+                      <a:pPr algn="r" fontAlgn="b"/>
+                      <a:r>
+                        <a:rPr lang="en-US" sz="1100" b="0" i="0" u="none" strike="noStrike" dirty="0">
+                          <a:solidFill>
+                            <a:srgbClr val="000000"/>
+                          </a:solidFill>
+                          <a:effectLst/>
+                          <a:latin typeface="Batang" panose="02030600000101010101" pitchFamily="18" charset="-127"/>
+                          <a:ea typeface="Batang" panose="02030600000101010101" pitchFamily="18" charset="-127"/>
+                        </a:rPr>
+                        <a:t>TB</a:t>
+                      </a:r>
+                    </a:p>
+                  </a:txBody>
+                  <a:tcPr marL="9525" marR="9525" marT="9525" marB="0" anchor="b"/>
+                </a:tc>
+                <a:tc>
+                  <a:txBody>
+                    <a:bodyPr/>
+                    <a:lstStyle/>
+                    <a:p>
+                      <a:pPr algn="r" fontAlgn="b"/>
+                      <a:r>
+                        <a:rPr lang="en-US" sz="1100" b="0" i="0" u="none" strike="noStrike" dirty="0">
+                          <a:solidFill>
+                            <a:srgbClr val="000000"/>
+                          </a:solidFill>
+                          <a:effectLst/>
+                          <a:latin typeface="Batang" panose="02030600000101010101" pitchFamily="18" charset="-127"/>
+                          <a:ea typeface="Batang" panose="02030600000101010101" pitchFamily="18" charset="-127"/>
+                        </a:rPr>
+                        <a:t>TB</a:t>
+                      </a:r>
+                    </a:p>
+                  </a:txBody>
+                  <a:tcPr marL="9525" marR="9525" marT="9525" marB="0" anchor="b"/>
+                </a:tc>
+                <a:tc>
+                  <a:txBody>
+                    <a:bodyPr/>
+                    <a:lstStyle/>
+                    <a:p>
+                      <a:pPr algn="r" fontAlgn="b"/>
+                      <a:r>
+                        <a:rPr lang="en-US" sz="1100" b="0" i="0" u="none" strike="noStrike" dirty="0">
+                          <a:solidFill>
+                            <a:srgbClr val="000000"/>
+                          </a:solidFill>
+                          <a:effectLst/>
+                          <a:latin typeface="Batang" panose="02030600000101010101" pitchFamily="18" charset="-127"/>
+                          <a:ea typeface="Batang" panose="02030600000101010101" pitchFamily="18" charset="-127"/>
+                        </a:rPr>
+                        <a:t>217.05</a:t>
+                      </a:r>
+                    </a:p>
+                  </a:txBody>
+                  <a:tcPr marL="9525" marR="9525" marT="9525" marB="0" anchor="b"/>
+                </a:tc>
+                <a:tc>
+                  <a:txBody>
+                    <a:bodyPr/>
+                    <a:lstStyle/>
+                    <a:p>
+                      <a:pPr algn="r" fontAlgn="b"/>
+                      <a:r>
+                        <a:rPr lang="en-US" sz="1100" b="0" i="0" u="none" strike="noStrike" dirty="0">
+                          <a:solidFill>
+                            <a:srgbClr val="000000"/>
+                          </a:solidFill>
+                          <a:effectLst/>
+                          <a:latin typeface="Batang" panose="02030600000101010101" pitchFamily="18" charset="-127"/>
+                          <a:ea typeface="Batang" panose="02030600000101010101" pitchFamily="18" charset="-127"/>
+                        </a:rPr>
+                        <a:t>38368</a:t>
+                      </a:r>
+                    </a:p>
+                  </a:txBody>
+                  <a:tcPr marL="9525" marR="9525" marT="9525" marB="0" anchor="b"/>
+                </a:tc>
+                <a:tc>
+                  <a:txBody>
+                    <a:bodyPr/>
+                    <a:lstStyle/>
+                    <a:p>
+                      <a:pPr algn="r" fontAlgn="b"/>
+                      <a:r>
+                        <a:rPr lang="en-US" sz="1100" b="0" i="0" u="none" strike="noStrike" dirty="0">
+                          <a:solidFill>
+                            <a:srgbClr val="000000"/>
+                          </a:solidFill>
+                          <a:effectLst/>
+                          <a:latin typeface="Batang" panose="02030600000101010101" pitchFamily="18" charset="-127"/>
+                          <a:ea typeface="Batang" panose="02030600000101010101" pitchFamily="18" charset="-127"/>
+                        </a:rPr>
+                        <a:t>16.53%</a:t>
+                      </a:r>
+                    </a:p>
+                  </a:txBody>
+                  <a:tcPr marL="9525" marR="9525" marT="9525" marB="0" anchor="b"/>
+                </a:tc>
+              </a:tr>
+              <a:tr h="370840">
+                <a:tc>
+                  <a:txBody>
+                    <a:bodyPr/>
+                    <a:lstStyle/>
+                    <a:p>
+                      <a:pPr algn="r" fontAlgn="b"/>
+                      <a:r>
+                        <a:rPr lang="en-US" sz="1100" b="0" i="0" u="none" strike="noStrike" dirty="0" smtClean="0">
+                          <a:solidFill>
+                            <a:srgbClr val="000000"/>
+                          </a:solidFill>
+                          <a:effectLst/>
+                          <a:latin typeface="Batang" panose="02030600000101010101" pitchFamily="18" charset="-127"/>
+                          <a:ea typeface="Batang" panose="02030600000101010101" pitchFamily="18" charset="-127"/>
+                        </a:rPr>
+                        <a:t>1400</a:t>
+                      </a:r>
+                      <a:endParaRPr lang="en-US" sz="1100" b="0" i="0" u="none" strike="noStrike" dirty="0">
+                        <a:solidFill>
+                          <a:srgbClr val="000000"/>
+                        </a:solidFill>
+                        <a:effectLst/>
+                        <a:latin typeface="Batang" panose="02030600000101010101" pitchFamily="18" charset="-127"/>
+                        <a:ea typeface="Batang" panose="02030600000101010101" pitchFamily="18" charset="-127"/>
+                      </a:endParaRPr>
+                    </a:p>
+                  </a:txBody>
+                  <a:tcPr marL="9525" marR="9525" marT="9525" marB="0" anchor="b"/>
+                </a:tc>
+                <a:tc>
+                  <a:txBody>
+                    <a:bodyPr/>
+                    <a:lstStyle/>
+                    <a:p>
+                      <a:pPr algn="r" fontAlgn="b"/>
                       <a:endParaRPr lang="en-US" sz="1100" b="0" i="0" u="none" strike="noStrike">
                         <a:solidFill>
                           <a:srgbClr val="000000"/>
@@ -16196,176 +16204,206 @@
                     <a:lstStyle/>
                     <a:p>
                       <a:pPr algn="r" fontAlgn="b"/>
-                      <a:endParaRPr lang="en-US" sz="1100" b="0" i="0" u="none" strike="noStrike">
-                        <a:solidFill>
-                          <a:srgbClr val="000000"/>
-                        </a:solidFill>
-                        <a:effectLst/>
-                        <a:latin typeface="Batang" panose="02030600000101010101" pitchFamily="18" charset="-127"/>
-                        <a:ea typeface="Batang" panose="02030600000101010101" pitchFamily="18" charset="-127"/>
-                      </a:endParaRPr>
-                    </a:p>
-                  </a:txBody>
-                  <a:tcPr marL="9525" marR="9525" marT="9525" marB="0" anchor="b"/>
-                </a:tc>
-                <a:tc>
-                  <a:txBody>
-                    <a:bodyPr/>
-                    <a:lstStyle/>
-                    <a:p>
-                      <a:pPr algn="r" fontAlgn="b"/>
-                      <a:endParaRPr lang="en-US" sz="1100" b="0" i="0" u="none" strike="noStrike">
-                        <a:solidFill>
-                          <a:srgbClr val="000000"/>
-                        </a:solidFill>
-                        <a:effectLst/>
-                        <a:latin typeface="Batang" panose="02030600000101010101" pitchFamily="18" charset="-127"/>
-                        <a:ea typeface="Batang" panose="02030600000101010101" pitchFamily="18" charset="-127"/>
-                      </a:endParaRPr>
-                    </a:p>
-                  </a:txBody>
-                  <a:tcPr marL="9525" marR="9525" marT="9525" marB="0" anchor="b"/>
-                </a:tc>
-                <a:tc>
-                  <a:txBody>
-                    <a:bodyPr/>
-                    <a:lstStyle/>
-                    <a:p>
-                      <a:pPr algn="r" fontAlgn="b"/>
-                      <a:endParaRPr lang="en-US" sz="1100" b="0" i="0" u="none" strike="noStrike">
-                        <a:solidFill>
-                          <a:srgbClr val="000000"/>
-                        </a:solidFill>
-                        <a:effectLst/>
-                        <a:latin typeface="Batang" panose="02030600000101010101" pitchFamily="18" charset="-127"/>
-                        <a:ea typeface="Batang" panose="02030600000101010101" pitchFamily="18" charset="-127"/>
-                      </a:endParaRPr>
-                    </a:p>
-                  </a:txBody>
-                  <a:tcPr marL="9525" marR="9525" marT="9525" marB="0" anchor="b"/>
-                </a:tc>
-                <a:tc>
-                  <a:txBody>
-                    <a:bodyPr/>
-                    <a:lstStyle/>
-                    <a:p>
-                      <a:pPr algn="r" fontAlgn="b"/>
-                      <a:endParaRPr lang="en-US" sz="1100" b="0" i="0" u="none" strike="noStrike" dirty="0">
-                        <a:solidFill>
-                          <a:srgbClr val="000000"/>
-                        </a:solidFill>
-                        <a:effectLst/>
-                        <a:latin typeface="Batang" panose="02030600000101010101" pitchFamily="18" charset="-127"/>
-                        <a:ea typeface="Batang" panose="02030600000101010101" pitchFamily="18" charset="-127"/>
-                      </a:endParaRPr>
-                    </a:p>
-                  </a:txBody>
-                  <a:tcPr marL="9525" marR="9525" marT="9525" marB="0" anchor="b"/>
-                </a:tc>
-                <a:tc>
-                  <a:txBody>
-                    <a:bodyPr/>
-                    <a:lstStyle/>
-                    <a:p>
-                      <a:pPr algn="r" fontAlgn="b"/>
-                      <a:endParaRPr lang="en-US" sz="1100" b="0" i="0" u="none" strike="noStrike" dirty="0">
-                        <a:solidFill>
-                          <a:srgbClr val="000000"/>
-                        </a:solidFill>
-                        <a:effectLst/>
-                        <a:latin typeface="Batang" panose="02030600000101010101" pitchFamily="18" charset="-127"/>
-                        <a:ea typeface="Batang" panose="02030600000101010101" pitchFamily="18" charset="-127"/>
-                      </a:endParaRPr>
-                    </a:p>
-                  </a:txBody>
-                  <a:tcPr marL="9525" marR="9525" marT="9525" marB="0" anchor="b"/>
-                </a:tc>
-                <a:tc>
-                  <a:txBody>
-                    <a:bodyPr/>
-                    <a:lstStyle/>
-                    <a:p>
-                      <a:pPr algn="r" fontAlgn="b"/>
-                      <a:endParaRPr lang="en-US" sz="1100" b="0" i="0" u="none" strike="noStrike" dirty="0">
-                        <a:solidFill>
-                          <a:srgbClr val="000000"/>
-                        </a:solidFill>
-                        <a:effectLst/>
-                        <a:latin typeface="Batang" panose="02030600000101010101" pitchFamily="18" charset="-127"/>
-                        <a:ea typeface="Batang" panose="02030600000101010101" pitchFamily="18" charset="-127"/>
-                      </a:endParaRPr>
-                    </a:p>
-                  </a:txBody>
-                  <a:tcPr marL="9525" marR="9525" marT="9525" marB="0" anchor="b"/>
-                </a:tc>
-                <a:tc>
-                  <a:txBody>
-                    <a:bodyPr/>
-                    <a:lstStyle/>
-                    <a:p>
-                      <a:pPr algn="r" fontAlgn="b"/>
-                      <a:endParaRPr lang="en-US" sz="1100" b="0" i="0" u="none" strike="noStrike" dirty="0">
-                        <a:solidFill>
-                          <a:srgbClr val="000000"/>
-                        </a:solidFill>
-                        <a:effectLst/>
-                        <a:latin typeface="Batang" panose="02030600000101010101" pitchFamily="18" charset="-127"/>
-                        <a:ea typeface="Batang" panose="02030600000101010101" pitchFamily="18" charset="-127"/>
-                      </a:endParaRPr>
-                    </a:p>
-                  </a:txBody>
-                  <a:tcPr marL="9525" marR="9525" marT="9525" marB="0" anchor="b"/>
-                </a:tc>
-                <a:tc>
-                  <a:txBody>
-                    <a:bodyPr/>
-                    <a:lstStyle/>
-                    <a:p>
-                      <a:pPr algn="r" fontAlgn="b"/>
-                      <a:endParaRPr lang="en-US" sz="1100" b="0" i="0" u="none" strike="noStrike" dirty="0">
-                        <a:solidFill>
-                          <a:srgbClr val="000000"/>
-                        </a:solidFill>
-                        <a:effectLst/>
-                        <a:latin typeface="Batang" panose="02030600000101010101" pitchFamily="18" charset="-127"/>
-                        <a:ea typeface="Batang" panose="02030600000101010101" pitchFamily="18" charset="-127"/>
-                      </a:endParaRPr>
-                    </a:p>
-                  </a:txBody>
-                  <a:tcPr marL="9525" marR="9525" marT="9525" marB="0" anchor="b"/>
-                </a:tc>
-                <a:tc>
-                  <a:txBody>
-                    <a:bodyPr/>
-                    <a:lstStyle/>
-                    <a:p>
-                      <a:pPr algn="r" fontAlgn="b"/>
-                      <a:endParaRPr lang="en-US" sz="1100" b="0" i="0" u="none" strike="noStrike" dirty="0">
-                        <a:solidFill>
-                          <a:srgbClr val="000000"/>
-                        </a:solidFill>
-                        <a:effectLst/>
-                        <a:latin typeface="Batang" panose="02030600000101010101" pitchFamily="18" charset="-127"/>
-                        <a:ea typeface="Batang" panose="02030600000101010101" pitchFamily="18" charset="-127"/>
-                      </a:endParaRPr>
-                    </a:p>
-                  </a:txBody>
-                  <a:tcPr marL="9525" marR="9525" marT="9525" marB="0" anchor="b"/>
-                </a:tc>
-                <a:tc>
-                  <a:txBody>
-                    <a:bodyPr/>
-                    <a:lstStyle/>
-                    <a:p>
-                      <a:pPr algn="r" fontAlgn="b"/>
-                      <a:endParaRPr lang="en-US" sz="1100" b="0" i="0" u="none" strike="noStrike" dirty="0">
-                        <a:solidFill>
-                          <a:srgbClr val="000000"/>
-                        </a:solidFill>
-                        <a:effectLst/>
-                        <a:latin typeface="Batang" panose="02030600000101010101" pitchFamily="18" charset="-127"/>
-                        <a:ea typeface="Batang" panose="02030600000101010101" pitchFamily="18" charset="-127"/>
-                      </a:endParaRPr>
+                      <a:r>
+                        <a:rPr lang="en-US" sz="1100" b="0" i="0" u="none" strike="noStrike">
+                          <a:solidFill>
+                            <a:srgbClr val="000000"/>
+                          </a:solidFill>
+                          <a:effectLst/>
+                          <a:latin typeface="Batang" panose="02030600000101010101" pitchFamily="18" charset="-127"/>
+                          <a:ea typeface="Batang" panose="02030600000101010101" pitchFamily="18" charset="-127"/>
+                        </a:rPr>
+                        <a:t>838218</a:t>
+                      </a:r>
+                    </a:p>
+                  </a:txBody>
+                  <a:tcPr marL="9525" marR="9525" marT="9525" marB="0" anchor="b"/>
+                </a:tc>
+                <a:tc>
+                  <a:txBody>
+                    <a:bodyPr/>
+                    <a:lstStyle/>
+                    <a:p>
+                      <a:pPr algn="r" fontAlgn="b"/>
+                      <a:r>
+                        <a:rPr lang="en-US" sz="1100" b="0" i="0" u="none" strike="noStrike">
+                          <a:solidFill>
+                            <a:srgbClr val="000000"/>
+                          </a:solidFill>
+                          <a:effectLst/>
+                          <a:latin typeface="Batang" panose="02030600000101010101" pitchFamily="18" charset="-127"/>
+                          <a:ea typeface="Batang" panose="02030600000101010101" pitchFamily="18" charset="-127"/>
+                        </a:rPr>
+                        <a:t>0.73</a:t>
+                      </a:r>
+                    </a:p>
+                  </a:txBody>
+                  <a:tcPr marL="9525" marR="9525" marT="9525" marB="0" anchor="b"/>
+                </a:tc>
+                <a:tc>
+                  <a:txBody>
+                    <a:bodyPr/>
+                    <a:lstStyle/>
+                    <a:p>
+                      <a:pPr algn="r" fontAlgn="b"/>
+                      <a:r>
+                        <a:rPr lang="en-US" sz="1100" b="0" i="0" u="none" strike="noStrike">
+                          <a:solidFill>
+                            <a:srgbClr val="000000"/>
+                          </a:solidFill>
+                          <a:effectLst/>
+                          <a:latin typeface="Batang" panose="02030600000101010101" pitchFamily="18" charset="-127"/>
+                          <a:ea typeface="Batang" panose="02030600000101010101" pitchFamily="18" charset="-127"/>
+                        </a:rPr>
+                        <a:t>55192</a:t>
+                      </a:r>
+                    </a:p>
+                  </a:txBody>
+                  <a:tcPr marL="9525" marR="9525" marT="9525" marB="0" anchor="b"/>
+                </a:tc>
+                <a:tc>
+                  <a:txBody>
+                    <a:bodyPr/>
+                    <a:lstStyle/>
+                    <a:p>
+                      <a:pPr algn="r" fontAlgn="b"/>
+                      <a:r>
+                        <a:rPr lang="en-US" sz="1100" b="0" i="0" u="none" strike="noStrike">
+                          <a:solidFill>
+                            <a:srgbClr val="000000"/>
+                          </a:solidFill>
+                          <a:effectLst/>
+                          <a:latin typeface="Batang" panose="02030600000101010101" pitchFamily="18" charset="-127"/>
+                          <a:ea typeface="Batang" panose="02030600000101010101" pitchFamily="18" charset="-127"/>
+                        </a:rPr>
+                        <a:t>93.42%</a:t>
+                      </a:r>
+                    </a:p>
+                  </a:txBody>
+                  <a:tcPr marL="9525" marR="9525" marT="9525" marB="0" anchor="b"/>
+                </a:tc>
+                <a:tc>
+                  <a:txBody>
+                    <a:bodyPr/>
+                    <a:lstStyle/>
+                    <a:p>
+                      <a:pPr algn="r" fontAlgn="b"/>
+                      <a:r>
+                        <a:rPr lang="en-US" sz="1100" b="0" i="0" u="none" strike="noStrike">
+                          <a:solidFill>
+                            <a:srgbClr val="000000"/>
+                          </a:solidFill>
+                          <a:effectLst/>
+                          <a:latin typeface="Batang" panose="02030600000101010101" pitchFamily="18" charset="-127"/>
+                          <a:ea typeface="Batang" panose="02030600000101010101" pitchFamily="18" charset="-127"/>
+                        </a:rPr>
+                        <a:t>TB</a:t>
+                      </a:r>
+                    </a:p>
+                  </a:txBody>
+                  <a:tcPr marL="9525" marR="9525" marT="9525" marB="0" anchor="b"/>
+                </a:tc>
+                <a:tc>
+                  <a:txBody>
+                    <a:bodyPr/>
+                    <a:lstStyle/>
+                    <a:p>
+                      <a:pPr algn="r" fontAlgn="b"/>
+                      <a:r>
+                        <a:rPr lang="en-US" sz="1100" b="0" i="0" u="none" strike="noStrike">
+                          <a:solidFill>
+                            <a:srgbClr val="000000"/>
+                          </a:solidFill>
+                          <a:effectLst/>
+                          <a:latin typeface="Batang" panose="02030600000101010101" pitchFamily="18" charset="-127"/>
+                          <a:ea typeface="Batang" panose="02030600000101010101" pitchFamily="18" charset="-127"/>
+                        </a:rPr>
+                        <a:t>TB</a:t>
+                      </a:r>
+                    </a:p>
+                  </a:txBody>
+                  <a:tcPr marL="9525" marR="9525" marT="9525" marB="0" anchor="b"/>
+                </a:tc>
+                <a:tc>
+                  <a:txBody>
+                    <a:bodyPr/>
+                    <a:lstStyle/>
+                    <a:p>
+                      <a:pPr algn="r" fontAlgn="b"/>
+                      <a:r>
+                        <a:rPr lang="en-US" sz="1100" b="0" i="0" u="none" strike="noStrike">
+                          <a:solidFill>
+                            <a:srgbClr val="000000"/>
+                          </a:solidFill>
+                          <a:effectLst/>
+                          <a:latin typeface="Batang" panose="02030600000101010101" pitchFamily="18" charset="-127"/>
+                          <a:ea typeface="Batang" panose="02030600000101010101" pitchFamily="18" charset="-127"/>
+                        </a:rPr>
+                        <a:t>TB</a:t>
+                      </a:r>
+                    </a:p>
+                  </a:txBody>
+                  <a:tcPr marL="9525" marR="9525" marT="9525" marB="0" anchor="b"/>
+                </a:tc>
+                <a:tc>
+                  <a:txBody>
+                    <a:bodyPr/>
+                    <a:lstStyle/>
+                    <a:p>
+                      <a:pPr algn="r" fontAlgn="b"/>
+                      <a:r>
+                        <a:rPr lang="en-US" sz="1100" b="0" i="0" u="none" strike="noStrike">
+                          <a:solidFill>
+                            <a:srgbClr val="000000"/>
+                          </a:solidFill>
+                          <a:effectLst/>
+                          <a:latin typeface="Batang" panose="02030600000101010101" pitchFamily="18" charset="-127"/>
+                          <a:ea typeface="Batang" panose="02030600000101010101" pitchFamily="18" charset="-127"/>
+                        </a:rPr>
+                        <a:t>254.98</a:t>
+                      </a:r>
+                    </a:p>
+                  </a:txBody>
+                  <a:tcPr marL="9525" marR="9525" marT="9525" marB="0" anchor="b"/>
+                </a:tc>
+                <a:tc>
+                  <a:txBody>
+                    <a:bodyPr/>
+                    <a:lstStyle/>
+                    <a:p>
+                      <a:pPr algn="r" fontAlgn="b"/>
+                      <a:r>
+                        <a:rPr lang="en-US" sz="1100" b="0" i="0" u="none" strike="noStrike">
+                          <a:solidFill>
+                            <a:srgbClr val="000000"/>
+                          </a:solidFill>
+                          <a:effectLst/>
+                          <a:latin typeface="Batang" panose="02030600000101010101" pitchFamily="18" charset="-127"/>
+                          <a:ea typeface="Batang" panose="02030600000101010101" pitchFamily="18" charset="-127"/>
+                        </a:rPr>
+                        <a:t>46488</a:t>
+                      </a:r>
+                    </a:p>
+                  </a:txBody>
+                  <a:tcPr marL="9525" marR="9525" marT="9525" marB="0" anchor="b"/>
+                </a:tc>
+                <a:tc>
+                  <a:txBody>
+                    <a:bodyPr/>
+                    <a:lstStyle/>
+                    <a:p>
+                      <a:pPr algn="r" fontAlgn="b"/>
+                      <a:r>
+                        <a:rPr lang="en-US" sz="1100" b="0" i="0" u="none" strike="noStrike" dirty="0">
+                          <a:solidFill>
+                            <a:srgbClr val="000000"/>
+                          </a:solidFill>
+                          <a:effectLst/>
+                          <a:latin typeface="Batang" panose="02030600000101010101" pitchFamily="18" charset="-127"/>
+                          <a:ea typeface="Batang" panose="02030600000101010101" pitchFamily="18" charset="-127"/>
+                        </a:rPr>
+                        <a:t>15.77%</a:t>
+                      </a:r>
                     </a:p>
                   </a:txBody>
                   <a:tcPr marL="9525" marR="9525" marT="9525" marB="0" anchor="b"/>

--- a/smallAnimation.pptx
+++ b/smallAnimation.pptx
@@ -1625,7 +1625,9 @@
     <c:showDLblsOverMax val="0"/>
   </c:chart>
   <c:spPr>
-    <a:noFill/>
+    <a:solidFill>
+      <a:schemeClr val="bg1"/>
+    </a:solidFill>
     <a:ln>
       <a:noFill/>
     </a:ln>
@@ -5046,6 +5048,17 @@
 <file path=ppt/slides/slide1.xml><?xml version="1.0" encoding="utf-8"?>
 <p:sld xmlns:a="http://schemas.openxmlformats.org/drawingml/2006/main" xmlns:r="http://schemas.openxmlformats.org/officeDocument/2006/relationships" xmlns:p="http://schemas.openxmlformats.org/presentationml/2006/main">
   <p:cSld>
+    <p:bg>
+      <p:bgPr>
+        <a:solidFill>
+          <a:schemeClr val="accent1">
+            <a:lumMod val="50000"/>
+            <a:alpha val="65000"/>
+          </a:schemeClr>
+        </a:solidFill>
+        <a:effectLst/>
+      </p:bgPr>
+    </p:bg>
     <p:spTree>
       <p:nvGrpSpPr>
         <p:cNvPr id="1" name=""/>
@@ -5077,7 +5090,7 @@
           <a:p>
             <a:r>
               <a:rPr lang="en-US" dirty="0" smtClean="0"/>
-              <a:t>MCP+2-opt</a:t>
+              <a:t>LSP2Opt</a:t>
             </a:r>
             <a:endParaRPr lang="en-US" dirty="0"/>
           </a:p>
@@ -5100,7 +5113,15 @@
           <a:p>
             <a:r>
               <a:rPr lang="en-US" dirty="0" smtClean="0"/>
-              <a:t>Monte-Carlo “Popularity” with 2-opt</a:t>
+              <a:t>Local Search</a:t>
+            </a:r>
+            <a:r>
+              <a:rPr lang="en-US" dirty="0" smtClean="0"/>
+              <a:t> Popularity </a:t>
+            </a:r>
+            <a:r>
+              <a:rPr lang="en-US" dirty="0" smtClean="0"/>
+              <a:t>with 2-opt</a:t>
             </a:r>
             <a:endParaRPr lang="en-US" dirty="0"/>
           </a:p>
@@ -5122,6 +5143,17 @@
 <file path=ppt/slides/slide10.xml><?xml version="1.0" encoding="utf-8"?>
 <p:sld xmlns:a="http://schemas.openxmlformats.org/drawingml/2006/main" xmlns:r="http://schemas.openxmlformats.org/officeDocument/2006/relationships" xmlns:p="http://schemas.openxmlformats.org/presentationml/2006/main">
   <p:cSld>
+    <p:bg>
+      <p:bgPr>
+        <a:solidFill>
+          <a:schemeClr val="accent1">
+            <a:lumMod val="50000"/>
+            <a:alpha val="65000"/>
+          </a:schemeClr>
+        </a:solidFill>
+        <a:effectLst/>
+      </p:bgPr>
+    </p:bg>
     <p:spTree>
       <p:nvGrpSpPr>
         <p:cNvPr id="1" name=""/>
@@ -5176,23 +5208,7 @@
           <a:p>
             <a:r>
               <a:rPr lang="en-US" dirty="0" smtClean="0"/>
-              <a:t>Local search </a:t>
-            </a:r>
-            <a:r>
-              <a:rPr lang="en-US" dirty="0" err="1" smtClean="0"/>
-              <a:t>algo</a:t>
-            </a:r>
-            <a:r>
-              <a:rPr lang="en-US" dirty="0" smtClean="0"/>
-              <a:t> by G.A. </a:t>
-            </a:r>
-            <a:r>
-              <a:rPr lang="en-US" dirty="0" err="1" smtClean="0"/>
-              <a:t>Croes</a:t>
-            </a:r>
-            <a:r>
-              <a:rPr lang="en-US" dirty="0" smtClean="0"/>
-              <a:t> in 1958</a:t>
+              <a:t>Local search heuristic from 1958</a:t>
             </a:r>
           </a:p>
           <a:p>
@@ -5226,6 +5242,17 @@
 <file path=ppt/slides/slide11.xml><?xml version="1.0" encoding="utf-8"?>
 <p:sld xmlns:a="http://schemas.openxmlformats.org/drawingml/2006/main" xmlns:r="http://schemas.openxmlformats.org/officeDocument/2006/relationships" xmlns:p="http://schemas.openxmlformats.org/presentationml/2006/main">
   <p:cSld>
+    <p:bg>
+      <p:bgPr>
+        <a:solidFill>
+          <a:schemeClr val="accent1">
+            <a:lumMod val="50000"/>
+            <a:alpha val="65000"/>
+          </a:schemeClr>
+        </a:solidFill>
+        <a:effectLst/>
+      </p:bgPr>
+    </p:bg>
     <p:spTree>
       <p:nvGrpSpPr>
         <p:cNvPr id="1" name=""/>
@@ -5358,6 +5385,17 @@
 <file path=ppt/slides/slide12.xml><?xml version="1.0" encoding="utf-8"?>
 <p:sld xmlns:a="http://schemas.openxmlformats.org/drawingml/2006/main" xmlns:r="http://schemas.openxmlformats.org/officeDocument/2006/relationships" xmlns:p="http://schemas.openxmlformats.org/presentationml/2006/main">
   <p:cSld>
+    <p:bg>
+      <p:bgPr>
+        <a:solidFill>
+          <a:schemeClr val="accent1">
+            <a:lumMod val="50000"/>
+            <a:alpha val="65000"/>
+          </a:schemeClr>
+        </a:solidFill>
+        <a:effectLst/>
+      </p:bgPr>
+    </p:bg>
     <p:spTree>
       <p:nvGrpSpPr>
         <p:cNvPr id="1" name=""/>
@@ -5582,6 +5620,17 @@
 <file path=ppt/slides/slide13.xml><?xml version="1.0" encoding="utf-8"?>
 <p:sld xmlns:a="http://schemas.openxmlformats.org/drawingml/2006/main" xmlns:r="http://schemas.openxmlformats.org/officeDocument/2006/relationships" xmlns:p="http://schemas.openxmlformats.org/presentationml/2006/main">
   <p:cSld>
+    <p:bg>
+      <p:bgPr>
+        <a:solidFill>
+          <a:schemeClr val="accent1">
+            <a:lumMod val="50000"/>
+            <a:alpha val="65000"/>
+          </a:schemeClr>
+        </a:solidFill>
+        <a:effectLst/>
+      </p:bgPr>
+    </p:bg>
     <p:spTree>
       <p:nvGrpSpPr>
         <p:cNvPr id="1" name=""/>
@@ -5806,6 +5855,17 @@
 <file path=ppt/slides/slide14.xml><?xml version="1.0" encoding="utf-8"?>
 <p:sld xmlns:a="http://schemas.openxmlformats.org/drawingml/2006/main" xmlns:r="http://schemas.openxmlformats.org/officeDocument/2006/relationships" xmlns:p="http://schemas.openxmlformats.org/presentationml/2006/main">
   <p:cSld>
+    <p:bg>
+      <p:bgPr>
+        <a:solidFill>
+          <a:schemeClr val="accent1">
+            <a:lumMod val="50000"/>
+            <a:alpha val="65000"/>
+          </a:schemeClr>
+        </a:solidFill>
+        <a:effectLst/>
+      </p:bgPr>
+    </p:bg>
     <p:spTree>
       <p:nvGrpSpPr>
         <p:cNvPr id="1" name=""/>
@@ -6030,6 +6090,17 @@
 <file path=ppt/slides/slide15.xml><?xml version="1.0" encoding="utf-8"?>
 <p:sld xmlns:a="http://schemas.openxmlformats.org/drawingml/2006/main" xmlns:r="http://schemas.openxmlformats.org/officeDocument/2006/relationships" xmlns:p="http://schemas.openxmlformats.org/presentationml/2006/main">
   <p:cSld>
+    <p:bg>
+      <p:bgPr>
+        <a:solidFill>
+          <a:schemeClr val="accent1">
+            <a:lumMod val="50000"/>
+            <a:alpha val="65000"/>
+          </a:schemeClr>
+        </a:solidFill>
+        <a:effectLst/>
+      </p:bgPr>
+    </p:bg>
     <p:spTree>
       <p:nvGrpSpPr>
         <p:cNvPr id="1" name=""/>
@@ -6254,6 +6325,17 @@
 <file path=ppt/slides/slide16.xml><?xml version="1.0" encoding="utf-8"?>
 <p:sld xmlns:a="http://schemas.openxmlformats.org/drawingml/2006/main" xmlns:r="http://schemas.openxmlformats.org/officeDocument/2006/relationships" xmlns:p="http://schemas.openxmlformats.org/presentationml/2006/main">
   <p:cSld>
+    <p:bg>
+      <p:bgPr>
+        <a:solidFill>
+          <a:schemeClr val="accent1">
+            <a:lumMod val="50000"/>
+            <a:alpha val="65000"/>
+          </a:schemeClr>
+        </a:solidFill>
+        <a:effectLst/>
+      </p:bgPr>
+    </p:bg>
     <p:spTree>
       <p:nvGrpSpPr>
         <p:cNvPr id="1" name=""/>
@@ -6478,6 +6560,17 @@
 <file path=ppt/slides/slide17.xml><?xml version="1.0" encoding="utf-8"?>
 <p:sld xmlns:a="http://schemas.openxmlformats.org/drawingml/2006/main" xmlns:r="http://schemas.openxmlformats.org/officeDocument/2006/relationships" xmlns:p="http://schemas.openxmlformats.org/presentationml/2006/main">
   <p:cSld>
+    <p:bg>
+      <p:bgPr>
+        <a:solidFill>
+          <a:schemeClr val="accent1">
+            <a:lumMod val="50000"/>
+            <a:alpha val="65000"/>
+          </a:schemeClr>
+        </a:solidFill>
+        <a:effectLst/>
+      </p:bgPr>
+    </p:bg>
     <p:spTree>
       <p:nvGrpSpPr>
         <p:cNvPr id="1" name=""/>
@@ -6702,6 +6795,17 @@
 <file path=ppt/slides/slide18.xml><?xml version="1.0" encoding="utf-8"?>
 <p:sld xmlns:a="http://schemas.openxmlformats.org/drawingml/2006/main" xmlns:r="http://schemas.openxmlformats.org/officeDocument/2006/relationships" xmlns:p="http://schemas.openxmlformats.org/presentationml/2006/main">
   <p:cSld>
+    <p:bg>
+      <p:bgPr>
+        <a:solidFill>
+          <a:schemeClr val="accent1">
+            <a:lumMod val="50000"/>
+            <a:alpha val="65000"/>
+          </a:schemeClr>
+        </a:solidFill>
+        <a:effectLst/>
+      </p:bgPr>
+    </p:bg>
     <p:spTree>
       <p:nvGrpSpPr>
         <p:cNvPr id="1" name=""/>
@@ -6926,6 +7030,17 @@
 <file path=ppt/slides/slide19.xml><?xml version="1.0" encoding="utf-8"?>
 <p:sld xmlns:a="http://schemas.openxmlformats.org/drawingml/2006/main" xmlns:r="http://schemas.openxmlformats.org/officeDocument/2006/relationships" xmlns:p="http://schemas.openxmlformats.org/presentationml/2006/main">
   <p:cSld>
+    <p:bg>
+      <p:bgPr>
+        <a:solidFill>
+          <a:schemeClr val="accent1">
+            <a:lumMod val="50000"/>
+            <a:alpha val="65000"/>
+          </a:schemeClr>
+        </a:solidFill>
+        <a:effectLst/>
+      </p:bgPr>
+    </p:bg>
     <p:spTree>
       <p:nvGrpSpPr>
         <p:cNvPr id="1" name=""/>
@@ -7150,6 +7265,17 @@
 <file path=ppt/slides/slide2.xml><?xml version="1.0" encoding="utf-8"?>
 <p:sld xmlns:a="http://schemas.openxmlformats.org/drawingml/2006/main" xmlns:r="http://schemas.openxmlformats.org/officeDocument/2006/relationships" xmlns:p="http://schemas.openxmlformats.org/presentationml/2006/main">
   <p:cSld>
+    <p:bg>
+      <p:bgPr>
+        <a:solidFill>
+          <a:schemeClr val="accent1">
+            <a:lumMod val="50000"/>
+            <a:alpha val="65000"/>
+          </a:schemeClr>
+        </a:solidFill>
+        <a:effectLst/>
+      </p:bgPr>
+    </p:bg>
     <p:spTree>
       <p:nvGrpSpPr>
         <p:cNvPr id="1" name=""/>
@@ -7210,7 +7336,7 @@
           <a:p>
             <a:r>
               <a:rPr lang="en-US" dirty="0" smtClean="0"/>
-              <a:t>Monte Carlo Popularity mod</a:t>
+              <a:t>Local Search Popularity mod</a:t>
             </a:r>
           </a:p>
           <a:p>
@@ -7250,6 +7376,17 @@
 <file path=ppt/slides/slide20.xml><?xml version="1.0" encoding="utf-8"?>
 <p:sld xmlns:a="http://schemas.openxmlformats.org/drawingml/2006/main" xmlns:r="http://schemas.openxmlformats.org/officeDocument/2006/relationships" xmlns:p="http://schemas.openxmlformats.org/presentationml/2006/main">
   <p:cSld>
+    <p:bg>
+      <p:bgPr>
+        <a:solidFill>
+          <a:schemeClr val="accent1">
+            <a:lumMod val="50000"/>
+            <a:alpha val="65000"/>
+          </a:schemeClr>
+        </a:solidFill>
+        <a:effectLst/>
+      </p:bgPr>
+    </p:bg>
     <p:spTree>
       <p:nvGrpSpPr>
         <p:cNvPr id="1" name=""/>
@@ -7474,6 +7611,17 @@
 <file path=ppt/slides/slide21.xml><?xml version="1.0" encoding="utf-8"?>
 <p:sld xmlns:a="http://schemas.openxmlformats.org/drawingml/2006/main" xmlns:r="http://schemas.openxmlformats.org/officeDocument/2006/relationships" xmlns:p="http://schemas.openxmlformats.org/presentationml/2006/main">
   <p:cSld>
+    <p:bg>
+      <p:bgPr>
+        <a:solidFill>
+          <a:schemeClr val="accent1">
+            <a:lumMod val="50000"/>
+            <a:alpha val="65000"/>
+          </a:schemeClr>
+        </a:solidFill>
+        <a:effectLst/>
+      </p:bgPr>
+    </p:bg>
     <p:spTree>
       <p:nvGrpSpPr>
         <p:cNvPr id="1" name=""/>
@@ -7698,6 +7846,17 @@
 <file path=ppt/slides/slide22.xml><?xml version="1.0" encoding="utf-8"?>
 <p:sld xmlns:a="http://schemas.openxmlformats.org/drawingml/2006/main" xmlns:r="http://schemas.openxmlformats.org/officeDocument/2006/relationships" xmlns:p="http://schemas.openxmlformats.org/presentationml/2006/main">
   <p:cSld>
+    <p:bg>
+      <p:bgPr>
+        <a:solidFill>
+          <a:schemeClr val="accent1">
+            <a:lumMod val="50000"/>
+            <a:alpha val="65000"/>
+          </a:schemeClr>
+        </a:solidFill>
+        <a:effectLst/>
+      </p:bgPr>
+    </p:bg>
     <p:spTree>
       <p:nvGrpSpPr>
         <p:cNvPr id="1" name=""/>
@@ -7786,6 +7945,17 @@
 <file path=ppt/slides/slide23.xml><?xml version="1.0" encoding="utf-8"?>
 <p:sld xmlns:a="http://schemas.openxmlformats.org/drawingml/2006/main" xmlns:r="http://schemas.openxmlformats.org/officeDocument/2006/relationships" xmlns:p="http://schemas.openxmlformats.org/presentationml/2006/main">
   <p:cSld>
+    <p:bg>
+      <p:bgPr>
+        <a:solidFill>
+          <a:schemeClr val="accent1">
+            <a:lumMod val="50000"/>
+            <a:alpha val="65000"/>
+          </a:schemeClr>
+        </a:solidFill>
+        <a:effectLst/>
+      </p:bgPr>
+    </p:bg>
     <p:spTree>
       <p:nvGrpSpPr>
         <p:cNvPr id="1" name=""/>
@@ -10707,7 +10877,7 @@
         <p:spPr>
           <a:xfrm>
             <a:off x="9223441" y="1349489"/>
-            <a:ext cx="1206356" cy="369332"/>
+            <a:ext cx="973921" cy="369332"/>
           </a:xfrm>
           <a:prstGeom prst="rect">
             <a:avLst/>
@@ -10722,7 +10892,7 @@
           <a:p>
             <a:r>
               <a:rPr lang="en-US" dirty="0" smtClean="0"/>
-              <a:t>MCP+2Opt</a:t>
+              <a:t>LSP2Opt</a:t>
             </a:r>
             <a:endParaRPr lang="en-US" dirty="0"/>
           </a:p>
@@ -10744,6 +10914,17 @@
 <file path=ppt/slides/slide24.xml><?xml version="1.0" encoding="utf-8"?>
 <p:sld xmlns:a="http://schemas.openxmlformats.org/drawingml/2006/main" xmlns:r="http://schemas.openxmlformats.org/officeDocument/2006/relationships" xmlns:p="http://schemas.openxmlformats.org/presentationml/2006/main">
   <p:cSld>
+    <p:bg>
+      <p:bgPr>
+        <a:solidFill>
+          <a:schemeClr val="accent1">
+            <a:lumMod val="50000"/>
+            <a:alpha val="65000"/>
+          </a:schemeClr>
+        </a:solidFill>
+        <a:effectLst/>
+      </p:bgPr>
+    </p:bg>
     <p:spTree>
       <p:nvGrpSpPr>
         <p:cNvPr id="1" name=""/>
@@ -10791,7 +10972,7 @@
             <p:ph idx="1"/>
             <p:extLst>
               <p:ext uri="{D42A27DB-BD31-4B8C-83A1-F6EECF244321}">
-                <p14:modId xmlns:p14="http://schemas.microsoft.com/office/powerpoint/2010/main" val="3852922933"/>
+                <p14:modId xmlns:p14="http://schemas.microsoft.com/office/powerpoint/2010/main" val="1554662938"/>
               </p:ext>
             </p:extLst>
           </p:nvPr>
@@ -13202,16 +13383,24 @@
                     <a:p>
                       <a:pPr algn="r" fontAlgn="b"/>
                       <a:r>
-                        <a:rPr lang="en-US" sz="1100" b="0" i="0" u="none" strike="noStrike">
-                          <a:solidFill>
-                            <a:srgbClr val="000000"/>
-                          </a:solidFill>
-                          <a:effectLst/>
-                          <a:latin typeface="Batang" panose="02030600000101010101" pitchFamily="18" charset="-127"/>
-                          <a:ea typeface="Batang" panose="02030600000101010101" pitchFamily="18" charset="-127"/>
-                        </a:rPr>
-                        <a:t>0.1</a:t>
-                      </a:r>
+                        <a:rPr lang="en-US" sz="1100" b="0" i="0" u="none" strike="noStrike" dirty="0" smtClean="0">
+                          <a:solidFill>
+                            <a:srgbClr val="000000"/>
+                          </a:solidFill>
+                          <a:effectLst/>
+                          <a:latin typeface="Batang" panose="02030600000101010101" pitchFamily="18" charset="-127"/>
+                          <a:ea typeface="Batang" panose="02030600000101010101" pitchFamily="18" charset="-127"/>
+                        </a:rPr>
+                        <a:t>0.10</a:t>
+                      </a:r>
+                      <a:endParaRPr lang="en-US" sz="1100" b="0" i="0" u="none" strike="noStrike" dirty="0">
+                        <a:solidFill>
+                          <a:srgbClr val="000000"/>
+                        </a:solidFill>
+                        <a:effectLst/>
+                        <a:latin typeface="Batang" panose="02030600000101010101" pitchFamily="18" charset="-127"/>
+                        <a:ea typeface="Batang" panose="02030600000101010101" pitchFamily="18" charset="-127"/>
+                      </a:endParaRPr>
                     </a:p>
                   </a:txBody>
                   <a:tcPr marL="9525" marR="9525" marT="9525" marB="0" anchor="b"/>
@@ -13729,7 +13918,7 @@
         <p:spPr>
           <a:xfrm>
             <a:off x="9223441" y="1349489"/>
-            <a:ext cx="1206356" cy="369332"/>
+            <a:ext cx="973921" cy="369332"/>
           </a:xfrm>
           <a:prstGeom prst="rect">
             <a:avLst/>
@@ -13744,7 +13933,7 @@
           <a:p>
             <a:r>
               <a:rPr lang="en-US" dirty="0" smtClean="0"/>
-              <a:t>MCP+2Opt</a:t>
+              <a:t>LSP2Opt</a:t>
             </a:r>
             <a:endParaRPr lang="en-US" dirty="0"/>
           </a:p>
@@ -13766,6 +13955,17 @@
 <file path=ppt/slides/slide25.xml><?xml version="1.0" encoding="utf-8"?>
 <p:sld xmlns:a="http://schemas.openxmlformats.org/drawingml/2006/main" xmlns:r="http://schemas.openxmlformats.org/officeDocument/2006/relationships" xmlns:p="http://schemas.openxmlformats.org/presentationml/2006/main">
   <p:cSld>
+    <p:bg>
+      <p:bgPr>
+        <a:solidFill>
+          <a:schemeClr val="accent1">
+            <a:lumMod val="50000"/>
+            <a:alpha val="65000"/>
+          </a:schemeClr>
+        </a:solidFill>
+        <a:effectLst/>
+      </p:bgPr>
+    </p:bg>
     <p:spTree>
       <p:nvGrpSpPr>
         <p:cNvPr id="1" name=""/>
@@ -14786,7 +14986,7 @@
                     <a:p>
                       <a:pPr algn="r" fontAlgn="b"/>
                       <a:r>
-                        <a:rPr lang="en-US" sz="1100" b="0" i="0" u="none" strike="noStrike" smtClean="0">
+                        <a:rPr lang="en-US" sz="1100" b="0" i="0" u="none" strike="noStrike" dirty="0" smtClean="0">
                           <a:solidFill>
                             <a:srgbClr val="000000"/>
                           </a:solidFill>
@@ -16723,7 +16923,7 @@
         <p:spPr>
           <a:xfrm>
             <a:off x="9223441" y="1349489"/>
-            <a:ext cx="1206356" cy="369332"/>
+            <a:ext cx="973921" cy="369332"/>
           </a:xfrm>
           <a:prstGeom prst="rect">
             <a:avLst/>
@@ -16738,7 +16938,7 @@
           <a:p>
             <a:r>
               <a:rPr lang="en-US" dirty="0" smtClean="0"/>
-              <a:t>MCP+2Opt</a:t>
+              <a:t>LSP2Opt</a:t>
             </a:r>
             <a:endParaRPr lang="en-US" dirty="0"/>
           </a:p>
@@ -16760,6 +16960,17 @@
 <file path=ppt/slides/slide3.xml><?xml version="1.0" encoding="utf-8"?>
 <p:sld xmlns:a="http://schemas.openxmlformats.org/drawingml/2006/main" xmlns:r="http://schemas.openxmlformats.org/officeDocument/2006/relationships" xmlns:p="http://schemas.openxmlformats.org/presentationml/2006/main">
   <p:cSld>
+    <p:bg>
+      <p:bgPr>
+        <a:solidFill>
+          <a:schemeClr val="accent1">
+            <a:lumMod val="50000"/>
+            <a:alpha val="65000"/>
+          </a:schemeClr>
+        </a:solidFill>
+        <a:effectLst/>
+      </p:bgPr>
+    </p:bg>
     <p:spTree>
       <p:nvGrpSpPr>
         <p:cNvPr id="1" name=""/>
@@ -17360,6 +17571,17 @@
 <file path=ppt/slides/slide4.xml><?xml version="1.0" encoding="utf-8"?>
 <p:sld xmlns:a="http://schemas.openxmlformats.org/drawingml/2006/main" xmlns:r="http://schemas.openxmlformats.org/officeDocument/2006/relationships" xmlns:p="http://schemas.openxmlformats.org/presentationml/2006/main">
   <p:cSld>
+    <p:bg>
+      <p:bgPr>
+        <a:solidFill>
+          <a:schemeClr val="accent1">
+            <a:lumMod val="50000"/>
+            <a:alpha val="65000"/>
+          </a:schemeClr>
+        </a:solidFill>
+        <a:effectLst/>
+      </p:bgPr>
+    </p:bg>
     <p:spTree>
       <p:nvGrpSpPr>
         <p:cNvPr id="1" name=""/>
@@ -17598,6 +17820,17 @@
 <file path=ppt/slides/slide5.xml><?xml version="1.0" encoding="utf-8"?>
 <p:sld xmlns:a="http://schemas.openxmlformats.org/drawingml/2006/main" xmlns:r="http://schemas.openxmlformats.org/officeDocument/2006/relationships" xmlns:p="http://schemas.openxmlformats.org/presentationml/2006/main">
   <p:cSld>
+    <p:bg>
+      <p:bgPr>
+        <a:solidFill>
+          <a:schemeClr val="accent1">
+            <a:lumMod val="50000"/>
+            <a:alpha val="65000"/>
+          </a:schemeClr>
+        </a:solidFill>
+        <a:effectLst/>
+      </p:bgPr>
+    </p:bg>
     <p:spTree>
       <p:nvGrpSpPr>
         <p:cNvPr id="1" name=""/>
@@ -17629,7 +17862,7 @@
           <a:p>
             <a:r>
               <a:rPr lang="en-US" dirty="0" smtClean="0"/>
-              <a:t>Monte Carlo Popularity mod</a:t>
+              <a:t>Local Search Popularity mod</a:t>
             </a:r>
             <a:endParaRPr lang="en-US" dirty="0"/>
           </a:p>
@@ -17657,25 +17890,13 @@
           <a:p>
             <a:r>
               <a:rPr lang="en-US" dirty="0" smtClean="0"/>
-              <a:t>On scale of the ratios between two factors of Popularity, local </a:t>
+              <a:t>On scale of the ratios between two factors of Popularity, local minima exist at (mostly) unpredictable locations</a:t>
             </a:r>
-            <a:r>
-              <a:rPr lang="en-US" dirty="0" err="1" smtClean="0"/>
-              <a:t>minimas</a:t>
-            </a:r>
+          </a:p>
+          <a:p>
             <a:r>
               <a:rPr lang="en-US" dirty="0" smtClean="0"/>
-              <a:t> exist at (mostly) unpredictable locations</a:t>
-            </a:r>
-          </a:p>
-          <a:p>
-            <a:r>
-              <a:rPr lang="en-US" dirty="0" smtClean="0"/>
-              <a:t>Adjust ratio based on last Popularity result to find other </a:t>
-            </a:r>
-            <a:r>
-              <a:rPr lang="en-US" dirty="0" err="1" smtClean="0"/>
-              <a:t>minimas</a:t>
+              <a:t>Adjust ratio based on last Popularity result to find other minima</a:t>
             </a:r>
             <a:endParaRPr lang="en-US" dirty="0"/>
           </a:p>
@@ -17688,7 +17909,7 @@
           <p:nvPr>
             <p:extLst>
               <p:ext uri="{D42A27DB-BD31-4B8C-83A1-F6EECF244321}">
-                <p14:modId xmlns:p14="http://schemas.microsoft.com/office/powerpoint/2010/main" val="3877898234"/>
+                <p14:modId xmlns:p14="http://schemas.microsoft.com/office/powerpoint/2010/main" val="2207217277"/>
               </p:ext>
             </p:extLst>
           </p:nvPr>
@@ -17719,6 +17940,17 @@
 <file path=ppt/slides/slide6.xml><?xml version="1.0" encoding="utf-8"?>
 <p:sld xmlns:a="http://schemas.openxmlformats.org/drawingml/2006/main" xmlns:r="http://schemas.openxmlformats.org/officeDocument/2006/relationships" xmlns:p="http://schemas.openxmlformats.org/presentationml/2006/main">
   <p:cSld>
+    <p:bg>
+      <p:bgPr>
+        <a:solidFill>
+          <a:schemeClr val="accent1">
+            <a:lumMod val="50000"/>
+            <a:alpha val="65000"/>
+          </a:schemeClr>
+        </a:solidFill>
+        <a:effectLst/>
+      </p:bgPr>
+    </p:bg>
     <p:spTree>
       <p:nvGrpSpPr>
         <p:cNvPr id="1" name=""/>
@@ -17750,7 +17982,7 @@
           <a:p>
             <a:r>
               <a:rPr lang="en-US" dirty="0" smtClean="0"/>
-              <a:t>Monte Carlo Popularity mod</a:t>
+              <a:t>Local Search Popularity mod</a:t>
             </a:r>
             <a:endParaRPr lang="en-US" dirty="0"/>
           </a:p>
@@ -18002,6 +18234,17 @@
 <file path=ppt/slides/slide7.xml><?xml version="1.0" encoding="utf-8"?>
 <p:sld xmlns:a="http://schemas.openxmlformats.org/drawingml/2006/main" xmlns:r="http://schemas.openxmlformats.org/officeDocument/2006/relationships" xmlns:p="http://schemas.openxmlformats.org/presentationml/2006/main">
   <p:cSld>
+    <p:bg>
+      <p:bgPr>
+        <a:solidFill>
+          <a:schemeClr val="accent1">
+            <a:lumMod val="50000"/>
+            <a:alpha val="65000"/>
+          </a:schemeClr>
+        </a:solidFill>
+        <a:effectLst/>
+      </p:bgPr>
+    </p:bg>
     <p:spTree>
       <p:nvGrpSpPr>
         <p:cNvPr id="1" name=""/>
@@ -18033,7 +18276,7 @@
           <a:p>
             <a:r>
               <a:rPr lang="en-US" dirty="0" smtClean="0"/>
-              <a:t>Monte Carlo Popularity mod</a:t>
+              <a:t>Local Search Popularity mod</a:t>
             </a:r>
             <a:endParaRPr lang="en-US" dirty="0"/>
           </a:p>
@@ -18288,6 +18531,17 @@
 <file path=ppt/slides/slide8.xml><?xml version="1.0" encoding="utf-8"?>
 <p:sld xmlns:a="http://schemas.openxmlformats.org/drawingml/2006/main" xmlns:r="http://schemas.openxmlformats.org/officeDocument/2006/relationships" xmlns:p="http://schemas.openxmlformats.org/presentationml/2006/main">
   <p:cSld>
+    <p:bg>
+      <p:bgPr>
+        <a:solidFill>
+          <a:schemeClr val="accent1">
+            <a:lumMod val="50000"/>
+            <a:alpha val="65000"/>
+          </a:schemeClr>
+        </a:solidFill>
+        <a:effectLst/>
+      </p:bgPr>
+    </p:bg>
     <p:spTree>
       <p:nvGrpSpPr>
         <p:cNvPr id="1" name=""/>
@@ -18319,7 +18573,7 @@
           <a:p>
             <a:r>
               <a:rPr lang="en-US" dirty="0" smtClean="0"/>
-              <a:t>Monte Carlo Popularity mod</a:t>
+              <a:t>Local Search Popularity mod</a:t>
             </a:r>
             <a:endParaRPr lang="en-US" dirty="0"/>
           </a:p>
@@ -18576,6 +18830,17 @@
 <file path=ppt/slides/slide9.xml><?xml version="1.0" encoding="utf-8"?>
 <p:sld xmlns:a="http://schemas.openxmlformats.org/drawingml/2006/main" xmlns:r="http://schemas.openxmlformats.org/officeDocument/2006/relationships" xmlns:p="http://schemas.openxmlformats.org/presentationml/2006/main">
   <p:cSld>
+    <p:bg>
+      <p:bgPr>
+        <a:solidFill>
+          <a:schemeClr val="accent1">
+            <a:lumMod val="50000"/>
+            <a:alpha val="65000"/>
+          </a:schemeClr>
+        </a:solidFill>
+        <a:effectLst/>
+      </p:bgPr>
+    </p:bg>
     <p:spTree>
       <p:nvGrpSpPr>
         <p:cNvPr id="1" name=""/>
@@ -18607,7 +18872,7 @@
           <a:p>
             <a:r>
               <a:rPr lang="en-US" dirty="0" smtClean="0"/>
-              <a:t>Monte Carlo Popularity mod</a:t>
+              <a:t>Local Search Popularity mod</a:t>
             </a:r>
             <a:endParaRPr lang="en-US" dirty="0"/>
           </a:p>

--- a/smallAnimation.pptx
+++ b/smallAnimation.pptx
@@ -1469,11 +1469,11 @@
           <c:showBubbleSize val="0"/>
         </c:dLbls>
         <c:smooth val="0"/>
-        <c:axId val="365769800"/>
-        <c:axId val="365773328"/>
+        <c:axId val="198015392"/>
+        <c:axId val="198016512"/>
       </c:lineChart>
       <c:catAx>
-        <c:axId val="365769800"/>
+        <c:axId val="198015392"/>
         <c:scaling>
           <c:orientation val="minMax"/>
         </c:scaling>
@@ -1497,7 +1497,7 @@
           <a:effectLst/>
         </c:spPr>
         <c:txPr>
-          <a:bodyPr rot="0" spcFirstLastPara="1" vertOverflow="ellipsis" vert="horz" wrap="square" anchor="ctr" anchorCtr="1"/>
+          <a:bodyPr rot="0" spcFirstLastPara="1" vertOverflow="ellipsis" wrap="square" anchor="ctr" anchorCtr="1"/>
           <a:lstStyle/>
           <a:p>
             <a:pPr>
@@ -1516,7 +1516,7 @@
             <a:endParaRPr lang="en-US"/>
           </a:p>
         </c:txPr>
-        <c:crossAx val="365773328"/>
+        <c:crossAx val="198016512"/>
         <c:crosses val="autoZero"/>
         <c:auto val="1"/>
         <c:lblAlgn val="ctr"/>
@@ -1524,7 +1524,7 @@
         <c:noMultiLvlLbl val="0"/>
       </c:catAx>
       <c:valAx>
-        <c:axId val="365773328"/>
+        <c:axId val="198016512"/>
         <c:scaling>
           <c:orientation val="minMax"/>
           <c:min val="1000"/>
@@ -1576,7 +1576,7 @@
             <a:endParaRPr lang="en-US"/>
           </a:p>
         </c:txPr>
-        <c:crossAx val="365769800"/>
+        <c:crossAx val="198015392"/>
         <c:crosses val="autoZero"/>
         <c:crossBetween val="between"/>
       </c:valAx>
@@ -5113,15 +5113,7 @@
           <a:p>
             <a:r>
               <a:rPr lang="en-US" dirty="0" smtClean="0"/>
-              <a:t>Local Search</a:t>
-            </a:r>
-            <a:r>
-              <a:rPr lang="en-US" dirty="0" smtClean="0"/>
-              <a:t> Popularity </a:t>
-            </a:r>
-            <a:r>
-              <a:rPr lang="en-US" dirty="0" smtClean="0"/>
-              <a:t>with 2-opt</a:t>
+              <a:t>Local Search Popularity with 2-opt</a:t>
             </a:r>
             <a:endParaRPr lang="en-US" dirty="0"/>
           </a:p>
@@ -5573,7 +5565,7 @@
           <a:noFill/>
           <a:ln>
             <a:solidFill>
-              <a:schemeClr val="accent1"/>
+              <a:schemeClr val="accent4"/>
             </a:solidFill>
           </a:ln>
         </p:spPr>
@@ -5808,7 +5800,7 @@
           <a:noFill/>
           <a:ln>
             <a:solidFill>
-              <a:schemeClr val="accent1"/>
+              <a:schemeClr val="accent4"/>
             </a:solidFill>
           </a:ln>
         </p:spPr>
@@ -6043,7 +6035,7 @@
           <a:noFill/>
           <a:ln>
             <a:solidFill>
-              <a:schemeClr val="accent1"/>
+              <a:schemeClr val="accent4"/>
             </a:solidFill>
           </a:ln>
         </p:spPr>
@@ -6278,7 +6270,7 @@
           <a:noFill/>
           <a:ln>
             <a:solidFill>
-              <a:schemeClr val="accent1"/>
+              <a:schemeClr val="accent4"/>
             </a:solidFill>
           </a:ln>
         </p:spPr>
@@ -6513,7 +6505,7 @@
           <a:noFill/>
           <a:ln>
             <a:solidFill>
-              <a:schemeClr val="accent1"/>
+              <a:schemeClr val="accent4"/>
             </a:solidFill>
           </a:ln>
         </p:spPr>
@@ -6748,7 +6740,7 @@
           <a:noFill/>
           <a:ln>
             <a:solidFill>
-              <a:schemeClr val="accent1"/>
+              <a:schemeClr val="accent4"/>
             </a:solidFill>
           </a:ln>
         </p:spPr>
@@ -6983,7 +6975,7 @@
           <a:noFill/>
           <a:ln>
             <a:solidFill>
-              <a:schemeClr val="accent1"/>
+              <a:schemeClr val="accent4"/>
             </a:solidFill>
           </a:ln>
         </p:spPr>
@@ -7218,7 +7210,7 @@
           <a:noFill/>
           <a:ln>
             <a:solidFill>
-              <a:schemeClr val="accent1"/>
+              <a:schemeClr val="accent4"/>
             </a:solidFill>
           </a:ln>
         </p:spPr>
@@ -7564,7 +7556,7 @@
           <a:noFill/>
           <a:ln>
             <a:solidFill>
-              <a:schemeClr val="accent1"/>
+              <a:schemeClr val="accent4"/>
             </a:solidFill>
           </a:ln>
         </p:spPr>
@@ -7799,7 +7791,7 @@
           <a:noFill/>
           <a:ln>
             <a:solidFill>
-              <a:schemeClr val="accent1"/>
+              <a:schemeClr val="accent4"/>
             </a:solidFill>
           </a:ln>
         </p:spPr>
@@ -7824,7 +7816,7 @@
             <a:pPr algn="ctr"/>
             <a:endParaRPr lang="en-US">
               <a:solidFill>
-                <a:srgbClr val="0070C0"/>
+                <a:schemeClr val="accent4"/>
               </a:solidFill>
             </a:endParaRPr>
           </a:p>
@@ -17619,8 +17611,8 @@
           </a:p>
         </p:txBody>
       </p:sp>
-      <mc:AlternateContent xmlns:mc="http://schemas.openxmlformats.org/markup-compatibility/2006">
-        <mc:Choice xmlns:a14="http://schemas.microsoft.com/office/drawing/2010/main" Requires="a14">
+      <mc:AlternateContent xmlns:mc="http://schemas.openxmlformats.org/markup-compatibility/2006" xmlns:a14="http://schemas.microsoft.com/office/drawing/2010/main">
+        <mc:Choice Requires="a14">
           <p:sp>
             <p:nvSpPr>
               <p:cNvPr id="3" name="Content Placeholder 2"/>
@@ -17766,7 +17758,7 @@
             </p:txBody>
           </p:sp>
         </mc:Choice>
-        <mc:Fallback>
+        <mc:Fallback xmlns="">
           <p:sp>
             <p:nvSpPr>
               <p:cNvPr id="3" name="Content Placeholder 2"/>
@@ -17988,8 +17980,8 @@
           </a:p>
         </p:txBody>
       </p:sp>
-      <mc:AlternateContent xmlns:mc="http://schemas.openxmlformats.org/markup-compatibility/2006">
-        <mc:Choice xmlns:a14="http://schemas.microsoft.com/office/drawing/2010/main" Requires="a14">
+      <mc:AlternateContent xmlns:mc="http://schemas.openxmlformats.org/markup-compatibility/2006" xmlns:a14="http://schemas.microsoft.com/office/drawing/2010/main">
+        <mc:Choice Requires="a14">
           <p:sp>
             <p:nvSpPr>
               <p:cNvPr id="3" name="Content Placeholder 2"/>
@@ -18082,7 +18074,7 @@
                             <m:f>
                               <m:fPr>
                                 <m:ctrlPr>
-                                  <a:rPr lang="en-US" b="0" i="0" smtClean="0">
+                                  <a:rPr lang="en-US" b="0" i="1" smtClean="0">
                                     <a:latin typeface="Cambria Math" panose="02040503050406030204" pitchFamily="18" charset="0"/>
                                   </a:rPr>
                                 </m:ctrlPr>
@@ -18180,7 +18172,7 @@
             </p:txBody>
           </p:sp>
         </mc:Choice>
-        <mc:Fallback>
+        <mc:Fallback xmlns="">
           <p:sp>
             <p:nvSpPr>
               <p:cNvPr id="3" name="Content Placeholder 2"/>
@@ -18282,8 +18274,8 @@
           </a:p>
         </p:txBody>
       </p:sp>
-      <mc:AlternateContent xmlns:mc="http://schemas.openxmlformats.org/markup-compatibility/2006">
-        <mc:Choice xmlns:a14="http://schemas.microsoft.com/office/drawing/2010/main" Requires="a14">
+      <mc:AlternateContent xmlns:mc="http://schemas.openxmlformats.org/markup-compatibility/2006" xmlns:a14="http://schemas.microsoft.com/office/drawing/2010/main">
+        <mc:Choice Requires="a14">
           <p:sp>
             <p:nvSpPr>
               <p:cNvPr id="3" name="Content Placeholder 2"/>
@@ -18370,7 +18362,7 @@
                             <m:f>
                               <m:fPr>
                                 <m:ctrlPr>
-                                  <a:rPr lang="en-US" b="0" i="0" smtClean="0">
+                                  <a:rPr lang="en-US" b="0" i="1" smtClean="0">
                                     <a:latin typeface="Cambria Math" panose="02040503050406030204" pitchFamily="18" charset="0"/>
                                   </a:rPr>
                                 </m:ctrlPr>
@@ -18477,7 +18469,7 @@
             </p:txBody>
           </p:sp>
         </mc:Choice>
-        <mc:Fallback>
+        <mc:Fallback xmlns="">
           <p:sp>
             <p:nvSpPr>
               <p:cNvPr id="3" name="Content Placeholder 2"/>
@@ -18579,8 +18571,8 @@
           </a:p>
         </p:txBody>
       </p:sp>
-      <mc:AlternateContent xmlns:mc="http://schemas.openxmlformats.org/markup-compatibility/2006">
-        <mc:Choice xmlns:a14="http://schemas.microsoft.com/office/drawing/2010/main" Requires="a14">
+      <mc:AlternateContent xmlns:mc="http://schemas.openxmlformats.org/markup-compatibility/2006" xmlns:a14="http://schemas.microsoft.com/office/drawing/2010/main">
+        <mc:Choice Requires="a14">
           <p:sp>
             <p:nvSpPr>
               <p:cNvPr id="3" name="Content Placeholder 2"/>
@@ -18667,7 +18659,7 @@
                             <m:f>
                               <m:fPr>
                                 <m:ctrlPr>
-                                  <a:rPr lang="en-US" b="0" i="0" smtClean="0">
+                                  <a:rPr lang="en-US" b="0" i="1" smtClean="0">
                                     <a:latin typeface="Cambria Math" panose="02040503050406030204" pitchFamily="18" charset="0"/>
                                   </a:rPr>
                                 </m:ctrlPr>
@@ -18776,7 +18768,7 @@
             </p:txBody>
           </p:sp>
         </mc:Choice>
-        <mc:Fallback>
+        <mc:Fallback xmlns="">
           <p:sp>
             <p:nvSpPr>
               <p:cNvPr id="3" name="Content Placeholder 2"/>
@@ -18878,8 +18870,8 @@
           </a:p>
         </p:txBody>
       </p:sp>
-      <mc:AlternateContent xmlns:mc="http://schemas.openxmlformats.org/markup-compatibility/2006">
-        <mc:Choice xmlns:a14="http://schemas.microsoft.com/office/drawing/2010/main" Requires="a14">
+      <mc:AlternateContent xmlns:mc="http://schemas.openxmlformats.org/markup-compatibility/2006" xmlns:a14="http://schemas.microsoft.com/office/drawing/2010/main">
+        <mc:Choice Requires="a14">
           <p:sp>
             <p:nvSpPr>
               <p:cNvPr id="3" name="Content Placeholder 2"/>
@@ -18966,7 +18958,7 @@
                             <m:f>
                               <m:fPr>
                                 <m:ctrlPr>
-                                  <a:rPr lang="en-US" b="0" i="0" smtClean="0">
+                                  <a:rPr lang="en-US" b="0" i="1" smtClean="0">
                                     <a:latin typeface="Cambria Math" panose="02040503050406030204" pitchFamily="18" charset="0"/>
                                   </a:rPr>
                                 </m:ctrlPr>
@@ -19079,7 +19071,7 @@
             </p:txBody>
           </p:sp>
         </mc:Choice>
-        <mc:Fallback>
+        <mc:Fallback xmlns="">
           <p:sp>
             <p:nvSpPr>
               <p:cNvPr id="3" name="Content Placeholder 2"/>
